--- a/Documentos/Status Report/StatusReport.pptx
+++ b/Documentos/Status Report/StatusReport.pptx
@@ -7,14 +7,15 @@
     <p:sldMasterId id="2147483665" r:id="rId6"/>
   </p:sldMasterIdLst>
   <p:notesMasterIdLst>
-    <p:notesMasterId r:id="rId9"/>
+    <p:notesMasterId r:id="rId10"/>
   </p:notesMasterIdLst>
   <p:handoutMasterIdLst>
-    <p:handoutMasterId r:id="rId10"/>
+    <p:handoutMasterId r:id="rId11"/>
   </p:handoutMasterIdLst>
   <p:sldIdLst>
     <p:sldId id="472" r:id="rId7"/>
     <p:sldId id="482" r:id="rId8"/>
+    <p:sldId id="483" r:id="rId9"/>
   </p:sldIdLst>
   <p:sldSz cx="13442950" cy="7561263"/>
   <p:notesSz cx="7104063" cy="10234613"/>
@@ -123,6 +124,7 @@
           <p14:sldIdLst>
             <p14:sldId id="472"/>
             <p14:sldId id="482"/>
+            <p14:sldId id="483"/>
           </p14:sldIdLst>
         </p14:section>
       </p14:sectionLst>
@@ -148,7 +150,7 @@
 <file path=ppt/revisionInfo.xml><?xml version="1.0" encoding="utf-8"?>
 <p1510:revInfo xmlns:a="http://schemas.openxmlformats.org/drawingml/2006/main" xmlns:r="http://schemas.openxmlformats.org/officeDocument/2006/relationships" xmlns:p1510="http://schemas.microsoft.com/office/powerpoint/2015/10/main">
   <p1510:revLst>
-    <p1510:client id="{F9C9C19C-987F-4522-8941-89CCA1CA217B}" v="5" dt="2022-02-15T14:05:51.745"/>
+    <p1510:client id="{F9C9C19C-987F-4522-8941-89CCA1CA217B}" v="6" dt="2022-02-22T11:52:07.620"/>
   </p1510:revLst>
 </p1510:revInfo>
 </file>
@@ -157,8 +159,8 @@
 <pc:chgInfo xmlns:a="http://schemas.openxmlformats.org/drawingml/2006/main" xmlns:r="http://schemas.openxmlformats.org/officeDocument/2006/relationships" xmlns:ac="http://schemas.microsoft.com/office/drawing/2013/main/command" xmlns:pc="http://schemas.microsoft.com/office/powerpoint/2013/main/command">
   <pc:docChgLst>
     <pc:chgData name="Ferreira, Vinicius Novais" userId="cbb4d67d-f9b3-40c7-a629-1bdeb4d5c819" providerId="ADAL" clId="{F9C9C19C-987F-4522-8941-89CCA1CA217B}"/>
-    <pc:docChg chg="undo custSel delSld modSld modSection">
-      <pc:chgData name="Ferreira, Vinicius Novais" userId="cbb4d67d-f9b3-40c7-a629-1bdeb4d5c819" providerId="ADAL" clId="{F9C9C19C-987F-4522-8941-89CCA1CA217B}" dt="2022-02-15T14:07:27.410" v="916" actId="1035"/>
+    <pc:docChg chg="undo custSel addSld delSld modSld modSection">
+      <pc:chgData name="Ferreira, Vinicius Novais" userId="cbb4d67d-f9b3-40c7-a629-1bdeb4d5c819" providerId="ADAL" clId="{F9C9C19C-987F-4522-8941-89CCA1CA217B}" dt="2022-02-22T12:10:12.511" v="1444" actId="20577"/>
       <pc:docMkLst>
         <pc:docMk/>
       </pc:docMkLst>
@@ -270,14 +272,14 @@
           <pc:sldMk cId="431365772" sldId="481"/>
         </pc:sldMkLst>
       </pc:sldChg>
-      <pc:sldChg chg="addSp modSp mod">
-        <pc:chgData name="Ferreira, Vinicius Novais" userId="cbb4d67d-f9b3-40c7-a629-1bdeb4d5c819" providerId="ADAL" clId="{F9C9C19C-987F-4522-8941-89CCA1CA217B}" dt="2022-02-15T14:07:27.410" v="916" actId="1035"/>
+      <pc:sldChg chg="addSp delSp modSp mod">
+        <pc:chgData name="Ferreira, Vinicius Novais" userId="cbb4d67d-f9b3-40c7-a629-1bdeb4d5c819" providerId="ADAL" clId="{F9C9C19C-987F-4522-8941-89CCA1CA217B}" dt="2022-02-22T12:09:46.673" v="1441" actId="1035"/>
         <pc:sldMkLst>
           <pc:docMk/>
           <pc:sldMk cId="1871888551" sldId="482"/>
         </pc:sldMkLst>
         <pc:spChg chg="add mod">
-          <ac:chgData name="Ferreira, Vinicius Novais" userId="cbb4d67d-f9b3-40c7-a629-1bdeb4d5c819" providerId="ADAL" clId="{F9C9C19C-987F-4522-8941-89CCA1CA217B}" dt="2022-02-15T14:07:08.801" v="914" actId="1036"/>
+          <ac:chgData name="Ferreira, Vinicius Novais" userId="cbb4d67d-f9b3-40c7-a629-1bdeb4d5c819" providerId="ADAL" clId="{F9C9C19C-987F-4522-8941-89CCA1CA217B}" dt="2022-02-22T12:09:43.033" v="1436" actId="1036"/>
           <ac:spMkLst>
             <pc:docMk/>
             <pc:sldMk cId="1871888551" sldId="482"/>
@@ -340,12 +342,115 @@
             <ac:spMk id="39" creationId="{8ACE77DB-7A0A-4BC8-8D52-875743F65432}"/>
           </ac:spMkLst>
         </pc:spChg>
-        <pc:spChg chg="add mod">
-          <ac:chgData name="Ferreira, Vinicius Novais" userId="cbb4d67d-f9b3-40c7-a629-1bdeb4d5c819" providerId="ADAL" clId="{F9C9C19C-987F-4522-8941-89CCA1CA217B}" dt="2022-02-15T14:06:22.721" v="899" actId="1037"/>
+        <pc:spChg chg="add del mod">
+          <ac:chgData name="Ferreira, Vinicius Novais" userId="cbb4d67d-f9b3-40c7-a629-1bdeb4d5c819" providerId="ADAL" clId="{F9C9C19C-987F-4522-8941-89CCA1CA217B}" dt="2022-02-22T11:48:27.481" v="1066"/>
           <ac:spMkLst>
             <pc:docMk/>
             <pc:sldMk cId="1871888551" sldId="482"/>
             <ac:spMk id="40" creationId="{462C09F0-1270-4C9F-9783-CC87F0AEC8FA}"/>
+          </ac:spMkLst>
+        </pc:spChg>
+        <pc:spChg chg="add mod">
+          <ac:chgData name="Ferreira, Vinicius Novais" userId="cbb4d67d-f9b3-40c7-a629-1bdeb4d5c819" providerId="ADAL" clId="{F9C9C19C-987F-4522-8941-89CCA1CA217B}" dt="2022-02-22T11:49:15.836" v="1081" actId="1035"/>
+          <ac:spMkLst>
+            <pc:docMk/>
+            <pc:sldMk cId="1871888551" sldId="482"/>
+            <ac:spMk id="41" creationId="{3A37FF42-F1FD-416E-AAD7-A80DC7672FC8}"/>
+          </ac:spMkLst>
+        </pc:spChg>
+        <pc:spChg chg="add del mod">
+          <ac:chgData name="Ferreira, Vinicius Novais" userId="cbb4d67d-f9b3-40c7-a629-1bdeb4d5c819" providerId="ADAL" clId="{F9C9C19C-987F-4522-8941-89CCA1CA217B}" dt="2022-02-22T12:04:32.497" v="1267" actId="478"/>
+          <ac:spMkLst>
+            <pc:docMk/>
+            <pc:sldMk cId="1871888551" sldId="482"/>
+            <ac:spMk id="42" creationId="{506D20DE-D195-4C2F-8029-333F25DFAC4A}"/>
+          </ac:spMkLst>
+        </pc:spChg>
+        <pc:spChg chg="add mod">
+          <ac:chgData name="Ferreira, Vinicius Novais" userId="cbb4d67d-f9b3-40c7-a629-1bdeb4d5c819" providerId="ADAL" clId="{F9C9C19C-987F-4522-8941-89CCA1CA217B}" dt="2022-02-22T12:09:46.673" v="1441" actId="1035"/>
+          <ac:spMkLst>
+            <pc:docMk/>
+            <pc:sldMk cId="1871888551" sldId="482"/>
+            <ac:spMk id="43" creationId="{53F8A22D-182B-4E44-94A4-AFA4B71FFD84}"/>
+          </ac:spMkLst>
+        </pc:spChg>
+      </pc:sldChg>
+      <pc:sldChg chg="addSp delSp modSp add mod">
+        <pc:chgData name="Ferreira, Vinicius Novais" userId="cbb4d67d-f9b3-40c7-a629-1bdeb4d5c819" providerId="ADAL" clId="{F9C9C19C-987F-4522-8941-89CCA1CA217B}" dt="2022-02-22T12:10:12.511" v="1444" actId="20577"/>
+        <pc:sldMkLst>
+          <pc:docMk/>
+          <pc:sldMk cId="3424229560" sldId="483"/>
+        </pc:sldMkLst>
+        <pc:spChg chg="del">
+          <ac:chgData name="Ferreira, Vinicius Novais" userId="cbb4d67d-f9b3-40c7-a629-1bdeb4d5c819" providerId="ADAL" clId="{F9C9C19C-987F-4522-8941-89CCA1CA217B}" dt="2022-02-22T11:50:59.822" v="1180" actId="478"/>
+          <ac:spMkLst>
+            <pc:docMk/>
+            <pc:sldMk cId="3424229560" sldId="483"/>
+            <ac:spMk id="2" creationId="{B60E53B6-5296-4D28-8BB7-4463C1D01063}"/>
+          </ac:spMkLst>
+        </pc:spChg>
+        <pc:spChg chg="mod">
+          <ac:chgData name="Ferreira, Vinicius Novais" userId="cbb4d67d-f9b3-40c7-a629-1bdeb4d5c819" providerId="ADAL" clId="{F9C9C19C-987F-4522-8941-89CCA1CA217B}" dt="2022-02-22T12:10:12.511" v="1444" actId="20577"/>
+          <ac:spMkLst>
+            <pc:docMk/>
+            <pc:sldMk cId="3424229560" sldId="483"/>
+            <ac:spMk id="21" creationId="{C488E075-24DD-4CAC-A846-48FBDF28D797}"/>
+          </ac:spMkLst>
+        </pc:spChg>
+        <pc:spChg chg="mod">
+          <ac:chgData name="Ferreira, Vinicius Novais" userId="cbb4d67d-f9b3-40c7-a629-1bdeb4d5c819" providerId="ADAL" clId="{F9C9C19C-987F-4522-8941-89CCA1CA217B}" dt="2022-02-22T11:50:10.109" v="1124" actId="20577"/>
+          <ac:spMkLst>
+            <pc:docMk/>
+            <pc:sldMk cId="3424229560" sldId="483"/>
+            <ac:spMk id="32" creationId="{224F3AF8-BD84-4D63-8F6E-083FA677F2DB}"/>
+          </ac:spMkLst>
+        </pc:spChg>
+        <pc:spChg chg="mod">
+          <ac:chgData name="Ferreira, Vinicius Novais" userId="cbb4d67d-f9b3-40c7-a629-1bdeb4d5c819" providerId="ADAL" clId="{F9C9C19C-987F-4522-8941-89CCA1CA217B}" dt="2022-02-22T12:09:10.041" v="1433" actId="20577"/>
+          <ac:spMkLst>
+            <pc:docMk/>
+            <pc:sldMk cId="3424229560" sldId="483"/>
+            <ac:spMk id="33" creationId="{F0F9D098-FF4D-4A23-BBE2-370207E68022}"/>
+          </ac:spMkLst>
+        </pc:spChg>
+        <pc:spChg chg="mod">
+          <ac:chgData name="Ferreira, Vinicius Novais" userId="cbb4d67d-f9b3-40c7-a629-1bdeb4d5c819" providerId="ADAL" clId="{F9C9C19C-987F-4522-8941-89CCA1CA217B}" dt="2022-02-22T12:04:14.441" v="1263" actId="20577"/>
+          <ac:spMkLst>
+            <pc:docMk/>
+            <pc:sldMk cId="3424229560" sldId="483"/>
+            <ac:spMk id="39" creationId="{8ACE77DB-7A0A-4BC8-8D52-875743F65432}"/>
+          </ac:spMkLst>
+        </pc:spChg>
+        <pc:spChg chg="del mod">
+          <ac:chgData name="Ferreira, Vinicius Novais" userId="cbb4d67d-f9b3-40c7-a629-1bdeb4d5c819" providerId="ADAL" clId="{F9C9C19C-987F-4522-8941-89CCA1CA217B}" dt="2022-02-22T11:51:03.762" v="1183"/>
+          <ac:spMkLst>
+            <pc:docMk/>
+            <pc:sldMk cId="3424229560" sldId="483"/>
+            <ac:spMk id="40" creationId="{462C09F0-1270-4C9F-9783-CC87F0AEC8FA}"/>
+          </ac:spMkLst>
+        </pc:spChg>
+        <pc:spChg chg="add mod">
+          <ac:chgData name="Ferreira, Vinicius Novais" userId="cbb4d67d-f9b3-40c7-a629-1bdeb4d5c819" providerId="ADAL" clId="{F9C9C19C-987F-4522-8941-89CCA1CA217B}" dt="2022-02-22T11:52:35.888" v="1250" actId="1035"/>
+          <ac:spMkLst>
+            <pc:docMk/>
+            <pc:sldMk cId="3424229560" sldId="483"/>
+            <ac:spMk id="41" creationId="{9F2435F4-D8E1-4B45-ACBE-3E11103411BA}"/>
+          </ac:spMkLst>
+        </pc:spChg>
+        <pc:spChg chg="add mod">
+          <ac:chgData name="Ferreira, Vinicius Novais" userId="cbb4d67d-f9b3-40c7-a629-1bdeb4d5c819" providerId="ADAL" clId="{F9C9C19C-987F-4522-8941-89CCA1CA217B}" dt="2022-02-22T11:52:30.214" v="1247" actId="1037"/>
+          <ac:spMkLst>
+            <pc:docMk/>
+            <pc:sldMk cId="3424229560" sldId="483"/>
+            <ac:spMk id="42" creationId="{A612A69C-3AD8-4157-B1D4-B831D3F14F61}"/>
+          </ac:spMkLst>
+        </pc:spChg>
+        <pc:spChg chg="add mod">
+          <ac:chgData name="Ferreira, Vinicius Novais" userId="cbb4d67d-f9b3-40c7-a629-1bdeb4d5c819" providerId="ADAL" clId="{F9C9C19C-987F-4522-8941-89CCA1CA217B}" dt="2022-02-22T12:07:07.039" v="1350" actId="1037"/>
+          <ac:spMkLst>
+            <pc:docMk/>
+            <pc:sldMk cId="3424229560" sldId="483"/>
+            <ac:spMk id="43" creationId="{B00F4A3F-EDE2-489C-8C3A-91F9B7B75AAD}"/>
           </ac:spMkLst>
         </pc:spChg>
       </pc:sldChg>
@@ -452,7 +557,7 @@
             <a:fld id="{C3CD65D1-5C11-455D-9F9A-0E035F00A0DA}" type="datetimeFigureOut">
               <a:rPr lang="pt-BR" smtClean="0"/>
               <a:pPr/>
-              <a:t>15/02/2022</a:t>
+              <a:t>22/02/2022</a:t>
             </a:fld>
             <a:endParaRPr lang="pt-BR"/>
           </a:p>
@@ -620,7 +725,7 @@
             <a:fld id="{A05DA3EF-18EA-43DE-B1BB-402A3C558822}" type="datetimeFigureOut">
               <a:rPr lang="pt-BR" smtClean="0"/>
               <a:pPr/>
-              <a:t>15/02/2022</a:t>
+              <a:t>22/02/2022</a:t>
             </a:fld>
             <a:endParaRPr lang="pt-BR"/>
           </a:p>
@@ -22547,7 +22652,7 @@
         </p:nvSpPr>
         <p:spPr>
           <a:xfrm>
-            <a:off x="4777259" y="5284088"/>
+            <a:off x="4595437" y="4564008"/>
             <a:ext cx="3116174" cy="584775"/>
           </a:xfrm>
           <a:prstGeom prst="rect">
@@ -22662,10 +22767,10 @@
       </p:sp>
       <p:sp>
         <p:nvSpPr>
-          <p:cNvPr id="40" name="TextBox 39">
+          <p:cNvPr id="41" name="TextBox 40">
             <a:extLst>
               <a:ext uri="{FF2B5EF4-FFF2-40B4-BE49-F238E27FC236}">
-                <a16:creationId xmlns:a16="http://schemas.microsoft.com/office/drawing/2014/main" id="{462C09F0-1270-4C9F-9783-CC87F0AEC8FA}"/>
+                <a16:creationId xmlns:a16="http://schemas.microsoft.com/office/drawing/2014/main" id="{3A37FF42-F1FD-416E-AAD7-A80DC7672FC8}"/>
               </a:ext>
             </a:extLst>
           </p:cNvPr>
@@ -22674,8 +22779,2050 @@
         </p:nvSpPr>
         <p:spPr>
           <a:xfrm>
-            <a:off x="4777259" y="4564008"/>
-            <a:ext cx="2513701" cy="584775"/>
+            <a:off x="4135595" y="1836415"/>
+            <a:ext cx="1793792" cy="584775"/>
+          </a:xfrm>
+          <a:prstGeom prst="rect">
+            <a:avLst/>
+          </a:prstGeom>
+          <a:noFill/>
+        </p:spPr>
+        <p:txBody>
+          <a:bodyPr wrap="square">
+            <a:spAutoFit/>
+          </a:bodyPr>
+          <a:lstStyle/>
+          <a:p>
+            <a:r>
+              <a:rPr lang="pt-BR" sz="1600" b="1" dirty="0">
+                <a:latin typeface="Exo 2 Medium" panose="00000600000000000000"/>
+              </a:rPr>
+              <a:t>PM Canvas</a:t>
+            </a:r>
+          </a:p>
+          <a:p>
+            <a:r>
+              <a:rPr lang="pt-BR" sz="1600" dirty="0">
+                <a:latin typeface="Exo 2 Medium" panose="00000600000000000000"/>
+              </a:rPr>
+              <a:t>#Mauricio Santana</a:t>
+            </a:r>
+          </a:p>
+        </p:txBody>
+      </p:sp>
+      <p:sp>
+        <p:nvSpPr>
+          <p:cNvPr id="43" name="TextBox 42">
+            <a:extLst>
+              <a:ext uri="{FF2B5EF4-FFF2-40B4-BE49-F238E27FC236}">
+                <a16:creationId xmlns:a16="http://schemas.microsoft.com/office/drawing/2014/main" id="{53F8A22D-182B-4E44-94A4-AFA4B71FFD84}"/>
+              </a:ext>
+            </a:extLst>
+          </p:cNvPr>
+          <p:cNvSpPr txBox="1"/>
+          <p:nvPr/>
+        </p:nvSpPr>
+        <p:spPr>
+          <a:xfrm>
+            <a:off x="4595975" y="5220791"/>
+            <a:ext cx="6734012" cy="584775"/>
+          </a:xfrm>
+          <a:prstGeom prst="rect">
+            <a:avLst/>
+          </a:prstGeom>
+          <a:noFill/>
+        </p:spPr>
+        <p:txBody>
+          <a:bodyPr wrap="square">
+            <a:spAutoFit/>
+          </a:bodyPr>
+          <a:lstStyle/>
+          <a:p>
+            <a:r>
+              <a:rPr lang="pt-BR" sz="1600" b="1" dirty="0">
+                <a:latin typeface="Exo 2 Medium" panose="00000600000000000000"/>
+              </a:rPr>
+              <a:t>Planilha de concorrência</a:t>
+            </a:r>
+          </a:p>
+          <a:p>
+            <a:r>
+              <a:rPr lang="pt-BR" sz="1600" dirty="0">
+                <a:latin typeface="Exo 2 Medium" panose="00000600000000000000"/>
+              </a:rPr>
+              <a:t>#Lucas Felix</a:t>
+            </a:r>
+          </a:p>
+        </p:txBody>
+      </p:sp>
+    </p:spTree>
+    <p:extLst>
+      <p:ext uri="{BB962C8B-B14F-4D97-AF65-F5344CB8AC3E}">
+        <p14:creationId xmlns:p14="http://schemas.microsoft.com/office/powerpoint/2010/main" val="1871888551"/>
+      </p:ext>
+    </p:extLst>
+  </p:cSld>
+  <p:clrMapOvr>
+    <a:masterClrMapping/>
+  </p:clrMapOvr>
+</p:sld>
+</file>
+
+<file path=ppt/slides/slide3.xml><?xml version="1.0" encoding="utf-8"?>
+<p:sld xmlns:a="http://schemas.openxmlformats.org/drawingml/2006/main" xmlns:r="http://schemas.openxmlformats.org/officeDocument/2006/relationships" xmlns:p="http://schemas.openxmlformats.org/presentationml/2006/main">
+  <p:cSld>
+    <p:spTree>
+      <p:nvGrpSpPr>
+        <p:cNvPr id="1" name=""/>
+        <p:cNvGrpSpPr/>
+        <p:nvPr/>
+      </p:nvGrpSpPr>
+      <p:grpSpPr>
+        <a:xfrm>
+          <a:off x="0" y="0"/>
+          <a:ext cx="0" cy="0"/>
+          <a:chOff x="0" y="0"/>
+          <a:chExt cx="0" cy="0"/>
+        </a:xfrm>
+      </p:grpSpPr>
+      <p:sp>
+        <p:nvSpPr>
+          <p:cNvPr id="3" name="Espaço Reservado para Número de Slide 2">
+            <a:extLst>
+              <a:ext uri="{FF2B5EF4-FFF2-40B4-BE49-F238E27FC236}">
+                <a16:creationId xmlns:a16="http://schemas.microsoft.com/office/drawing/2014/main" id="{25E66A94-914F-497A-A098-71B8A170A7DE}"/>
+              </a:ext>
+            </a:extLst>
+          </p:cNvPr>
+          <p:cNvSpPr>
+            <a:spLocks noGrp="1"/>
+          </p:cNvSpPr>
+          <p:nvPr>
+            <p:ph type="sldNum" sz="quarter" idx="4"/>
+          </p:nvPr>
+        </p:nvSpPr>
+        <p:spPr/>
+        <p:txBody>
+          <a:bodyPr/>
+          <a:lstStyle/>
+          <a:p>
+            <a:fld id="{74850952-3374-434C-8FC6-DE28F8CD25B0}" type="slidenum">
+              <a:rPr lang="pt-BR" smtClean="0">
+                <a:solidFill>
+                  <a:prstClr val="black">
+                    <a:tint val="75000"/>
+                  </a:prstClr>
+                </a:solidFill>
+              </a:rPr>
+              <a:pPr/>
+              <a:t>3</a:t>
+            </a:fld>
+            <a:endParaRPr lang="pt-BR" dirty="0">
+              <a:solidFill>
+                <a:prstClr val="black">
+                  <a:tint val="75000"/>
+                </a:prstClr>
+              </a:solidFill>
+            </a:endParaRPr>
+          </a:p>
+        </p:txBody>
+      </p:sp>
+      <p:sp>
+        <p:nvSpPr>
+          <p:cNvPr id="20" name="Rectangle 42">
+            <a:extLst>
+              <a:ext uri="{FF2B5EF4-FFF2-40B4-BE49-F238E27FC236}">
+                <a16:creationId xmlns:a16="http://schemas.microsoft.com/office/drawing/2014/main" id="{D56D5B31-1798-4A73-939D-5495975295D4}"/>
+              </a:ext>
+            </a:extLst>
+          </p:cNvPr>
+          <p:cNvSpPr/>
+          <p:nvPr/>
+        </p:nvSpPr>
+        <p:spPr>
+          <a:xfrm>
+            <a:off x="6804884" y="1106495"/>
+            <a:ext cx="6204408" cy="2962168"/>
+          </a:xfrm>
+          <a:prstGeom prst="rect">
+            <a:avLst/>
+          </a:prstGeom>
+          <a:noFill/>
+          <a:ln w="12700">
+            <a:solidFill>
+              <a:schemeClr val="bg1">
+                <a:lumMod val="50000"/>
+              </a:schemeClr>
+            </a:solidFill>
+          </a:ln>
+        </p:spPr>
+        <p:style>
+          <a:lnRef idx="2">
+            <a:schemeClr val="accent4"/>
+          </a:lnRef>
+          <a:fillRef idx="1">
+            <a:schemeClr val="lt1"/>
+          </a:fillRef>
+          <a:effectRef idx="0">
+            <a:schemeClr val="accent4"/>
+          </a:effectRef>
+          <a:fontRef idx="minor">
+            <a:schemeClr val="dk1"/>
+          </a:fontRef>
+        </p:style>
+        <p:txBody>
+          <a:bodyPr tIns="105844" rtlCol="0" anchor="t"/>
+          <a:lstStyle/>
+          <a:p>
+            <a:pPr defTabSz="672130">
+              <a:spcAft>
+                <a:spcPts val="882"/>
+              </a:spcAft>
+            </a:pPr>
+            <a:endParaRPr lang="pt-BR" sz="1470" dirty="0">
+              <a:solidFill>
+                <a:schemeClr val="tx1"/>
+              </a:solidFill>
+              <a:latin typeface="Exo 2 Medium" panose="00000600000000000000" pitchFamily="50" charset="0"/>
+              <a:cs typeface="Simplon BP Regular"/>
+            </a:endParaRPr>
+          </a:p>
+        </p:txBody>
+      </p:sp>
+      <p:sp>
+        <p:nvSpPr>
+          <p:cNvPr id="21" name="Title 2">
+            <a:extLst>
+              <a:ext uri="{FF2B5EF4-FFF2-40B4-BE49-F238E27FC236}">
+                <a16:creationId xmlns:a16="http://schemas.microsoft.com/office/drawing/2014/main" id="{C488E075-24DD-4CAC-A846-48FBDF28D797}"/>
+              </a:ext>
+            </a:extLst>
+          </p:cNvPr>
+          <p:cNvSpPr>
+            <a:spLocks noGrp="1"/>
+          </p:cNvSpPr>
+          <p:nvPr>
+            <p:ph type="title"/>
+          </p:nvPr>
+        </p:nvSpPr>
+        <p:spPr>
+          <a:xfrm>
+            <a:off x="469692" y="185232"/>
+            <a:ext cx="12098020" cy="800352"/>
+          </a:xfrm>
+        </p:spPr>
+        <p:txBody>
+          <a:bodyPr vert="horz" wrap="square" lIns="105844" tIns="0" rIns="105844" bIns="0" numCol="1" anchor="t" anchorCtr="0" compatLnSpc="1">
+            <a:prstTxWarp prst="textNoShape">
+              <a:avLst/>
+            </a:prstTxWarp>
+            <a:noAutofit/>
+          </a:bodyPr>
+          <a:lstStyle/>
+          <a:p>
+            <a:pPr algn="l">
+              <a:spcAft>
+                <a:spcPts val="882"/>
+              </a:spcAft>
+            </a:pPr>
+            <a:r>
+              <a:rPr lang="en-US" sz="2646" dirty="0">
+                <a:solidFill>
+                  <a:srgbClr val="08276B"/>
+                </a:solidFill>
+                <a:latin typeface="Exo 2 Medium" panose="00000600000000000000" pitchFamily="50" charset="0"/>
+                <a:cs typeface="Simplon Oi Headline"/>
+              </a:rPr>
+              <a:t>SEMANA 2 – 22/02/2022</a:t>
+            </a:r>
+          </a:p>
+        </p:txBody>
+      </p:sp>
+      <p:sp>
+        <p:nvSpPr>
+          <p:cNvPr id="22" name="TextBox 118">
+            <a:extLst>
+              <a:ext uri="{FF2B5EF4-FFF2-40B4-BE49-F238E27FC236}">
+                <a16:creationId xmlns:a16="http://schemas.microsoft.com/office/drawing/2014/main" id="{BD7B98C2-C566-441C-A8E5-BA505B2CA31F}"/>
+              </a:ext>
+            </a:extLst>
+          </p:cNvPr>
+          <p:cNvSpPr txBox="1"/>
+          <p:nvPr/>
+        </p:nvSpPr>
+        <p:spPr>
+          <a:xfrm>
+            <a:off x="11822773" y="576471"/>
+            <a:ext cx="899678" cy="179824"/>
+          </a:xfrm>
+          <a:prstGeom prst="rect">
+            <a:avLst/>
+          </a:prstGeom>
+          <a:noFill/>
+          <a:ln w="12700">
+            <a:noFill/>
+          </a:ln>
+        </p:spPr>
+        <p:style>
+          <a:lnRef idx="2">
+            <a:schemeClr val="accent4"/>
+          </a:lnRef>
+          <a:fillRef idx="1">
+            <a:schemeClr val="lt1"/>
+          </a:fillRef>
+          <a:effectRef idx="0">
+            <a:schemeClr val="accent4"/>
+          </a:effectRef>
+          <a:fontRef idx="minor">
+            <a:schemeClr val="dk1"/>
+          </a:fontRef>
+        </p:style>
+        <p:txBody>
+          <a:bodyPr wrap="none" lIns="52922" tIns="52922" rIns="52922" bIns="0" rtlCol="0" anchor="b"/>
+          <a:lstStyle>
+            <a:defPPr>
+              <a:defRPr lang="en-US"/>
+            </a:defPPr>
+            <a:lvl1pPr algn="ctr">
+              <a:defRPr sz="1000" b="1">
+                <a:latin typeface="Simplon BP Regular"/>
+                <a:cs typeface="Simplon BP Regular"/>
+              </a:defRPr>
+            </a:lvl1pPr>
+            <a:lvl2pPr>
+              <a:defRPr>
+                <a:solidFill>
+                  <a:schemeClr val="dk1"/>
+                </a:solidFill>
+              </a:defRPr>
+            </a:lvl2pPr>
+            <a:lvl3pPr>
+              <a:defRPr>
+                <a:solidFill>
+                  <a:schemeClr val="dk1"/>
+                </a:solidFill>
+              </a:defRPr>
+            </a:lvl3pPr>
+            <a:lvl4pPr>
+              <a:defRPr>
+                <a:solidFill>
+                  <a:schemeClr val="dk1"/>
+                </a:solidFill>
+              </a:defRPr>
+            </a:lvl4pPr>
+            <a:lvl5pPr>
+              <a:defRPr>
+                <a:solidFill>
+                  <a:schemeClr val="dk1"/>
+                </a:solidFill>
+              </a:defRPr>
+            </a:lvl5pPr>
+            <a:lvl6pPr>
+              <a:defRPr>
+                <a:solidFill>
+                  <a:schemeClr val="dk1"/>
+                </a:solidFill>
+              </a:defRPr>
+            </a:lvl6pPr>
+            <a:lvl7pPr>
+              <a:defRPr>
+                <a:solidFill>
+                  <a:schemeClr val="dk1"/>
+                </a:solidFill>
+              </a:defRPr>
+            </a:lvl7pPr>
+            <a:lvl8pPr>
+              <a:defRPr>
+                <a:solidFill>
+                  <a:schemeClr val="dk1"/>
+                </a:solidFill>
+              </a:defRPr>
+            </a:lvl8pPr>
+            <a:lvl9pPr>
+              <a:defRPr>
+                <a:solidFill>
+                  <a:schemeClr val="dk1"/>
+                </a:solidFill>
+              </a:defRPr>
+            </a:lvl9pPr>
+          </a:lstStyle>
+          <a:p>
+            <a:pPr defTabSz="672130"/>
+            <a:r>
+              <a:rPr lang="pt-BR" sz="1176" b="0" dirty="0">
+                <a:solidFill>
+                  <a:prstClr val="black"/>
+                </a:solidFill>
+                <a:latin typeface="Exo 2 Medium" panose="00000600000000000000" pitchFamily="50" charset="0"/>
+              </a:rPr>
+              <a:t>Negócios</a:t>
+            </a:r>
+          </a:p>
+        </p:txBody>
+      </p:sp>
+      <p:sp>
+        <p:nvSpPr>
+          <p:cNvPr id="23" name="Oval 120">
+            <a:extLst>
+              <a:ext uri="{FF2B5EF4-FFF2-40B4-BE49-F238E27FC236}">
+                <a16:creationId xmlns:a16="http://schemas.microsoft.com/office/drawing/2014/main" id="{D512B11E-A0D6-43B9-9FAB-A12852EB997C}"/>
+              </a:ext>
+            </a:extLst>
+          </p:cNvPr>
+          <p:cNvSpPr>
+            <a:spLocks noChangeAspect="1"/>
+          </p:cNvSpPr>
+          <p:nvPr/>
+        </p:nvSpPr>
+        <p:spPr>
+          <a:xfrm>
+            <a:off x="11193898" y="324247"/>
+            <a:ext cx="211404" cy="211689"/>
+          </a:xfrm>
+          <a:prstGeom prst="ellipse">
+            <a:avLst/>
+          </a:prstGeom>
+          <a:solidFill>
+            <a:srgbClr val="1BCF13"/>
+          </a:solidFill>
+          <a:ln w="12700">
+            <a:solidFill>
+              <a:schemeClr val="accent3"/>
+            </a:solidFill>
+          </a:ln>
+        </p:spPr>
+        <p:style>
+          <a:lnRef idx="2">
+            <a:schemeClr val="accent1">
+              <a:shade val="50000"/>
+            </a:schemeClr>
+          </a:lnRef>
+          <a:fillRef idx="1">
+            <a:schemeClr val="accent1"/>
+          </a:fillRef>
+          <a:effectRef idx="0">
+            <a:schemeClr val="accent1"/>
+          </a:effectRef>
+          <a:fontRef idx="minor">
+            <a:schemeClr val="lt1"/>
+          </a:fontRef>
+        </p:style>
+        <p:txBody>
+          <a:bodyPr wrap="none" lIns="52922" tIns="52922" rIns="52922" rtlCol="0" anchor="ctr"/>
+          <a:lstStyle/>
+          <a:p>
+            <a:pPr algn="ctr" defTabSz="672130"/>
+            <a:endParaRPr lang="en-US" sz="1176" dirty="0">
+              <a:solidFill>
+                <a:srgbClr val="1BCF13"/>
+              </a:solidFill>
+              <a:latin typeface="Exo 2 Medium" panose="00000600000000000000" pitchFamily="50" charset="0"/>
+              <a:cs typeface="Simplon BP Regular"/>
+            </a:endParaRPr>
+          </a:p>
+        </p:txBody>
+      </p:sp>
+      <p:sp>
+        <p:nvSpPr>
+          <p:cNvPr id="24" name="TextBox 123">
+            <a:extLst>
+              <a:ext uri="{FF2B5EF4-FFF2-40B4-BE49-F238E27FC236}">
+                <a16:creationId xmlns:a16="http://schemas.microsoft.com/office/drawing/2014/main" id="{DF2A6510-AF00-4432-92E4-F9CD9E5F17D8}"/>
+              </a:ext>
+            </a:extLst>
+          </p:cNvPr>
+          <p:cNvSpPr txBox="1"/>
+          <p:nvPr/>
+        </p:nvSpPr>
+        <p:spPr>
+          <a:xfrm>
+            <a:off x="10852497" y="576471"/>
+            <a:ext cx="899678" cy="179824"/>
+          </a:xfrm>
+          <a:prstGeom prst="rect">
+            <a:avLst/>
+          </a:prstGeom>
+          <a:noFill/>
+          <a:ln w="12700">
+            <a:noFill/>
+          </a:ln>
+        </p:spPr>
+        <p:style>
+          <a:lnRef idx="2">
+            <a:schemeClr val="accent4"/>
+          </a:lnRef>
+          <a:fillRef idx="1">
+            <a:schemeClr val="lt1"/>
+          </a:fillRef>
+          <a:effectRef idx="0">
+            <a:schemeClr val="accent4"/>
+          </a:effectRef>
+          <a:fontRef idx="minor">
+            <a:schemeClr val="dk1"/>
+          </a:fontRef>
+        </p:style>
+        <p:txBody>
+          <a:bodyPr wrap="none" lIns="52922" tIns="52922" rIns="52922" bIns="0" rtlCol="0" anchor="b"/>
+          <a:lstStyle>
+            <a:defPPr>
+              <a:defRPr lang="en-US"/>
+            </a:defPPr>
+            <a:lvl1pPr algn="ctr">
+              <a:defRPr sz="1000" b="1">
+                <a:latin typeface="Simplon BP Regular"/>
+                <a:cs typeface="Simplon BP Regular"/>
+              </a:defRPr>
+            </a:lvl1pPr>
+            <a:lvl2pPr>
+              <a:defRPr>
+                <a:solidFill>
+                  <a:schemeClr val="dk1"/>
+                </a:solidFill>
+              </a:defRPr>
+            </a:lvl2pPr>
+            <a:lvl3pPr>
+              <a:defRPr>
+                <a:solidFill>
+                  <a:schemeClr val="dk1"/>
+                </a:solidFill>
+              </a:defRPr>
+            </a:lvl3pPr>
+            <a:lvl4pPr>
+              <a:defRPr>
+                <a:solidFill>
+                  <a:schemeClr val="dk1"/>
+                </a:solidFill>
+              </a:defRPr>
+            </a:lvl4pPr>
+            <a:lvl5pPr>
+              <a:defRPr>
+                <a:solidFill>
+                  <a:schemeClr val="dk1"/>
+                </a:solidFill>
+              </a:defRPr>
+            </a:lvl5pPr>
+            <a:lvl6pPr>
+              <a:defRPr>
+                <a:solidFill>
+                  <a:schemeClr val="dk1"/>
+                </a:solidFill>
+              </a:defRPr>
+            </a:lvl6pPr>
+            <a:lvl7pPr>
+              <a:defRPr>
+                <a:solidFill>
+                  <a:schemeClr val="dk1"/>
+                </a:solidFill>
+              </a:defRPr>
+            </a:lvl7pPr>
+            <a:lvl8pPr>
+              <a:defRPr>
+                <a:solidFill>
+                  <a:schemeClr val="dk1"/>
+                </a:solidFill>
+              </a:defRPr>
+            </a:lvl8pPr>
+            <a:lvl9pPr>
+              <a:defRPr>
+                <a:solidFill>
+                  <a:schemeClr val="dk1"/>
+                </a:solidFill>
+              </a:defRPr>
+            </a:lvl9pPr>
+          </a:lstStyle>
+          <a:p>
+            <a:pPr defTabSz="672130"/>
+            <a:r>
+              <a:rPr lang="pt-BR" sz="1176" b="0" dirty="0">
+                <a:solidFill>
+                  <a:prstClr val="black"/>
+                </a:solidFill>
+                <a:latin typeface="Exo 2 Medium" panose="00000600000000000000" pitchFamily="50" charset="0"/>
+              </a:rPr>
+              <a:t>Plataforma</a:t>
+            </a:r>
+          </a:p>
+        </p:txBody>
+      </p:sp>
+      <p:sp>
+        <p:nvSpPr>
+          <p:cNvPr id="25" name="TextBox 128">
+            <a:extLst>
+              <a:ext uri="{FF2B5EF4-FFF2-40B4-BE49-F238E27FC236}">
+                <a16:creationId xmlns:a16="http://schemas.microsoft.com/office/drawing/2014/main" id="{983CE74D-5B8F-4DD1-8C18-E4BE116FF1DC}"/>
+              </a:ext>
+            </a:extLst>
+          </p:cNvPr>
+          <p:cNvSpPr txBox="1"/>
+          <p:nvPr/>
+        </p:nvSpPr>
+        <p:spPr>
+          <a:xfrm>
+            <a:off x="9854245" y="576471"/>
+            <a:ext cx="899678" cy="179824"/>
+          </a:xfrm>
+          <a:prstGeom prst="rect">
+            <a:avLst/>
+          </a:prstGeom>
+          <a:noFill/>
+          <a:ln w="12700">
+            <a:noFill/>
+          </a:ln>
+        </p:spPr>
+        <p:style>
+          <a:lnRef idx="2">
+            <a:schemeClr val="accent4"/>
+          </a:lnRef>
+          <a:fillRef idx="1">
+            <a:schemeClr val="lt1"/>
+          </a:fillRef>
+          <a:effectRef idx="0">
+            <a:schemeClr val="accent4"/>
+          </a:effectRef>
+          <a:fontRef idx="minor">
+            <a:schemeClr val="dk1"/>
+          </a:fontRef>
+        </p:style>
+        <p:txBody>
+          <a:bodyPr wrap="none" lIns="52922" tIns="52922" rIns="52922" bIns="0" rtlCol="0" anchor="b"/>
+          <a:lstStyle>
+            <a:defPPr>
+              <a:defRPr lang="en-US"/>
+            </a:defPPr>
+            <a:lvl1pPr algn="ctr">
+              <a:defRPr sz="1000" b="1">
+                <a:latin typeface="Simplon BP Regular"/>
+                <a:cs typeface="Simplon BP Regular"/>
+              </a:defRPr>
+            </a:lvl1pPr>
+            <a:lvl2pPr>
+              <a:defRPr>
+                <a:solidFill>
+                  <a:schemeClr val="dk1"/>
+                </a:solidFill>
+              </a:defRPr>
+            </a:lvl2pPr>
+            <a:lvl3pPr>
+              <a:defRPr>
+                <a:solidFill>
+                  <a:schemeClr val="dk1"/>
+                </a:solidFill>
+              </a:defRPr>
+            </a:lvl3pPr>
+            <a:lvl4pPr>
+              <a:defRPr>
+                <a:solidFill>
+                  <a:schemeClr val="dk1"/>
+                </a:solidFill>
+              </a:defRPr>
+            </a:lvl4pPr>
+            <a:lvl5pPr>
+              <a:defRPr>
+                <a:solidFill>
+                  <a:schemeClr val="dk1"/>
+                </a:solidFill>
+              </a:defRPr>
+            </a:lvl5pPr>
+            <a:lvl6pPr>
+              <a:defRPr>
+                <a:solidFill>
+                  <a:schemeClr val="dk1"/>
+                </a:solidFill>
+              </a:defRPr>
+            </a:lvl6pPr>
+            <a:lvl7pPr>
+              <a:defRPr>
+                <a:solidFill>
+                  <a:schemeClr val="dk1"/>
+                </a:solidFill>
+              </a:defRPr>
+            </a:lvl7pPr>
+            <a:lvl8pPr>
+              <a:defRPr>
+                <a:solidFill>
+                  <a:schemeClr val="dk1"/>
+                </a:solidFill>
+              </a:defRPr>
+            </a:lvl8pPr>
+            <a:lvl9pPr>
+              <a:defRPr>
+                <a:solidFill>
+                  <a:schemeClr val="dk1"/>
+                </a:solidFill>
+              </a:defRPr>
+            </a:lvl9pPr>
+          </a:lstStyle>
+          <a:p>
+            <a:pPr defTabSz="672130"/>
+            <a:r>
+              <a:rPr lang="pt-BR" sz="1176" b="0" dirty="0">
+                <a:solidFill>
+                  <a:prstClr val="black"/>
+                </a:solidFill>
+                <a:latin typeface="Exo 2 Medium" panose="00000600000000000000" pitchFamily="50" charset="0"/>
+              </a:rPr>
+              <a:t>Back</a:t>
+            </a:r>
+          </a:p>
+        </p:txBody>
+      </p:sp>
+      <p:sp>
+        <p:nvSpPr>
+          <p:cNvPr id="26" name="TextBox 133">
+            <a:extLst>
+              <a:ext uri="{FF2B5EF4-FFF2-40B4-BE49-F238E27FC236}">
+                <a16:creationId xmlns:a16="http://schemas.microsoft.com/office/drawing/2014/main" id="{FE1215A2-D778-4D77-9417-6C32B4E10829}"/>
+              </a:ext>
+            </a:extLst>
+          </p:cNvPr>
+          <p:cNvSpPr txBox="1"/>
+          <p:nvPr/>
+        </p:nvSpPr>
+        <p:spPr>
+          <a:xfrm>
+            <a:off x="8888645" y="576471"/>
+            <a:ext cx="899678" cy="179824"/>
+          </a:xfrm>
+          <a:prstGeom prst="rect">
+            <a:avLst/>
+          </a:prstGeom>
+          <a:noFill/>
+          <a:ln w="12700">
+            <a:noFill/>
+          </a:ln>
+        </p:spPr>
+        <p:style>
+          <a:lnRef idx="2">
+            <a:schemeClr val="accent4"/>
+          </a:lnRef>
+          <a:fillRef idx="1">
+            <a:schemeClr val="lt1"/>
+          </a:fillRef>
+          <a:effectRef idx="0">
+            <a:schemeClr val="accent4"/>
+          </a:effectRef>
+          <a:fontRef idx="minor">
+            <a:schemeClr val="dk1"/>
+          </a:fontRef>
+        </p:style>
+        <p:txBody>
+          <a:bodyPr wrap="none" lIns="52922" tIns="52922" rIns="52922" bIns="0" rtlCol="0" anchor="b"/>
+          <a:lstStyle>
+            <a:defPPr>
+              <a:defRPr lang="en-US"/>
+            </a:defPPr>
+            <a:lvl1pPr algn="ctr">
+              <a:defRPr sz="1000" b="1">
+                <a:latin typeface="Simplon BP Regular"/>
+                <a:cs typeface="Simplon BP Regular"/>
+              </a:defRPr>
+            </a:lvl1pPr>
+            <a:lvl2pPr>
+              <a:defRPr>
+                <a:solidFill>
+                  <a:schemeClr val="dk1"/>
+                </a:solidFill>
+              </a:defRPr>
+            </a:lvl2pPr>
+            <a:lvl3pPr>
+              <a:defRPr>
+                <a:solidFill>
+                  <a:schemeClr val="dk1"/>
+                </a:solidFill>
+              </a:defRPr>
+            </a:lvl3pPr>
+            <a:lvl4pPr>
+              <a:defRPr>
+                <a:solidFill>
+                  <a:schemeClr val="dk1"/>
+                </a:solidFill>
+              </a:defRPr>
+            </a:lvl4pPr>
+            <a:lvl5pPr>
+              <a:defRPr>
+                <a:solidFill>
+                  <a:schemeClr val="dk1"/>
+                </a:solidFill>
+              </a:defRPr>
+            </a:lvl5pPr>
+            <a:lvl6pPr>
+              <a:defRPr>
+                <a:solidFill>
+                  <a:schemeClr val="dk1"/>
+                </a:solidFill>
+              </a:defRPr>
+            </a:lvl6pPr>
+            <a:lvl7pPr>
+              <a:defRPr>
+                <a:solidFill>
+                  <a:schemeClr val="dk1"/>
+                </a:solidFill>
+              </a:defRPr>
+            </a:lvl7pPr>
+            <a:lvl8pPr>
+              <a:defRPr>
+                <a:solidFill>
+                  <a:schemeClr val="dk1"/>
+                </a:solidFill>
+              </a:defRPr>
+            </a:lvl8pPr>
+            <a:lvl9pPr>
+              <a:defRPr>
+                <a:solidFill>
+                  <a:schemeClr val="dk1"/>
+                </a:solidFill>
+              </a:defRPr>
+            </a:lvl9pPr>
+          </a:lstStyle>
+          <a:p>
+            <a:pPr defTabSz="672130"/>
+            <a:r>
+              <a:rPr lang="pt-BR" sz="1176" b="0" dirty="0">
+                <a:solidFill>
+                  <a:prstClr val="black"/>
+                </a:solidFill>
+                <a:latin typeface="Exo 2 Medium" panose="00000600000000000000" pitchFamily="50" charset="0"/>
+              </a:rPr>
+              <a:t>Front</a:t>
+            </a:r>
+          </a:p>
+        </p:txBody>
+      </p:sp>
+      <p:sp>
+        <p:nvSpPr>
+          <p:cNvPr id="27" name="Oval 134">
+            <a:extLst>
+              <a:ext uri="{FF2B5EF4-FFF2-40B4-BE49-F238E27FC236}">
+                <a16:creationId xmlns:a16="http://schemas.microsoft.com/office/drawing/2014/main" id="{E0659533-7794-44EF-87B8-DFFD796E8DCB}"/>
+              </a:ext>
+            </a:extLst>
+          </p:cNvPr>
+          <p:cNvSpPr>
+            <a:spLocks noChangeAspect="1"/>
+          </p:cNvSpPr>
+          <p:nvPr/>
+        </p:nvSpPr>
+        <p:spPr>
+          <a:xfrm>
+            <a:off x="8443555" y="297930"/>
+            <a:ext cx="211404" cy="211689"/>
+          </a:xfrm>
+          <a:prstGeom prst="ellipse">
+            <a:avLst/>
+          </a:prstGeom>
+          <a:solidFill>
+            <a:srgbClr val="1BCF13"/>
+          </a:solidFill>
+          <a:ln w="12700">
+            <a:solidFill>
+              <a:schemeClr val="accent3"/>
+            </a:solidFill>
+          </a:ln>
+        </p:spPr>
+        <p:style>
+          <a:lnRef idx="2">
+            <a:schemeClr val="accent1">
+              <a:shade val="50000"/>
+            </a:schemeClr>
+          </a:lnRef>
+          <a:fillRef idx="1">
+            <a:schemeClr val="accent1"/>
+          </a:fillRef>
+          <a:effectRef idx="0">
+            <a:schemeClr val="accent1"/>
+          </a:effectRef>
+          <a:fontRef idx="minor">
+            <a:schemeClr val="lt1"/>
+          </a:fontRef>
+        </p:style>
+        <p:txBody>
+          <a:bodyPr wrap="none" lIns="52922" tIns="52922" rIns="52922" rtlCol="0" anchor="ctr"/>
+          <a:lstStyle/>
+          <a:p>
+            <a:pPr algn="ctr" defTabSz="672130"/>
+            <a:endParaRPr lang="en-US" sz="1176" dirty="0">
+              <a:solidFill>
+                <a:srgbClr val="FFC000"/>
+              </a:solidFill>
+              <a:latin typeface="Exo 2 Medium" panose="00000600000000000000" pitchFamily="50" charset="0"/>
+              <a:cs typeface="Simplon BP Regular"/>
+            </a:endParaRPr>
+          </a:p>
+        </p:txBody>
+      </p:sp>
+      <p:sp>
+        <p:nvSpPr>
+          <p:cNvPr id="28" name="TextBox 138">
+            <a:extLst>
+              <a:ext uri="{FF2B5EF4-FFF2-40B4-BE49-F238E27FC236}">
+                <a16:creationId xmlns:a16="http://schemas.microsoft.com/office/drawing/2014/main" id="{CFC76C64-835E-4901-A393-78B96741EBC6}"/>
+              </a:ext>
+            </a:extLst>
+          </p:cNvPr>
+          <p:cNvSpPr txBox="1"/>
+          <p:nvPr/>
+        </p:nvSpPr>
+        <p:spPr>
+          <a:xfrm>
+            <a:off x="8126053" y="576471"/>
+            <a:ext cx="899678" cy="179824"/>
+          </a:xfrm>
+          <a:prstGeom prst="rect">
+            <a:avLst/>
+          </a:prstGeom>
+          <a:noFill/>
+          <a:ln w="12700">
+            <a:noFill/>
+          </a:ln>
+        </p:spPr>
+        <p:style>
+          <a:lnRef idx="2">
+            <a:schemeClr val="accent4"/>
+          </a:lnRef>
+          <a:fillRef idx="1">
+            <a:schemeClr val="lt1"/>
+          </a:fillRef>
+          <a:effectRef idx="0">
+            <a:schemeClr val="accent4"/>
+          </a:effectRef>
+          <a:fontRef idx="minor">
+            <a:schemeClr val="dk1"/>
+          </a:fontRef>
+        </p:style>
+        <p:txBody>
+          <a:bodyPr wrap="none" lIns="52922" tIns="52922" rIns="52922" bIns="0" rtlCol="0" anchor="b"/>
+          <a:lstStyle>
+            <a:defPPr>
+              <a:defRPr lang="en-US"/>
+            </a:defPPr>
+            <a:lvl1pPr algn="ctr">
+              <a:defRPr sz="1000" b="1">
+                <a:latin typeface="Simplon BP Regular"/>
+                <a:cs typeface="Simplon BP Regular"/>
+              </a:defRPr>
+            </a:lvl1pPr>
+            <a:lvl2pPr>
+              <a:defRPr>
+                <a:solidFill>
+                  <a:schemeClr val="dk1"/>
+                </a:solidFill>
+              </a:defRPr>
+            </a:lvl2pPr>
+            <a:lvl3pPr>
+              <a:defRPr>
+                <a:solidFill>
+                  <a:schemeClr val="dk1"/>
+                </a:solidFill>
+              </a:defRPr>
+            </a:lvl3pPr>
+            <a:lvl4pPr>
+              <a:defRPr>
+                <a:solidFill>
+                  <a:schemeClr val="dk1"/>
+                </a:solidFill>
+              </a:defRPr>
+            </a:lvl4pPr>
+            <a:lvl5pPr>
+              <a:defRPr>
+                <a:solidFill>
+                  <a:schemeClr val="dk1"/>
+                </a:solidFill>
+              </a:defRPr>
+            </a:lvl5pPr>
+            <a:lvl6pPr>
+              <a:defRPr>
+                <a:solidFill>
+                  <a:schemeClr val="dk1"/>
+                </a:solidFill>
+              </a:defRPr>
+            </a:lvl6pPr>
+            <a:lvl7pPr>
+              <a:defRPr>
+                <a:solidFill>
+                  <a:schemeClr val="dk1"/>
+                </a:solidFill>
+              </a:defRPr>
+            </a:lvl7pPr>
+            <a:lvl8pPr>
+              <a:defRPr>
+                <a:solidFill>
+                  <a:schemeClr val="dk1"/>
+                </a:solidFill>
+              </a:defRPr>
+            </a:lvl8pPr>
+            <a:lvl9pPr>
+              <a:defRPr>
+                <a:solidFill>
+                  <a:schemeClr val="dk1"/>
+                </a:solidFill>
+              </a:defRPr>
+            </a:lvl9pPr>
+          </a:lstStyle>
+          <a:p>
+            <a:pPr defTabSz="672130"/>
+            <a:r>
+              <a:rPr lang="en-US" sz="1176" b="0" dirty="0" err="1">
+                <a:solidFill>
+                  <a:prstClr val="black"/>
+                </a:solidFill>
+                <a:latin typeface="Exo 2 Medium" panose="00000600000000000000" pitchFamily="50" charset="0"/>
+              </a:rPr>
+              <a:t>Equipe</a:t>
+            </a:r>
+            <a:endParaRPr lang="en-US" sz="1176" b="0" dirty="0">
+              <a:solidFill>
+                <a:prstClr val="black"/>
+              </a:solidFill>
+              <a:latin typeface="Exo 2 Medium" panose="00000600000000000000" pitchFamily="50" charset="0"/>
+            </a:endParaRPr>
+          </a:p>
+        </p:txBody>
+      </p:sp>
+      <p:sp>
+        <p:nvSpPr>
+          <p:cNvPr id="29" name="Retângulo 28">
+            <a:extLst>
+              <a:ext uri="{FF2B5EF4-FFF2-40B4-BE49-F238E27FC236}">
+                <a16:creationId xmlns:a16="http://schemas.microsoft.com/office/drawing/2014/main" id="{1E43F633-0A68-4D0F-AC0D-375E22F80328}"/>
+              </a:ext>
+            </a:extLst>
+          </p:cNvPr>
+          <p:cNvSpPr/>
+          <p:nvPr/>
+        </p:nvSpPr>
+        <p:spPr>
+          <a:xfrm>
+            <a:off x="512766" y="868345"/>
+            <a:ext cx="6186608" cy="238150"/>
+          </a:xfrm>
+          <a:prstGeom prst="rect">
+            <a:avLst/>
+          </a:prstGeom>
+          <a:solidFill>
+            <a:srgbClr val="08276B"/>
+          </a:solidFill>
+        </p:spPr>
+        <p:txBody>
+          <a:bodyPr vert="horz" lIns="134422" tIns="67211" rIns="134422" bIns="67211" rtlCol="0" anchor="ctr"/>
+          <a:lstStyle/>
+          <a:p>
+            <a:pPr defTabSz="672130"/>
+            <a:r>
+              <a:rPr lang="en-US" sz="1544" dirty="0">
+                <a:solidFill>
+                  <a:schemeClr val="bg1"/>
+                </a:solidFill>
+                <a:latin typeface="Exo 2 Medium" panose="00000600000000000000" pitchFamily="50" charset="0"/>
+                <a:ea typeface="Simplon Oi Headline" charset="0"/>
+                <a:cs typeface="Simplon Oi Headline" charset="0"/>
+              </a:rPr>
+              <a:t>Progressos c/ responsáveis </a:t>
+            </a:r>
+          </a:p>
+        </p:txBody>
+      </p:sp>
+      <p:sp>
+        <p:nvSpPr>
+          <p:cNvPr id="30" name="Retângulo 29">
+            <a:extLst>
+              <a:ext uri="{FF2B5EF4-FFF2-40B4-BE49-F238E27FC236}">
+                <a16:creationId xmlns:a16="http://schemas.microsoft.com/office/drawing/2014/main" id="{D543C29D-67E1-4031-9D29-169B0DBC6EA2}"/>
+              </a:ext>
+            </a:extLst>
+          </p:cNvPr>
+          <p:cNvSpPr/>
+          <p:nvPr/>
+        </p:nvSpPr>
+        <p:spPr>
+          <a:xfrm>
+            <a:off x="6814576" y="868345"/>
+            <a:ext cx="6194715" cy="238150"/>
+          </a:xfrm>
+          <a:prstGeom prst="rect">
+            <a:avLst/>
+          </a:prstGeom>
+          <a:solidFill>
+            <a:srgbClr val="08276B"/>
+          </a:solidFill>
+        </p:spPr>
+        <p:txBody>
+          <a:bodyPr vert="horz" lIns="134422" tIns="67211" rIns="134422" bIns="67211" rtlCol="0" anchor="ctr"/>
+          <a:lstStyle/>
+          <a:p>
+            <a:pPr defTabSz="672130"/>
+            <a:r>
+              <a:rPr lang="pt-BR" sz="1544" dirty="0">
+                <a:solidFill>
+                  <a:schemeClr val="bg1"/>
+                </a:solidFill>
+                <a:latin typeface="Exo 2 Medium" panose="00000600000000000000" pitchFamily="50" charset="0"/>
+                <a:ea typeface="Simplon Oi Headline" charset="0"/>
+                <a:cs typeface="Simplon Oi Headline" charset="0"/>
+              </a:rPr>
+              <a:t>Pontos atenção/ Principais Riscos</a:t>
+            </a:r>
+          </a:p>
+        </p:txBody>
+      </p:sp>
+      <p:sp>
+        <p:nvSpPr>
+          <p:cNvPr id="31" name="Retângulo 30">
+            <a:extLst>
+              <a:ext uri="{FF2B5EF4-FFF2-40B4-BE49-F238E27FC236}">
+                <a16:creationId xmlns:a16="http://schemas.microsoft.com/office/drawing/2014/main" id="{DA8C0DE2-12B6-4997-B780-BE9D9F8E16D6}"/>
+              </a:ext>
+            </a:extLst>
+          </p:cNvPr>
+          <p:cNvSpPr/>
+          <p:nvPr/>
+        </p:nvSpPr>
+        <p:spPr>
+          <a:xfrm>
+            <a:off x="508267" y="4152347"/>
+            <a:ext cx="12505521" cy="238150"/>
+          </a:xfrm>
+          <a:prstGeom prst="rect">
+            <a:avLst/>
+          </a:prstGeom>
+          <a:solidFill>
+            <a:srgbClr val="08276B"/>
+          </a:solidFill>
+        </p:spPr>
+        <p:txBody>
+          <a:bodyPr vert="horz" lIns="134422" tIns="67211" rIns="134422" bIns="67211" rtlCol="0" anchor="ctr"/>
+          <a:lstStyle/>
+          <a:p>
+            <a:pPr defTabSz="672130"/>
+            <a:r>
+              <a:rPr lang="pt-BR" sz="1544" dirty="0">
+                <a:solidFill>
+                  <a:schemeClr val="bg1"/>
+                </a:solidFill>
+                <a:latin typeface="Exo 2 Medium" panose="00000600000000000000" pitchFamily="50" charset="0"/>
+                <a:ea typeface="Simplon Oi Headline" charset="0"/>
+                <a:cs typeface="Simplon Oi Headline" charset="0"/>
+              </a:rPr>
+              <a:t>Próximos Passos c/ responsáveis </a:t>
+            </a:r>
+          </a:p>
+        </p:txBody>
+      </p:sp>
+      <p:sp>
+        <p:nvSpPr>
+          <p:cNvPr id="32" name="Rectangle 37">
+            <a:extLst>
+              <a:ext uri="{FF2B5EF4-FFF2-40B4-BE49-F238E27FC236}">
+                <a16:creationId xmlns:a16="http://schemas.microsoft.com/office/drawing/2014/main" id="{224F3AF8-BD84-4D63-8F6E-083FA677F2DB}"/>
+              </a:ext>
+            </a:extLst>
+          </p:cNvPr>
+          <p:cNvSpPr/>
+          <p:nvPr/>
+        </p:nvSpPr>
+        <p:spPr>
+          <a:xfrm>
+            <a:off x="496766" y="1106495"/>
+            <a:ext cx="6186608" cy="2962168"/>
+          </a:xfrm>
+          <a:prstGeom prst="rect">
+            <a:avLst/>
+          </a:prstGeom>
+          <a:noFill/>
+          <a:ln w="12700">
+            <a:solidFill>
+              <a:schemeClr val="bg1">
+                <a:lumMod val="50000"/>
+              </a:schemeClr>
+            </a:solidFill>
+          </a:ln>
+        </p:spPr>
+        <p:style>
+          <a:lnRef idx="2">
+            <a:schemeClr val="accent4"/>
+          </a:lnRef>
+          <a:fillRef idx="1">
+            <a:schemeClr val="lt1"/>
+          </a:fillRef>
+          <a:effectRef idx="0">
+            <a:schemeClr val="accent4"/>
+          </a:effectRef>
+          <a:fontRef idx="minor">
+            <a:schemeClr val="dk1"/>
+          </a:fontRef>
+        </p:style>
+        <p:txBody>
+          <a:bodyPr tIns="105844" rtlCol="0" anchor="t"/>
+          <a:lstStyle/>
+          <a:p>
+            <a:pPr marL="0" lvl="1" fontAlgn="base">
+              <a:spcBef>
+                <a:spcPct val="0"/>
+              </a:spcBef>
+              <a:defRPr/>
+            </a:pPr>
+            <a:r>
+              <a:rPr lang="pt-BR" sz="1600" b="1" dirty="0">
+                <a:solidFill>
+                  <a:schemeClr val="tx1"/>
+                </a:solidFill>
+                <a:latin typeface="Exo 2 Medium" panose="00000600000000000000" pitchFamily="50" charset="0"/>
+                <a:cs typeface="Simplon BP Regular"/>
+              </a:rPr>
+              <a:t>Prótotipo home                                                             </a:t>
+            </a:r>
+          </a:p>
+          <a:p>
+            <a:pPr marL="0" lvl="1" fontAlgn="base">
+              <a:spcBef>
+                <a:spcPct val="0"/>
+              </a:spcBef>
+              <a:defRPr/>
+            </a:pPr>
+            <a:r>
+              <a:rPr lang="pt-BR" sz="1600" dirty="0">
+                <a:solidFill>
+                  <a:schemeClr val="tx1"/>
+                </a:solidFill>
+                <a:latin typeface="Exo 2 Medium" panose="00000600000000000000" pitchFamily="50" charset="0"/>
+                <a:cs typeface="Simplon BP Regular"/>
+              </a:rPr>
+              <a:t>#Vinícius Novais</a:t>
+            </a:r>
+          </a:p>
+          <a:p>
+            <a:pPr marL="0" lvl="1" fontAlgn="base">
+              <a:spcBef>
+                <a:spcPct val="0"/>
+              </a:spcBef>
+              <a:defRPr/>
+            </a:pPr>
+            <a:endParaRPr lang="pt-BR" sz="1600" b="1" dirty="0">
+              <a:solidFill>
+                <a:schemeClr val="tx1"/>
+              </a:solidFill>
+              <a:latin typeface="Exo 2 Medium" panose="00000600000000000000" pitchFamily="50" charset="0"/>
+              <a:cs typeface="Simplon BP Regular"/>
+            </a:endParaRPr>
+          </a:p>
+          <a:p>
+            <a:pPr marL="0" lvl="1" fontAlgn="base">
+              <a:spcBef>
+                <a:spcPct val="0"/>
+              </a:spcBef>
+              <a:defRPr/>
+            </a:pPr>
+            <a:r>
+              <a:rPr lang="pt-BR" sz="1600" b="1" dirty="0">
+                <a:solidFill>
+                  <a:schemeClr val="tx1"/>
+                </a:solidFill>
+                <a:latin typeface="Exo 2 Medium" panose="00000600000000000000" pitchFamily="50" charset="0"/>
+                <a:cs typeface="Simplon BP Regular"/>
+              </a:rPr>
+              <a:t>Prótotipo login e cadastro</a:t>
+            </a:r>
+          </a:p>
+          <a:p>
+            <a:pPr marL="0" lvl="1" fontAlgn="base">
+              <a:spcBef>
+                <a:spcPct val="0"/>
+              </a:spcBef>
+              <a:defRPr/>
+            </a:pPr>
+            <a:r>
+              <a:rPr lang="pt-BR" sz="1600" dirty="0">
+                <a:solidFill>
+                  <a:schemeClr val="tx1"/>
+                </a:solidFill>
+                <a:latin typeface="Exo 2 Medium" panose="00000600000000000000" pitchFamily="50" charset="0"/>
+                <a:cs typeface="Simplon BP Regular"/>
+              </a:rPr>
+              <a:t>#Vinícius Novais</a:t>
+            </a:r>
+          </a:p>
+          <a:p>
+            <a:pPr marL="0" lvl="1" fontAlgn="base">
+              <a:spcBef>
+                <a:spcPct val="0"/>
+              </a:spcBef>
+              <a:defRPr/>
+            </a:pPr>
+            <a:endParaRPr lang="pt-BR" sz="1600" b="1" dirty="0">
+              <a:solidFill>
+                <a:schemeClr val="tx1"/>
+              </a:solidFill>
+              <a:latin typeface="Exo 2 Medium" panose="00000600000000000000" pitchFamily="50" charset="0"/>
+              <a:cs typeface="Simplon BP Regular"/>
+            </a:endParaRPr>
+          </a:p>
+          <a:p>
+            <a:pPr marL="0" lvl="1" fontAlgn="base">
+              <a:spcBef>
+                <a:spcPct val="0"/>
+              </a:spcBef>
+              <a:defRPr/>
+            </a:pPr>
+            <a:r>
+              <a:rPr lang="pt-BR" sz="1600" b="1" dirty="0">
+                <a:solidFill>
+                  <a:schemeClr val="tx1"/>
+                </a:solidFill>
+                <a:latin typeface="Exo 2 Medium" panose="00000600000000000000" pitchFamily="50" charset="0"/>
+                <a:cs typeface="Simplon BP Regular"/>
+              </a:rPr>
+              <a:t>Prótotipo telas de projetos</a:t>
+            </a:r>
+          </a:p>
+          <a:p>
+            <a:pPr marL="0" lvl="1" fontAlgn="base">
+              <a:spcBef>
+                <a:spcPct val="0"/>
+              </a:spcBef>
+              <a:defRPr/>
+            </a:pPr>
+            <a:r>
+              <a:rPr lang="pt-BR" sz="1600" dirty="0">
+                <a:solidFill>
+                  <a:schemeClr val="tx1"/>
+                </a:solidFill>
+                <a:latin typeface="Exo 2 Medium" panose="00000600000000000000" pitchFamily="50" charset="0"/>
+                <a:cs typeface="Simplon BP Regular"/>
+              </a:rPr>
+              <a:t>#Vinícius Noais</a:t>
+            </a:r>
+          </a:p>
+          <a:p>
+            <a:pPr fontAlgn="base">
+              <a:spcBef>
+                <a:spcPct val="0"/>
+              </a:spcBef>
+              <a:defRPr/>
+            </a:pPr>
+            <a:endParaRPr lang="pt-BR" sz="1600" dirty="0">
+              <a:solidFill>
+                <a:schemeClr val="tx1"/>
+              </a:solidFill>
+              <a:latin typeface="Exo 2 Medium" panose="00000600000000000000" pitchFamily="50" charset="0"/>
+              <a:cs typeface="Simplon BP Regular"/>
+            </a:endParaRPr>
+          </a:p>
+          <a:p>
+            <a:pPr fontAlgn="base">
+              <a:spcBef>
+                <a:spcPct val="0"/>
+              </a:spcBef>
+              <a:defRPr/>
+            </a:pPr>
+            <a:r>
+              <a:rPr lang="pt-BR" sz="1600" b="1" dirty="0">
+                <a:solidFill>
+                  <a:schemeClr val="tx1"/>
+                </a:solidFill>
+                <a:latin typeface="Exo 2 Medium" panose="00000600000000000000" pitchFamily="50" charset="0"/>
+                <a:cs typeface="Simplon BP Regular"/>
+              </a:rPr>
+              <a:t>Prótotipo home após login e feed</a:t>
+            </a:r>
+          </a:p>
+          <a:p>
+            <a:pPr fontAlgn="base">
+              <a:spcBef>
+                <a:spcPct val="0"/>
+              </a:spcBef>
+              <a:defRPr/>
+            </a:pPr>
+            <a:r>
+              <a:rPr lang="pt-BR" sz="1600" dirty="0">
+                <a:solidFill>
+                  <a:schemeClr val="tx1"/>
+                </a:solidFill>
+                <a:latin typeface="Exo 2 Medium" panose="00000600000000000000" pitchFamily="50" charset="0"/>
+                <a:cs typeface="Simplon BP Regular"/>
+              </a:rPr>
+              <a:t>#Lucas Felix</a:t>
+            </a:r>
+          </a:p>
+          <a:p>
+            <a:pPr fontAlgn="base">
+              <a:spcBef>
+                <a:spcPct val="0"/>
+              </a:spcBef>
+              <a:defRPr/>
+            </a:pPr>
+            <a:endParaRPr lang="pt-BR" sz="1323" b="1" dirty="0">
+              <a:solidFill>
+                <a:schemeClr val="tx1"/>
+              </a:solidFill>
+              <a:latin typeface="Exo 2 Medium" panose="00000600000000000000" pitchFamily="50" charset="0"/>
+              <a:cs typeface="Simplon BP Regular"/>
+            </a:endParaRPr>
+          </a:p>
+          <a:p>
+            <a:pPr fontAlgn="base">
+              <a:spcBef>
+                <a:spcPct val="0"/>
+              </a:spcBef>
+              <a:defRPr/>
+            </a:pPr>
+            <a:endParaRPr lang="pt-BR" sz="1323" b="1" dirty="0">
+              <a:solidFill>
+                <a:schemeClr val="tx1"/>
+              </a:solidFill>
+              <a:latin typeface="Exo 2 Medium" panose="00000600000000000000" pitchFamily="50" charset="0"/>
+              <a:cs typeface="Simplon BP Regular"/>
+            </a:endParaRPr>
+          </a:p>
+        </p:txBody>
+      </p:sp>
+      <p:sp>
+        <p:nvSpPr>
+          <p:cNvPr id="33" name="Rectangle 43">
+            <a:extLst>
+              <a:ext uri="{FF2B5EF4-FFF2-40B4-BE49-F238E27FC236}">
+                <a16:creationId xmlns:a16="http://schemas.microsoft.com/office/drawing/2014/main" id="{F0F9D098-FF4D-4A23-BBE2-370207E68022}"/>
+              </a:ext>
+            </a:extLst>
+          </p:cNvPr>
+          <p:cNvSpPr>
+            <a:spLocks/>
+          </p:cNvSpPr>
+          <p:nvPr/>
+        </p:nvSpPr>
+        <p:spPr>
+          <a:xfrm>
+            <a:off x="512766" y="4500711"/>
+            <a:ext cx="12496525" cy="2808978"/>
+          </a:xfrm>
+          <a:prstGeom prst="rect">
+            <a:avLst/>
+          </a:prstGeom>
+          <a:noFill/>
+          <a:ln w="12700">
+            <a:solidFill>
+              <a:schemeClr val="bg1">
+                <a:lumMod val="50000"/>
+              </a:schemeClr>
+            </a:solidFill>
+          </a:ln>
+        </p:spPr>
+        <p:style>
+          <a:lnRef idx="2">
+            <a:schemeClr val="accent4"/>
+          </a:lnRef>
+          <a:fillRef idx="1">
+            <a:schemeClr val="lt1"/>
+          </a:fillRef>
+          <a:effectRef idx="0">
+            <a:schemeClr val="accent4"/>
+          </a:effectRef>
+          <a:fontRef idx="minor">
+            <a:schemeClr val="dk1"/>
+          </a:fontRef>
+        </p:style>
+        <p:txBody>
+          <a:bodyPr wrap="square" tIns="105844" numCol="3" rtlCol="0" anchor="t"/>
+          <a:lstStyle/>
+          <a:p>
+            <a:pPr marL="0" lvl="1" defTabSz="672130"/>
+            <a:r>
+              <a:rPr lang="pt-BR" sz="1600" b="1" dirty="0">
+                <a:solidFill>
+                  <a:schemeClr val="tx1"/>
+                </a:solidFill>
+                <a:latin typeface="Exo 2 Medium" panose="00000600000000000000" pitchFamily="50" charset="0"/>
+                <a:cs typeface="Simplon BP Regular"/>
+              </a:rPr>
+              <a:t>LLD                                                                                                       </a:t>
+            </a:r>
+          </a:p>
+          <a:p>
+            <a:pPr marL="0" lvl="1" defTabSz="672130"/>
+            <a:r>
+              <a:rPr lang="pt-BR" sz="1600" dirty="0">
+                <a:solidFill>
+                  <a:schemeClr val="tx1"/>
+                </a:solidFill>
+                <a:latin typeface="Exo 2 Medium" panose="00000600000000000000" pitchFamily="50" charset="0"/>
+                <a:cs typeface="Simplon BP Regular"/>
+              </a:rPr>
+              <a:t>#Todo o grupo (para conhecimento geral)</a:t>
+            </a:r>
+          </a:p>
+          <a:p>
+            <a:pPr marL="0" lvl="1" defTabSz="672130"/>
+            <a:endParaRPr lang="pt-BR" sz="1600" b="1" dirty="0">
+              <a:solidFill>
+                <a:schemeClr val="tx1"/>
+              </a:solidFill>
+              <a:latin typeface="Exo 2 Medium" panose="00000600000000000000" pitchFamily="50" charset="0"/>
+              <a:cs typeface="Simplon BP Regular"/>
+            </a:endParaRPr>
+          </a:p>
+          <a:p>
+            <a:pPr marL="0" lvl="1" defTabSz="672130"/>
+            <a:r>
+              <a:rPr lang="pt-BR" sz="1600" b="1" dirty="0">
+                <a:solidFill>
+                  <a:schemeClr val="tx1"/>
+                </a:solidFill>
+                <a:latin typeface="Exo 2 Medium" panose="00000600000000000000" pitchFamily="50" charset="0"/>
+                <a:cs typeface="Simplon BP Regular"/>
+              </a:rPr>
+              <a:t>Arquitetura de solução</a:t>
+            </a:r>
+          </a:p>
+          <a:p>
+            <a:pPr marL="0" lvl="1" defTabSz="672130"/>
+            <a:r>
+              <a:rPr lang="pt-BR" sz="1600" dirty="0">
+                <a:solidFill>
+                  <a:schemeClr val="tx1"/>
+                </a:solidFill>
+                <a:latin typeface="Exo 2 Medium" panose="00000600000000000000" pitchFamily="50" charset="0"/>
+                <a:cs typeface="Simplon BP Regular"/>
+              </a:rPr>
+              <a:t>#Vinícius Novais</a:t>
+            </a:r>
+          </a:p>
+          <a:p>
+            <a:pPr marL="0" lvl="1" defTabSz="672130"/>
+            <a:endParaRPr lang="pt-BR" sz="1600" dirty="0">
+              <a:solidFill>
+                <a:schemeClr val="tx1"/>
+              </a:solidFill>
+              <a:latin typeface="Exo 2 Medium" panose="00000600000000000000" pitchFamily="50" charset="0"/>
+              <a:cs typeface="Simplon BP Regular"/>
+            </a:endParaRPr>
+          </a:p>
+          <a:p>
+            <a:pPr marL="0" lvl="1" defTabSz="672130"/>
+            <a:r>
+              <a:rPr lang="pt-BR" sz="1600" b="1" dirty="0">
+                <a:solidFill>
+                  <a:schemeClr val="tx1"/>
+                </a:solidFill>
+                <a:latin typeface="Exo 2 Medium" panose="00000600000000000000" pitchFamily="50" charset="0"/>
+                <a:cs typeface="Simplon BP Regular"/>
+              </a:rPr>
+              <a:t>#Prótotipo projetos curtidos (task atrasada)</a:t>
+            </a:r>
+          </a:p>
+          <a:p>
+            <a:pPr marL="0" lvl="1" defTabSz="672130"/>
+            <a:r>
+              <a:rPr lang="pt-BR" sz="1600" dirty="0">
+                <a:solidFill>
+                  <a:schemeClr val="tx1"/>
+                </a:solidFill>
+                <a:latin typeface="Exo 2 Medium" panose="00000600000000000000" pitchFamily="50" charset="0"/>
+                <a:cs typeface="Simplon BP Regular"/>
+              </a:rPr>
+              <a:t>João Oliveira</a:t>
+            </a:r>
+          </a:p>
+          <a:p>
+            <a:pPr marL="0" lvl="1" defTabSz="672130"/>
+            <a:endParaRPr lang="pt-BR" sz="1600" b="1" dirty="0">
+              <a:solidFill>
+                <a:schemeClr val="tx1"/>
+              </a:solidFill>
+              <a:latin typeface="Exo 2 Medium" panose="00000600000000000000" pitchFamily="50" charset="0"/>
+              <a:cs typeface="Simplon BP Regular"/>
+            </a:endParaRPr>
+          </a:p>
+          <a:p>
+            <a:pPr marL="0" lvl="1" defTabSz="672130"/>
+            <a:endParaRPr lang="pt-BR" sz="1323" b="1" dirty="0">
+              <a:solidFill>
+                <a:schemeClr val="tx1"/>
+              </a:solidFill>
+              <a:latin typeface="Exo 2 Medium" panose="00000600000000000000" pitchFamily="50" charset="0"/>
+              <a:cs typeface="Simplon BP Regular"/>
+            </a:endParaRPr>
+          </a:p>
+          <a:p>
+            <a:pPr marL="0" lvl="1" defTabSz="672130"/>
+            <a:endParaRPr lang="pt-BR" sz="1323" b="1" dirty="0">
+              <a:solidFill>
+                <a:schemeClr val="tx1"/>
+              </a:solidFill>
+              <a:latin typeface="Exo 2 Medium" panose="00000600000000000000" pitchFamily="50" charset="0"/>
+              <a:cs typeface="Simplon BP Regular"/>
+            </a:endParaRPr>
+          </a:p>
+          <a:p>
+            <a:pPr marL="0" lvl="1" defTabSz="672130"/>
+            <a:endParaRPr lang="pt-BR" sz="1323" b="1" dirty="0">
+              <a:solidFill>
+                <a:schemeClr val="tx1"/>
+              </a:solidFill>
+              <a:latin typeface="Exo 2 Medium" panose="00000600000000000000" pitchFamily="50" charset="0"/>
+              <a:cs typeface="Simplon BP Regular"/>
+            </a:endParaRPr>
+          </a:p>
+        </p:txBody>
+      </p:sp>
+      <p:sp>
+        <p:nvSpPr>
+          <p:cNvPr id="34" name="Oval 134">
+            <a:extLst>
+              <a:ext uri="{FF2B5EF4-FFF2-40B4-BE49-F238E27FC236}">
+                <a16:creationId xmlns:a16="http://schemas.microsoft.com/office/drawing/2014/main" id="{B57AA8A8-84FD-48DE-BA43-08D253C6F275}"/>
+              </a:ext>
+            </a:extLst>
+          </p:cNvPr>
+          <p:cNvSpPr>
+            <a:spLocks noChangeAspect="1"/>
+          </p:cNvSpPr>
+          <p:nvPr/>
+        </p:nvSpPr>
+        <p:spPr>
+          <a:xfrm>
+            <a:off x="9225955" y="297930"/>
+            <a:ext cx="211404" cy="211689"/>
+          </a:xfrm>
+          <a:prstGeom prst="ellipse">
+            <a:avLst/>
+          </a:prstGeom>
+          <a:solidFill>
+            <a:schemeClr val="accent4">
+              <a:lumMod val="25000"/>
+              <a:lumOff val="75000"/>
+            </a:schemeClr>
+          </a:solidFill>
+          <a:ln w="12700">
+            <a:solidFill>
+              <a:schemeClr val="accent3"/>
+            </a:solidFill>
+          </a:ln>
+        </p:spPr>
+        <p:style>
+          <a:lnRef idx="2">
+            <a:schemeClr val="accent1">
+              <a:shade val="50000"/>
+            </a:schemeClr>
+          </a:lnRef>
+          <a:fillRef idx="1">
+            <a:schemeClr val="accent1"/>
+          </a:fillRef>
+          <a:effectRef idx="0">
+            <a:schemeClr val="accent1"/>
+          </a:effectRef>
+          <a:fontRef idx="minor">
+            <a:schemeClr val="lt1"/>
+          </a:fontRef>
+        </p:style>
+        <p:txBody>
+          <a:bodyPr wrap="none" lIns="52922" tIns="52922" rIns="52922" rtlCol="0" anchor="ctr"/>
+          <a:lstStyle/>
+          <a:p>
+            <a:pPr algn="ctr" defTabSz="672130"/>
+            <a:endParaRPr lang="en-US" sz="1176" dirty="0">
+              <a:solidFill>
+                <a:srgbClr val="00B050"/>
+              </a:solidFill>
+              <a:latin typeface="Exo 2 Medium" panose="00000600000000000000" pitchFamily="50" charset="0"/>
+              <a:cs typeface="Simplon BP Regular"/>
+            </a:endParaRPr>
+          </a:p>
+        </p:txBody>
+      </p:sp>
+      <p:sp>
+        <p:nvSpPr>
+          <p:cNvPr id="35" name="Oval 120">
+            <a:extLst>
+              <a:ext uri="{FF2B5EF4-FFF2-40B4-BE49-F238E27FC236}">
+                <a16:creationId xmlns:a16="http://schemas.microsoft.com/office/drawing/2014/main" id="{DAAADCBD-ECD9-4B5D-A8E0-075FB6F9BED7}"/>
+              </a:ext>
+            </a:extLst>
+          </p:cNvPr>
+          <p:cNvSpPr>
+            <a:spLocks noChangeAspect="1"/>
+          </p:cNvSpPr>
+          <p:nvPr/>
+        </p:nvSpPr>
+        <p:spPr>
+          <a:xfrm>
+            <a:off x="10188056" y="324247"/>
+            <a:ext cx="211404" cy="211689"/>
+          </a:xfrm>
+          <a:prstGeom prst="ellipse">
+            <a:avLst/>
+          </a:prstGeom>
+          <a:solidFill>
+            <a:schemeClr val="accent4">
+              <a:lumMod val="25000"/>
+              <a:lumOff val="75000"/>
+            </a:schemeClr>
+          </a:solidFill>
+          <a:ln w="12700">
+            <a:solidFill>
+              <a:schemeClr val="accent3"/>
+            </a:solidFill>
+          </a:ln>
+        </p:spPr>
+        <p:style>
+          <a:lnRef idx="2">
+            <a:schemeClr val="accent1">
+              <a:shade val="50000"/>
+            </a:schemeClr>
+          </a:lnRef>
+          <a:fillRef idx="1">
+            <a:schemeClr val="accent1"/>
+          </a:fillRef>
+          <a:effectRef idx="0">
+            <a:schemeClr val="accent1"/>
+          </a:effectRef>
+          <a:fontRef idx="minor">
+            <a:schemeClr val="lt1"/>
+          </a:fontRef>
+        </p:style>
+        <p:txBody>
+          <a:bodyPr wrap="none" lIns="52922" tIns="52922" rIns="52922" rtlCol="0" anchor="ctr"/>
+          <a:lstStyle/>
+          <a:p>
+            <a:pPr algn="ctr" defTabSz="672130"/>
+            <a:endParaRPr lang="en-US" sz="1176" dirty="0">
+              <a:solidFill>
+                <a:srgbClr val="1BCF13"/>
+              </a:solidFill>
+              <a:latin typeface="Exo 2 Medium" panose="00000600000000000000" pitchFamily="50" charset="0"/>
+              <a:cs typeface="Simplon BP Regular"/>
+            </a:endParaRPr>
+          </a:p>
+        </p:txBody>
+      </p:sp>
+      <p:sp>
+        <p:nvSpPr>
+          <p:cNvPr id="36" name="Retângulo 35">
+            <a:extLst>
+              <a:ext uri="{FF2B5EF4-FFF2-40B4-BE49-F238E27FC236}">
+                <a16:creationId xmlns:a16="http://schemas.microsoft.com/office/drawing/2014/main" id="{A87B1CA7-18E0-459A-8B40-B30CC45C209A}"/>
+              </a:ext>
+            </a:extLst>
+          </p:cNvPr>
+          <p:cNvSpPr/>
+          <p:nvPr/>
+        </p:nvSpPr>
+        <p:spPr>
+          <a:xfrm>
+            <a:off x="8017619" y="209534"/>
+            <a:ext cx="4937689" cy="618769"/>
+          </a:xfrm>
+          <a:prstGeom prst="rect">
+            <a:avLst/>
+          </a:prstGeom>
+          <a:noFill/>
+          <a:ln w="6350">
+            <a:solidFill>
+              <a:schemeClr val="bg1">
+                <a:lumMod val="75000"/>
+              </a:schemeClr>
+            </a:solidFill>
+          </a:ln>
+        </p:spPr>
+        <p:style>
+          <a:lnRef idx="2">
+            <a:schemeClr val="accent1">
+              <a:shade val="50000"/>
+            </a:schemeClr>
+          </a:lnRef>
+          <a:fillRef idx="1">
+            <a:schemeClr val="accent1"/>
+          </a:fillRef>
+          <a:effectRef idx="0">
+            <a:schemeClr val="accent1"/>
+          </a:effectRef>
+          <a:fontRef idx="minor">
+            <a:schemeClr val="lt1"/>
+          </a:fontRef>
+        </p:style>
+        <p:txBody>
+          <a:bodyPr rtlCol="0" anchor="ctr"/>
+          <a:lstStyle/>
+          <a:p>
+            <a:pPr algn="ctr"/>
+            <a:endParaRPr lang="pt-BR">
+              <a:latin typeface="Exo 2 Medium" panose="00000600000000000000" pitchFamily="50" charset="0"/>
+            </a:endParaRPr>
+          </a:p>
+        </p:txBody>
+      </p:sp>
+      <p:sp>
+        <p:nvSpPr>
+          <p:cNvPr id="37" name="TextBox 138">
+            <a:extLst>
+              <a:ext uri="{FF2B5EF4-FFF2-40B4-BE49-F238E27FC236}">
+                <a16:creationId xmlns:a16="http://schemas.microsoft.com/office/drawing/2014/main" id="{41B46BEE-7CCD-459E-800A-B6E0E71F7FC7}"/>
+              </a:ext>
+            </a:extLst>
+          </p:cNvPr>
+          <p:cNvSpPr txBox="1"/>
+          <p:nvPr/>
+        </p:nvSpPr>
+        <p:spPr>
+          <a:xfrm>
+            <a:off x="9715810" y="51570"/>
+            <a:ext cx="1478088" cy="211688"/>
+          </a:xfrm>
+          <a:prstGeom prst="rect">
+            <a:avLst/>
+          </a:prstGeom>
+          <a:solidFill>
+            <a:schemeClr val="bg1"/>
+          </a:solidFill>
+          <a:ln w="12700">
+            <a:noFill/>
+          </a:ln>
+        </p:spPr>
+        <p:style>
+          <a:lnRef idx="2">
+            <a:schemeClr val="accent4"/>
+          </a:lnRef>
+          <a:fillRef idx="1">
+            <a:schemeClr val="lt1"/>
+          </a:fillRef>
+          <a:effectRef idx="0">
+            <a:schemeClr val="accent4"/>
+          </a:effectRef>
+          <a:fontRef idx="minor">
+            <a:schemeClr val="dk1"/>
+          </a:fontRef>
+        </p:style>
+        <p:txBody>
+          <a:bodyPr wrap="none" lIns="52922" tIns="52922" rIns="52922" bIns="0" rtlCol="0" anchor="b"/>
+          <a:lstStyle>
+            <a:defPPr>
+              <a:defRPr lang="en-US"/>
+            </a:defPPr>
+            <a:lvl1pPr algn="ctr">
+              <a:defRPr sz="1000" b="1">
+                <a:latin typeface="Simplon BP Regular"/>
+                <a:cs typeface="Simplon BP Regular"/>
+              </a:defRPr>
+            </a:lvl1pPr>
+            <a:lvl2pPr>
+              <a:defRPr>
+                <a:solidFill>
+                  <a:schemeClr val="dk1"/>
+                </a:solidFill>
+              </a:defRPr>
+            </a:lvl2pPr>
+            <a:lvl3pPr>
+              <a:defRPr>
+                <a:solidFill>
+                  <a:schemeClr val="dk1"/>
+                </a:solidFill>
+              </a:defRPr>
+            </a:lvl3pPr>
+            <a:lvl4pPr>
+              <a:defRPr>
+                <a:solidFill>
+                  <a:schemeClr val="dk1"/>
+                </a:solidFill>
+              </a:defRPr>
+            </a:lvl4pPr>
+            <a:lvl5pPr>
+              <a:defRPr>
+                <a:solidFill>
+                  <a:schemeClr val="dk1"/>
+                </a:solidFill>
+              </a:defRPr>
+            </a:lvl5pPr>
+            <a:lvl6pPr>
+              <a:defRPr>
+                <a:solidFill>
+                  <a:schemeClr val="dk1"/>
+                </a:solidFill>
+              </a:defRPr>
+            </a:lvl6pPr>
+            <a:lvl7pPr>
+              <a:defRPr>
+                <a:solidFill>
+                  <a:schemeClr val="dk1"/>
+                </a:solidFill>
+              </a:defRPr>
+            </a:lvl7pPr>
+            <a:lvl8pPr>
+              <a:defRPr>
+                <a:solidFill>
+                  <a:schemeClr val="dk1"/>
+                </a:solidFill>
+              </a:defRPr>
+            </a:lvl8pPr>
+            <a:lvl9pPr>
+              <a:defRPr>
+                <a:solidFill>
+                  <a:schemeClr val="dk1"/>
+                </a:solidFill>
+              </a:defRPr>
+            </a:lvl9pPr>
+          </a:lstStyle>
+          <a:p>
+            <a:pPr defTabSz="672130"/>
+            <a:r>
+              <a:rPr lang="en-US" sz="1176" dirty="0">
+                <a:solidFill>
+                  <a:srgbClr val="08276B"/>
+                </a:solidFill>
+                <a:latin typeface="Exo 2 Medium" panose="00000600000000000000" pitchFamily="50" charset="0"/>
+              </a:rPr>
+              <a:t>    </a:t>
+            </a:r>
+            <a:r>
+              <a:rPr lang="en-US" sz="1176" dirty="0" err="1">
+                <a:solidFill>
+                  <a:srgbClr val="08276B"/>
+                </a:solidFill>
+                <a:latin typeface="Exo 2 Medium" panose="00000600000000000000" pitchFamily="50" charset="0"/>
+              </a:rPr>
+              <a:t>Farol</a:t>
+            </a:r>
+            <a:r>
+              <a:rPr lang="en-US" sz="1176" dirty="0">
+                <a:solidFill>
+                  <a:srgbClr val="08276B"/>
+                </a:solidFill>
+                <a:latin typeface="Exo 2 Medium" panose="00000600000000000000" pitchFamily="50" charset="0"/>
+              </a:rPr>
+              <a:t> do </a:t>
+            </a:r>
+            <a:r>
+              <a:rPr lang="en-US" sz="1176" dirty="0" err="1">
+                <a:solidFill>
+                  <a:srgbClr val="08276B"/>
+                </a:solidFill>
+                <a:latin typeface="Exo 2 Medium" panose="00000600000000000000" pitchFamily="50" charset="0"/>
+              </a:rPr>
+              <a:t>Projeto</a:t>
+            </a:r>
+            <a:r>
+              <a:rPr lang="en-US" sz="1176" dirty="0">
+                <a:solidFill>
+                  <a:srgbClr val="08276B"/>
+                </a:solidFill>
+                <a:latin typeface="Exo 2 Medium" panose="00000600000000000000" pitchFamily="50" charset="0"/>
+              </a:rPr>
+              <a:t>   </a:t>
+            </a:r>
+          </a:p>
+        </p:txBody>
+      </p:sp>
+      <p:sp>
+        <p:nvSpPr>
+          <p:cNvPr id="38" name="Oval 134">
+            <a:extLst>
+              <a:ext uri="{FF2B5EF4-FFF2-40B4-BE49-F238E27FC236}">
+                <a16:creationId xmlns:a16="http://schemas.microsoft.com/office/drawing/2014/main" id="{AC71B70F-2DA1-4D18-9AC0-DCFDF0FE0D5C}"/>
+              </a:ext>
+            </a:extLst>
+          </p:cNvPr>
+          <p:cNvSpPr>
+            <a:spLocks noChangeAspect="1"/>
+          </p:cNvSpPr>
+          <p:nvPr/>
+        </p:nvSpPr>
+        <p:spPr>
+          <a:xfrm>
+            <a:off x="12166910" y="328582"/>
+            <a:ext cx="211404" cy="211689"/>
+          </a:xfrm>
+          <a:prstGeom prst="ellipse">
+            <a:avLst/>
+          </a:prstGeom>
+          <a:solidFill>
+            <a:srgbClr val="1BCF13"/>
+          </a:solidFill>
+          <a:ln w="12700">
+            <a:solidFill>
+              <a:schemeClr val="accent3"/>
+            </a:solidFill>
+          </a:ln>
+        </p:spPr>
+        <p:style>
+          <a:lnRef idx="2">
+            <a:schemeClr val="accent1">
+              <a:shade val="50000"/>
+            </a:schemeClr>
+          </a:lnRef>
+          <a:fillRef idx="1">
+            <a:schemeClr val="accent1"/>
+          </a:fillRef>
+          <a:effectRef idx="0">
+            <a:schemeClr val="accent1"/>
+          </a:effectRef>
+          <a:fontRef idx="minor">
+            <a:schemeClr val="lt1"/>
+          </a:fontRef>
+        </p:style>
+        <p:txBody>
+          <a:bodyPr wrap="none" lIns="52922" tIns="52922" rIns="52922" rtlCol="0" anchor="ctr"/>
+          <a:lstStyle/>
+          <a:p>
+            <a:pPr algn="ctr" defTabSz="672130"/>
+            <a:endParaRPr lang="en-US" sz="1176" dirty="0">
+              <a:solidFill>
+                <a:srgbClr val="FFC000"/>
+              </a:solidFill>
+              <a:latin typeface="Exo 2 Medium" panose="00000600000000000000" pitchFamily="50" charset="0"/>
+              <a:cs typeface="Simplon BP Regular"/>
+            </a:endParaRPr>
+          </a:p>
+        </p:txBody>
+      </p:sp>
+      <p:sp>
+        <p:nvSpPr>
+          <p:cNvPr id="4" name="TextBox 3">
+            <a:extLst>
+              <a:ext uri="{FF2B5EF4-FFF2-40B4-BE49-F238E27FC236}">
+                <a16:creationId xmlns:a16="http://schemas.microsoft.com/office/drawing/2014/main" id="{9F47C350-4CB5-466C-B2DC-CBD9ED7F64B2}"/>
+              </a:ext>
+            </a:extLst>
+          </p:cNvPr>
+          <p:cNvSpPr txBox="1"/>
+          <p:nvPr/>
+        </p:nvSpPr>
+        <p:spPr>
+          <a:xfrm>
+            <a:off x="6865491" y="1153210"/>
+            <a:ext cx="4553106" cy="338554"/>
+          </a:xfrm>
+          <a:prstGeom prst="rect">
+            <a:avLst/>
+          </a:prstGeom>
+          <a:noFill/>
+        </p:spPr>
+        <p:txBody>
+          <a:bodyPr wrap="none" rtlCol="0">
+            <a:spAutoFit/>
+          </a:bodyPr>
+          <a:lstStyle/>
+          <a:p>
+            <a:r>
+              <a:rPr lang="pt-BR" sz="1600" dirty="0">
+                <a:latin typeface="Exo 2 Medium" panose="00000600000000000000"/>
+              </a:rPr>
+              <a:t>Atenção ao prazo combinado para entrega das tasks.</a:t>
+            </a:r>
+          </a:p>
+        </p:txBody>
+      </p:sp>
+      <p:sp>
+        <p:nvSpPr>
+          <p:cNvPr id="39" name="TextBox 38">
+            <a:extLst>
+              <a:ext uri="{FF2B5EF4-FFF2-40B4-BE49-F238E27FC236}">
+                <a16:creationId xmlns:a16="http://schemas.microsoft.com/office/drawing/2014/main" id="{8ACE77DB-7A0A-4BC8-8D52-875743F65432}"/>
+              </a:ext>
+            </a:extLst>
+          </p:cNvPr>
+          <p:cNvSpPr txBox="1"/>
+          <p:nvPr/>
+        </p:nvSpPr>
+        <p:spPr>
+          <a:xfrm>
+            <a:off x="4129187" y="1116335"/>
+            <a:ext cx="1741567" cy="584775"/>
           </a:xfrm>
           <a:prstGeom prst="rect">
             <a:avLst/>
@@ -22692,7 +24839,7 @@
               <a:rPr lang="pt-BR" sz="1600" b="1" dirty="0">
                 <a:latin typeface="Exo 2 Medium" panose="00000600000000000000"/>
               </a:rPr>
-              <a:t>PM Canvavs (task atrasada)</a:t>
+              <a:t>Prótotipo perfil</a:t>
             </a:r>
           </a:p>
           <a:p>
@@ -22705,10 +24852,145 @@
           </a:p>
         </p:txBody>
       </p:sp>
+      <p:sp>
+        <p:nvSpPr>
+          <p:cNvPr id="41" name="TextBox 40">
+            <a:extLst>
+              <a:ext uri="{FF2B5EF4-FFF2-40B4-BE49-F238E27FC236}">
+                <a16:creationId xmlns:a16="http://schemas.microsoft.com/office/drawing/2014/main" id="{9F2435F4-D8E1-4B45-ACBE-3E11103411BA}"/>
+              </a:ext>
+            </a:extLst>
+          </p:cNvPr>
+          <p:cNvSpPr txBox="1"/>
+          <p:nvPr/>
+        </p:nvSpPr>
+        <p:spPr>
+          <a:xfrm>
+            <a:off x="4129187" y="1836415"/>
+            <a:ext cx="6734012" cy="584775"/>
+          </a:xfrm>
+          <a:prstGeom prst="rect">
+            <a:avLst/>
+          </a:prstGeom>
+          <a:noFill/>
+        </p:spPr>
+        <p:txBody>
+          <a:bodyPr wrap="square">
+            <a:spAutoFit/>
+          </a:bodyPr>
+          <a:lstStyle/>
+          <a:p>
+            <a:r>
+              <a:rPr lang="pt-BR" sz="1600" b="1" dirty="0">
+                <a:latin typeface="Exo 2 Medium" panose="00000600000000000000"/>
+              </a:rPr>
+              <a:t>Jornada do usuário</a:t>
+            </a:r>
+          </a:p>
+          <a:p>
+            <a:r>
+              <a:rPr lang="pt-BR" sz="1600" dirty="0">
+                <a:latin typeface="Exo 2 Medium" panose="00000600000000000000"/>
+              </a:rPr>
+              <a:t>#Lucas Felix</a:t>
+            </a:r>
+          </a:p>
+        </p:txBody>
+      </p:sp>
+      <p:sp>
+        <p:nvSpPr>
+          <p:cNvPr id="42" name="TextBox 41">
+            <a:extLst>
+              <a:ext uri="{FF2B5EF4-FFF2-40B4-BE49-F238E27FC236}">
+                <a16:creationId xmlns:a16="http://schemas.microsoft.com/office/drawing/2014/main" id="{A612A69C-3AD8-4157-B1D4-B831D3F14F61}"/>
+              </a:ext>
+            </a:extLst>
+          </p:cNvPr>
+          <p:cNvSpPr txBox="1"/>
+          <p:nvPr/>
+        </p:nvSpPr>
+        <p:spPr>
+          <a:xfrm>
+            <a:off x="4129187" y="2556495"/>
+            <a:ext cx="6734012" cy="584775"/>
+          </a:xfrm>
+          <a:prstGeom prst="rect">
+            <a:avLst/>
+          </a:prstGeom>
+          <a:noFill/>
+        </p:spPr>
+        <p:txBody>
+          <a:bodyPr wrap="square">
+            <a:spAutoFit/>
+          </a:bodyPr>
+          <a:lstStyle/>
+          <a:p>
+            <a:r>
+              <a:rPr lang="pt-BR" sz="1600" b="1" dirty="0">
+                <a:latin typeface="Exo 2 Medium" panose="00000600000000000000"/>
+              </a:rPr>
+              <a:t>Planilha de concorrência</a:t>
+            </a:r>
+          </a:p>
+          <a:p>
+            <a:r>
+              <a:rPr lang="pt-BR" sz="1600" dirty="0">
+                <a:latin typeface="Exo 2 Medium" panose="00000600000000000000"/>
+              </a:rPr>
+              <a:t>#Lucas Felix</a:t>
+            </a:r>
+          </a:p>
+        </p:txBody>
+      </p:sp>
+      <p:sp>
+        <p:nvSpPr>
+          <p:cNvPr id="43" name="TextBox 42">
+            <a:extLst>
+              <a:ext uri="{FF2B5EF4-FFF2-40B4-BE49-F238E27FC236}">
+                <a16:creationId xmlns:a16="http://schemas.microsoft.com/office/drawing/2014/main" id="{B00F4A3F-EDE2-489C-8C3A-91F9B7B75AAD}"/>
+              </a:ext>
+            </a:extLst>
+          </p:cNvPr>
+          <p:cNvSpPr txBox="1"/>
+          <p:nvPr/>
+        </p:nvSpPr>
+        <p:spPr>
+          <a:xfrm>
+            <a:off x="4489227" y="4572719"/>
+            <a:ext cx="6734012" cy="584775"/>
+          </a:xfrm>
+          <a:prstGeom prst="rect">
+            <a:avLst/>
+          </a:prstGeom>
+          <a:noFill/>
+        </p:spPr>
+        <p:txBody>
+          <a:bodyPr wrap="square">
+            <a:spAutoFit/>
+          </a:bodyPr>
+          <a:lstStyle/>
+          <a:p>
+            <a:r>
+              <a:rPr lang="pt-BR" sz="1600" b="1" dirty="0">
+                <a:latin typeface="Exo 2 Medium" panose="00000600000000000000"/>
+              </a:rPr>
+              <a:t>Prótotipo tela upload (task atrasada)</a:t>
+            </a:r>
+          </a:p>
+          <a:p>
+            <a:r>
+              <a:rPr lang="pt-BR" sz="1600" dirty="0">
+                <a:latin typeface="Exo 2 Medium" panose="00000600000000000000"/>
+              </a:rPr>
+              <a:t>#Caio Elcio</a:t>
+            </a:r>
+          </a:p>
+        </p:txBody>
+      </p:sp>
     </p:spTree>
     <p:extLst>
       <p:ext uri="{BB962C8B-B14F-4D97-AF65-F5344CB8AC3E}">
-        <p14:creationId xmlns:p14="http://schemas.microsoft.com/office/powerpoint/2010/main" val="1871888551"/>
+        <p14:creationId xmlns:p14="http://schemas.microsoft.com/office/powerpoint/2010/main" val="3424229560"/>
       </p:ext>
     </p:extLst>
   </p:cSld>
@@ -24134,6 +26416,21 @@
 </file>
 
 <file path=customXml/item1.xml><?xml version="1.0" encoding="utf-8"?>
+<p:properties xmlns:p="http://schemas.microsoft.com/office/2006/metadata/properties" xmlns:xsi="http://www.w3.org/2001/XMLSchema-instance" xmlns:pc="http://schemas.microsoft.com/office/infopath/2007/PartnerControls">
+  <documentManagement/>
+</p:properties>
+</file>
+
+<file path=customXml/item2.xml><?xml version="1.0" encoding="utf-8"?>
+<?mso-contentType ?>
+<FormTemplates xmlns="http://schemas.microsoft.com/sharepoint/v3/contenttype/forms">
+  <Display>DocumentLibraryForm</Display>
+  <Edit>DocumentLibraryForm</Edit>
+  <New>DocumentLibraryForm</New>
+</FormTemplates>
+</file>
+
+<file path=customXml/item3.xml><?xml version="1.0" encoding="utf-8"?>
 <ct:contentTypeSchema xmlns:ct="http://schemas.microsoft.com/office/2006/metadata/contentType" xmlns:ma="http://schemas.microsoft.com/office/2006/metadata/properties/metaAttributes" ct:_="" ma:_="" ma:contentTypeName="Document" ma:contentTypeID="0x0101007F8ECE7139958D46ABEDA89D12B90CBF" ma:contentTypeVersion="0" ma:contentTypeDescription="Create a new document." ma:contentTypeScope="" ma:versionID="e6d660081116f63565d30cc13099d5ec">
   <xsd:schema xmlns:xsd="http://www.w3.org/2001/XMLSchema" xmlns:xs="http://www.w3.org/2001/XMLSchema" xmlns:p="http://schemas.microsoft.com/office/2006/metadata/properties" targetNamespace="http://schemas.microsoft.com/office/2006/metadata/properties" ma:root="true" ma:fieldsID="d413257cd9829394d17656a545d5fa4e">
     <xsd:element name="properties">
@@ -24247,46 +26544,7 @@
 </ct:contentTypeSchema>
 </file>
 
-<file path=customXml/item2.xml><?xml version="1.0" encoding="utf-8"?>
-<?mso-contentType ?>
-<FormTemplates xmlns="http://schemas.microsoft.com/sharepoint/v3/contenttype/forms">
-  <Display>DocumentLibraryForm</Display>
-  <Edit>DocumentLibraryForm</Edit>
-  <New>DocumentLibraryForm</New>
-</FormTemplates>
-</file>
-
-<file path=customXml/item3.xml><?xml version="1.0" encoding="utf-8"?>
-<p:properties xmlns:p="http://schemas.microsoft.com/office/2006/metadata/properties" xmlns:xsi="http://www.w3.org/2001/XMLSchema-instance" xmlns:pc="http://schemas.microsoft.com/office/infopath/2007/PartnerControls">
-  <documentManagement/>
-</p:properties>
-</file>
-
 <file path=customXml/itemProps1.xml><?xml version="1.0" encoding="utf-8"?>
-<ds:datastoreItem xmlns:ds="http://schemas.openxmlformats.org/officeDocument/2006/customXml" ds:itemID="{EFDE92A4-5D2A-451A-A373-EB014CDC0D59}">
-  <ds:schemaRefs>
-    <ds:schemaRef ds:uri="http://schemas.microsoft.com/office/2006/metadata/contentType"/>
-    <ds:schemaRef ds:uri="http://schemas.microsoft.com/office/2006/metadata/properties/metaAttributes"/>
-    <ds:schemaRef ds:uri="http://www.w3.org/2001/XMLSchema"/>
-    <ds:schemaRef ds:uri="http://schemas.microsoft.com/office/2006/metadata/properties"/>
-    <ds:schemaRef ds:uri="http://schemas.openxmlformats.org/package/2006/metadata/core-properties"/>
-    <ds:schemaRef ds:uri="http://purl.org/dc/elements/1.1/"/>
-    <ds:schemaRef ds:uri="http://purl.org/dc/terms/"/>
-    <ds:schemaRef ds:uri="http://schemas.microsoft.com/internal/obd"/>
-    <ds:schemaRef ds:uri="http://schemas.microsoft.com/office/infopath/2007/PartnerControls"/>
-  </ds:schemaRefs>
-</ds:datastoreItem>
-</file>
-
-<file path=customXml/itemProps2.xml><?xml version="1.0" encoding="utf-8"?>
-<ds:datastoreItem xmlns:ds="http://schemas.openxmlformats.org/officeDocument/2006/customXml" ds:itemID="{E2481852-F24E-4532-AF30-C154D705D105}">
-  <ds:schemaRefs>
-    <ds:schemaRef ds:uri="http://schemas.microsoft.com/sharepoint/v3/contenttype/forms"/>
-  </ds:schemaRefs>
-</ds:datastoreItem>
-</file>
-
-<file path=customXml/itemProps3.xml><?xml version="1.0" encoding="utf-8"?>
 <ds:datastoreItem xmlns:ds="http://schemas.openxmlformats.org/officeDocument/2006/customXml" ds:itemID="{4B31267F-D399-4A8A-87F8-B75F56828412}">
   <ds:schemaRefs>
     <ds:schemaRef ds:uri="http://www.w3.org/XML/1998/namespace"/>
@@ -24301,4 +26559,28 @@
     <ds:schemaRef ds:uri="http://purl.org/dc/terms/"/>
   </ds:schemaRefs>
 </ds:datastoreItem>
+</file>
+
+<file path=customXml/itemProps2.xml><?xml version="1.0" encoding="utf-8"?>
+<ds:datastoreItem xmlns:ds="http://schemas.openxmlformats.org/officeDocument/2006/customXml" ds:itemID="{E2481852-F24E-4532-AF30-C154D705D105}">
+  <ds:schemaRefs>
+    <ds:schemaRef ds:uri="http://schemas.microsoft.com/sharepoint/v3/contenttype/forms"/>
+  </ds:schemaRefs>
+</ds:datastoreItem>
+</file>
+
+<file path=customXml/itemProps3.xml><?xml version="1.0" encoding="utf-8"?>
+<ds:datastoreItem xmlns:ds="http://schemas.openxmlformats.org/officeDocument/2006/customXml" ds:itemID="{EFDE92A4-5D2A-451A-A373-EB014CDC0D59}">
+  <ds:schemaRefs>
+    <ds:schemaRef ds:uri="http://schemas.microsoft.com/office/2006/metadata/contentType"/>
+    <ds:schemaRef ds:uri="http://schemas.microsoft.com/office/2006/metadata/properties/metaAttributes"/>
+    <ds:schemaRef ds:uri="http://www.w3.org/2001/XMLSchema"/>
+    <ds:schemaRef ds:uri="http://schemas.microsoft.com/office/2006/metadata/properties"/>
+    <ds:schemaRef ds:uri="http://schemas.openxmlformats.org/package/2006/metadata/core-properties"/>
+    <ds:schemaRef ds:uri="http://purl.org/dc/elements/1.1/"/>
+    <ds:schemaRef ds:uri="http://purl.org/dc/terms/"/>
+    <ds:schemaRef ds:uri="http://schemas.microsoft.com/internal/obd"/>
+    <ds:schemaRef ds:uri="http://schemas.microsoft.com/office/infopath/2007/PartnerControls"/>
+  </ds:schemaRefs>
+</ds:datastoreItem>
 </file>
--- a/Documentos/Status Report/StatusReport.pptx
+++ b/Documentos/Status Report/StatusReport.pptx
@@ -7,15 +7,16 @@
     <p:sldMasterId id="2147483665" r:id="rId6"/>
   </p:sldMasterIdLst>
   <p:notesMasterIdLst>
-    <p:notesMasterId r:id="rId10"/>
+    <p:notesMasterId r:id="rId11"/>
   </p:notesMasterIdLst>
   <p:handoutMasterIdLst>
-    <p:handoutMasterId r:id="rId11"/>
+    <p:handoutMasterId r:id="rId12"/>
   </p:handoutMasterIdLst>
   <p:sldIdLst>
     <p:sldId id="472" r:id="rId7"/>
     <p:sldId id="482" r:id="rId8"/>
     <p:sldId id="483" r:id="rId9"/>
+    <p:sldId id="484" r:id="rId10"/>
   </p:sldIdLst>
   <p:sldSz cx="13442950" cy="7561263"/>
   <p:notesSz cx="7104063" cy="10234613"/>
@@ -125,6 +126,7 @@
             <p14:sldId id="472"/>
             <p14:sldId id="482"/>
             <p14:sldId id="483"/>
+            <p14:sldId id="484"/>
           </p14:sldIdLst>
         </p14:section>
       </p14:sectionLst>
@@ -557,7 +559,7 @@
             <a:fld id="{C3CD65D1-5C11-455D-9F9A-0E035F00A0DA}" type="datetimeFigureOut">
               <a:rPr lang="pt-BR" smtClean="0"/>
               <a:pPr/>
-              <a:t>22/02/2022</a:t>
+              <a:t>03/03/2022</a:t>
             </a:fld>
             <a:endParaRPr lang="pt-BR"/>
           </a:p>
@@ -624,7 +626,7 @@
             <a:fld id="{CA8E3B7C-E4AE-4E9E-8479-7C668141D483}" type="slidenum">
               <a:rPr lang="pt-BR" smtClean="0"/>
               <a:pPr/>
-              <a:t>‹#›</a:t>
+              <a:t>‹nº›</a:t>
             </a:fld>
             <a:endParaRPr lang="pt-BR"/>
           </a:p>
@@ -725,7 +727,7 @@
             <a:fld id="{A05DA3EF-18EA-43DE-B1BB-402A3C558822}" type="datetimeFigureOut">
               <a:rPr lang="pt-BR" smtClean="0"/>
               <a:pPr/>
-              <a:t>22/02/2022</a:t>
+              <a:t>03/03/2022</a:t>
             </a:fld>
             <a:endParaRPr lang="pt-BR"/>
           </a:p>
@@ -886,7 +888,7 @@
             <a:fld id="{75B3645A-D0AE-4F6E-A17E-E0036A9041AF}" type="slidenum">
               <a:rPr lang="pt-BR" smtClean="0"/>
               <a:pPr/>
-              <a:t>‹#›</a:t>
+              <a:t>‹nº›</a:t>
             </a:fld>
             <a:endParaRPr lang="pt-BR"/>
           </a:p>
@@ -4413,7 +4415,7 @@
               <a:pPr>
                 <a:defRPr/>
               </a:pPr>
-              <a:t>‹#›</a:t>
+              <a:t>‹nº›</a:t>
             </a:fld>
             <a:endParaRPr lang="pt-BR" sz="700" dirty="0"/>
           </a:p>
@@ -18722,7 +18724,7 @@
                 </a:solidFill>
               </a:rPr>
               <a:pPr/>
-              <a:t>‹#›</a:t>
+              <a:t>‹nº›</a:t>
             </a:fld>
             <a:endParaRPr lang="pt-BR" dirty="0">
               <a:solidFill>
@@ -19237,7 +19239,7 @@
               <a:pPr>
                 <a:defRPr/>
               </a:pPr>
-              <a:t>‹#›</a:t>
+              <a:t>‹nº›</a:t>
             </a:fld>
             <a:endParaRPr lang="pt-BR" sz="700" dirty="0"/>
           </a:p>
@@ -25000,6 +25002,2096 @@
 </p:sld>
 </file>
 
+<file path=ppt/slides/slide4.xml><?xml version="1.0" encoding="utf-8"?>
+<p:sld xmlns:a="http://schemas.openxmlformats.org/drawingml/2006/main" xmlns:r="http://schemas.openxmlformats.org/officeDocument/2006/relationships" xmlns:p="http://schemas.openxmlformats.org/presentationml/2006/main">
+  <p:cSld>
+    <p:spTree>
+      <p:nvGrpSpPr>
+        <p:cNvPr id="1" name=""/>
+        <p:cNvGrpSpPr/>
+        <p:nvPr/>
+      </p:nvGrpSpPr>
+      <p:grpSpPr>
+        <a:xfrm>
+          <a:off x="0" y="0"/>
+          <a:ext cx="0" cy="0"/>
+          <a:chOff x="0" y="0"/>
+          <a:chExt cx="0" cy="0"/>
+        </a:xfrm>
+      </p:grpSpPr>
+      <p:sp>
+        <p:nvSpPr>
+          <p:cNvPr id="3" name="Espaço Reservado para Número de Slide 2">
+            <a:extLst>
+              <a:ext uri="{FF2B5EF4-FFF2-40B4-BE49-F238E27FC236}">
+                <a16:creationId xmlns:a16="http://schemas.microsoft.com/office/drawing/2014/main" id="{25E66A94-914F-497A-A098-71B8A170A7DE}"/>
+              </a:ext>
+            </a:extLst>
+          </p:cNvPr>
+          <p:cNvSpPr>
+            <a:spLocks noGrp="1"/>
+          </p:cNvSpPr>
+          <p:nvPr>
+            <p:ph type="sldNum" sz="quarter" idx="4"/>
+          </p:nvPr>
+        </p:nvSpPr>
+        <p:spPr/>
+        <p:txBody>
+          <a:bodyPr/>
+          <a:lstStyle/>
+          <a:p>
+            <a:fld id="{74850952-3374-434C-8FC6-DE28F8CD25B0}" type="slidenum">
+              <a:rPr lang="pt-BR" smtClean="0">
+                <a:solidFill>
+                  <a:prstClr val="black">
+                    <a:tint val="75000"/>
+                  </a:prstClr>
+                </a:solidFill>
+              </a:rPr>
+              <a:pPr/>
+              <a:t>4</a:t>
+            </a:fld>
+            <a:endParaRPr lang="pt-BR" dirty="0">
+              <a:solidFill>
+                <a:prstClr val="black">
+                  <a:tint val="75000"/>
+                </a:prstClr>
+              </a:solidFill>
+            </a:endParaRPr>
+          </a:p>
+        </p:txBody>
+      </p:sp>
+      <p:sp>
+        <p:nvSpPr>
+          <p:cNvPr id="20" name="Rectangle 42">
+            <a:extLst>
+              <a:ext uri="{FF2B5EF4-FFF2-40B4-BE49-F238E27FC236}">
+                <a16:creationId xmlns:a16="http://schemas.microsoft.com/office/drawing/2014/main" id="{D56D5B31-1798-4A73-939D-5495975295D4}"/>
+              </a:ext>
+            </a:extLst>
+          </p:cNvPr>
+          <p:cNvSpPr/>
+          <p:nvPr/>
+        </p:nvSpPr>
+        <p:spPr>
+          <a:xfrm>
+            <a:off x="6804884" y="1106495"/>
+            <a:ext cx="6204408" cy="2962168"/>
+          </a:xfrm>
+          <a:prstGeom prst="rect">
+            <a:avLst/>
+          </a:prstGeom>
+          <a:noFill/>
+          <a:ln w="12700">
+            <a:solidFill>
+              <a:schemeClr val="bg1">
+                <a:lumMod val="50000"/>
+              </a:schemeClr>
+            </a:solidFill>
+          </a:ln>
+        </p:spPr>
+        <p:style>
+          <a:lnRef idx="2">
+            <a:schemeClr val="accent4"/>
+          </a:lnRef>
+          <a:fillRef idx="1">
+            <a:schemeClr val="lt1"/>
+          </a:fillRef>
+          <a:effectRef idx="0">
+            <a:schemeClr val="accent4"/>
+          </a:effectRef>
+          <a:fontRef idx="minor">
+            <a:schemeClr val="dk1"/>
+          </a:fontRef>
+        </p:style>
+        <p:txBody>
+          <a:bodyPr tIns="105844" rtlCol="0" anchor="t"/>
+          <a:lstStyle/>
+          <a:p>
+            <a:pPr defTabSz="672130">
+              <a:spcAft>
+                <a:spcPts val="882"/>
+              </a:spcAft>
+            </a:pPr>
+            <a:endParaRPr lang="pt-BR" sz="1470" dirty="0">
+              <a:solidFill>
+                <a:schemeClr val="tx1"/>
+              </a:solidFill>
+              <a:latin typeface="Exo 2 Medium" panose="00000600000000000000" pitchFamily="50" charset="0"/>
+              <a:cs typeface="Simplon BP Regular"/>
+            </a:endParaRPr>
+          </a:p>
+        </p:txBody>
+      </p:sp>
+      <p:sp>
+        <p:nvSpPr>
+          <p:cNvPr id="21" name="Title 2">
+            <a:extLst>
+              <a:ext uri="{FF2B5EF4-FFF2-40B4-BE49-F238E27FC236}">
+                <a16:creationId xmlns:a16="http://schemas.microsoft.com/office/drawing/2014/main" id="{C488E075-24DD-4CAC-A846-48FBDF28D797}"/>
+              </a:ext>
+            </a:extLst>
+          </p:cNvPr>
+          <p:cNvSpPr>
+            <a:spLocks noGrp="1"/>
+          </p:cNvSpPr>
+          <p:nvPr>
+            <p:ph type="title"/>
+          </p:nvPr>
+        </p:nvSpPr>
+        <p:spPr>
+          <a:xfrm>
+            <a:off x="469692" y="185232"/>
+            <a:ext cx="12098020" cy="800352"/>
+          </a:xfrm>
+        </p:spPr>
+        <p:txBody>
+          <a:bodyPr vert="horz" wrap="square" lIns="105844" tIns="0" rIns="105844" bIns="0" numCol="1" anchor="t" anchorCtr="0" compatLnSpc="1">
+            <a:prstTxWarp prst="textNoShape">
+              <a:avLst/>
+            </a:prstTxWarp>
+            <a:noAutofit/>
+          </a:bodyPr>
+          <a:lstStyle/>
+          <a:p>
+            <a:pPr algn="l">
+              <a:spcAft>
+                <a:spcPts val="882"/>
+              </a:spcAft>
+            </a:pPr>
+            <a:r>
+              <a:rPr lang="en-US" sz="2646" dirty="0">
+                <a:solidFill>
+                  <a:srgbClr val="08276B"/>
+                </a:solidFill>
+                <a:latin typeface="Exo 2 Medium" panose="00000600000000000000" pitchFamily="50" charset="0"/>
+                <a:cs typeface="Simplon Oi Headline"/>
+              </a:rPr>
+              <a:t>SEMANA 2 – 22/02/2022</a:t>
+            </a:r>
+          </a:p>
+        </p:txBody>
+      </p:sp>
+      <p:sp>
+        <p:nvSpPr>
+          <p:cNvPr id="22" name="TextBox 118">
+            <a:extLst>
+              <a:ext uri="{FF2B5EF4-FFF2-40B4-BE49-F238E27FC236}">
+                <a16:creationId xmlns:a16="http://schemas.microsoft.com/office/drawing/2014/main" id="{BD7B98C2-C566-441C-A8E5-BA505B2CA31F}"/>
+              </a:ext>
+            </a:extLst>
+          </p:cNvPr>
+          <p:cNvSpPr txBox="1"/>
+          <p:nvPr/>
+        </p:nvSpPr>
+        <p:spPr>
+          <a:xfrm>
+            <a:off x="11822773" y="576471"/>
+            <a:ext cx="899678" cy="179824"/>
+          </a:xfrm>
+          <a:prstGeom prst="rect">
+            <a:avLst/>
+          </a:prstGeom>
+          <a:noFill/>
+          <a:ln w="12700">
+            <a:noFill/>
+          </a:ln>
+        </p:spPr>
+        <p:style>
+          <a:lnRef idx="2">
+            <a:schemeClr val="accent4"/>
+          </a:lnRef>
+          <a:fillRef idx="1">
+            <a:schemeClr val="lt1"/>
+          </a:fillRef>
+          <a:effectRef idx="0">
+            <a:schemeClr val="accent4"/>
+          </a:effectRef>
+          <a:fontRef idx="minor">
+            <a:schemeClr val="dk1"/>
+          </a:fontRef>
+        </p:style>
+        <p:txBody>
+          <a:bodyPr wrap="none" lIns="52922" tIns="52922" rIns="52922" bIns="0" rtlCol="0" anchor="b"/>
+          <a:lstStyle>
+            <a:defPPr>
+              <a:defRPr lang="en-US"/>
+            </a:defPPr>
+            <a:lvl1pPr algn="ctr">
+              <a:defRPr sz="1000" b="1">
+                <a:latin typeface="Simplon BP Regular"/>
+                <a:cs typeface="Simplon BP Regular"/>
+              </a:defRPr>
+            </a:lvl1pPr>
+            <a:lvl2pPr>
+              <a:defRPr>
+                <a:solidFill>
+                  <a:schemeClr val="dk1"/>
+                </a:solidFill>
+              </a:defRPr>
+            </a:lvl2pPr>
+            <a:lvl3pPr>
+              <a:defRPr>
+                <a:solidFill>
+                  <a:schemeClr val="dk1"/>
+                </a:solidFill>
+              </a:defRPr>
+            </a:lvl3pPr>
+            <a:lvl4pPr>
+              <a:defRPr>
+                <a:solidFill>
+                  <a:schemeClr val="dk1"/>
+                </a:solidFill>
+              </a:defRPr>
+            </a:lvl4pPr>
+            <a:lvl5pPr>
+              <a:defRPr>
+                <a:solidFill>
+                  <a:schemeClr val="dk1"/>
+                </a:solidFill>
+              </a:defRPr>
+            </a:lvl5pPr>
+            <a:lvl6pPr>
+              <a:defRPr>
+                <a:solidFill>
+                  <a:schemeClr val="dk1"/>
+                </a:solidFill>
+              </a:defRPr>
+            </a:lvl6pPr>
+            <a:lvl7pPr>
+              <a:defRPr>
+                <a:solidFill>
+                  <a:schemeClr val="dk1"/>
+                </a:solidFill>
+              </a:defRPr>
+            </a:lvl7pPr>
+            <a:lvl8pPr>
+              <a:defRPr>
+                <a:solidFill>
+                  <a:schemeClr val="dk1"/>
+                </a:solidFill>
+              </a:defRPr>
+            </a:lvl8pPr>
+            <a:lvl9pPr>
+              <a:defRPr>
+                <a:solidFill>
+                  <a:schemeClr val="dk1"/>
+                </a:solidFill>
+              </a:defRPr>
+            </a:lvl9pPr>
+          </a:lstStyle>
+          <a:p>
+            <a:pPr defTabSz="672130"/>
+            <a:r>
+              <a:rPr lang="pt-BR" sz="1176" b="0" dirty="0">
+                <a:solidFill>
+                  <a:prstClr val="black"/>
+                </a:solidFill>
+                <a:latin typeface="Exo 2 Medium" panose="00000600000000000000" pitchFamily="50" charset="0"/>
+              </a:rPr>
+              <a:t>Negócios</a:t>
+            </a:r>
+          </a:p>
+        </p:txBody>
+      </p:sp>
+      <p:sp>
+        <p:nvSpPr>
+          <p:cNvPr id="23" name="Oval 120">
+            <a:extLst>
+              <a:ext uri="{FF2B5EF4-FFF2-40B4-BE49-F238E27FC236}">
+                <a16:creationId xmlns:a16="http://schemas.microsoft.com/office/drawing/2014/main" id="{D512B11E-A0D6-43B9-9FAB-A12852EB997C}"/>
+              </a:ext>
+            </a:extLst>
+          </p:cNvPr>
+          <p:cNvSpPr>
+            <a:spLocks noChangeAspect="1"/>
+          </p:cNvSpPr>
+          <p:nvPr/>
+        </p:nvSpPr>
+        <p:spPr>
+          <a:xfrm>
+            <a:off x="11193898" y="324247"/>
+            <a:ext cx="211404" cy="211689"/>
+          </a:xfrm>
+          <a:prstGeom prst="ellipse">
+            <a:avLst/>
+          </a:prstGeom>
+          <a:solidFill>
+            <a:srgbClr val="1BCF13"/>
+          </a:solidFill>
+          <a:ln w="12700">
+            <a:solidFill>
+              <a:schemeClr val="accent3"/>
+            </a:solidFill>
+          </a:ln>
+        </p:spPr>
+        <p:style>
+          <a:lnRef idx="2">
+            <a:schemeClr val="accent1">
+              <a:shade val="50000"/>
+            </a:schemeClr>
+          </a:lnRef>
+          <a:fillRef idx="1">
+            <a:schemeClr val="accent1"/>
+          </a:fillRef>
+          <a:effectRef idx="0">
+            <a:schemeClr val="accent1"/>
+          </a:effectRef>
+          <a:fontRef idx="minor">
+            <a:schemeClr val="lt1"/>
+          </a:fontRef>
+        </p:style>
+        <p:txBody>
+          <a:bodyPr wrap="none" lIns="52922" tIns="52922" rIns="52922" rtlCol="0" anchor="ctr"/>
+          <a:lstStyle/>
+          <a:p>
+            <a:pPr algn="ctr" defTabSz="672130"/>
+            <a:endParaRPr lang="en-US" sz="1176" dirty="0">
+              <a:solidFill>
+                <a:srgbClr val="1BCF13"/>
+              </a:solidFill>
+              <a:latin typeface="Exo 2 Medium" panose="00000600000000000000" pitchFamily="50" charset="0"/>
+              <a:cs typeface="Simplon BP Regular"/>
+            </a:endParaRPr>
+          </a:p>
+        </p:txBody>
+      </p:sp>
+      <p:sp>
+        <p:nvSpPr>
+          <p:cNvPr id="24" name="TextBox 123">
+            <a:extLst>
+              <a:ext uri="{FF2B5EF4-FFF2-40B4-BE49-F238E27FC236}">
+                <a16:creationId xmlns:a16="http://schemas.microsoft.com/office/drawing/2014/main" id="{DF2A6510-AF00-4432-92E4-F9CD9E5F17D8}"/>
+              </a:ext>
+            </a:extLst>
+          </p:cNvPr>
+          <p:cNvSpPr txBox="1"/>
+          <p:nvPr/>
+        </p:nvSpPr>
+        <p:spPr>
+          <a:xfrm>
+            <a:off x="10852497" y="576471"/>
+            <a:ext cx="899678" cy="179824"/>
+          </a:xfrm>
+          <a:prstGeom prst="rect">
+            <a:avLst/>
+          </a:prstGeom>
+          <a:noFill/>
+          <a:ln w="12700">
+            <a:noFill/>
+          </a:ln>
+        </p:spPr>
+        <p:style>
+          <a:lnRef idx="2">
+            <a:schemeClr val="accent4"/>
+          </a:lnRef>
+          <a:fillRef idx="1">
+            <a:schemeClr val="lt1"/>
+          </a:fillRef>
+          <a:effectRef idx="0">
+            <a:schemeClr val="accent4"/>
+          </a:effectRef>
+          <a:fontRef idx="minor">
+            <a:schemeClr val="dk1"/>
+          </a:fontRef>
+        </p:style>
+        <p:txBody>
+          <a:bodyPr wrap="none" lIns="52922" tIns="52922" rIns="52922" bIns="0" rtlCol="0" anchor="b"/>
+          <a:lstStyle>
+            <a:defPPr>
+              <a:defRPr lang="en-US"/>
+            </a:defPPr>
+            <a:lvl1pPr algn="ctr">
+              <a:defRPr sz="1000" b="1">
+                <a:latin typeface="Simplon BP Regular"/>
+                <a:cs typeface="Simplon BP Regular"/>
+              </a:defRPr>
+            </a:lvl1pPr>
+            <a:lvl2pPr>
+              <a:defRPr>
+                <a:solidFill>
+                  <a:schemeClr val="dk1"/>
+                </a:solidFill>
+              </a:defRPr>
+            </a:lvl2pPr>
+            <a:lvl3pPr>
+              <a:defRPr>
+                <a:solidFill>
+                  <a:schemeClr val="dk1"/>
+                </a:solidFill>
+              </a:defRPr>
+            </a:lvl3pPr>
+            <a:lvl4pPr>
+              <a:defRPr>
+                <a:solidFill>
+                  <a:schemeClr val="dk1"/>
+                </a:solidFill>
+              </a:defRPr>
+            </a:lvl4pPr>
+            <a:lvl5pPr>
+              <a:defRPr>
+                <a:solidFill>
+                  <a:schemeClr val="dk1"/>
+                </a:solidFill>
+              </a:defRPr>
+            </a:lvl5pPr>
+            <a:lvl6pPr>
+              <a:defRPr>
+                <a:solidFill>
+                  <a:schemeClr val="dk1"/>
+                </a:solidFill>
+              </a:defRPr>
+            </a:lvl6pPr>
+            <a:lvl7pPr>
+              <a:defRPr>
+                <a:solidFill>
+                  <a:schemeClr val="dk1"/>
+                </a:solidFill>
+              </a:defRPr>
+            </a:lvl7pPr>
+            <a:lvl8pPr>
+              <a:defRPr>
+                <a:solidFill>
+                  <a:schemeClr val="dk1"/>
+                </a:solidFill>
+              </a:defRPr>
+            </a:lvl8pPr>
+            <a:lvl9pPr>
+              <a:defRPr>
+                <a:solidFill>
+                  <a:schemeClr val="dk1"/>
+                </a:solidFill>
+              </a:defRPr>
+            </a:lvl9pPr>
+          </a:lstStyle>
+          <a:p>
+            <a:pPr defTabSz="672130"/>
+            <a:r>
+              <a:rPr lang="pt-BR" sz="1176" b="0" dirty="0">
+                <a:solidFill>
+                  <a:prstClr val="black"/>
+                </a:solidFill>
+                <a:latin typeface="Exo 2 Medium" panose="00000600000000000000" pitchFamily="50" charset="0"/>
+              </a:rPr>
+              <a:t>Plataforma</a:t>
+            </a:r>
+          </a:p>
+        </p:txBody>
+      </p:sp>
+      <p:sp>
+        <p:nvSpPr>
+          <p:cNvPr id="25" name="TextBox 128">
+            <a:extLst>
+              <a:ext uri="{FF2B5EF4-FFF2-40B4-BE49-F238E27FC236}">
+                <a16:creationId xmlns:a16="http://schemas.microsoft.com/office/drawing/2014/main" id="{983CE74D-5B8F-4DD1-8C18-E4BE116FF1DC}"/>
+              </a:ext>
+            </a:extLst>
+          </p:cNvPr>
+          <p:cNvSpPr txBox="1"/>
+          <p:nvPr/>
+        </p:nvSpPr>
+        <p:spPr>
+          <a:xfrm>
+            <a:off x="9854245" y="576471"/>
+            <a:ext cx="899678" cy="179824"/>
+          </a:xfrm>
+          <a:prstGeom prst="rect">
+            <a:avLst/>
+          </a:prstGeom>
+          <a:noFill/>
+          <a:ln w="12700">
+            <a:noFill/>
+          </a:ln>
+        </p:spPr>
+        <p:style>
+          <a:lnRef idx="2">
+            <a:schemeClr val="accent4"/>
+          </a:lnRef>
+          <a:fillRef idx="1">
+            <a:schemeClr val="lt1"/>
+          </a:fillRef>
+          <a:effectRef idx="0">
+            <a:schemeClr val="accent4"/>
+          </a:effectRef>
+          <a:fontRef idx="minor">
+            <a:schemeClr val="dk1"/>
+          </a:fontRef>
+        </p:style>
+        <p:txBody>
+          <a:bodyPr wrap="none" lIns="52922" tIns="52922" rIns="52922" bIns="0" rtlCol="0" anchor="b"/>
+          <a:lstStyle>
+            <a:defPPr>
+              <a:defRPr lang="en-US"/>
+            </a:defPPr>
+            <a:lvl1pPr algn="ctr">
+              <a:defRPr sz="1000" b="1">
+                <a:latin typeface="Simplon BP Regular"/>
+                <a:cs typeface="Simplon BP Regular"/>
+              </a:defRPr>
+            </a:lvl1pPr>
+            <a:lvl2pPr>
+              <a:defRPr>
+                <a:solidFill>
+                  <a:schemeClr val="dk1"/>
+                </a:solidFill>
+              </a:defRPr>
+            </a:lvl2pPr>
+            <a:lvl3pPr>
+              <a:defRPr>
+                <a:solidFill>
+                  <a:schemeClr val="dk1"/>
+                </a:solidFill>
+              </a:defRPr>
+            </a:lvl3pPr>
+            <a:lvl4pPr>
+              <a:defRPr>
+                <a:solidFill>
+                  <a:schemeClr val="dk1"/>
+                </a:solidFill>
+              </a:defRPr>
+            </a:lvl4pPr>
+            <a:lvl5pPr>
+              <a:defRPr>
+                <a:solidFill>
+                  <a:schemeClr val="dk1"/>
+                </a:solidFill>
+              </a:defRPr>
+            </a:lvl5pPr>
+            <a:lvl6pPr>
+              <a:defRPr>
+                <a:solidFill>
+                  <a:schemeClr val="dk1"/>
+                </a:solidFill>
+              </a:defRPr>
+            </a:lvl6pPr>
+            <a:lvl7pPr>
+              <a:defRPr>
+                <a:solidFill>
+                  <a:schemeClr val="dk1"/>
+                </a:solidFill>
+              </a:defRPr>
+            </a:lvl7pPr>
+            <a:lvl8pPr>
+              <a:defRPr>
+                <a:solidFill>
+                  <a:schemeClr val="dk1"/>
+                </a:solidFill>
+              </a:defRPr>
+            </a:lvl8pPr>
+            <a:lvl9pPr>
+              <a:defRPr>
+                <a:solidFill>
+                  <a:schemeClr val="dk1"/>
+                </a:solidFill>
+              </a:defRPr>
+            </a:lvl9pPr>
+          </a:lstStyle>
+          <a:p>
+            <a:pPr defTabSz="672130"/>
+            <a:r>
+              <a:rPr lang="pt-BR" sz="1176" b="0" dirty="0">
+                <a:solidFill>
+                  <a:prstClr val="black"/>
+                </a:solidFill>
+                <a:latin typeface="Exo 2 Medium" panose="00000600000000000000" pitchFamily="50" charset="0"/>
+              </a:rPr>
+              <a:t>Back</a:t>
+            </a:r>
+          </a:p>
+        </p:txBody>
+      </p:sp>
+      <p:sp>
+        <p:nvSpPr>
+          <p:cNvPr id="26" name="TextBox 133">
+            <a:extLst>
+              <a:ext uri="{FF2B5EF4-FFF2-40B4-BE49-F238E27FC236}">
+                <a16:creationId xmlns:a16="http://schemas.microsoft.com/office/drawing/2014/main" id="{FE1215A2-D778-4D77-9417-6C32B4E10829}"/>
+              </a:ext>
+            </a:extLst>
+          </p:cNvPr>
+          <p:cNvSpPr txBox="1"/>
+          <p:nvPr/>
+        </p:nvSpPr>
+        <p:spPr>
+          <a:xfrm>
+            <a:off x="8888645" y="576471"/>
+            <a:ext cx="899678" cy="179824"/>
+          </a:xfrm>
+          <a:prstGeom prst="rect">
+            <a:avLst/>
+          </a:prstGeom>
+          <a:noFill/>
+          <a:ln w="12700">
+            <a:noFill/>
+          </a:ln>
+        </p:spPr>
+        <p:style>
+          <a:lnRef idx="2">
+            <a:schemeClr val="accent4"/>
+          </a:lnRef>
+          <a:fillRef idx="1">
+            <a:schemeClr val="lt1"/>
+          </a:fillRef>
+          <a:effectRef idx="0">
+            <a:schemeClr val="accent4"/>
+          </a:effectRef>
+          <a:fontRef idx="minor">
+            <a:schemeClr val="dk1"/>
+          </a:fontRef>
+        </p:style>
+        <p:txBody>
+          <a:bodyPr wrap="none" lIns="52922" tIns="52922" rIns="52922" bIns="0" rtlCol="0" anchor="b"/>
+          <a:lstStyle>
+            <a:defPPr>
+              <a:defRPr lang="en-US"/>
+            </a:defPPr>
+            <a:lvl1pPr algn="ctr">
+              <a:defRPr sz="1000" b="1">
+                <a:latin typeface="Simplon BP Regular"/>
+                <a:cs typeface="Simplon BP Regular"/>
+              </a:defRPr>
+            </a:lvl1pPr>
+            <a:lvl2pPr>
+              <a:defRPr>
+                <a:solidFill>
+                  <a:schemeClr val="dk1"/>
+                </a:solidFill>
+              </a:defRPr>
+            </a:lvl2pPr>
+            <a:lvl3pPr>
+              <a:defRPr>
+                <a:solidFill>
+                  <a:schemeClr val="dk1"/>
+                </a:solidFill>
+              </a:defRPr>
+            </a:lvl3pPr>
+            <a:lvl4pPr>
+              <a:defRPr>
+                <a:solidFill>
+                  <a:schemeClr val="dk1"/>
+                </a:solidFill>
+              </a:defRPr>
+            </a:lvl4pPr>
+            <a:lvl5pPr>
+              <a:defRPr>
+                <a:solidFill>
+                  <a:schemeClr val="dk1"/>
+                </a:solidFill>
+              </a:defRPr>
+            </a:lvl5pPr>
+            <a:lvl6pPr>
+              <a:defRPr>
+                <a:solidFill>
+                  <a:schemeClr val="dk1"/>
+                </a:solidFill>
+              </a:defRPr>
+            </a:lvl6pPr>
+            <a:lvl7pPr>
+              <a:defRPr>
+                <a:solidFill>
+                  <a:schemeClr val="dk1"/>
+                </a:solidFill>
+              </a:defRPr>
+            </a:lvl7pPr>
+            <a:lvl8pPr>
+              <a:defRPr>
+                <a:solidFill>
+                  <a:schemeClr val="dk1"/>
+                </a:solidFill>
+              </a:defRPr>
+            </a:lvl8pPr>
+            <a:lvl9pPr>
+              <a:defRPr>
+                <a:solidFill>
+                  <a:schemeClr val="dk1"/>
+                </a:solidFill>
+              </a:defRPr>
+            </a:lvl9pPr>
+          </a:lstStyle>
+          <a:p>
+            <a:pPr defTabSz="672130"/>
+            <a:r>
+              <a:rPr lang="pt-BR" sz="1176" b="0" dirty="0">
+                <a:solidFill>
+                  <a:prstClr val="black"/>
+                </a:solidFill>
+                <a:latin typeface="Exo 2 Medium" panose="00000600000000000000" pitchFamily="50" charset="0"/>
+              </a:rPr>
+              <a:t>Front</a:t>
+            </a:r>
+          </a:p>
+        </p:txBody>
+      </p:sp>
+      <p:sp>
+        <p:nvSpPr>
+          <p:cNvPr id="27" name="Oval 134">
+            <a:extLst>
+              <a:ext uri="{FF2B5EF4-FFF2-40B4-BE49-F238E27FC236}">
+                <a16:creationId xmlns:a16="http://schemas.microsoft.com/office/drawing/2014/main" id="{E0659533-7794-44EF-87B8-DFFD796E8DCB}"/>
+              </a:ext>
+            </a:extLst>
+          </p:cNvPr>
+          <p:cNvSpPr>
+            <a:spLocks noChangeAspect="1"/>
+          </p:cNvSpPr>
+          <p:nvPr/>
+        </p:nvSpPr>
+        <p:spPr>
+          <a:xfrm>
+            <a:off x="8443555" y="297930"/>
+            <a:ext cx="211404" cy="211689"/>
+          </a:xfrm>
+          <a:prstGeom prst="ellipse">
+            <a:avLst/>
+          </a:prstGeom>
+          <a:solidFill>
+            <a:srgbClr val="1BCF13"/>
+          </a:solidFill>
+          <a:ln w="12700">
+            <a:solidFill>
+              <a:schemeClr val="accent3"/>
+            </a:solidFill>
+          </a:ln>
+        </p:spPr>
+        <p:style>
+          <a:lnRef idx="2">
+            <a:schemeClr val="accent1">
+              <a:shade val="50000"/>
+            </a:schemeClr>
+          </a:lnRef>
+          <a:fillRef idx="1">
+            <a:schemeClr val="accent1"/>
+          </a:fillRef>
+          <a:effectRef idx="0">
+            <a:schemeClr val="accent1"/>
+          </a:effectRef>
+          <a:fontRef idx="minor">
+            <a:schemeClr val="lt1"/>
+          </a:fontRef>
+        </p:style>
+        <p:txBody>
+          <a:bodyPr wrap="none" lIns="52922" tIns="52922" rIns="52922" rtlCol="0" anchor="ctr"/>
+          <a:lstStyle/>
+          <a:p>
+            <a:pPr algn="ctr" defTabSz="672130"/>
+            <a:endParaRPr lang="en-US" sz="1176" dirty="0">
+              <a:solidFill>
+                <a:srgbClr val="FFC000"/>
+              </a:solidFill>
+              <a:latin typeface="Exo 2 Medium" panose="00000600000000000000" pitchFamily="50" charset="0"/>
+              <a:cs typeface="Simplon BP Regular"/>
+            </a:endParaRPr>
+          </a:p>
+        </p:txBody>
+      </p:sp>
+      <p:sp>
+        <p:nvSpPr>
+          <p:cNvPr id="28" name="TextBox 138">
+            <a:extLst>
+              <a:ext uri="{FF2B5EF4-FFF2-40B4-BE49-F238E27FC236}">
+                <a16:creationId xmlns:a16="http://schemas.microsoft.com/office/drawing/2014/main" id="{CFC76C64-835E-4901-A393-78B96741EBC6}"/>
+              </a:ext>
+            </a:extLst>
+          </p:cNvPr>
+          <p:cNvSpPr txBox="1"/>
+          <p:nvPr/>
+        </p:nvSpPr>
+        <p:spPr>
+          <a:xfrm>
+            <a:off x="8126053" y="576471"/>
+            <a:ext cx="899678" cy="179824"/>
+          </a:xfrm>
+          <a:prstGeom prst="rect">
+            <a:avLst/>
+          </a:prstGeom>
+          <a:noFill/>
+          <a:ln w="12700">
+            <a:noFill/>
+          </a:ln>
+        </p:spPr>
+        <p:style>
+          <a:lnRef idx="2">
+            <a:schemeClr val="accent4"/>
+          </a:lnRef>
+          <a:fillRef idx="1">
+            <a:schemeClr val="lt1"/>
+          </a:fillRef>
+          <a:effectRef idx="0">
+            <a:schemeClr val="accent4"/>
+          </a:effectRef>
+          <a:fontRef idx="minor">
+            <a:schemeClr val="dk1"/>
+          </a:fontRef>
+        </p:style>
+        <p:txBody>
+          <a:bodyPr wrap="none" lIns="52922" tIns="52922" rIns="52922" bIns="0" rtlCol="0" anchor="b"/>
+          <a:lstStyle>
+            <a:defPPr>
+              <a:defRPr lang="en-US"/>
+            </a:defPPr>
+            <a:lvl1pPr algn="ctr">
+              <a:defRPr sz="1000" b="1">
+                <a:latin typeface="Simplon BP Regular"/>
+                <a:cs typeface="Simplon BP Regular"/>
+              </a:defRPr>
+            </a:lvl1pPr>
+            <a:lvl2pPr>
+              <a:defRPr>
+                <a:solidFill>
+                  <a:schemeClr val="dk1"/>
+                </a:solidFill>
+              </a:defRPr>
+            </a:lvl2pPr>
+            <a:lvl3pPr>
+              <a:defRPr>
+                <a:solidFill>
+                  <a:schemeClr val="dk1"/>
+                </a:solidFill>
+              </a:defRPr>
+            </a:lvl3pPr>
+            <a:lvl4pPr>
+              <a:defRPr>
+                <a:solidFill>
+                  <a:schemeClr val="dk1"/>
+                </a:solidFill>
+              </a:defRPr>
+            </a:lvl4pPr>
+            <a:lvl5pPr>
+              <a:defRPr>
+                <a:solidFill>
+                  <a:schemeClr val="dk1"/>
+                </a:solidFill>
+              </a:defRPr>
+            </a:lvl5pPr>
+            <a:lvl6pPr>
+              <a:defRPr>
+                <a:solidFill>
+                  <a:schemeClr val="dk1"/>
+                </a:solidFill>
+              </a:defRPr>
+            </a:lvl6pPr>
+            <a:lvl7pPr>
+              <a:defRPr>
+                <a:solidFill>
+                  <a:schemeClr val="dk1"/>
+                </a:solidFill>
+              </a:defRPr>
+            </a:lvl7pPr>
+            <a:lvl8pPr>
+              <a:defRPr>
+                <a:solidFill>
+                  <a:schemeClr val="dk1"/>
+                </a:solidFill>
+              </a:defRPr>
+            </a:lvl8pPr>
+            <a:lvl9pPr>
+              <a:defRPr>
+                <a:solidFill>
+                  <a:schemeClr val="dk1"/>
+                </a:solidFill>
+              </a:defRPr>
+            </a:lvl9pPr>
+          </a:lstStyle>
+          <a:p>
+            <a:pPr defTabSz="672130"/>
+            <a:r>
+              <a:rPr lang="en-US" sz="1176" b="0" dirty="0" err="1">
+                <a:solidFill>
+                  <a:prstClr val="black"/>
+                </a:solidFill>
+                <a:latin typeface="Exo 2 Medium" panose="00000600000000000000" pitchFamily="50" charset="0"/>
+              </a:rPr>
+              <a:t>Equipe</a:t>
+            </a:r>
+            <a:endParaRPr lang="en-US" sz="1176" b="0" dirty="0">
+              <a:solidFill>
+                <a:prstClr val="black"/>
+              </a:solidFill>
+              <a:latin typeface="Exo 2 Medium" panose="00000600000000000000" pitchFamily="50" charset="0"/>
+            </a:endParaRPr>
+          </a:p>
+        </p:txBody>
+      </p:sp>
+      <p:sp>
+        <p:nvSpPr>
+          <p:cNvPr id="29" name="Retângulo 28">
+            <a:extLst>
+              <a:ext uri="{FF2B5EF4-FFF2-40B4-BE49-F238E27FC236}">
+                <a16:creationId xmlns:a16="http://schemas.microsoft.com/office/drawing/2014/main" id="{1E43F633-0A68-4D0F-AC0D-375E22F80328}"/>
+              </a:ext>
+            </a:extLst>
+          </p:cNvPr>
+          <p:cNvSpPr/>
+          <p:nvPr/>
+        </p:nvSpPr>
+        <p:spPr>
+          <a:xfrm>
+            <a:off x="512766" y="868345"/>
+            <a:ext cx="6186608" cy="238150"/>
+          </a:xfrm>
+          <a:prstGeom prst="rect">
+            <a:avLst/>
+          </a:prstGeom>
+          <a:solidFill>
+            <a:srgbClr val="08276B"/>
+          </a:solidFill>
+        </p:spPr>
+        <p:txBody>
+          <a:bodyPr vert="horz" lIns="134422" tIns="67211" rIns="134422" bIns="67211" rtlCol="0" anchor="ctr"/>
+          <a:lstStyle/>
+          <a:p>
+            <a:pPr defTabSz="672130"/>
+            <a:r>
+              <a:rPr lang="en-US" sz="1544" dirty="0">
+                <a:solidFill>
+                  <a:schemeClr val="bg1"/>
+                </a:solidFill>
+                <a:latin typeface="Exo 2 Medium" panose="00000600000000000000" pitchFamily="50" charset="0"/>
+                <a:ea typeface="Simplon Oi Headline" charset="0"/>
+                <a:cs typeface="Simplon Oi Headline" charset="0"/>
+              </a:rPr>
+              <a:t>Progressos c/ responsáveis </a:t>
+            </a:r>
+          </a:p>
+        </p:txBody>
+      </p:sp>
+      <p:sp>
+        <p:nvSpPr>
+          <p:cNvPr id="30" name="Retângulo 29">
+            <a:extLst>
+              <a:ext uri="{FF2B5EF4-FFF2-40B4-BE49-F238E27FC236}">
+                <a16:creationId xmlns:a16="http://schemas.microsoft.com/office/drawing/2014/main" id="{D543C29D-67E1-4031-9D29-169B0DBC6EA2}"/>
+              </a:ext>
+            </a:extLst>
+          </p:cNvPr>
+          <p:cNvSpPr/>
+          <p:nvPr/>
+        </p:nvSpPr>
+        <p:spPr>
+          <a:xfrm>
+            <a:off x="6814576" y="868345"/>
+            <a:ext cx="6194715" cy="238150"/>
+          </a:xfrm>
+          <a:prstGeom prst="rect">
+            <a:avLst/>
+          </a:prstGeom>
+          <a:solidFill>
+            <a:srgbClr val="08276B"/>
+          </a:solidFill>
+        </p:spPr>
+        <p:txBody>
+          <a:bodyPr vert="horz" lIns="134422" tIns="67211" rIns="134422" bIns="67211" rtlCol="0" anchor="ctr"/>
+          <a:lstStyle/>
+          <a:p>
+            <a:pPr defTabSz="672130"/>
+            <a:r>
+              <a:rPr lang="pt-BR" sz="1544" dirty="0">
+                <a:solidFill>
+                  <a:schemeClr val="bg1"/>
+                </a:solidFill>
+                <a:latin typeface="Exo 2 Medium" panose="00000600000000000000" pitchFamily="50" charset="0"/>
+                <a:ea typeface="Simplon Oi Headline" charset="0"/>
+                <a:cs typeface="Simplon Oi Headline" charset="0"/>
+              </a:rPr>
+              <a:t>Pontos atenção/ Principais Riscos</a:t>
+            </a:r>
+          </a:p>
+        </p:txBody>
+      </p:sp>
+      <p:sp>
+        <p:nvSpPr>
+          <p:cNvPr id="31" name="Retângulo 30">
+            <a:extLst>
+              <a:ext uri="{FF2B5EF4-FFF2-40B4-BE49-F238E27FC236}">
+                <a16:creationId xmlns:a16="http://schemas.microsoft.com/office/drawing/2014/main" id="{DA8C0DE2-12B6-4997-B780-BE9D9F8E16D6}"/>
+              </a:ext>
+            </a:extLst>
+          </p:cNvPr>
+          <p:cNvSpPr/>
+          <p:nvPr/>
+        </p:nvSpPr>
+        <p:spPr>
+          <a:xfrm>
+            <a:off x="508267" y="4152347"/>
+            <a:ext cx="12505521" cy="238150"/>
+          </a:xfrm>
+          <a:prstGeom prst="rect">
+            <a:avLst/>
+          </a:prstGeom>
+          <a:solidFill>
+            <a:srgbClr val="08276B"/>
+          </a:solidFill>
+        </p:spPr>
+        <p:txBody>
+          <a:bodyPr vert="horz" lIns="134422" tIns="67211" rIns="134422" bIns="67211" rtlCol="0" anchor="ctr"/>
+          <a:lstStyle/>
+          <a:p>
+            <a:pPr defTabSz="672130"/>
+            <a:r>
+              <a:rPr lang="pt-BR" sz="1544" dirty="0">
+                <a:solidFill>
+                  <a:schemeClr val="bg1"/>
+                </a:solidFill>
+                <a:latin typeface="Exo 2 Medium" panose="00000600000000000000" pitchFamily="50" charset="0"/>
+                <a:ea typeface="Simplon Oi Headline" charset="0"/>
+                <a:cs typeface="Simplon Oi Headline" charset="0"/>
+              </a:rPr>
+              <a:t>Próximos Passos c/ responsáveis </a:t>
+            </a:r>
+          </a:p>
+        </p:txBody>
+      </p:sp>
+      <p:sp>
+        <p:nvSpPr>
+          <p:cNvPr id="32" name="Rectangle 37">
+            <a:extLst>
+              <a:ext uri="{FF2B5EF4-FFF2-40B4-BE49-F238E27FC236}">
+                <a16:creationId xmlns:a16="http://schemas.microsoft.com/office/drawing/2014/main" id="{224F3AF8-BD84-4D63-8F6E-083FA677F2DB}"/>
+              </a:ext>
+            </a:extLst>
+          </p:cNvPr>
+          <p:cNvSpPr/>
+          <p:nvPr/>
+        </p:nvSpPr>
+        <p:spPr>
+          <a:xfrm>
+            <a:off x="496766" y="1106495"/>
+            <a:ext cx="6186608" cy="2962168"/>
+          </a:xfrm>
+          <a:prstGeom prst="rect">
+            <a:avLst/>
+          </a:prstGeom>
+          <a:noFill/>
+          <a:ln w="12700">
+            <a:solidFill>
+              <a:schemeClr val="bg1">
+                <a:lumMod val="50000"/>
+              </a:schemeClr>
+            </a:solidFill>
+          </a:ln>
+        </p:spPr>
+        <p:style>
+          <a:lnRef idx="2">
+            <a:schemeClr val="accent4"/>
+          </a:lnRef>
+          <a:fillRef idx="1">
+            <a:schemeClr val="lt1"/>
+          </a:fillRef>
+          <a:effectRef idx="0">
+            <a:schemeClr val="accent4"/>
+          </a:effectRef>
+          <a:fontRef idx="minor">
+            <a:schemeClr val="dk1"/>
+          </a:fontRef>
+        </p:style>
+        <p:txBody>
+          <a:bodyPr tIns="105844" rtlCol="0" anchor="t"/>
+          <a:lstStyle/>
+          <a:p>
+            <a:pPr marL="0" lvl="1" fontAlgn="base">
+              <a:spcBef>
+                <a:spcPct val="0"/>
+              </a:spcBef>
+              <a:defRPr/>
+            </a:pPr>
+            <a:r>
+              <a:rPr lang="pt-BR" sz="1600" b="1" dirty="0">
+                <a:solidFill>
+                  <a:schemeClr val="tx1"/>
+                </a:solidFill>
+                <a:latin typeface="Exo 2 Medium" panose="00000600000000000000" pitchFamily="50" charset="0"/>
+                <a:cs typeface="Simplon BP Regular"/>
+              </a:rPr>
+              <a:t>Codificação Perfil                                                            </a:t>
+            </a:r>
+          </a:p>
+          <a:p>
+            <a:pPr marL="0" lvl="1" fontAlgn="base">
+              <a:spcBef>
+                <a:spcPct val="0"/>
+              </a:spcBef>
+              <a:defRPr/>
+            </a:pPr>
+            <a:r>
+              <a:rPr lang="pt-BR" sz="1600" dirty="0">
+                <a:solidFill>
+                  <a:schemeClr val="tx1"/>
+                </a:solidFill>
+                <a:latin typeface="Exo 2 Medium" panose="00000600000000000000" pitchFamily="50" charset="0"/>
+                <a:cs typeface="Simplon BP Regular"/>
+              </a:rPr>
+              <a:t>#João Oliveira</a:t>
+            </a:r>
+          </a:p>
+          <a:p>
+            <a:pPr marL="0" lvl="1" fontAlgn="base">
+              <a:spcBef>
+                <a:spcPct val="0"/>
+              </a:spcBef>
+              <a:defRPr/>
+            </a:pPr>
+            <a:endParaRPr lang="pt-BR" sz="1600" b="1" dirty="0">
+              <a:solidFill>
+                <a:schemeClr val="tx1"/>
+              </a:solidFill>
+              <a:latin typeface="Exo 2 Medium" panose="00000600000000000000" pitchFamily="50" charset="0"/>
+              <a:cs typeface="Simplon BP Regular"/>
+            </a:endParaRPr>
+          </a:p>
+          <a:p>
+            <a:pPr marL="0" lvl="1" fontAlgn="base">
+              <a:spcBef>
+                <a:spcPct val="0"/>
+              </a:spcBef>
+              <a:defRPr/>
+            </a:pPr>
+            <a:r>
+              <a:rPr lang="pt-BR" sz="1600" b="1" dirty="0">
+                <a:solidFill>
+                  <a:schemeClr val="tx1"/>
+                </a:solidFill>
+                <a:latin typeface="Exo 2 Medium" panose="00000600000000000000" pitchFamily="50" charset="0"/>
+                <a:cs typeface="Simplon BP Regular"/>
+              </a:rPr>
+              <a:t>Codificação Upload</a:t>
+            </a:r>
+          </a:p>
+          <a:p>
+            <a:pPr marL="0" lvl="1" fontAlgn="base">
+              <a:spcBef>
+                <a:spcPct val="0"/>
+              </a:spcBef>
+              <a:defRPr/>
+            </a:pPr>
+            <a:r>
+              <a:rPr lang="pt-BR" sz="1600" dirty="0">
+                <a:solidFill>
+                  <a:schemeClr val="tx1"/>
+                </a:solidFill>
+                <a:latin typeface="Exo 2 Medium" panose="00000600000000000000" pitchFamily="50" charset="0"/>
+                <a:cs typeface="Simplon BP Regular"/>
+              </a:rPr>
+              <a:t>#Vinícius Novais</a:t>
+            </a:r>
+          </a:p>
+          <a:p>
+            <a:pPr marL="0" lvl="1" fontAlgn="base">
+              <a:spcBef>
+                <a:spcPct val="0"/>
+              </a:spcBef>
+              <a:defRPr/>
+            </a:pPr>
+            <a:endParaRPr lang="pt-BR" sz="1600" b="1" dirty="0">
+              <a:solidFill>
+                <a:schemeClr val="tx1"/>
+              </a:solidFill>
+              <a:latin typeface="Exo 2 Medium" panose="00000600000000000000" pitchFamily="50" charset="0"/>
+              <a:cs typeface="Simplon BP Regular"/>
+            </a:endParaRPr>
+          </a:p>
+          <a:p>
+            <a:pPr marL="0" lvl="1" fontAlgn="base">
+              <a:spcBef>
+                <a:spcPct val="0"/>
+              </a:spcBef>
+              <a:defRPr/>
+            </a:pPr>
+            <a:r>
+              <a:rPr lang="pt-BR" sz="1600" b="1" dirty="0">
+                <a:solidFill>
+                  <a:schemeClr val="tx1"/>
+                </a:solidFill>
+                <a:latin typeface="Exo 2 Medium" panose="00000600000000000000" pitchFamily="50" charset="0"/>
+                <a:cs typeface="Simplon BP Regular"/>
+              </a:rPr>
+              <a:t>Codificação Projetos</a:t>
+            </a:r>
+          </a:p>
+          <a:p>
+            <a:pPr marL="0" lvl="1" fontAlgn="base">
+              <a:spcBef>
+                <a:spcPct val="0"/>
+              </a:spcBef>
+              <a:defRPr/>
+            </a:pPr>
+            <a:r>
+              <a:rPr lang="pt-BR" sz="1600" dirty="0">
+                <a:solidFill>
+                  <a:schemeClr val="tx1"/>
+                </a:solidFill>
+                <a:latin typeface="Exo 2 Medium" panose="00000600000000000000" pitchFamily="50" charset="0"/>
+                <a:cs typeface="Simplon BP Regular"/>
+              </a:rPr>
+              <a:t>#Caio </a:t>
+            </a:r>
+            <a:r>
+              <a:rPr lang="pt-BR" sz="1600" dirty="0" err="1">
+                <a:solidFill>
+                  <a:schemeClr val="tx1"/>
+                </a:solidFill>
+                <a:latin typeface="Exo 2 Medium" panose="00000600000000000000" pitchFamily="50" charset="0"/>
+                <a:cs typeface="Simplon BP Regular"/>
+              </a:rPr>
+              <a:t>Elcio</a:t>
+            </a:r>
+            <a:endParaRPr lang="pt-BR" sz="1600" dirty="0">
+              <a:solidFill>
+                <a:schemeClr val="tx1"/>
+              </a:solidFill>
+              <a:latin typeface="Exo 2 Medium" panose="00000600000000000000" pitchFamily="50" charset="0"/>
+              <a:cs typeface="Simplon BP Regular"/>
+            </a:endParaRPr>
+          </a:p>
+          <a:p>
+            <a:pPr fontAlgn="base">
+              <a:spcBef>
+                <a:spcPct val="0"/>
+              </a:spcBef>
+              <a:defRPr/>
+            </a:pPr>
+            <a:endParaRPr lang="pt-BR" sz="1600" dirty="0">
+              <a:solidFill>
+                <a:schemeClr val="tx1"/>
+              </a:solidFill>
+              <a:latin typeface="Exo 2 Medium" panose="00000600000000000000" pitchFamily="50" charset="0"/>
+              <a:cs typeface="Simplon BP Regular"/>
+            </a:endParaRPr>
+          </a:p>
+          <a:p>
+            <a:pPr fontAlgn="base">
+              <a:spcBef>
+                <a:spcPct val="0"/>
+              </a:spcBef>
+              <a:defRPr/>
+            </a:pPr>
+            <a:endParaRPr lang="pt-BR" sz="1323" b="1" dirty="0">
+              <a:solidFill>
+                <a:schemeClr val="tx1"/>
+              </a:solidFill>
+              <a:latin typeface="Exo 2 Medium" panose="00000600000000000000" pitchFamily="50" charset="0"/>
+              <a:cs typeface="Simplon BP Regular"/>
+            </a:endParaRPr>
+          </a:p>
+          <a:p>
+            <a:pPr fontAlgn="base">
+              <a:spcBef>
+                <a:spcPct val="0"/>
+              </a:spcBef>
+              <a:defRPr/>
+            </a:pPr>
+            <a:endParaRPr lang="pt-BR" sz="1323" b="1" dirty="0">
+              <a:solidFill>
+                <a:schemeClr val="tx1"/>
+              </a:solidFill>
+              <a:latin typeface="Exo 2 Medium" panose="00000600000000000000" pitchFamily="50" charset="0"/>
+              <a:cs typeface="Simplon BP Regular"/>
+            </a:endParaRPr>
+          </a:p>
+        </p:txBody>
+      </p:sp>
+      <p:sp>
+        <p:nvSpPr>
+          <p:cNvPr id="33" name="Rectangle 43">
+            <a:extLst>
+              <a:ext uri="{FF2B5EF4-FFF2-40B4-BE49-F238E27FC236}">
+                <a16:creationId xmlns:a16="http://schemas.microsoft.com/office/drawing/2014/main" id="{F0F9D098-FF4D-4A23-BBE2-370207E68022}"/>
+              </a:ext>
+            </a:extLst>
+          </p:cNvPr>
+          <p:cNvSpPr>
+            <a:spLocks/>
+          </p:cNvSpPr>
+          <p:nvPr/>
+        </p:nvSpPr>
+        <p:spPr>
+          <a:xfrm>
+            <a:off x="512766" y="4500711"/>
+            <a:ext cx="12496525" cy="2808978"/>
+          </a:xfrm>
+          <a:prstGeom prst="rect">
+            <a:avLst/>
+          </a:prstGeom>
+          <a:noFill/>
+          <a:ln w="12700">
+            <a:solidFill>
+              <a:schemeClr val="bg1">
+                <a:lumMod val="50000"/>
+              </a:schemeClr>
+            </a:solidFill>
+          </a:ln>
+        </p:spPr>
+        <p:style>
+          <a:lnRef idx="2">
+            <a:schemeClr val="accent4"/>
+          </a:lnRef>
+          <a:fillRef idx="1">
+            <a:schemeClr val="lt1"/>
+          </a:fillRef>
+          <a:effectRef idx="0">
+            <a:schemeClr val="accent4"/>
+          </a:effectRef>
+          <a:fontRef idx="minor">
+            <a:schemeClr val="dk1"/>
+          </a:fontRef>
+        </p:style>
+        <p:txBody>
+          <a:bodyPr wrap="square" tIns="105844" numCol="3" rtlCol="0" anchor="t"/>
+          <a:lstStyle/>
+          <a:p>
+            <a:pPr marL="0" lvl="1" defTabSz="672130"/>
+            <a:r>
+              <a:rPr lang="pt-BR" sz="1600" b="1" dirty="0">
+                <a:solidFill>
+                  <a:schemeClr val="tx1"/>
+                </a:solidFill>
+                <a:latin typeface="Exo 2 Medium" panose="00000600000000000000" pitchFamily="50" charset="0"/>
+                <a:cs typeface="Simplon BP Regular"/>
+              </a:rPr>
+              <a:t>Finalizar LLD                                                                                                       </a:t>
+            </a:r>
+          </a:p>
+          <a:p>
+            <a:pPr marL="0" lvl="1" defTabSz="672130"/>
+            <a:r>
+              <a:rPr lang="pt-BR" sz="1600" dirty="0">
+                <a:solidFill>
+                  <a:schemeClr val="tx1"/>
+                </a:solidFill>
+                <a:latin typeface="Exo 2 Medium" panose="00000600000000000000" pitchFamily="50" charset="0"/>
+                <a:cs typeface="Simplon BP Regular"/>
+              </a:rPr>
+              <a:t>#Todo o grupo (para conhecimento geral)</a:t>
+            </a:r>
+          </a:p>
+          <a:p>
+            <a:pPr marL="0" lvl="1" defTabSz="672130"/>
+            <a:endParaRPr lang="pt-BR" sz="1600" b="1" dirty="0">
+              <a:solidFill>
+                <a:schemeClr val="tx1"/>
+              </a:solidFill>
+              <a:latin typeface="Exo 2 Medium" panose="00000600000000000000" pitchFamily="50" charset="0"/>
+              <a:cs typeface="Simplon BP Regular"/>
+            </a:endParaRPr>
+          </a:p>
+          <a:p>
+            <a:pPr marL="0" lvl="1" defTabSz="672130"/>
+            <a:r>
+              <a:rPr lang="pt-BR" sz="1600" b="1" dirty="0">
+                <a:solidFill>
+                  <a:schemeClr val="tx1"/>
+                </a:solidFill>
+                <a:latin typeface="Exo 2 Medium" panose="00000600000000000000" pitchFamily="50" charset="0"/>
+                <a:cs typeface="Simplon BP Regular"/>
+              </a:rPr>
+              <a:t>Finalizar telas codificadas  acima</a:t>
+            </a:r>
+          </a:p>
+          <a:p>
+            <a:pPr marL="0" lvl="1" defTabSz="672130"/>
+            <a:r>
+              <a:rPr lang="pt-BR" sz="1600" dirty="0">
+                <a:solidFill>
+                  <a:schemeClr val="tx1"/>
+                </a:solidFill>
+                <a:latin typeface="Exo 2 Medium" panose="00000600000000000000" pitchFamily="50" charset="0"/>
+                <a:cs typeface="Simplon BP Regular"/>
+              </a:rPr>
+              <a:t>#Todos integrantes</a:t>
+            </a:r>
+          </a:p>
+          <a:p>
+            <a:pPr marL="0" lvl="1" defTabSz="672130"/>
+            <a:endParaRPr lang="pt-BR" sz="1600" b="1" dirty="0">
+              <a:solidFill>
+                <a:schemeClr val="tx1"/>
+              </a:solidFill>
+              <a:latin typeface="Exo 2 Medium" panose="00000600000000000000" pitchFamily="50" charset="0"/>
+              <a:cs typeface="Simplon BP Regular"/>
+            </a:endParaRPr>
+          </a:p>
+          <a:p>
+            <a:pPr marL="0" lvl="1" defTabSz="672130"/>
+            <a:endParaRPr lang="pt-BR" sz="1323" b="1" dirty="0">
+              <a:solidFill>
+                <a:schemeClr val="tx1"/>
+              </a:solidFill>
+              <a:latin typeface="Exo 2 Medium" panose="00000600000000000000" pitchFamily="50" charset="0"/>
+              <a:cs typeface="Simplon BP Regular"/>
+            </a:endParaRPr>
+          </a:p>
+          <a:p>
+            <a:pPr marL="0" lvl="1" defTabSz="672130"/>
+            <a:endParaRPr lang="pt-BR" sz="1323" b="1" dirty="0">
+              <a:solidFill>
+                <a:schemeClr val="tx1"/>
+              </a:solidFill>
+              <a:latin typeface="Exo 2 Medium" panose="00000600000000000000" pitchFamily="50" charset="0"/>
+              <a:cs typeface="Simplon BP Regular"/>
+            </a:endParaRPr>
+          </a:p>
+          <a:p>
+            <a:pPr marL="0" lvl="1" defTabSz="672130"/>
+            <a:endParaRPr lang="pt-BR" sz="1323" b="1" dirty="0">
+              <a:solidFill>
+                <a:schemeClr val="tx1"/>
+              </a:solidFill>
+              <a:latin typeface="Exo 2 Medium" panose="00000600000000000000" pitchFamily="50" charset="0"/>
+              <a:cs typeface="Simplon BP Regular"/>
+            </a:endParaRPr>
+          </a:p>
+        </p:txBody>
+      </p:sp>
+      <p:sp>
+        <p:nvSpPr>
+          <p:cNvPr id="34" name="Oval 134">
+            <a:extLst>
+              <a:ext uri="{FF2B5EF4-FFF2-40B4-BE49-F238E27FC236}">
+                <a16:creationId xmlns:a16="http://schemas.microsoft.com/office/drawing/2014/main" id="{B57AA8A8-84FD-48DE-BA43-08D253C6F275}"/>
+              </a:ext>
+            </a:extLst>
+          </p:cNvPr>
+          <p:cNvSpPr>
+            <a:spLocks noChangeAspect="1"/>
+          </p:cNvSpPr>
+          <p:nvPr/>
+        </p:nvSpPr>
+        <p:spPr>
+          <a:xfrm>
+            <a:off x="9225955" y="297930"/>
+            <a:ext cx="211404" cy="211689"/>
+          </a:xfrm>
+          <a:prstGeom prst="ellipse">
+            <a:avLst/>
+          </a:prstGeom>
+          <a:solidFill>
+            <a:schemeClr val="accent4">
+              <a:lumMod val="25000"/>
+              <a:lumOff val="75000"/>
+            </a:schemeClr>
+          </a:solidFill>
+          <a:ln w="12700">
+            <a:solidFill>
+              <a:schemeClr val="accent3"/>
+            </a:solidFill>
+          </a:ln>
+        </p:spPr>
+        <p:style>
+          <a:lnRef idx="2">
+            <a:schemeClr val="accent1">
+              <a:shade val="50000"/>
+            </a:schemeClr>
+          </a:lnRef>
+          <a:fillRef idx="1">
+            <a:schemeClr val="accent1"/>
+          </a:fillRef>
+          <a:effectRef idx="0">
+            <a:schemeClr val="accent1"/>
+          </a:effectRef>
+          <a:fontRef idx="minor">
+            <a:schemeClr val="lt1"/>
+          </a:fontRef>
+        </p:style>
+        <p:txBody>
+          <a:bodyPr wrap="none" lIns="52922" tIns="52922" rIns="52922" rtlCol="0" anchor="ctr"/>
+          <a:lstStyle/>
+          <a:p>
+            <a:pPr algn="ctr" defTabSz="672130"/>
+            <a:endParaRPr lang="en-US" sz="1176" dirty="0">
+              <a:solidFill>
+                <a:srgbClr val="00B050"/>
+              </a:solidFill>
+              <a:latin typeface="Exo 2 Medium" panose="00000600000000000000" pitchFamily="50" charset="0"/>
+              <a:cs typeface="Simplon BP Regular"/>
+            </a:endParaRPr>
+          </a:p>
+        </p:txBody>
+      </p:sp>
+      <p:sp>
+        <p:nvSpPr>
+          <p:cNvPr id="35" name="Oval 120">
+            <a:extLst>
+              <a:ext uri="{FF2B5EF4-FFF2-40B4-BE49-F238E27FC236}">
+                <a16:creationId xmlns:a16="http://schemas.microsoft.com/office/drawing/2014/main" id="{DAAADCBD-ECD9-4B5D-A8E0-075FB6F9BED7}"/>
+              </a:ext>
+            </a:extLst>
+          </p:cNvPr>
+          <p:cNvSpPr>
+            <a:spLocks noChangeAspect="1"/>
+          </p:cNvSpPr>
+          <p:nvPr/>
+        </p:nvSpPr>
+        <p:spPr>
+          <a:xfrm>
+            <a:off x="10188056" y="324247"/>
+            <a:ext cx="211404" cy="211689"/>
+          </a:xfrm>
+          <a:prstGeom prst="ellipse">
+            <a:avLst/>
+          </a:prstGeom>
+          <a:solidFill>
+            <a:schemeClr val="accent4">
+              <a:lumMod val="25000"/>
+              <a:lumOff val="75000"/>
+            </a:schemeClr>
+          </a:solidFill>
+          <a:ln w="12700">
+            <a:solidFill>
+              <a:schemeClr val="accent3"/>
+            </a:solidFill>
+          </a:ln>
+        </p:spPr>
+        <p:style>
+          <a:lnRef idx="2">
+            <a:schemeClr val="accent1">
+              <a:shade val="50000"/>
+            </a:schemeClr>
+          </a:lnRef>
+          <a:fillRef idx="1">
+            <a:schemeClr val="accent1"/>
+          </a:fillRef>
+          <a:effectRef idx="0">
+            <a:schemeClr val="accent1"/>
+          </a:effectRef>
+          <a:fontRef idx="minor">
+            <a:schemeClr val="lt1"/>
+          </a:fontRef>
+        </p:style>
+        <p:txBody>
+          <a:bodyPr wrap="none" lIns="52922" tIns="52922" rIns="52922" rtlCol="0" anchor="ctr"/>
+          <a:lstStyle/>
+          <a:p>
+            <a:pPr algn="ctr" defTabSz="672130"/>
+            <a:endParaRPr lang="en-US" sz="1176" dirty="0">
+              <a:solidFill>
+                <a:srgbClr val="1BCF13"/>
+              </a:solidFill>
+              <a:latin typeface="Exo 2 Medium" panose="00000600000000000000" pitchFamily="50" charset="0"/>
+              <a:cs typeface="Simplon BP Regular"/>
+            </a:endParaRPr>
+          </a:p>
+        </p:txBody>
+      </p:sp>
+      <p:sp>
+        <p:nvSpPr>
+          <p:cNvPr id="36" name="Retângulo 35">
+            <a:extLst>
+              <a:ext uri="{FF2B5EF4-FFF2-40B4-BE49-F238E27FC236}">
+                <a16:creationId xmlns:a16="http://schemas.microsoft.com/office/drawing/2014/main" id="{A87B1CA7-18E0-459A-8B40-B30CC45C209A}"/>
+              </a:ext>
+            </a:extLst>
+          </p:cNvPr>
+          <p:cNvSpPr/>
+          <p:nvPr/>
+        </p:nvSpPr>
+        <p:spPr>
+          <a:xfrm>
+            <a:off x="8017619" y="209534"/>
+            <a:ext cx="4937689" cy="618769"/>
+          </a:xfrm>
+          <a:prstGeom prst="rect">
+            <a:avLst/>
+          </a:prstGeom>
+          <a:noFill/>
+          <a:ln w="6350">
+            <a:solidFill>
+              <a:schemeClr val="bg1">
+                <a:lumMod val="75000"/>
+              </a:schemeClr>
+            </a:solidFill>
+          </a:ln>
+        </p:spPr>
+        <p:style>
+          <a:lnRef idx="2">
+            <a:schemeClr val="accent1">
+              <a:shade val="50000"/>
+            </a:schemeClr>
+          </a:lnRef>
+          <a:fillRef idx="1">
+            <a:schemeClr val="accent1"/>
+          </a:fillRef>
+          <a:effectRef idx="0">
+            <a:schemeClr val="accent1"/>
+          </a:effectRef>
+          <a:fontRef idx="minor">
+            <a:schemeClr val="lt1"/>
+          </a:fontRef>
+        </p:style>
+        <p:txBody>
+          <a:bodyPr rtlCol="0" anchor="ctr"/>
+          <a:lstStyle/>
+          <a:p>
+            <a:pPr algn="ctr"/>
+            <a:endParaRPr lang="pt-BR">
+              <a:latin typeface="Exo 2 Medium" panose="00000600000000000000" pitchFamily="50" charset="0"/>
+            </a:endParaRPr>
+          </a:p>
+        </p:txBody>
+      </p:sp>
+      <p:sp>
+        <p:nvSpPr>
+          <p:cNvPr id="37" name="TextBox 138">
+            <a:extLst>
+              <a:ext uri="{FF2B5EF4-FFF2-40B4-BE49-F238E27FC236}">
+                <a16:creationId xmlns:a16="http://schemas.microsoft.com/office/drawing/2014/main" id="{41B46BEE-7CCD-459E-800A-B6E0E71F7FC7}"/>
+              </a:ext>
+            </a:extLst>
+          </p:cNvPr>
+          <p:cNvSpPr txBox="1"/>
+          <p:nvPr/>
+        </p:nvSpPr>
+        <p:spPr>
+          <a:xfrm>
+            <a:off x="9715810" y="51570"/>
+            <a:ext cx="1478088" cy="211688"/>
+          </a:xfrm>
+          <a:prstGeom prst="rect">
+            <a:avLst/>
+          </a:prstGeom>
+          <a:solidFill>
+            <a:schemeClr val="bg1"/>
+          </a:solidFill>
+          <a:ln w="12700">
+            <a:noFill/>
+          </a:ln>
+        </p:spPr>
+        <p:style>
+          <a:lnRef idx="2">
+            <a:schemeClr val="accent4"/>
+          </a:lnRef>
+          <a:fillRef idx="1">
+            <a:schemeClr val="lt1"/>
+          </a:fillRef>
+          <a:effectRef idx="0">
+            <a:schemeClr val="accent4"/>
+          </a:effectRef>
+          <a:fontRef idx="minor">
+            <a:schemeClr val="dk1"/>
+          </a:fontRef>
+        </p:style>
+        <p:txBody>
+          <a:bodyPr wrap="none" lIns="52922" tIns="52922" rIns="52922" bIns="0" rtlCol="0" anchor="b"/>
+          <a:lstStyle>
+            <a:defPPr>
+              <a:defRPr lang="en-US"/>
+            </a:defPPr>
+            <a:lvl1pPr algn="ctr">
+              <a:defRPr sz="1000" b="1">
+                <a:latin typeface="Simplon BP Regular"/>
+                <a:cs typeface="Simplon BP Regular"/>
+              </a:defRPr>
+            </a:lvl1pPr>
+            <a:lvl2pPr>
+              <a:defRPr>
+                <a:solidFill>
+                  <a:schemeClr val="dk1"/>
+                </a:solidFill>
+              </a:defRPr>
+            </a:lvl2pPr>
+            <a:lvl3pPr>
+              <a:defRPr>
+                <a:solidFill>
+                  <a:schemeClr val="dk1"/>
+                </a:solidFill>
+              </a:defRPr>
+            </a:lvl3pPr>
+            <a:lvl4pPr>
+              <a:defRPr>
+                <a:solidFill>
+                  <a:schemeClr val="dk1"/>
+                </a:solidFill>
+              </a:defRPr>
+            </a:lvl4pPr>
+            <a:lvl5pPr>
+              <a:defRPr>
+                <a:solidFill>
+                  <a:schemeClr val="dk1"/>
+                </a:solidFill>
+              </a:defRPr>
+            </a:lvl5pPr>
+            <a:lvl6pPr>
+              <a:defRPr>
+                <a:solidFill>
+                  <a:schemeClr val="dk1"/>
+                </a:solidFill>
+              </a:defRPr>
+            </a:lvl6pPr>
+            <a:lvl7pPr>
+              <a:defRPr>
+                <a:solidFill>
+                  <a:schemeClr val="dk1"/>
+                </a:solidFill>
+              </a:defRPr>
+            </a:lvl7pPr>
+            <a:lvl8pPr>
+              <a:defRPr>
+                <a:solidFill>
+                  <a:schemeClr val="dk1"/>
+                </a:solidFill>
+              </a:defRPr>
+            </a:lvl8pPr>
+            <a:lvl9pPr>
+              <a:defRPr>
+                <a:solidFill>
+                  <a:schemeClr val="dk1"/>
+                </a:solidFill>
+              </a:defRPr>
+            </a:lvl9pPr>
+          </a:lstStyle>
+          <a:p>
+            <a:pPr defTabSz="672130"/>
+            <a:r>
+              <a:rPr lang="en-US" sz="1176" dirty="0">
+                <a:solidFill>
+                  <a:srgbClr val="08276B"/>
+                </a:solidFill>
+                <a:latin typeface="Exo 2 Medium" panose="00000600000000000000" pitchFamily="50" charset="0"/>
+              </a:rPr>
+              <a:t>    </a:t>
+            </a:r>
+            <a:r>
+              <a:rPr lang="en-US" sz="1176" dirty="0" err="1">
+                <a:solidFill>
+                  <a:srgbClr val="08276B"/>
+                </a:solidFill>
+                <a:latin typeface="Exo 2 Medium" panose="00000600000000000000" pitchFamily="50" charset="0"/>
+              </a:rPr>
+              <a:t>Farol</a:t>
+            </a:r>
+            <a:r>
+              <a:rPr lang="en-US" sz="1176" dirty="0">
+                <a:solidFill>
+                  <a:srgbClr val="08276B"/>
+                </a:solidFill>
+                <a:latin typeface="Exo 2 Medium" panose="00000600000000000000" pitchFamily="50" charset="0"/>
+              </a:rPr>
+              <a:t> do </a:t>
+            </a:r>
+            <a:r>
+              <a:rPr lang="en-US" sz="1176" dirty="0" err="1">
+                <a:solidFill>
+                  <a:srgbClr val="08276B"/>
+                </a:solidFill>
+                <a:latin typeface="Exo 2 Medium" panose="00000600000000000000" pitchFamily="50" charset="0"/>
+              </a:rPr>
+              <a:t>Projeto</a:t>
+            </a:r>
+            <a:r>
+              <a:rPr lang="en-US" sz="1176" dirty="0">
+                <a:solidFill>
+                  <a:srgbClr val="08276B"/>
+                </a:solidFill>
+                <a:latin typeface="Exo 2 Medium" panose="00000600000000000000" pitchFamily="50" charset="0"/>
+              </a:rPr>
+              <a:t>   </a:t>
+            </a:r>
+          </a:p>
+        </p:txBody>
+      </p:sp>
+      <p:sp>
+        <p:nvSpPr>
+          <p:cNvPr id="38" name="Oval 134">
+            <a:extLst>
+              <a:ext uri="{FF2B5EF4-FFF2-40B4-BE49-F238E27FC236}">
+                <a16:creationId xmlns:a16="http://schemas.microsoft.com/office/drawing/2014/main" id="{AC71B70F-2DA1-4D18-9AC0-DCFDF0FE0D5C}"/>
+              </a:ext>
+            </a:extLst>
+          </p:cNvPr>
+          <p:cNvSpPr>
+            <a:spLocks noChangeAspect="1"/>
+          </p:cNvSpPr>
+          <p:nvPr/>
+        </p:nvSpPr>
+        <p:spPr>
+          <a:xfrm>
+            <a:off x="12166910" y="328582"/>
+            <a:ext cx="211404" cy="211689"/>
+          </a:xfrm>
+          <a:prstGeom prst="ellipse">
+            <a:avLst/>
+          </a:prstGeom>
+          <a:solidFill>
+            <a:srgbClr val="1BCF13"/>
+          </a:solidFill>
+          <a:ln w="12700">
+            <a:solidFill>
+              <a:schemeClr val="accent3"/>
+            </a:solidFill>
+          </a:ln>
+        </p:spPr>
+        <p:style>
+          <a:lnRef idx="2">
+            <a:schemeClr val="accent1">
+              <a:shade val="50000"/>
+            </a:schemeClr>
+          </a:lnRef>
+          <a:fillRef idx="1">
+            <a:schemeClr val="accent1"/>
+          </a:fillRef>
+          <a:effectRef idx="0">
+            <a:schemeClr val="accent1"/>
+          </a:effectRef>
+          <a:fontRef idx="minor">
+            <a:schemeClr val="lt1"/>
+          </a:fontRef>
+        </p:style>
+        <p:txBody>
+          <a:bodyPr wrap="none" lIns="52922" tIns="52922" rIns="52922" rtlCol="0" anchor="ctr"/>
+          <a:lstStyle/>
+          <a:p>
+            <a:pPr algn="ctr" defTabSz="672130"/>
+            <a:endParaRPr lang="en-US" sz="1176" dirty="0">
+              <a:solidFill>
+                <a:srgbClr val="FFC000"/>
+              </a:solidFill>
+              <a:latin typeface="Exo 2 Medium" panose="00000600000000000000" pitchFamily="50" charset="0"/>
+              <a:cs typeface="Simplon BP Regular"/>
+            </a:endParaRPr>
+          </a:p>
+        </p:txBody>
+      </p:sp>
+      <p:sp>
+        <p:nvSpPr>
+          <p:cNvPr id="4" name="TextBox 3">
+            <a:extLst>
+              <a:ext uri="{FF2B5EF4-FFF2-40B4-BE49-F238E27FC236}">
+                <a16:creationId xmlns:a16="http://schemas.microsoft.com/office/drawing/2014/main" id="{9F47C350-4CB5-466C-B2DC-CBD9ED7F64B2}"/>
+              </a:ext>
+            </a:extLst>
+          </p:cNvPr>
+          <p:cNvSpPr txBox="1"/>
+          <p:nvPr/>
+        </p:nvSpPr>
+        <p:spPr>
+          <a:xfrm>
+            <a:off x="6865491" y="1153210"/>
+            <a:ext cx="3664401" cy="338554"/>
+          </a:xfrm>
+          <a:prstGeom prst="rect">
+            <a:avLst/>
+          </a:prstGeom>
+          <a:noFill/>
+        </p:spPr>
+        <p:txBody>
+          <a:bodyPr wrap="none" rtlCol="0">
+            <a:spAutoFit/>
+          </a:bodyPr>
+          <a:lstStyle/>
+          <a:p>
+            <a:r>
+              <a:rPr lang="pt-BR" sz="1600" dirty="0">
+                <a:latin typeface="Exo 2 Medium" panose="00000600000000000000"/>
+              </a:rPr>
+              <a:t>Conseguir falar com professores sobre </a:t>
+            </a:r>
+            <a:r>
+              <a:rPr lang="pt-BR" sz="1600" dirty="0" err="1">
+                <a:latin typeface="Exo 2 Medium" panose="00000600000000000000"/>
+              </a:rPr>
+              <a:t>lld</a:t>
+            </a:r>
+            <a:r>
+              <a:rPr lang="pt-BR" sz="1600" dirty="0">
+                <a:latin typeface="Exo 2 Medium" panose="00000600000000000000"/>
+              </a:rPr>
+              <a:t>.</a:t>
+            </a:r>
+          </a:p>
+        </p:txBody>
+      </p:sp>
+      <p:sp>
+        <p:nvSpPr>
+          <p:cNvPr id="39" name="TextBox 38">
+            <a:extLst>
+              <a:ext uri="{FF2B5EF4-FFF2-40B4-BE49-F238E27FC236}">
+                <a16:creationId xmlns:a16="http://schemas.microsoft.com/office/drawing/2014/main" id="{8ACE77DB-7A0A-4BC8-8D52-875743F65432}"/>
+              </a:ext>
+            </a:extLst>
+          </p:cNvPr>
+          <p:cNvSpPr txBox="1"/>
+          <p:nvPr/>
+        </p:nvSpPr>
+        <p:spPr>
+          <a:xfrm>
+            <a:off x="4129187" y="1116335"/>
+            <a:ext cx="2554187" cy="830997"/>
+          </a:xfrm>
+          <a:prstGeom prst="rect">
+            <a:avLst/>
+          </a:prstGeom>
+          <a:noFill/>
+        </p:spPr>
+        <p:txBody>
+          <a:bodyPr wrap="square" rtlCol="0">
+            <a:spAutoFit/>
+          </a:bodyPr>
+          <a:lstStyle/>
+          <a:p>
+            <a:r>
+              <a:rPr lang="pt-BR" sz="1600" b="1" dirty="0">
+                <a:latin typeface="Exo 2 Medium" panose="00000600000000000000"/>
+              </a:rPr>
+              <a:t>Codificação </a:t>
+            </a:r>
+            <a:r>
+              <a:rPr lang="pt-BR" sz="1600" b="1" dirty="0" err="1">
+                <a:latin typeface="Exo 2 Medium" panose="00000600000000000000"/>
+              </a:rPr>
+              <a:t>loading</a:t>
+            </a:r>
+            <a:r>
+              <a:rPr lang="pt-BR" sz="1600" b="1" dirty="0">
+                <a:latin typeface="Exo 2 Medium" panose="00000600000000000000"/>
+              </a:rPr>
+              <a:t> e cadastro</a:t>
+            </a:r>
+          </a:p>
+          <a:p>
+            <a:r>
+              <a:rPr lang="pt-BR" sz="1600" dirty="0">
+                <a:latin typeface="Exo 2 Medium" panose="00000600000000000000"/>
+              </a:rPr>
+              <a:t>#Mauricio Santana</a:t>
+            </a:r>
+          </a:p>
+        </p:txBody>
+      </p:sp>
+      <p:sp>
+        <p:nvSpPr>
+          <p:cNvPr id="41" name="TextBox 40">
+            <a:extLst>
+              <a:ext uri="{FF2B5EF4-FFF2-40B4-BE49-F238E27FC236}">
+                <a16:creationId xmlns:a16="http://schemas.microsoft.com/office/drawing/2014/main" id="{9F2435F4-D8E1-4B45-ACBE-3E11103411BA}"/>
+              </a:ext>
+            </a:extLst>
+          </p:cNvPr>
+          <p:cNvSpPr txBox="1"/>
+          <p:nvPr/>
+        </p:nvSpPr>
+        <p:spPr>
+          <a:xfrm>
+            <a:off x="4100395" y="1957172"/>
+            <a:ext cx="6734012" cy="584775"/>
+          </a:xfrm>
+          <a:prstGeom prst="rect">
+            <a:avLst/>
+          </a:prstGeom>
+          <a:noFill/>
+        </p:spPr>
+        <p:txBody>
+          <a:bodyPr wrap="square">
+            <a:spAutoFit/>
+          </a:bodyPr>
+          <a:lstStyle/>
+          <a:p>
+            <a:r>
+              <a:rPr lang="pt-BR" sz="1600" b="1" dirty="0">
+                <a:latin typeface="Exo 2 Medium" panose="00000600000000000000"/>
+              </a:rPr>
+              <a:t>Codificação Home</a:t>
+            </a:r>
+          </a:p>
+          <a:p>
+            <a:r>
+              <a:rPr lang="pt-BR" sz="1600" dirty="0">
+                <a:latin typeface="Exo 2 Medium" panose="00000600000000000000"/>
+              </a:rPr>
+              <a:t>#Lucas Felix</a:t>
+            </a:r>
+          </a:p>
+        </p:txBody>
+      </p:sp>
+      <p:sp>
+        <p:nvSpPr>
+          <p:cNvPr id="42" name="TextBox 41">
+            <a:extLst>
+              <a:ext uri="{FF2B5EF4-FFF2-40B4-BE49-F238E27FC236}">
+                <a16:creationId xmlns:a16="http://schemas.microsoft.com/office/drawing/2014/main" id="{A612A69C-3AD8-4157-B1D4-B831D3F14F61}"/>
+              </a:ext>
+            </a:extLst>
+          </p:cNvPr>
+          <p:cNvSpPr txBox="1"/>
+          <p:nvPr/>
+        </p:nvSpPr>
+        <p:spPr>
+          <a:xfrm>
+            <a:off x="4129187" y="2556495"/>
+            <a:ext cx="6734012" cy="584775"/>
+          </a:xfrm>
+          <a:prstGeom prst="rect">
+            <a:avLst/>
+          </a:prstGeom>
+          <a:noFill/>
+        </p:spPr>
+        <p:txBody>
+          <a:bodyPr wrap="square">
+            <a:spAutoFit/>
+          </a:bodyPr>
+          <a:lstStyle/>
+          <a:p>
+            <a:r>
+              <a:rPr lang="pt-BR" sz="1600" b="1" dirty="0">
+                <a:latin typeface="Exo 2 Medium" panose="00000600000000000000"/>
+              </a:rPr>
+              <a:t>Codificação Planos</a:t>
+            </a:r>
+          </a:p>
+          <a:p>
+            <a:r>
+              <a:rPr lang="pt-BR" sz="1600" dirty="0">
+                <a:latin typeface="Exo 2 Medium" panose="00000600000000000000"/>
+              </a:rPr>
+              <a:t>#Lucas Ferreira</a:t>
+            </a:r>
+          </a:p>
+        </p:txBody>
+      </p:sp>
+      <p:sp>
+        <p:nvSpPr>
+          <p:cNvPr id="43" name="TextBox 42">
+            <a:extLst>
+              <a:ext uri="{FF2B5EF4-FFF2-40B4-BE49-F238E27FC236}">
+                <a16:creationId xmlns:a16="http://schemas.microsoft.com/office/drawing/2014/main" id="{B00F4A3F-EDE2-489C-8C3A-91F9B7B75AAD}"/>
+              </a:ext>
+            </a:extLst>
+          </p:cNvPr>
+          <p:cNvSpPr txBox="1"/>
+          <p:nvPr/>
+        </p:nvSpPr>
+        <p:spPr>
+          <a:xfrm>
+            <a:off x="4489227" y="4572719"/>
+            <a:ext cx="6734012" cy="338554"/>
+          </a:xfrm>
+          <a:prstGeom prst="rect">
+            <a:avLst/>
+          </a:prstGeom>
+          <a:noFill/>
+        </p:spPr>
+        <p:txBody>
+          <a:bodyPr wrap="square">
+            <a:spAutoFit/>
+          </a:bodyPr>
+          <a:lstStyle/>
+          <a:p>
+            <a:endParaRPr lang="pt-BR" sz="1600" dirty="0">
+              <a:latin typeface="Exo 2 Medium" panose="00000600000000000000"/>
+            </a:endParaRPr>
+          </a:p>
+        </p:txBody>
+      </p:sp>
+    </p:spTree>
+    <p:extLst>
+      <p:ext uri="{BB962C8B-B14F-4D97-AF65-F5344CB8AC3E}">
+        <p14:creationId xmlns:p14="http://schemas.microsoft.com/office/powerpoint/2010/main" val="3536389236"/>
+      </p:ext>
+    </p:extLst>
+  </p:cSld>
+  <p:clrMapOvr>
+    <a:masterClrMapping/>
+  </p:clrMapOvr>
+</p:sld>
+</file>
+
 <file path=ppt/theme/theme1.xml><?xml version="1.0" encoding="utf-8"?>
 <a:theme xmlns:a="http://schemas.openxmlformats.org/drawingml/2006/main" name="Capas">
   <a:themeElements>
@@ -26416,18 +28508,18 @@
 </file>
 
 <file path=customXml/item1.xml><?xml version="1.0" encoding="utf-8"?>
-<p:properties xmlns:p="http://schemas.microsoft.com/office/2006/metadata/properties" xmlns:xsi="http://www.w3.org/2001/XMLSchema-instance" xmlns:pc="http://schemas.microsoft.com/office/infopath/2007/PartnerControls">
-  <documentManagement/>
-</p:properties>
-</file>
-
-<file path=customXml/item2.xml><?xml version="1.0" encoding="utf-8"?>
 <?mso-contentType ?>
 <FormTemplates xmlns="http://schemas.microsoft.com/sharepoint/v3/contenttype/forms">
   <Display>DocumentLibraryForm</Display>
   <Edit>DocumentLibraryForm</Edit>
   <New>DocumentLibraryForm</New>
 </FormTemplates>
+</file>
+
+<file path=customXml/item2.xml><?xml version="1.0" encoding="utf-8"?>
+<p:properties xmlns:p="http://schemas.microsoft.com/office/2006/metadata/properties" xmlns:xsi="http://www.w3.org/2001/XMLSchema-instance" xmlns:pc="http://schemas.microsoft.com/office/infopath/2007/PartnerControls">
+  <documentManagement/>
+</p:properties>
 </file>
 
 <file path=customXml/item3.xml><?xml version="1.0" encoding="utf-8"?>
@@ -26545,6 +28637,14 @@
 </file>
 
 <file path=customXml/itemProps1.xml><?xml version="1.0" encoding="utf-8"?>
+<ds:datastoreItem xmlns:ds="http://schemas.openxmlformats.org/officeDocument/2006/customXml" ds:itemID="{E2481852-F24E-4532-AF30-C154D705D105}">
+  <ds:schemaRefs>
+    <ds:schemaRef ds:uri="http://schemas.microsoft.com/sharepoint/v3/contenttype/forms"/>
+  </ds:schemaRefs>
+</ds:datastoreItem>
+</file>
+
+<file path=customXml/itemProps2.xml><?xml version="1.0" encoding="utf-8"?>
 <ds:datastoreItem xmlns:ds="http://schemas.openxmlformats.org/officeDocument/2006/customXml" ds:itemID="{4B31267F-D399-4A8A-87F8-B75F56828412}">
   <ds:schemaRefs>
     <ds:schemaRef ds:uri="http://www.w3.org/XML/1998/namespace"/>
@@ -26557,14 +28657,6 @@
     <ds:schemaRef ds:uri="http://schemas.openxmlformats.org/package/2006/metadata/core-properties"/>
     <ds:schemaRef ds:uri="http://schemas.microsoft.com/office/2006/metadata/properties"/>
     <ds:schemaRef ds:uri="http://purl.org/dc/terms/"/>
-  </ds:schemaRefs>
-</ds:datastoreItem>
-</file>
-
-<file path=customXml/itemProps2.xml><?xml version="1.0" encoding="utf-8"?>
-<ds:datastoreItem xmlns:ds="http://schemas.openxmlformats.org/officeDocument/2006/customXml" ds:itemID="{E2481852-F24E-4532-AF30-C154D705D105}">
-  <ds:schemaRefs>
-    <ds:schemaRef ds:uri="http://schemas.microsoft.com/sharepoint/v3/contenttype/forms"/>
   </ds:schemaRefs>
 </ds:datastoreItem>
 </file>

--- a/Documentos/Status Report/StatusReport.pptx
+++ b/Documentos/Status Report/StatusReport.pptx
@@ -152,7 +152,7 @@
 <file path=ppt/revisionInfo.xml><?xml version="1.0" encoding="utf-8"?>
 <p1510:revInfo xmlns:a="http://schemas.openxmlformats.org/drawingml/2006/main" xmlns:r="http://schemas.openxmlformats.org/officeDocument/2006/relationships" xmlns:p1510="http://schemas.microsoft.com/office/powerpoint/2015/10/main">
   <p1510:revLst>
-    <p1510:client id="{F9C9C19C-987F-4522-8941-89CCA1CA217B}" v="6" dt="2022-02-22T11:52:07.620"/>
+    <p1510:client id="{F9C9C19C-987F-4522-8941-89CCA1CA217B}" v="7" dt="2022-03-03T23:15:36.460"/>
   </p1510:revLst>
 </p1510:revInfo>
 </file>
@@ -162,7 +162,7 @@
   <pc:docChgLst>
     <pc:chgData name="Ferreira, Vinicius Novais" userId="cbb4d67d-f9b3-40c7-a629-1bdeb4d5c819" providerId="ADAL" clId="{F9C9C19C-987F-4522-8941-89CCA1CA217B}"/>
     <pc:docChg chg="undo custSel addSld delSld modSld modSection">
-      <pc:chgData name="Ferreira, Vinicius Novais" userId="cbb4d67d-f9b3-40c7-a629-1bdeb4d5c819" providerId="ADAL" clId="{F9C9C19C-987F-4522-8941-89CCA1CA217B}" dt="2022-02-22T12:10:12.511" v="1444" actId="20577"/>
+      <pc:chgData name="Ferreira, Vinicius Novais" userId="cbb4d67d-f9b3-40c7-a629-1bdeb4d5c819" providerId="ADAL" clId="{F9C9C19C-987F-4522-8941-89CCA1CA217B}" dt="2022-03-03T23:27:17.908" v="1910" actId="20577"/>
       <pc:docMkLst>
         <pc:docMk/>
       </pc:docMkLst>
@@ -378,7 +378,7 @@
         </pc:spChg>
       </pc:sldChg>
       <pc:sldChg chg="addSp delSp modSp add mod">
-        <pc:chgData name="Ferreira, Vinicius Novais" userId="cbb4d67d-f9b3-40c7-a629-1bdeb4d5c819" providerId="ADAL" clId="{F9C9C19C-987F-4522-8941-89CCA1CA217B}" dt="2022-02-22T12:10:12.511" v="1444" actId="20577"/>
+        <pc:chgData name="Ferreira, Vinicius Novais" userId="cbb4d67d-f9b3-40c7-a629-1bdeb4d5c819" providerId="ADAL" clId="{F9C9C19C-987F-4522-8941-89CCA1CA217B}" dt="2022-03-03T23:17:17.346" v="1727" actId="20577"/>
         <pc:sldMkLst>
           <pc:docMk/>
           <pc:sldMk cId="3424229560" sldId="483"/>
@@ -400,7 +400,7 @@
           </ac:spMkLst>
         </pc:spChg>
         <pc:spChg chg="mod">
-          <ac:chgData name="Ferreira, Vinicius Novais" userId="cbb4d67d-f9b3-40c7-a629-1bdeb4d5c819" providerId="ADAL" clId="{F9C9C19C-987F-4522-8941-89CCA1CA217B}" dt="2022-02-22T11:50:10.109" v="1124" actId="20577"/>
+          <ac:chgData name="Ferreira, Vinicius Novais" userId="cbb4d67d-f9b3-40c7-a629-1bdeb4d5c819" providerId="ADAL" clId="{F9C9C19C-987F-4522-8941-89CCA1CA217B}" dt="2022-03-03T23:15:40.861" v="1692" actId="20577"/>
           <ac:spMkLst>
             <pc:docMk/>
             <pc:sldMk cId="3424229560" sldId="483"/>
@@ -408,7 +408,7 @@
           </ac:spMkLst>
         </pc:spChg>
         <pc:spChg chg="mod">
-          <ac:chgData name="Ferreira, Vinicius Novais" userId="cbb4d67d-f9b3-40c7-a629-1bdeb4d5c819" providerId="ADAL" clId="{F9C9C19C-987F-4522-8941-89CCA1CA217B}" dt="2022-02-22T12:09:10.041" v="1433" actId="20577"/>
+          <ac:chgData name="Ferreira, Vinicius Novais" userId="cbb4d67d-f9b3-40c7-a629-1bdeb4d5c819" providerId="ADAL" clId="{F9C9C19C-987F-4522-8941-89CCA1CA217B}" dt="2022-03-03T23:17:17.346" v="1727" actId="20577"/>
           <ac:spMkLst>
             <pc:docMk/>
             <pc:sldMk cId="3424229560" sldId="483"/>
@@ -452,6 +452,133 @@
           <ac:spMkLst>
             <pc:docMk/>
             <pc:sldMk cId="3424229560" sldId="483"/>
+            <ac:spMk id="43" creationId="{B00F4A3F-EDE2-489C-8C3A-91F9B7B75AAD}"/>
+          </ac:spMkLst>
+        </pc:spChg>
+      </pc:sldChg>
+      <pc:sldChg chg="addSp delSp modSp add mod">
+        <pc:chgData name="Ferreira, Vinicius Novais" userId="cbb4d67d-f9b3-40c7-a629-1bdeb4d5c819" providerId="ADAL" clId="{F9C9C19C-987F-4522-8941-89CCA1CA217B}" dt="2022-03-03T23:27:17.908" v="1910" actId="20577"/>
+        <pc:sldMkLst>
+          <pc:docMk/>
+          <pc:sldMk cId="3664926626" sldId="484"/>
+        </pc:sldMkLst>
+        <pc:spChg chg="mod">
+          <ac:chgData name="Ferreira, Vinicius Novais" userId="cbb4d67d-f9b3-40c7-a629-1bdeb4d5c819" providerId="ADAL" clId="{F9C9C19C-987F-4522-8941-89CCA1CA217B}" dt="2022-03-03T23:10:46.947" v="1453" actId="20577"/>
+          <ac:spMkLst>
+            <pc:docMk/>
+            <pc:sldMk cId="3664926626" sldId="484"/>
+            <ac:spMk id="21" creationId="{C488E075-24DD-4CAC-A846-48FBDF28D797}"/>
+          </ac:spMkLst>
+        </pc:spChg>
+        <pc:spChg chg="mod">
+          <ac:chgData name="Ferreira, Vinicius Novais" userId="cbb4d67d-f9b3-40c7-a629-1bdeb4d5c819" providerId="ADAL" clId="{F9C9C19C-987F-4522-8941-89CCA1CA217B}" dt="2022-03-03T23:14:07.294" v="1611" actId="207"/>
+          <ac:spMkLst>
+            <pc:docMk/>
+            <pc:sldMk cId="3664926626" sldId="484"/>
+            <ac:spMk id="23" creationId="{D512B11E-A0D6-43B9-9FAB-A12852EB997C}"/>
+          </ac:spMkLst>
+        </pc:spChg>
+        <pc:spChg chg="mod">
+          <ac:chgData name="Ferreira, Vinicius Novais" userId="cbb4d67d-f9b3-40c7-a629-1bdeb4d5c819" providerId="ADAL" clId="{F9C9C19C-987F-4522-8941-89CCA1CA217B}" dt="2022-03-03T23:14:27.962" v="1613" actId="207"/>
+          <ac:spMkLst>
+            <pc:docMk/>
+            <pc:sldMk cId="3664926626" sldId="484"/>
+            <ac:spMk id="27" creationId="{E0659533-7794-44EF-87B8-DFFD796E8DCB}"/>
+          </ac:spMkLst>
+        </pc:spChg>
+        <pc:spChg chg="mod">
+          <ac:chgData name="Ferreira, Vinicius Novais" userId="cbb4d67d-f9b3-40c7-a629-1bdeb4d5c819" providerId="ADAL" clId="{F9C9C19C-987F-4522-8941-89CCA1CA217B}" dt="2022-03-03T23:25:58.138" v="1833" actId="21"/>
+          <ac:spMkLst>
+            <pc:docMk/>
+            <pc:sldMk cId="3664926626" sldId="484"/>
+            <ac:spMk id="32" creationId="{224F3AF8-BD84-4D63-8F6E-083FA677F2DB}"/>
+          </ac:spMkLst>
+        </pc:spChg>
+        <pc:spChg chg="mod">
+          <ac:chgData name="Ferreira, Vinicius Novais" userId="cbb4d67d-f9b3-40c7-a629-1bdeb4d5c819" providerId="ADAL" clId="{F9C9C19C-987F-4522-8941-89CCA1CA217B}" dt="2022-03-03T23:27:17.908" v="1910" actId="20577"/>
+          <ac:spMkLst>
+            <pc:docMk/>
+            <pc:sldMk cId="3664926626" sldId="484"/>
+            <ac:spMk id="33" creationId="{F0F9D098-FF4D-4A23-BBE2-370207E68022}"/>
+          </ac:spMkLst>
+        </pc:spChg>
+        <pc:spChg chg="mod">
+          <ac:chgData name="Ferreira, Vinicius Novais" userId="cbb4d67d-f9b3-40c7-a629-1bdeb4d5c819" providerId="ADAL" clId="{F9C9C19C-987F-4522-8941-89CCA1CA217B}" dt="2022-03-03T23:14:02.103" v="1609" actId="207"/>
+          <ac:spMkLst>
+            <pc:docMk/>
+            <pc:sldMk cId="3664926626" sldId="484"/>
+            <ac:spMk id="34" creationId="{B57AA8A8-84FD-48DE-BA43-08D253C6F275}"/>
+          </ac:spMkLst>
+        </pc:spChg>
+        <pc:spChg chg="mod">
+          <ac:chgData name="Ferreira, Vinicius Novais" userId="cbb4d67d-f9b3-40c7-a629-1bdeb4d5c819" providerId="ADAL" clId="{F9C9C19C-987F-4522-8941-89CCA1CA217B}" dt="2022-03-03T23:14:09.447" v="1612" actId="207"/>
+          <ac:spMkLst>
+            <pc:docMk/>
+            <pc:sldMk cId="3664926626" sldId="484"/>
+            <ac:spMk id="38" creationId="{AC71B70F-2DA1-4D18-9AC0-DCFDF0FE0D5C}"/>
+          </ac:spMkLst>
+        </pc:spChg>
+        <pc:spChg chg="del mod">
+          <ac:chgData name="Ferreira, Vinicius Novais" userId="cbb4d67d-f9b3-40c7-a629-1bdeb4d5c819" providerId="ADAL" clId="{F9C9C19C-987F-4522-8941-89CCA1CA217B}" dt="2022-03-03T23:13:19.809" v="1608"/>
+          <ac:spMkLst>
+            <pc:docMk/>
+            <pc:sldMk cId="3664926626" sldId="484"/>
+            <ac:spMk id="39" creationId="{8ACE77DB-7A0A-4BC8-8D52-875743F65432}"/>
+          </ac:spMkLst>
+        </pc:spChg>
+        <pc:spChg chg="add mod">
+          <ac:chgData name="Ferreira, Vinicius Novais" userId="cbb4d67d-f9b3-40c7-a629-1bdeb4d5c819" providerId="ADAL" clId="{F9C9C19C-987F-4522-8941-89CCA1CA217B}" dt="2022-03-03T23:23:52.920" v="1734" actId="1076"/>
+          <ac:spMkLst>
+            <pc:docMk/>
+            <pc:sldMk cId="3664926626" sldId="484"/>
+            <ac:spMk id="39" creationId="{EB78EF16-BB72-4778-B7F6-94D832528375}"/>
+          </ac:spMkLst>
+        </pc:spChg>
+        <pc:spChg chg="add mod">
+          <ac:chgData name="Ferreira, Vinicius Novais" userId="cbb4d67d-f9b3-40c7-a629-1bdeb4d5c819" providerId="ADAL" clId="{F9C9C19C-987F-4522-8941-89CCA1CA217B}" dt="2022-03-03T23:26:21.605" v="1847" actId="1035"/>
+          <ac:spMkLst>
+            <pc:docMk/>
+            <pc:sldMk cId="3664926626" sldId="484"/>
+            <ac:spMk id="40" creationId="{4B72F105-FFC8-4FEA-A709-130DB99E3B41}"/>
+          </ac:spMkLst>
+        </pc:spChg>
+        <pc:spChg chg="add mod">
+          <ac:chgData name="Ferreira, Vinicius Novais" userId="cbb4d67d-f9b3-40c7-a629-1bdeb4d5c819" providerId="ADAL" clId="{F9C9C19C-987F-4522-8941-89CCA1CA217B}" dt="2022-03-03T23:24:42.725" v="1800" actId="20577"/>
+          <ac:spMkLst>
+            <pc:docMk/>
+            <pc:sldMk cId="3664926626" sldId="484"/>
+            <ac:spMk id="41" creationId="{793BD65D-A330-49DB-A661-F7C2F30C8E5B}"/>
+          </ac:spMkLst>
+        </pc:spChg>
+        <pc:spChg chg="del mod">
+          <ac:chgData name="Ferreira, Vinicius Novais" userId="cbb4d67d-f9b3-40c7-a629-1bdeb4d5c819" providerId="ADAL" clId="{F9C9C19C-987F-4522-8941-89CCA1CA217B}" dt="2022-03-03T23:13:19.809" v="1606"/>
+          <ac:spMkLst>
+            <pc:docMk/>
+            <pc:sldMk cId="3664926626" sldId="484"/>
+            <ac:spMk id="41" creationId="{9F2435F4-D8E1-4B45-ACBE-3E11103411BA}"/>
+          </ac:spMkLst>
+        </pc:spChg>
+        <pc:spChg chg="del mod">
+          <ac:chgData name="Ferreira, Vinicius Novais" userId="cbb4d67d-f9b3-40c7-a629-1bdeb4d5c819" providerId="ADAL" clId="{F9C9C19C-987F-4522-8941-89CCA1CA217B}" dt="2022-03-03T23:13:19.808" v="1604"/>
+          <ac:spMkLst>
+            <pc:docMk/>
+            <pc:sldMk cId="3664926626" sldId="484"/>
+            <ac:spMk id="42" creationId="{A612A69C-3AD8-4157-B1D4-B831D3F14F61}"/>
+          </ac:spMkLst>
+        </pc:spChg>
+        <pc:spChg chg="add del">
+          <ac:chgData name="Ferreira, Vinicius Novais" userId="cbb4d67d-f9b3-40c7-a629-1bdeb4d5c819" providerId="ADAL" clId="{F9C9C19C-987F-4522-8941-89CCA1CA217B}" dt="2022-03-03T23:25:57.513" v="1832" actId="22"/>
+          <ac:spMkLst>
+            <pc:docMk/>
+            <pc:sldMk cId="3664926626" sldId="484"/>
+            <ac:spMk id="42" creationId="{E187149F-1B21-42F7-8FEF-69C427779431}"/>
+          </ac:spMkLst>
+        </pc:spChg>
+        <pc:spChg chg="mod">
+          <ac:chgData name="Ferreira, Vinicius Novais" userId="cbb4d67d-f9b3-40c7-a629-1bdeb4d5c819" providerId="ADAL" clId="{F9C9C19C-987F-4522-8941-89CCA1CA217B}" dt="2022-03-03T23:26:36.543" v="1864" actId="1036"/>
+          <ac:spMkLst>
+            <pc:docMk/>
+            <pc:sldMk cId="3664926626" sldId="484"/>
             <ac:spMk id="43" creationId="{B00F4A3F-EDE2-489C-8C3A-91F9B7B75AAD}"/>
           </ac:spMkLst>
         </pc:spChg>
@@ -626,7 +753,7 @@
             <a:fld id="{CA8E3B7C-E4AE-4E9E-8479-7C668141D483}" type="slidenum">
               <a:rPr lang="pt-BR" smtClean="0"/>
               <a:pPr/>
-              <a:t>‹nº›</a:t>
+              <a:t>‹#›</a:t>
             </a:fld>
             <a:endParaRPr lang="pt-BR"/>
           </a:p>
@@ -888,7 +1015,7 @@
             <a:fld id="{75B3645A-D0AE-4F6E-A17E-E0036A9041AF}" type="slidenum">
               <a:rPr lang="pt-BR" smtClean="0"/>
               <a:pPr/>
-              <a:t>‹nº›</a:t>
+              <a:t>‹#›</a:t>
             </a:fld>
             <a:endParaRPr lang="pt-BR"/>
           </a:p>
@@ -4415,7 +4542,7 @@
               <a:pPr>
                 <a:defRPr/>
               </a:pPr>
-              <a:t>‹nº›</a:t>
+              <a:t>‹#›</a:t>
             </a:fld>
             <a:endParaRPr lang="pt-BR" sz="700" dirty="0"/>
           </a:p>
@@ -18724,7 +18851,7 @@
                 </a:solidFill>
               </a:rPr>
               <a:pPr/>
-              <a:t>‹nº›</a:t>
+              <a:t>‹#›</a:t>
             </a:fld>
             <a:endParaRPr lang="pt-BR" dirty="0">
               <a:solidFill>
@@ -19239,7 +19366,7 @@
               <a:pPr>
                 <a:defRPr/>
               </a:pPr>
-              <a:t>‹nº›</a:t>
+              <a:t>‹#›</a:t>
             </a:fld>
             <a:endParaRPr lang="pt-BR" sz="700" dirty="0"/>
           </a:p>
@@ -24090,7 +24217,7 @@
                 <a:latin typeface="Exo 2 Medium" panose="00000600000000000000" pitchFamily="50" charset="0"/>
                 <a:cs typeface="Simplon BP Regular"/>
               </a:rPr>
-              <a:t>#Vinícius Noais</a:t>
+              <a:t>#Vinícius Novais</a:t>
             </a:r>
           </a:p>
           <a:p>
@@ -24306,7 +24433,7 @@
                 <a:latin typeface="Exo 2 Medium" panose="00000600000000000000" pitchFamily="50" charset="0"/>
                 <a:cs typeface="Simplon BP Regular"/>
               </a:rPr>
-              <a:t>#Prótotipo projetos curtidos (task atrasada)</a:t>
+              <a:t>Prótotipo projetos curtidos (task atrasada)</a:t>
             </a:r>
           </a:p>
           <a:p>
@@ -24319,7 +24446,7 @@
                 <a:latin typeface="Exo 2 Medium" panose="00000600000000000000" pitchFamily="50" charset="0"/>
                 <a:cs typeface="Simplon BP Regular"/>
               </a:rPr>
-              <a:t>João Oliveira</a:t>
+              <a:t>#João Oliveira</a:t>
             </a:r>
           </a:p>
           <a:p>
@@ -25167,7 +25294,7 @@
                 <a:latin typeface="Exo 2 Medium" panose="00000600000000000000" pitchFamily="50" charset="0"/>
                 <a:cs typeface="Simplon Oi Headline"/>
               </a:rPr>
-              <a:t>SEMANA 2 – 22/02/2022</a:t>
+              <a:t>SEMANA 3 – 01/03/2022</a:t>
             </a:r>
           </a:p>
         </p:txBody>
@@ -25745,7 +25872,7 @@
             <a:avLst/>
           </a:prstGeom>
           <a:solidFill>
-            <a:srgbClr val="1BCF13"/>
+            <a:srgbClr val="FFC000"/>
           </a:solidFill>
           <a:ln w="12700">
             <a:solidFill>
@@ -26102,58 +26229,7 @@
                 <a:latin typeface="Exo 2 Medium" panose="00000600000000000000" pitchFamily="50" charset="0"/>
                 <a:cs typeface="Simplon BP Regular"/>
               </a:rPr>
-              <a:t>Codificação Perfil                                                            </a:t>
-            </a:r>
-          </a:p>
-          <a:p>
-            <a:pPr marL="0" lvl="1" fontAlgn="base">
-              <a:spcBef>
-                <a:spcPct val="0"/>
-              </a:spcBef>
-              <a:defRPr/>
-            </a:pPr>
-            <a:r>
-              <a:rPr lang="pt-BR" sz="1600" dirty="0">
-                <a:solidFill>
-                  <a:schemeClr val="tx1"/>
-                </a:solidFill>
-                <a:latin typeface="Exo 2 Medium" panose="00000600000000000000" pitchFamily="50" charset="0"/>
-                <a:cs typeface="Simplon BP Regular"/>
-              </a:rPr>
-              <a:t>#João Oliveira</a:t>
-            </a:r>
-          </a:p>
-          <a:p>
-            <a:pPr marL="0" lvl="1" fontAlgn="base">
-              <a:spcBef>
-                <a:spcPct val="0"/>
-              </a:spcBef>
-              <a:defRPr/>
-            </a:pPr>
-            <a:endParaRPr lang="pt-BR" sz="1600" b="1" dirty="0">
-              <a:solidFill>
-                <a:schemeClr val="tx1"/>
-              </a:solidFill>
-              <a:latin typeface="Exo 2 Medium" panose="00000600000000000000" pitchFamily="50" charset="0"/>
-              <a:cs typeface="Simplon BP Regular"/>
-            </a:endParaRPr>
-          </a:p>
-          <a:p>
-            <a:pPr marL="0" lvl="1" fontAlgn="base">
-              <a:spcBef>
-                <a:spcPct val="0"/>
-              </a:spcBef>
-              <a:defRPr/>
-            </a:pPr>
-            <a:r>
-              <a:rPr lang="pt-BR" sz="1600" b="1" dirty="0">
-                <a:solidFill>
-                  <a:schemeClr val="tx1"/>
-                </a:solidFill>
-                <a:latin typeface="Exo 2 Medium" panose="00000600000000000000" pitchFamily="50" charset="0"/>
-                <a:cs typeface="Simplon BP Regular"/>
-              </a:rPr>
-              <a:t>Codificação Upload</a:t>
+              <a:t>Tela upload codada</a:t>
             </a:r>
           </a:p>
           <a:p>
@@ -26204,7 +26280,7 @@
                 <a:latin typeface="Exo 2 Medium" panose="00000600000000000000" pitchFamily="50" charset="0"/>
                 <a:cs typeface="Simplon BP Regular"/>
               </a:rPr>
-              <a:t>Codificação Projetos</a:t>
+              <a:t>Tela home, login e cadastro codadas</a:t>
             </a:r>
           </a:p>
           <a:p>
@@ -26222,25 +26298,59 @@
                 <a:latin typeface="Exo 2 Medium" panose="00000600000000000000" pitchFamily="50" charset="0"/>
                 <a:cs typeface="Simplon BP Regular"/>
               </a:rPr>
-              <a:t>#Caio </a:t>
+              <a:t>#Mauricio Santana</a:t>
             </a:r>
+          </a:p>
+          <a:p>
+            <a:pPr marL="0" lvl="1" fontAlgn="base">
+              <a:spcBef>
+                <a:spcPct val="0"/>
+              </a:spcBef>
+              <a:defRPr/>
+            </a:pPr>
+            <a:endParaRPr lang="pt-BR" sz="1600" b="1" dirty="0">
+              <a:solidFill>
+                <a:schemeClr val="tx1"/>
+              </a:solidFill>
+              <a:latin typeface="Exo 2 Medium" panose="00000600000000000000" pitchFamily="50" charset="0"/>
+              <a:cs typeface="Simplon BP Regular"/>
+            </a:endParaRPr>
+          </a:p>
+          <a:p>
+            <a:pPr marL="0" lvl="1" fontAlgn="base">
+              <a:spcBef>
+                <a:spcPct val="0"/>
+              </a:spcBef>
+              <a:defRPr/>
+            </a:pPr>
             <a:r>
-              <a:rPr lang="pt-BR" sz="1600" dirty="0" err="1">
+              <a:rPr lang="pt-BR" sz="1600" b="1" dirty="0">
                 <a:solidFill>
                   <a:schemeClr val="tx1"/>
                 </a:solidFill>
                 <a:latin typeface="Exo 2 Medium" panose="00000600000000000000" pitchFamily="50" charset="0"/>
                 <a:cs typeface="Simplon BP Regular"/>
               </a:rPr>
-              <a:t>Elcio</a:t>
+              <a:t>Arquitetura de solução</a:t>
             </a:r>
-            <a:endParaRPr lang="pt-BR" sz="1600" dirty="0">
-              <a:solidFill>
-                <a:schemeClr val="tx1"/>
-              </a:solidFill>
-              <a:latin typeface="Exo 2 Medium" panose="00000600000000000000" pitchFamily="50" charset="0"/>
-              <a:cs typeface="Simplon BP Regular"/>
-            </a:endParaRPr>
+          </a:p>
+          <a:p>
+            <a:pPr marL="0" lvl="1" fontAlgn="base">
+              <a:spcBef>
+                <a:spcPct val="0"/>
+              </a:spcBef>
+              <a:defRPr/>
+            </a:pPr>
+            <a:r>
+              <a:rPr lang="pt-BR" sz="1600" dirty="0">
+                <a:solidFill>
+                  <a:schemeClr val="tx1"/>
+                </a:solidFill>
+                <a:latin typeface="Exo 2 Medium" panose="00000600000000000000" pitchFamily="50" charset="0"/>
+                <a:cs typeface="Simplon BP Regular"/>
+              </a:rPr>
+              <a:t>#Vinícius Novais</a:t>
+            </a:r>
           </a:p>
           <a:p>
             <a:pPr fontAlgn="base">
@@ -26256,6 +26366,32 @@
               <a:latin typeface="Exo 2 Medium" panose="00000600000000000000" pitchFamily="50" charset="0"/>
               <a:cs typeface="Simplon BP Regular"/>
             </a:endParaRPr>
+          </a:p>
+          <a:p>
+            <a:pPr marL="0" lvl="1" defTabSz="672130"/>
+            <a:r>
+              <a:rPr lang="pt-BR" sz="1600" b="1" dirty="0">
+                <a:solidFill>
+                  <a:schemeClr val="tx1"/>
+                </a:solidFill>
+                <a:latin typeface="Exo 2 Medium" panose="00000600000000000000" pitchFamily="50" charset="0"/>
+                <a:cs typeface="Simplon BP Regular"/>
+              </a:rPr>
+              <a:t>Tela perfil codada (task atrasada)</a:t>
+            </a:r>
+          </a:p>
+          <a:p>
+            <a:pPr marL="0" lvl="1" defTabSz="672130"/>
+            <a:r>
+              <a:rPr lang="pt-BR" sz="1600" dirty="0">
+                <a:solidFill>
+                  <a:schemeClr val="tx1"/>
+                </a:solidFill>
+                <a:latin typeface="Exo 2 Medium" panose="00000600000000000000" pitchFamily="50" charset="0"/>
+                <a:cs typeface="Simplon BP Regular"/>
+              </a:rPr>
+              <a:t>#João Oliveira</a:t>
+            </a:r>
           </a:p>
           <a:p>
             <a:pPr fontAlgn="base">
@@ -26347,7 +26483,7 @@
                 <a:latin typeface="Exo 2 Medium" panose="00000600000000000000" pitchFamily="50" charset="0"/>
                 <a:cs typeface="Simplon BP Regular"/>
               </a:rPr>
-              <a:t>Finalizar LLD                                                                                                       </a:t>
+              <a:t>LLD                                                                                                       </a:t>
             </a:r>
           </a:p>
           <a:p>
@@ -26365,7 +26501,7 @@
           </a:p>
           <a:p>
             <a:pPr marL="0" lvl="1" defTabSz="672130"/>
-            <a:endParaRPr lang="pt-BR" sz="1600" b="1" dirty="0">
+            <a:endParaRPr lang="pt-BR" sz="1600" dirty="0">
               <a:solidFill>
                 <a:schemeClr val="tx1"/>
               </a:solidFill>
@@ -26383,7 +26519,7 @@
                 <a:latin typeface="Exo 2 Medium" panose="00000600000000000000" pitchFamily="50" charset="0"/>
                 <a:cs typeface="Simplon BP Regular"/>
               </a:rPr>
-              <a:t>Finalizar telas codificadas  acima</a:t>
+              <a:t>PPT com todas as informações                                                                                                    </a:t>
             </a:r>
           </a:p>
           <a:p>
@@ -26396,8 +26532,98 @@
                 <a:latin typeface="Exo 2 Medium" panose="00000600000000000000" pitchFamily="50" charset="0"/>
                 <a:cs typeface="Simplon BP Regular"/>
               </a:rPr>
-              <a:t>#Todos integrantes</a:t>
+              <a:t>#Vinícius Novais</a:t>
             </a:r>
+          </a:p>
+          <a:p>
+            <a:pPr marL="0" lvl="1" defTabSz="672130"/>
+            <a:endParaRPr lang="pt-BR" sz="1600" dirty="0">
+              <a:solidFill>
+                <a:schemeClr val="tx1"/>
+              </a:solidFill>
+              <a:latin typeface="Exo 2 Medium" panose="00000600000000000000" pitchFamily="50" charset="0"/>
+              <a:cs typeface="Simplon BP Regular"/>
+            </a:endParaRPr>
+          </a:p>
+          <a:p>
+            <a:pPr marL="0" lvl="1" defTabSz="672130"/>
+            <a:endParaRPr lang="pt-BR" sz="1600" dirty="0">
+              <a:solidFill>
+                <a:schemeClr val="tx1"/>
+              </a:solidFill>
+              <a:latin typeface="Exo 2 Medium" panose="00000600000000000000" pitchFamily="50" charset="0"/>
+              <a:cs typeface="Simplon BP Regular"/>
+            </a:endParaRPr>
+          </a:p>
+          <a:p>
+            <a:pPr marL="0" lvl="1" defTabSz="672130"/>
+            <a:endParaRPr lang="pt-BR" sz="1600" dirty="0">
+              <a:solidFill>
+                <a:schemeClr val="tx1"/>
+              </a:solidFill>
+              <a:latin typeface="Exo 2 Medium" panose="00000600000000000000" pitchFamily="50" charset="0"/>
+              <a:cs typeface="Simplon BP Regular"/>
+            </a:endParaRPr>
+          </a:p>
+          <a:p>
+            <a:pPr marL="0" lvl="1" defTabSz="672130"/>
+            <a:endParaRPr lang="pt-BR" sz="1600" dirty="0">
+              <a:solidFill>
+                <a:schemeClr val="tx1"/>
+              </a:solidFill>
+              <a:latin typeface="Exo 2 Medium" panose="00000600000000000000" pitchFamily="50" charset="0"/>
+              <a:cs typeface="Simplon BP Regular"/>
+            </a:endParaRPr>
+          </a:p>
+          <a:p>
+            <a:pPr marL="0" lvl="1" defTabSz="672130"/>
+            <a:endParaRPr lang="pt-BR" sz="1600" b="1" dirty="0">
+              <a:solidFill>
+                <a:schemeClr val="tx1"/>
+              </a:solidFill>
+              <a:latin typeface="Exo 2 Medium" panose="00000600000000000000" pitchFamily="50" charset="0"/>
+              <a:cs typeface="Simplon BP Regular"/>
+            </a:endParaRPr>
+          </a:p>
+          <a:p>
+            <a:pPr marL="0" lvl="1" defTabSz="672130"/>
+            <a:endParaRPr lang="pt-BR" sz="1323" b="1" dirty="0">
+              <a:solidFill>
+                <a:schemeClr val="tx1"/>
+              </a:solidFill>
+              <a:latin typeface="Exo 2 Medium" panose="00000600000000000000" pitchFamily="50" charset="0"/>
+              <a:cs typeface="Simplon BP Regular"/>
+            </a:endParaRPr>
+          </a:p>
+          <a:p>
+            <a:pPr marL="0" lvl="1" defTabSz="672130"/>
+            <a:endParaRPr lang="pt-BR" sz="1323" b="1" dirty="0">
+              <a:solidFill>
+                <a:schemeClr val="tx1"/>
+              </a:solidFill>
+              <a:latin typeface="Exo 2 Medium" panose="00000600000000000000" pitchFamily="50" charset="0"/>
+              <a:cs typeface="Simplon BP Regular"/>
+            </a:endParaRPr>
+          </a:p>
+          <a:p>
+            <a:pPr marL="0" lvl="1" defTabSz="672130"/>
+            <a:endParaRPr lang="pt-BR" sz="1323" b="1" dirty="0">
+              <a:solidFill>
+                <a:schemeClr val="tx1"/>
+              </a:solidFill>
+              <a:latin typeface="Exo 2 Medium" panose="00000600000000000000" pitchFamily="50" charset="0"/>
+              <a:cs typeface="Simplon BP Regular"/>
+            </a:endParaRPr>
+          </a:p>
+          <a:p>
+            <a:pPr marL="0" lvl="1" defTabSz="672130"/>
+            <a:endParaRPr lang="pt-BR" sz="1600" dirty="0">
+              <a:solidFill>
+                <a:schemeClr val="tx1"/>
+              </a:solidFill>
+              <a:latin typeface="Exo 2 Medium" panose="00000600000000000000" pitchFamily="50" charset="0"/>
+              <a:cs typeface="Simplon BP Regular"/>
+            </a:endParaRPr>
           </a:p>
           <a:p>
             <a:pPr marL="0" lvl="1" defTabSz="672130"/>
@@ -26464,10 +26690,7 @@
             <a:avLst/>
           </a:prstGeom>
           <a:solidFill>
-            <a:schemeClr val="accent4">
-              <a:lumMod val="25000"/>
-              <a:lumOff val="75000"/>
-            </a:schemeClr>
+            <a:srgbClr val="1BCF13"/>
           </a:solidFill>
           <a:ln w="12700">
             <a:solidFill>
@@ -26864,7 +27087,7 @@
         <p:spPr>
           <a:xfrm>
             <a:off x="6865491" y="1153210"/>
-            <a:ext cx="3664401" cy="338554"/>
+            <a:ext cx="4553106" cy="338554"/>
           </a:xfrm>
           <a:prstGeom prst="rect">
             <a:avLst/>
@@ -26881,166 +27104,7 @@
               <a:rPr lang="pt-BR" sz="1600" dirty="0">
                 <a:latin typeface="Exo 2 Medium" panose="00000600000000000000"/>
               </a:rPr>
-              <a:t>Conseguir falar com professores sobre </a:t>
-            </a:r>
-            <a:r>
-              <a:rPr lang="pt-BR" sz="1600" dirty="0" err="1">
-                <a:latin typeface="Exo 2 Medium" panose="00000600000000000000"/>
-              </a:rPr>
-              <a:t>lld</a:t>
-            </a:r>
-            <a:r>
-              <a:rPr lang="pt-BR" sz="1600" dirty="0">
-                <a:latin typeface="Exo 2 Medium" panose="00000600000000000000"/>
-              </a:rPr>
-              <a:t>.</a:t>
-            </a:r>
-          </a:p>
-        </p:txBody>
-      </p:sp>
-      <p:sp>
-        <p:nvSpPr>
-          <p:cNvPr id="39" name="TextBox 38">
-            <a:extLst>
-              <a:ext uri="{FF2B5EF4-FFF2-40B4-BE49-F238E27FC236}">
-                <a16:creationId xmlns:a16="http://schemas.microsoft.com/office/drawing/2014/main" id="{8ACE77DB-7A0A-4BC8-8D52-875743F65432}"/>
-              </a:ext>
-            </a:extLst>
-          </p:cNvPr>
-          <p:cNvSpPr txBox="1"/>
-          <p:nvPr/>
-        </p:nvSpPr>
-        <p:spPr>
-          <a:xfrm>
-            <a:off x="4129187" y="1116335"/>
-            <a:ext cx="2554187" cy="830997"/>
-          </a:xfrm>
-          <a:prstGeom prst="rect">
-            <a:avLst/>
-          </a:prstGeom>
-          <a:noFill/>
-        </p:spPr>
-        <p:txBody>
-          <a:bodyPr wrap="square" rtlCol="0">
-            <a:spAutoFit/>
-          </a:bodyPr>
-          <a:lstStyle/>
-          <a:p>
-            <a:r>
-              <a:rPr lang="pt-BR" sz="1600" b="1" dirty="0">
-                <a:latin typeface="Exo 2 Medium" panose="00000600000000000000"/>
-              </a:rPr>
-              <a:t>Codificação </a:t>
-            </a:r>
-            <a:r>
-              <a:rPr lang="pt-BR" sz="1600" b="1" dirty="0" err="1">
-                <a:latin typeface="Exo 2 Medium" panose="00000600000000000000"/>
-              </a:rPr>
-              <a:t>loading</a:t>
-            </a:r>
-            <a:r>
-              <a:rPr lang="pt-BR" sz="1600" b="1" dirty="0">
-                <a:latin typeface="Exo 2 Medium" panose="00000600000000000000"/>
-              </a:rPr>
-              <a:t> e cadastro</a:t>
-            </a:r>
-          </a:p>
-          <a:p>
-            <a:r>
-              <a:rPr lang="pt-BR" sz="1600" dirty="0">
-                <a:latin typeface="Exo 2 Medium" panose="00000600000000000000"/>
-              </a:rPr>
-              <a:t>#Mauricio Santana</a:t>
-            </a:r>
-          </a:p>
-        </p:txBody>
-      </p:sp>
-      <p:sp>
-        <p:nvSpPr>
-          <p:cNvPr id="41" name="TextBox 40">
-            <a:extLst>
-              <a:ext uri="{FF2B5EF4-FFF2-40B4-BE49-F238E27FC236}">
-                <a16:creationId xmlns:a16="http://schemas.microsoft.com/office/drawing/2014/main" id="{9F2435F4-D8E1-4B45-ACBE-3E11103411BA}"/>
-              </a:ext>
-            </a:extLst>
-          </p:cNvPr>
-          <p:cNvSpPr txBox="1"/>
-          <p:nvPr/>
-        </p:nvSpPr>
-        <p:spPr>
-          <a:xfrm>
-            <a:off x="4100395" y="1957172"/>
-            <a:ext cx="6734012" cy="584775"/>
-          </a:xfrm>
-          <a:prstGeom prst="rect">
-            <a:avLst/>
-          </a:prstGeom>
-          <a:noFill/>
-        </p:spPr>
-        <p:txBody>
-          <a:bodyPr wrap="square">
-            <a:spAutoFit/>
-          </a:bodyPr>
-          <a:lstStyle/>
-          <a:p>
-            <a:r>
-              <a:rPr lang="pt-BR" sz="1600" b="1" dirty="0">
-                <a:latin typeface="Exo 2 Medium" panose="00000600000000000000"/>
-              </a:rPr>
-              <a:t>Codificação Home</a:t>
-            </a:r>
-          </a:p>
-          <a:p>
-            <a:r>
-              <a:rPr lang="pt-BR" sz="1600" dirty="0">
-                <a:latin typeface="Exo 2 Medium" panose="00000600000000000000"/>
-              </a:rPr>
-              <a:t>#Lucas Felix</a:t>
-            </a:r>
-          </a:p>
-        </p:txBody>
-      </p:sp>
-      <p:sp>
-        <p:nvSpPr>
-          <p:cNvPr id="42" name="TextBox 41">
-            <a:extLst>
-              <a:ext uri="{FF2B5EF4-FFF2-40B4-BE49-F238E27FC236}">
-                <a16:creationId xmlns:a16="http://schemas.microsoft.com/office/drawing/2014/main" id="{A612A69C-3AD8-4157-B1D4-B831D3F14F61}"/>
-              </a:ext>
-            </a:extLst>
-          </p:cNvPr>
-          <p:cNvSpPr txBox="1"/>
-          <p:nvPr/>
-        </p:nvSpPr>
-        <p:spPr>
-          <a:xfrm>
-            <a:off x="4129187" y="2556495"/>
-            <a:ext cx="6734012" cy="584775"/>
-          </a:xfrm>
-          <a:prstGeom prst="rect">
-            <a:avLst/>
-          </a:prstGeom>
-          <a:noFill/>
-        </p:spPr>
-        <p:txBody>
-          <a:bodyPr wrap="square">
-            <a:spAutoFit/>
-          </a:bodyPr>
-          <a:lstStyle/>
-          <a:p>
-            <a:r>
-              <a:rPr lang="pt-BR" sz="1600" b="1" dirty="0">
-                <a:latin typeface="Exo 2 Medium" panose="00000600000000000000"/>
-              </a:rPr>
-              <a:t>Codificação Planos</a:t>
-            </a:r>
-          </a:p>
-          <a:p>
-            <a:r>
-              <a:rPr lang="pt-BR" sz="1600" dirty="0">
-                <a:latin typeface="Exo 2 Medium" panose="00000600000000000000"/>
-              </a:rPr>
-              <a:t>#Lucas Ferreira</a:t>
+              <a:t>Atenção ao prazo combinado para entrega das tasks.</a:t>
             </a:r>
           </a:p>
         </p:txBody>
@@ -27059,7 +27123,152 @@
         </p:nvSpPr>
         <p:spPr>
           <a:xfrm>
-            <a:off x="4489227" y="4572719"/>
+            <a:off x="3481115" y="2619792"/>
+            <a:ext cx="6734012" cy="584775"/>
+          </a:xfrm>
+          <a:prstGeom prst="rect">
+            <a:avLst/>
+          </a:prstGeom>
+          <a:noFill/>
+        </p:spPr>
+        <p:txBody>
+          <a:bodyPr wrap="square">
+            <a:spAutoFit/>
+          </a:bodyPr>
+          <a:lstStyle/>
+          <a:p>
+            <a:r>
+              <a:rPr lang="pt-BR" sz="1600" b="1" dirty="0">
+                <a:latin typeface="Exo 2 Medium" panose="00000600000000000000"/>
+              </a:rPr>
+              <a:t>Tela projetos codada (task atrasada)</a:t>
+            </a:r>
+          </a:p>
+          <a:p>
+            <a:r>
+              <a:rPr lang="pt-BR" sz="1600" dirty="0">
+                <a:latin typeface="Exo 2 Medium" panose="00000600000000000000"/>
+              </a:rPr>
+              <a:t>#Caio Elcio</a:t>
+            </a:r>
+          </a:p>
+        </p:txBody>
+      </p:sp>
+      <p:sp>
+        <p:nvSpPr>
+          <p:cNvPr id="40" name="TextBox 39">
+            <a:extLst>
+              <a:ext uri="{FF2B5EF4-FFF2-40B4-BE49-F238E27FC236}">
+                <a16:creationId xmlns:a16="http://schemas.microsoft.com/office/drawing/2014/main" id="{4B72F105-FFC8-4FEA-A709-130DB99E3B41}"/>
+              </a:ext>
+            </a:extLst>
+          </p:cNvPr>
+          <p:cNvSpPr txBox="1"/>
+          <p:nvPr/>
+        </p:nvSpPr>
+        <p:spPr>
+          <a:xfrm>
+            <a:off x="3659871" y="1908423"/>
+            <a:ext cx="6734012" cy="584775"/>
+          </a:xfrm>
+          <a:prstGeom prst="rect">
+            <a:avLst/>
+          </a:prstGeom>
+          <a:noFill/>
+        </p:spPr>
+        <p:txBody>
+          <a:bodyPr wrap="square">
+            <a:spAutoFit/>
+          </a:bodyPr>
+          <a:lstStyle/>
+          <a:p>
+            <a:r>
+              <a:rPr lang="pt-BR" sz="1600" b="1" dirty="0">
+                <a:latin typeface="Exo 2 Medium" panose="00000600000000000000"/>
+              </a:rPr>
+              <a:t>Tela planos codada (task atrasada)</a:t>
+            </a:r>
+          </a:p>
+          <a:p>
+            <a:r>
+              <a:rPr lang="pt-BR" sz="1600" dirty="0">
+                <a:latin typeface="Exo 2 Medium" panose="00000600000000000000"/>
+              </a:rPr>
+              <a:t>#Lucas Ferreira</a:t>
+            </a:r>
+          </a:p>
+        </p:txBody>
+      </p:sp>
+      <p:sp>
+        <p:nvSpPr>
+          <p:cNvPr id="39" name="TextBox 38">
+            <a:extLst>
+              <a:ext uri="{FF2B5EF4-FFF2-40B4-BE49-F238E27FC236}">
+                <a16:creationId xmlns:a16="http://schemas.microsoft.com/office/drawing/2014/main" id="{EB78EF16-BB72-4778-B7F6-94D832528375}"/>
+              </a:ext>
+            </a:extLst>
+          </p:cNvPr>
+          <p:cNvSpPr txBox="1"/>
+          <p:nvPr/>
+        </p:nvSpPr>
+        <p:spPr>
+          <a:xfrm>
+            <a:off x="3665448" y="1164256"/>
+            <a:ext cx="6734012" cy="584775"/>
+          </a:xfrm>
+          <a:prstGeom prst="rect">
+            <a:avLst/>
+          </a:prstGeom>
+          <a:noFill/>
+        </p:spPr>
+        <p:txBody>
+          <a:bodyPr wrap="square">
+            <a:spAutoFit/>
+          </a:bodyPr>
+          <a:lstStyle/>
+          <a:p>
+            <a:pPr marL="0" lvl="1" defTabSz="672130"/>
+            <a:r>
+              <a:rPr lang="pt-BR" sz="1600" b="1" dirty="0">
+                <a:solidFill>
+                  <a:schemeClr val="tx1"/>
+                </a:solidFill>
+                <a:latin typeface="Exo 2 Medium" panose="00000600000000000000" pitchFamily="50" charset="0"/>
+                <a:cs typeface="Simplon BP Regular"/>
+              </a:rPr>
+              <a:t>Tela feed codada (task atrasada)</a:t>
+            </a:r>
+          </a:p>
+          <a:p>
+            <a:pPr marL="0" lvl="1" defTabSz="672130"/>
+            <a:r>
+              <a:rPr lang="pt-BR" sz="1600" dirty="0">
+                <a:solidFill>
+                  <a:schemeClr val="tx1"/>
+                </a:solidFill>
+                <a:latin typeface="Exo 2 Medium" panose="00000600000000000000" pitchFamily="50" charset="0"/>
+                <a:cs typeface="Simplon BP Regular"/>
+              </a:rPr>
+              <a:t>#Lucas Felix</a:t>
+            </a:r>
+          </a:p>
+        </p:txBody>
+      </p:sp>
+      <p:sp>
+        <p:nvSpPr>
+          <p:cNvPr id="41" name="TextBox 40">
+            <a:extLst>
+              <a:ext uri="{FF2B5EF4-FFF2-40B4-BE49-F238E27FC236}">
+                <a16:creationId xmlns:a16="http://schemas.microsoft.com/office/drawing/2014/main" id="{793BD65D-A330-49DB-A661-F7C2F30C8E5B}"/>
+              </a:ext>
+            </a:extLst>
+          </p:cNvPr>
+          <p:cNvSpPr txBox="1"/>
+          <p:nvPr/>
+        </p:nvSpPr>
+        <p:spPr>
+          <a:xfrm>
+            <a:off x="6865491" y="1476375"/>
             <a:ext cx="6734012" cy="338554"/>
           </a:xfrm>
           <a:prstGeom prst="rect">
@@ -27073,16 +27282,24 @@
           </a:bodyPr>
           <a:lstStyle/>
           <a:p>
-            <a:endParaRPr lang="pt-BR" sz="1600" dirty="0">
-              <a:latin typeface="Exo 2 Medium" panose="00000600000000000000"/>
-            </a:endParaRPr>
+            <a:pPr marL="0" lvl="1" defTabSz="672130"/>
+            <a:r>
+              <a:rPr lang="pt-BR" sz="1600" dirty="0">
+                <a:solidFill>
+                  <a:schemeClr val="tx1"/>
+                </a:solidFill>
+                <a:latin typeface="Exo 2 Medium" panose="00000600000000000000" pitchFamily="50" charset="0"/>
+                <a:cs typeface="Simplon BP Regular"/>
+              </a:rPr>
+              <a:t>Conversar com o professor sobre o LLD</a:t>
+            </a:r>
           </a:p>
         </p:txBody>
       </p:sp>
     </p:spTree>
     <p:extLst>
       <p:ext uri="{BB962C8B-B14F-4D97-AF65-F5344CB8AC3E}">
-        <p14:creationId xmlns:p14="http://schemas.microsoft.com/office/powerpoint/2010/main" val="3536389236"/>
+        <p14:creationId xmlns:p14="http://schemas.microsoft.com/office/powerpoint/2010/main" val="3664926626"/>
       </p:ext>
     </p:extLst>
   </p:cSld>
@@ -28508,18 +28725,18 @@
 </file>
 
 <file path=customXml/item1.xml><?xml version="1.0" encoding="utf-8"?>
+<p:properties xmlns:p="http://schemas.microsoft.com/office/2006/metadata/properties" xmlns:xsi="http://www.w3.org/2001/XMLSchema-instance" xmlns:pc="http://schemas.microsoft.com/office/infopath/2007/PartnerControls">
+  <documentManagement/>
+</p:properties>
+</file>
+
+<file path=customXml/item2.xml><?xml version="1.0" encoding="utf-8"?>
 <?mso-contentType ?>
 <FormTemplates xmlns="http://schemas.microsoft.com/sharepoint/v3/contenttype/forms">
   <Display>DocumentLibraryForm</Display>
   <Edit>DocumentLibraryForm</Edit>
   <New>DocumentLibraryForm</New>
 </FormTemplates>
-</file>
-
-<file path=customXml/item2.xml><?xml version="1.0" encoding="utf-8"?>
-<p:properties xmlns:p="http://schemas.microsoft.com/office/2006/metadata/properties" xmlns:xsi="http://www.w3.org/2001/XMLSchema-instance" xmlns:pc="http://schemas.microsoft.com/office/infopath/2007/PartnerControls">
-  <documentManagement/>
-</p:properties>
 </file>
 
 <file path=customXml/item3.xml><?xml version="1.0" encoding="utf-8"?>
@@ -28637,14 +28854,6 @@
 </file>
 
 <file path=customXml/itemProps1.xml><?xml version="1.0" encoding="utf-8"?>
-<ds:datastoreItem xmlns:ds="http://schemas.openxmlformats.org/officeDocument/2006/customXml" ds:itemID="{E2481852-F24E-4532-AF30-C154D705D105}">
-  <ds:schemaRefs>
-    <ds:schemaRef ds:uri="http://schemas.microsoft.com/sharepoint/v3/contenttype/forms"/>
-  </ds:schemaRefs>
-</ds:datastoreItem>
-</file>
-
-<file path=customXml/itemProps2.xml><?xml version="1.0" encoding="utf-8"?>
 <ds:datastoreItem xmlns:ds="http://schemas.openxmlformats.org/officeDocument/2006/customXml" ds:itemID="{4B31267F-D399-4A8A-87F8-B75F56828412}">
   <ds:schemaRefs>
     <ds:schemaRef ds:uri="http://www.w3.org/XML/1998/namespace"/>
@@ -28657,6 +28866,14 @@
     <ds:schemaRef ds:uri="http://schemas.openxmlformats.org/package/2006/metadata/core-properties"/>
     <ds:schemaRef ds:uri="http://schemas.microsoft.com/office/2006/metadata/properties"/>
     <ds:schemaRef ds:uri="http://purl.org/dc/terms/"/>
+  </ds:schemaRefs>
+</ds:datastoreItem>
+</file>
+
+<file path=customXml/itemProps2.xml><?xml version="1.0" encoding="utf-8"?>
+<ds:datastoreItem xmlns:ds="http://schemas.openxmlformats.org/officeDocument/2006/customXml" ds:itemID="{E2481852-F24E-4532-AF30-C154D705D105}">
+  <ds:schemaRefs>
+    <ds:schemaRef ds:uri="http://schemas.microsoft.com/sharepoint/v3/contenttype/forms"/>
   </ds:schemaRefs>
 </ds:datastoreItem>
 </file>

--- a/Documentos/Status Report/StatusReport.pptx
+++ b/Documentos/Status Report/StatusReport.pptx
@@ -7,16 +7,17 @@
     <p:sldMasterId id="2147483665" r:id="rId6"/>
   </p:sldMasterIdLst>
   <p:notesMasterIdLst>
-    <p:notesMasterId r:id="rId11"/>
+    <p:notesMasterId r:id="rId12"/>
   </p:notesMasterIdLst>
   <p:handoutMasterIdLst>
-    <p:handoutMasterId r:id="rId12"/>
+    <p:handoutMasterId r:id="rId13"/>
   </p:handoutMasterIdLst>
   <p:sldIdLst>
     <p:sldId id="472" r:id="rId7"/>
     <p:sldId id="482" r:id="rId8"/>
     <p:sldId id="483" r:id="rId9"/>
     <p:sldId id="484" r:id="rId10"/>
+    <p:sldId id="485" r:id="rId11"/>
   </p:sldIdLst>
   <p:sldSz cx="13442950" cy="7561263"/>
   <p:notesSz cx="7104063" cy="10234613"/>
@@ -127,6 +128,7 @@
             <p14:sldId id="482"/>
             <p14:sldId id="483"/>
             <p14:sldId id="484"/>
+            <p14:sldId id="485"/>
           </p14:sldIdLst>
         </p14:section>
       </p14:sectionLst>
@@ -686,7 +688,7 @@
             <a:fld id="{C3CD65D1-5C11-455D-9F9A-0E035F00A0DA}" type="datetimeFigureOut">
               <a:rPr lang="pt-BR" smtClean="0"/>
               <a:pPr/>
-              <a:t>03/03/2022</a:t>
+              <a:t>08/03/2022</a:t>
             </a:fld>
             <a:endParaRPr lang="pt-BR"/>
           </a:p>
@@ -753,7 +755,7 @@
             <a:fld id="{CA8E3B7C-E4AE-4E9E-8479-7C668141D483}" type="slidenum">
               <a:rPr lang="pt-BR" smtClean="0"/>
               <a:pPr/>
-              <a:t>‹#›</a:t>
+              <a:t>‹nº›</a:t>
             </a:fld>
             <a:endParaRPr lang="pt-BR"/>
           </a:p>
@@ -854,7 +856,7 @@
             <a:fld id="{A05DA3EF-18EA-43DE-B1BB-402A3C558822}" type="datetimeFigureOut">
               <a:rPr lang="pt-BR" smtClean="0"/>
               <a:pPr/>
-              <a:t>03/03/2022</a:t>
+              <a:t>08/03/2022</a:t>
             </a:fld>
             <a:endParaRPr lang="pt-BR"/>
           </a:p>
@@ -1015,7 +1017,7 @@
             <a:fld id="{75B3645A-D0AE-4F6E-A17E-E0036A9041AF}" type="slidenum">
               <a:rPr lang="pt-BR" smtClean="0"/>
               <a:pPr/>
-              <a:t>‹#›</a:t>
+              <a:t>‹nº›</a:t>
             </a:fld>
             <a:endParaRPr lang="pt-BR"/>
           </a:p>
@@ -4542,7 +4544,7 @@
               <a:pPr>
                 <a:defRPr/>
               </a:pPr>
-              <a:t>‹#›</a:t>
+              <a:t>‹nº›</a:t>
             </a:fld>
             <a:endParaRPr lang="pt-BR" sz="700" dirty="0"/>
           </a:p>
@@ -18851,7 +18853,7 @@
                 </a:solidFill>
               </a:rPr>
               <a:pPr/>
-              <a:t>‹#›</a:t>
+              <a:t>‹nº›</a:t>
             </a:fld>
             <a:endParaRPr lang="pt-BR" dirty="0">
               <a:solidFill>
@@ -19366,7 +19368,7 @@
               <a:pPr>
                 <a:defRPr/>
               </a:pPr>
-              <a:t>‹#›</a:t>
+              <a:t>‹nº›</a:t>
             </a:fld>
             <a:endParaRPr lang="pt-BR" sz="700" dirty="0"/>
           </a:p>
@@ -27300,6 +27302,2161 @@
     <p:extLst>
       <p:ext uri="{BB962C8B-B14F-4D97-AF65-F5344CB8AC3E}">
         <p14:creationId xmlns:p14="http://schemas.microsoft.com/office/powerpoint/2010/main" val="3664926626"/>
+      </p:ext>
+    </p:extLst>
+  </p:cSld>
+  <p:clrMapOvr>
+    <a:masterClrMapping/>
+  </p:clrMapOvr>
+</p:sld>
+</file>
+
+<file path=ppt/slides/slide5.xml><?xml version="1.0" encoding="utf-8"?>
+<p:sld xmlns:a="http://schemas.openxmlformats.org/drawingml/2006/main" xmlns:r="http://schemas.openxmlformats.org/officeDocument/2006/relationships" xmlns:p="http://schemas.openxmlformats.org/presentationml/2006/main">
+  <p:cSld>
+    <p:spTree>
+      <p:nvGrpSpPr>
+        <p:cNvPr id="1" name=""/>
+        <p:cNvGrpSpPr/>
+        <p:nvPr/>
+      </p:nvGrpSpPr>
+      <p:grpSpPr>
+        <a:xfrm>
+          <a:off x="0" y="0"/>
+          <a:ext cx="0" cy="0"/>
+          <a:chOff x="0" y="0"/>
+          <a:chExt cx="0" cy="0"/>
+        </a:xfrm>
+      </p:grpSpPr>
+      <p:sp>
+        <p:nvSpPr>
+          <p:cNvPr id="3" name="Espaço Reservado para Número de Slide 2">
+            <a:extLst>
+              <a:ext uri="{FF2B5EF4-FFF2-40B4-BE49-F238E27FC236}">
+                <a16:creationId xmlns:a16="http://schemas.microsoft.com/office/drawing/2014/main" id="{25E66A94-914F-497A-A098-71B8A170A7DE}"/>
+              </a:ext>
+            </a:extLst>
+          </p:cNvPr>
+          <p:cNvSpPr>
+            <a:spLocks noGrp="1"/>
+          </p:cNvSpPr>
+          <p:nvPr>
+            <p:ph type="sldNum" sz="quarter" idx="4"/>
+          </p:nvPr>
+        </p:nvSpPr>
+        <p:spPr/>
+        <p:txBody>
+          <a:bodyPr/>
+          <a:lstStyle/>
+          <a:p>
+            <a:fld id="{74850952-3374-434C-8FC6-DE28F8CD25B0}" type="slidenum">
+              <a:rPr lang="pt-BR" smtClean="0">
+                <a:solidFill>
+                  <a:prstClr val="black">
+                    <a:tint val="75000"/>
+                  </a:prstClr>
+                </a:solidFill>
+              </a:rPr>
+              <a:pPr/>
+              <a:t>5</a:t>
+            </a:fld>
+            <a:endParaRPr lang="pt-BR" dirty="0">
+              <a:solidFill>
+                <a:prstClr val="black">
+                  <a:tint val="75000"/>
+                </a:prstClr>
+              </a:solidFill>
+            </a:endParaRPr>
+          </a:p>
+        </p:txBody>
+      </p:sp>
+      <p:sp>
+        <p:nvSpPr>
+          <p:cNvPr id="20" name="Rectangle 42">
+            <a:extLst>
+              <a:ext uri="{FF2B5EF4-FFF2-40B4-BE49-F238E27FC236}">
+                <a16:creationId xmlns:a16="http://schemas.microsoft.com/office/drawing/2014/main" id="{D56D5B31-1798-4A73-939D-5495975295D4}"/>
+              </a:ext>
+            </a:extLst>
+          </p:cNvPr>
+          <p:cNvSpPr/>
+          <p:nvPr/>
+        </p:nvSpPr>
+        <p:spPr>
+          <a:xfrm>
+            <a:off x="6804884" y="1106495"/>
+            <a:ext cx="6204408" cy="2962168"/>
+          </a:xfrm>
+          <a:prstGeom prst="rect">
+            <a:avLst/>
+          </a:prstGeom>
+          <a:noFill/>
+          <a:ln w="12700">
+            <a:solidFill>
+              <a:schemeClr val="bg1">
+                <a:lumMod val="50000"/>
+              </a:schemeClr>
+            </a:solidFill>
+          </a:ln>
+        </p:spPr>
+        <p:style>
+          <a:lnRef idx="2">
+            <a:schemeClr val="accent4"/>
+          </a:lnRef>
+          <a:fillRef idx="1">
+            <a:schemeClr val="lt1"/>
+          </a:fillRef>
+          <a:effectRef idx="0">
+            <a:schemeClr val="accent4"/>
+          </a:effectRef>
+          <a:fontRef idx="minor">
+            <a:schemeClr val="dk1"/>
+          </a:fontRef>
+        </p:style>
+        <p:txBody>
+          <a:bodyPr tIns="105844" rtlCol="0" anchor="t"/>
+          <a:lstStyle/>
+          <a:p>
+            <a:pPr defTabSz="672130">
+              <a:spcAft>
+                <a:spcPts val="882"/>
+              </a:spcAft>
+            </a:pPr>
+            <a:endParaRPr lang="pt-BR" sz="1470" dirty="0">
+              <a:solidFill>
+                <a:schemeClr val="tx1"/>
+              </a:solidFill>
+              <a:latin typeface="Exo 2 Medium" panose="00000600000000000000" pitchFamily="50" charset="0"/>
+              <a:cs typeface="Simplon BP Regular"/>
+            </a:endParaRPr>
+          </a:p>
+        </p:txBody>
+      </p:sp>
+      <p:sp>
+        <p:nvSpPr>
+          <p:cNvPr id="21" name="Title 2">
+            <a:extLst>
+              <a:ext uri="{FF2B5EF4-FFF2-40B4-BE49-F238E27FC236}">
+                <a16:creationId xmlns:a16="http://schemas.microsoft.com/office/drawing/2014/main" id="{C488E075-24DD-4CAC-A846-48FBDF28D797}"/>
+              </a:ext>
+            </a:extLst>
+          </p:cNvPr>
+          <p:cNvSpPr>
+            <a:spLocks noGrp="1"/>
+          </p:cNvSpPr>
+          <p:nvPr>
+            <p:ph type="title"/>
+          </p:nvPr>
+        </p:nvSpPr>
+        <p:spPr>
+          <a:xfrm>
+            <a:off x="469692" y="185232"/>
+            <a:ext cx="12098020" cy="800352"/>
+          </a:xfrm>
+        </p:spPr>
+        <p:txBody>
+          <a:bodyPr vert="horz" wrap="square" lIns="105844" tIns="0" rIns="105844" bIns="0" numCol="1" anchor="t" anchorCtr="0" compatLnSpc="1">
+            <a:prstTxWarp prst="textNoShape">
+              <a:avLst/>
+            </a:prstTxWarp>
+            <a:noAutofit/>
+          </a:bodyPr>
+          <a:lstStyle/>
+          <a:p>
+            <a:pPr algn="l">
+              <a:spcAft>
+                <a:spcPts val="882"/>
+              </a:spcAft>
+            </a:pPr>
+            <a:r>
+              <a:rPr lang="en-US" sz="2646" dirty="0">
+                <a:solidFill>
+                  <a:srgbClr val="08276B"/>
+                </a:solidFill>
+                <a:latin typeface="Exo 2 Medium" panose="00000600000000000000" pitchFamily="50" charset="0"/>
+                <a:cs typeface="Simplon Oi Headline"/>
+              </a:rPr>
+              <a:t>SEMANA 4 – 08/03/2022</a:t>
+            </a:r>
+          </a:p>
+        </p:txBody>
+      </p:sp>
+      <p:sp>
+        <p:nvSpPr>
+          <p:cNvPr id="22" name="TextBox 118">
+            <a:extLst>
+              <a:ext uri="{FF2B5EF4-FFF2-40B4-BE49-F238E27FC236}">
+                <a16:creationId xmlns:a16="http://schemas.microsoft.com/office/drawing/2014/main" id="{BD7B98C2-C566-441C-A8E5-BA505B2CA31F}"/>
+              </a:ext>
+            </a:extLst>
+          </p:cNvPr>
+          <p:cNvSpPr txBox="1"/>
+          <p:nvPr/>
+        </p:nvSpPr>
+        <p:spPr>
+          <a:xfrm>
+            <a:off x="11822773" y="576471"/>
+            <a:ext cx="899678" cy="179824"/>
+          </a:xfrm>
+          <a:prstGeom prst="rect">
+            <a:avLst/>
+          </a:prstGeom>
+          <a:noFill/>
+          <a:ln w="12700">
+            <a:noFill/>
+          </a:ln>
+        </p:spPr>
+        <p:style>
+          <a:lnRef idx="2">
+            <a:schemeClr val="accent4"/>
+          </a:lnRef>
+          <a:fillRef idx="1">
+            <a:schemeClr val="lt1"/>
+          </a:fillRef>
+          <a:effectRef idx="0">
+            <a:schemeClr val="accent4"/>
+          </a:effectRef>
+          <a:fontRef idx="minor">
+            <a:schemeClr val="dk1"/>
+          </a:fontRef>
+        </p:style>
+        <p:txBody>
+          <a:bodyPr wrap="none" lIns="52922" tIns="52922" rIns="52922" bIns="0" rtlCol="0" anchor="b"/>
+          <a:lstStyle>
+            <a:defPPr>
+              <a:defRPr lang="en-US"/>
+            </a:defPPr>
+            <a:lvl1pPr algn="ctr">
+              <a:defRPr sz="1000" b="1">
+                <a:latin typeface="Simplon BP Regular"/>
+                <a:cs typeface="Simplon BP Regular"/>
+              </a:defRPr>
+            </a:lvl1pPr>
+            <a:lvl2pPr>
+              <a:defRPr>
+                <a:solidFill>
+                  <a:schemeClr val="dk1"/>
+                </a:solidFill>
+              </a:defRPr>
+            </a:lvl2pPr>
+            <a:lvl3pPr>
+              <a:defRPr>
+                <a:solidFill>
+                  <a:schemeClr val="dk1"/>
+                </a:solidFill>
+              </a:defRPr>
+            </a:lvl3pPr>
+            <a:lvl4pPr>
+              <a:defRPr>
+                <a:solidFill>
+                  <a:schemeClr val="dk1"/>
+                </a:solidFill>
+              </a:defRPr>
+            </a:lvl4pPr>
+            <a:lvl5pPr>
+              <a:defRPr>
+                <a:solidFill>
+                  <a:schemeClr val="dk1"/>
+                </a:solidFill>
+              </a:defRPr>
+            </a:lvl5pPr>
+            <a:lvl6pPr>
+              <a:defRPr>
+                <a:solidFill>
+                  <a:schemeClr val="dk1"/>
+                </a:solidFill>
+              </a:defRPr>
+            </a:lvl6pPr>
+            <a:lvl7pPr>
+              <a:defRPr>
+                <a:solidFill>
+                  <a:schemeClr val="dk1"/>
+                </a:solidFill>
+              </a:defRPr>
+            </a:lvl7pPr>
+            <a:lvl8pPr>
+              <a:defRPr>
+                <a:solidFill>
+                  <a:schemeClr val="dk1"/>
+                </a:solidFill>
+              </a:defRPr>
+            </a:lvl8pPr>
+            <a:lvl9pPr>
+              <a:defRPr>
+                <a:solidFill>
+                  <a:schemeClr val="dk1"/>
+                </a:solidFill>
+              </a:defRPr>
+            </a:lvl9pPr>
+          </a:lstStyle>
+          <a:p>
+            <a:pPr defTabSz="672130"/>
+            <a:r>
+              <a:rPr lang="pt-BR" sz="1176" b="0" dirty="0">
+                <a:solidFill>
+                  <a:prstClr val="black"/>
+                </a:solidFill>
+                <a:latin typeface="Exo 2 Medium" panose="00000600000000000000" pitchFamily="50" charset="0"/>
+              </a:rPr>
+              <a:t>Negócios</a:t>
+            </a:r>
+          </a:p>
+        </p:txBody>
+      </p:sp>
+      <p:sp>
+        <p:nvSpPr>
+          <p:cNvPr id="23" name="Oval 120">
+            <a:extLst>
+              <a:ext uri="{FF2B5EF4-FFF2-40B4-BE49-F238E27FC236}">
+                <a16:creationId xmlns:a16="http://schemas.microsoft.com/office/drawing/2014/main" id="{D512B11E-A0D6-43B9-9FAB-A12852EB997C}"/>
+              </a:ext>
+            </a:extLst>
+          </p:cNvPr>
+          <p:cNvSpPr>
+            <a:spLocks noChangeAspect="1"/>
+          </p:cNvSpPr>
+          <p:nvPr/>
+        </p:nvSpPr>
+        <p:spPr>
+          <a:xfrm>
+            <a:off x="11193898" y="324247"/>
+            <a:ext cx="211404" cy="211689"/>
+          </a:xfrm>
+          <a:prstGeom prst="ellipse">
+            <a:avLst/>
+          </a:prstGeom>
+          <a:solidFill>
+            <a:srgbClr val="1BCF13"/>
+          </a:solidFill>
+          <a:ln w="12700">
+            <a:solidFill>
+              <a:schemeClr val="accent3"/>
+            </a:solidFill>
+          </a:ln>
+        </p:spPr>
+        <p:style>
+          <a:lnRef idx="2">
+            <a:schemeClr val="accent1">
+              <a:shade val="50000"/>
+            </a:schemeClr>
+          </a:lnRef>
+          <a:fillRef idx="1">
+            <a:schemeClr val="accent1"/>
+          </a:fillRef>
+          <a:effectRef idx="0">
+            <a:schemeClr val="accent1"/>
+          </a:effectRef>
+          <a:fontRef idx="minor">
+            <a:schemeClr val="lt1"/>
+          </a:fontRef>
+        </p:style>
+        <p:txBody>
+          <a:bodyPr wrap="none" lIns="52922" tIns="52922" rIns="52922" rtlCol="0" anchor="ctr"/>
+          <a:lstStyle/>
+          <a:p>
+            <a:pPr algn="ctr" defTabSz="672130"/>
+            <a:endParaRPr lang="en-US" sz="1176" dirty="0">
+              <a:solidFill>
+                <a:srgbClr val="1BCF13"/>
+              </a:solidFill>
+              <a:latin typeface="Exo 2 Medium" panose="00000600000000000000" pitchFamily="50" charset="0"/>
+              <a:cs typeface="Simplon BP Regular"/>
+            </a:endParaRPr>
+          </a:p>
+        </p:txBody>
+      </p:sp>
+      <p:sp>
+        <p:nvSpPr>
+          <p:cNvPr id="24" name="TextBox 123">
+            <a:extLst>
+              <a:ext uri="{FF2B5EF4-FFF2-40B4-BE49-F238E27FC236}">
+                <a16:creationId xmlns:a16="http://schemas.microsoft.com/office/drawing/2014/main" id="{DF2A6510-AF00-4432-92E4-F9CD9E5F17D8}"/>
+              </a:ext>
+            </a:extLst>
+          </p:cNvPr>
+          <p:cNvSpPr txBox="1"/>
+          <p:nvPr/>
+        </p:nvSpPr>
+        <p:spPr>
+          <a:xfrm>
+            <a:off x="10852497" y="576471"/>
+            <a:ext cx="899678" cy="179824"/>
+          </a:xfrm>
+          <a:prstGeom prst="rect">
+            <a:avLst/>
+          </a:prstGeom>
+          <a:noFill/>
+          <a:ln w="12700">
+            <a:noFill/>
+          </a:ln>
+        </p:spPr>
+        <p:style>
+          <a:lnRef idx="2">
+            <a:schemeClr val="accent4"/>
+          </a:lnRef>
+          <a:fillRef idx="1">
+            <a:schemeClr val="lt1"/>
+          </a:fillRef>
+          <a:effectRef idx="0">
+            <a:schemeClr val="accent4"/>
+          </a:effectRef>
+          <a:fontRef idx="minor">
+            <a:schemeClr val="dk1"/>
+          </a:fontRef>
+        </p:style>
+        <p:txBody>
+          <a:bodyPr wrap="none" lIns="52922" tIns="52922" rIns="52922" bIns="0" rtlCol="0" anchor="b"/>
+          <a:lstStyle>
+            <a:defPPr>
+              <a:defRPr lang="en-US"/>
+            </a:defPPr>
+            <a:lvl1pPr algn="ctr">
+              <a:defRPr sz="1000" b="1">
+                <a:latin typeface="Simplon BP Regular"/>
+                <a:cs typeface="Simplon BP Regular"/>
+              </a:defRPr>
+            </a:lvl1pPr>
+            <a:lvl2pPr>
+              <a:defRPr>
+                <a:solidFill>
+                  <a:schemeClr val="dk1"/>
+                </a:solidFill>
+              </a:defRPr>
+            </a:lvl2pPr>
+            <a:lvl3pPr>
+              <a:defRPr>
+                <a:solidFill>
+                  <a:schemeClr val="dk1"/>
+                </a:solidFill>
+              </a:defRPr>
+            </a:lvl3pPr>
+            <a:lvl4pPr>
+              <a:defRPr>
+                <a:solidFill>
+                  <a:schemeClr val="dk1"/>
+                </a:solidFill>
+              </a:defRPr>
+            </a:lvl4pPr>
+            <a:lvl5pPr>
+              <a:defRPr>
+                <a:solidFill>
+                  <a:schemeClr val="dk1"/>
+                </a:solidFill>
+              </a:defRPr>
+            </a:lvl5pPr>
+            <a:lvl6pPr>
+              <a:defRPr>
+                <a:solidFill>
+                  <a:schemeClr val="dk1"/>
+                </a:solidFill>
+              </a:defRPr>
+            </a:lvl6pPr>
+            <a:lvl7pPr>
+              <a:defRPr>
+                <a:solidFill>
+                  <a:schemeClr val="dk1"/>
+                </a:solidFill>
+              </a:defRPr>
+            </a:lvl7pPr>
+            <a:lvl8pPr>
+              <a:defRPr>
+                <a:solidFill>
+                  <a:schemeClr val="dk1"/>
+                </a:solidFill>
+              </a:defRPr>
+            </a:lvl8pPr>
+            <a:lvl9pPr>
+              <a:defRPr>
+                <a:solidFill>
+                  <a:schemeClr val="dk1"/>
+                </a:solidFill>
+              </a:defRPr>
+            </a:lvl9pPr>
+          </a:lstStyle>
+          <a:p>
+            <a:pPr defTabSz="672130"/>
+            <a:r>
+              <a:rPr lang="pt-BR" sz="1176" b="0" dirty="0">
+                <a:solidFill>
+                  <a:prstClr val="black"/>
+                </a:solidFill>
+                <a:latin typeface="Exo 2 Medium" panose="00000600000000000000" pitchFamily="50" charset="0"/>
+              </a:rPr>
+              <a:t>Plataforma</a:t>
+            </a:r>
+          </a:p>
+        </p:txBody>
+      </p:sp>
+      <p:sp>
+        <p:nvSpPr>
+          <p:cNvPr id="25" name="TextBox 128">
+            <a:extLst>
+              <a:ext uri="{FF2B5EF4-FFF2-40B4-BE49-F238E27FC236}">
+                <a16:creationId xmlns:a16="http://schemas.microsoft.com/office/drawing/2014/main" id="{983CE74D-5B8F-4DD1-8C18-E4BE116FF1DC}"/>
+              </a:ext>
+            </a:extLst>
+          </p:cNvPr>
+          <p:cNvSpPr txBox="1"/>
+          <p:nvPr/>
+        </p:nvSpPr>
+        <p:spPr>
+          <a:xfrm>
+            <a:off x="9854245" y="576471"/>
+            <a:ext cx="899678" cy="179824"/>
+          </a:xfrm>
+          <a:prstGeom prst="rect">
+            <a:avLst/>
+          </a:prstGeom>
+          <a:noFill/>
+          <a:ln w="12700">
+            <a:noFill/>
+          </a:ln>
+        </p:spPr>
+        <p:style>
+          <a:lnRef idx="2">
+            <a:schemeClr val="accent4"/>
+          </a:lnRef>
+          <a:fillRef idx="1">
+            <a:schemeClr val="lt1"/>
+          </a:fillRef>
+          <a:effectRef idx="0">
+            <a:schemeClr val="accent4"/>
+          </a:effectRef>
+          <a:fontRef idx="minor">
+            <a:schemeClr val="dk1"/>
+          </a:fontRef>
+        </p:style>
+        <p:txBody>
+          <a:bodyPr wrap="none" lIns="52922" tIns="52922" rIns="52922" bIns="0" rtlCol="0" anchor="b"/>
+          <a:lstStyle>
+            <a:defPPr>
+              <a:defRPr lang="en-US"/>
+            </a:defPPr>
+            <a:lvl1pPr algn="ctr">
+              <a:defRPr sz="1000" b="1">
+                <a:latin typeface="Simplon BP Regular"/>
+                <a:cs typeface="Simplon BP Regular"/>
+              </a:defRPr>
+            </a:lvl1pPr>
+            <a:lvl2pPr>
+              <a:defRPr>
+                <a:solidFill>
+                  <a:schemeClr val="dk1"/>
+                </a:solidFill>
+              </a:defRPr>
+            </a:lvl2pPr>
+            <a:lvl3pPr>
+              <a:defRPr>
+                <a:solidFill>
+                  <a:schemeClr val="dk1"/>
+                </a:solidFill>
+              </a:defRPr>
+            </a:lvl3pPr>
+            <a:lvl4pPr>
+              <a:defRPr>
+                <a:solidFill>
+                  <a:schemeClr val="dk1"/>
+                </a:solidFill>
+              </a:defRPr>
+            </a:lvl4pPr>
+            <a:lvl5pPr>
+              <a:defRPr>
+                <a:solidFill>
+                  <a:schemeClr val="dk1"/>
+                </a:solidFill>
+              </a:defRPr>
+            </a:lvl5pPr>
+            <a:lvl6pPr>
+              <a:defRPr>
+                <a:solidFill>
+                  <a:schemeClr val="dk1"/>
+                </a:solidFill>
+              </a:defRPr>
+            </a:lvl6pPr>
+            <a:lvl7pPr>
+              <a:defRPr>
+                <a:solidFill>
+                  <a:schemeClr val="dk1"/>
+                </a:solidFill>
+              </a:defRPr>
+            </a:lvl7pPr>
+            <a:lvl8pPr>
+              <a:defRPr>
+                <a:solidFill>
+                  <a:schemeClr val="dk1"/>
+                </a:solidFill>
+              </a:defRPr>
+            </a:lvl8pPr>
+            <a:lvl9pPr>
+              <a:defRPr>
+                <a:solidFill>
+                  <a:schemeClr val="dk1"/>
+                </a:solidFill>
+              </a:defRPr>
+            </a:lvl9pPr>
+          </a:lstStyle>
+          <a:p>
+            <a:pPr defTabSz="672130"/>
+            <a:r>
+              <a:rPr lang="pt-BR" sz="1176" b="0" dirty="0">
+                <a:solidFill>
+                  <a:prstClr val="black"/>
+                </a:solidFill>
+                <a:latin typeface="Exo 2 Medium" panose="00000600000000000000" pitchFamily="50" charset="0"/>
+              </a:rPr>
+              <a:t>Back</a:t>
+            </a:r>
+          </a:p>
+        </p:txBody>
+      </p:sp>
+      <p:sp>
+        <p:nvSpPr>
+          <p:cNvPr id="26" name="TextBox 133">
+            <a:extLst>
+              <a:ext uri="{FF2B5EF4-FFF2-40B4-BE49-F238E27FC236}">
+                <a16:creationId xmlns:a16="http://schemas.microsoft.com/office/drawing/2014/main" id="{FE1215A2-D778-4D77-9417-6C32B4E10829}"/>
+              </a:ext>
+            </a:extLst>
+          </p:cNvPr>
+          <p:cNvSpPr txBox="1"/>
+          <p:nvPr/>
+        </p:nvSpPr>
+        <p:spPr>
+          <a:xfrm>
+            <a:off x="8888645" y="576471"/>
+            <a:ext cx="899678" cy="179824"/>
+          </a:xfrm>
+          <a:prstGeom prst="rect">
+            <a:avLst/>
+          </a:prstGeom>
+          <a:noFill/>
+          <a:ln w="12700">
+            <a:noFill/>
+          </a:ln>
+        </p:spPr>
+        <p:style>
+          <a:lnRef idx="2">
+            <a:schemeClr val="accent4"/>
+          </a:lnRef>
+          <a:fillRef idx="1">
+            <a:schemeClr val="lt1"/>
+          </a:fillRef>
+          <a:effectRef idx="0">
+            <a:schemeClr val="accent4"/>
+          </a:effectRef>
+          <a:fontRef idx="minor">
+            <a:schemeClr val="dk1"/>
+          </a:fontRef>
+        </p:style>
+        <p:txBody>
+          <a:bodyPr wrap="none" lIns="52922" tIns="52922" rIns="52922" bIns="0" rtlCol="0" anchor="b"/>
+          <a:lstStyle>
+            <a:defPPr>
+              <a:defRPr lang="en-US"/>
+            </a:defPPr>
+            <a:lvl1pPr algn="ctr">
+              <a:defRPr sz="1000" b="1">
+                <a:latin typeface="Simplon BP Regular"/>
+                <a:cs typeface="Simplon BP Regular"/>
+              </a:defRPr>
+            </a:lvl1pPr>
+            <a:lvl2pPr>
+              <a:defRPr>
+                <a:solidFill>
+                  <a:schemeClr val="dk1"/>
+                </a:solidFill>
+              </a:defRPr>
+            </a:lvl2pPr>
+            <a:lvl3pPr>
+              <a:defRPr>
+                <a:solidFill>
+                  <a:schemeClr val="dk1"/>
+                </a:solidFill>
+              </a:defRPr>
+            </a:lvl3pPr>
+            <a:lvl4pPr>
+              <a:defRPr>
+                <a:solidFill>
+                  <a:schemeClr val="dk1"/>
+                </a:solidFill>
+              </a:defRPr>
+            </a:lvl4pPr>
+            <a:lvl5pPr>
+              <a:defRPr>
+                <a:solidFill>
+                  <a:schemeClr val="dk1"/>
+                </a:solidFill>
+              </a:defRPr>
+            </a:lvl5pPr>
+            <a:lvl6pPr>
+              <a:defRPr>
+                <a:solidFill>
+                  <a:schemeClr val="dk1"/>
+                </a:solidFill>
+              </a:defRPr>
+            </a:lvl6pPr>
+            <a:lvl7pPr>
+              <a:defRPr>
+                <a:solidFill>
+                  <a:schemeClr val="dk1"/>
+                </a:solidFill>
+              </a:defRPr>
+            </a:lvl7pPr>
+            <a:lvl8pPr>
+              <a:defRPr>
+                <a:solidFill>
+                  <a:schemeClr val="dk1"/>
+                </a:solidFill>
+              </a:defRPr>
+            </a:lvl8pPr>
+            <a:lvl9pPr>
+              <a:defRPr>
+                <a:solidFill>
+                  <a:schemeClr val="dk1"/>
+                </a:solidFill>
+              </a:defRPr>
+            </a:lvl9pPr>
+          </a:lstStyle>
+          <a:p>
+            <a:pPr defTabSz="672130"/>
+            <a:r>
+              <a:rPr lang="pt-BR" sz="1176" b="0" dirty="0">
+                <a:solidFill>
+                  <a:prstClr val="black"/>
+                </a:solidFill>
+                <a:latin typeface="Exo 2 Medium" panose="00000600000000000000" pitchFamily="50" charset="0"/>
+              </a:rPr>
+              <a:t>Front</a:t>
+            </a:r>
+          </a:p>
+        </p:txBody>
+      </p:sp>
+      <p:sp>
+        <p:nvSpPr>
+          <p:cNvPr id="27" name="Oval 134">
+            <a:extLst>
+              <a:ext uri="{FF2B5EF4-FFF2-40B4-BE49-F238E27FC236}">
+                <a16:creationId xmlns:a16="http://schemas.microsoft.com/office/drawing/2014/main" id="{E0659533-7794-44EF-87B8-DFFD796E8DCB}"/>
+              </a:ext>
+            </a:extLst>
+          </p:cNvPr>
+          <p:cNvSpPr>
+            <a:spLocks noChangeAspect="1"/>
+          </p:cNvSpPr>
+          <p:nvPr/>
+        </p:nvSpPr>
+        <p:spPr>
+          <a:xfrm>
+            <a:off x="8443555" y="297930"/>
+            <a:ext cx="211404" cy="211689"/>
+          </a:xfrm>
+          <a:prstGeom prst="ellipse">
+            <a:avLst/>
+          </a:prstGeom>
+          <a:solidFill>
+            <a:srgbClr val="FFC000"/>
+          </a:solidFill>
+          <a:ln w="12700">
+            <a:solidFill>
+              <a:schemeClr val="accent3"/>
+            </a:solidFill>
+          </a:ln>
+        </p:spPr>
+        <p:style>
+          <a:lnRef idx="2">
+            <a:schemeClr val="accent1">
+              <a:shade val="50000"/>
+            </a:schemeClr>
+          </a:lnRef>
+          <a:fillRef idx="1">
+            <a:schemeClr val="accent1"/>
+          </a:fillRef>
+          <a:effectRef idx="0">
+            <a:schemeClr val="accent1"/>
+          </a:effectRef>
+          <a:fontRef idx="minor">
+            <a:schemeClr val="lt1"/>
+          </a:fontRef>
+        </p:style>
+        <p:txBody>
+          <a:bodyPr wrap="none" lIns="52922" tIns="52922" rIns="52922" rtlCol="0" anchor="ctr"/>
+          <a:lstStyle/>
+          <a:p>
+            <a:pPr algn="ctr" defTabSz="672130"/>
+            <a:endParaRPr lang="en-US" sz="1176" dirty="0">
+              <a:solidFill>
+                <a:srgbClr val="FFC000"/>
+              </a:solidFill>
+              <a:latin typeface="Exo 2 Medium" panose="00000600000000000000" pitchFamily="50" charset="0"/>
+              <a:cs typeface="Simplon BP Regular"/>
+            </a:endParaRPr>
+          </a:p>
+        </p:txBody>
+      </p:sp>
+      <p:sp>
+        <p:nvSpPr>
+          <p:cNvPr id="28" name="TextBox 138">
+            <a:extLst>
+              <a:ext uri="{FF2B5EF4-FFF2-40B4-BE49-F238E27FC236}">
+                <a16:creationId xmlns:a16="http://schemas.microsoft.com/office/drawing/2014/main" id="{CFC76C64-835E-4901-A393-78B96741EBC6}"/>
+              </a:ext>
+            </a:extLst>
+          </p:cNvPr>
+          <p:cNvSpPr txBox="1"/>
+          <p:nvPr/>
+        </p:nvSpPr>
+        <p:spPr>
+          <a:xfrm>
+            <a:off x="8126053" y="576471"/>
+            <a:ext cx="899678" cy="179824"/>
+          </a:xfrm>
+          <a:prstGeom prst="rect">
+            <a:avLst/>
+          </a:prstGeom>
+          <a:noFill/>
+          <a:ln w="12700">
+            <a:noFill/>
+          </a:ln>
+        </p:spPr>
+        <p:style>
+          <a:lnRef idx="2">
+            <a:schemeClr val="accent4"/>
+          </a:lnRef>
+          <a:fillRef idx="1">
+            <a:schemeClr val="lt1"/>
+          </a:fillRef>
+          <a:effectRef idx="0">
+            <a:schemeClr val="accent4"/>
+          </a:effectRef>
+          <a:fontRef idx="minor">
+            <a:schemeClr val="dk1"/>
+          </a:fontRef>
+        </p:style>
+        <p:txBody>
+          <a:bodyPr wrap="none" lIns="52922" tIns="52922" rIns="52922" bIns="0" rtlCol="0" anchor="b"/>
+          <a:lstStyle>
+            <a:defPPr>
+              <a:defRPr lang="en-US"/>
+            </a:defPPr>
+            <a:lvl1pPr algn="ctr">
+              <a:defRPr sz="1000" b="1">
+                <a:latin typeface="Simplon BP Regular"/>
+                <a:cs typeface="Simplon BP Regular"/>
+              </a:defRPr>
+            </a:lvl1pPr>
+            <a:lvl2pPr>
+              <a:defRPr>
+                <a:solidFill>
+                  <a:schemeClr val="dk1"/>
+                </a:solidFill>
+              </a:defRPr>
+            </a:lvl2pPr>
+            <a:lvl3pPr>
+              <a:defRPr>
+                <a:solidFill>
+                  <a:schemeClr val="dk1"/>
+                </a:solidFill>
+              </a:defRPr>
+            </a:lvl3pPr>
+            <a:lvl4pPr>
+              <a:defRPr>
+                <a:solidFill>
+                  <a:schemeClr val="dk1"/>
+                </a:solidFill>
+              </a:defRPr>
+            </a:lvl4pPr>
+            <a:lvl5pPr>
+              <a:defRPr>
+                <a:solidFill>
+                  <a:schemeClr val="dk1"/>
+                </a:solidFill>
+              </a:defRPr>
+            </a:lvl5pPr>
+            <a:lvl6pPr>
+              <a:defRPr>
+                <a:solidFill>
+                  <a:schemeClr val="dk1"/>
+                </a:solidFill>
+              </a:defRPr>
+            </a:lvl6pPr>
+            <a:lvl7pPr>
+              <a:defRPr>
+                <a:solidFill>
+                  <a:schemeClr val="dk1"/>
+                </a:solidFill>
+              </a:defRPr>
+            </a:lvl7pPr>
+            <a:lvl8pPr>
+              <a:defRPr>
+                <a:solidFill>
+                  <a:schemeClr val="dk1"/>
+                </a:solidFill>
+              </a:defRPr>
+            </a:lvl8pPr>
+            <a:lvl9pPr>
+              <a:defRPr>
+                <a:solidFill>
+                  <a:schemeClr val="dk1"/>
+                </a:solidFill>
+              </a:defRPr>
+            </a:lvl9pPr>
+          </a:lstStyle>
+          <a:p>
+            <a:pPr defTabSz="672130"/>
+            <a:r>
+              <a:rPr lang="en-US" sz="1176" b="0" dirty="0" err="1">
+                <a:solidFill>
+                  <a:prstClr val="black"/>
+                </a:solidFill>
+                <a:latin typeface="Exo 2 Medium" panose="00000600000000000000" pitchFamily="50" charset="0"/>
+              </a:rPr>
+              <a:t>Equipe</a:t>
+            </a:r>
+            <a:endParaRPr lang="en-US" sz="1176" b="0" dirty="0">
+              <a:solidFill>
+                <a:prstClr val="black"/>
+              </a:solidFill>
+              <a:latin typeface="Exo 2 Medium" panose="00000600000000000000" pitchFamily="50" charset="0"/>
+            </a:endParaRPr>
+          </a:p>
+        </p:txBody>
+      </p:sp>
+      <p:sp>
+        <p:nvSpPr>
+          <p:cNvPr id="29" name="Retângulo 28">
+            <a:extLst>
+              <a:ext uri="{FF2B5EF4-FFF2-40B4-BE49-F238E27FC236}">
+                <a16:creationId xmlns:a16="http://schemas.microsoft.com/office/drawing/2014/main" id="{1E43F633-0A68-4D0F-AC0D-375E22F80328}"/>
+              </a:ext>
+            </a:extLst>
+          </p:cNvPr>
+          <p:cNvSpPr/>
+          <p:nvPr/>
+        </p:nvSpPr>
+        <p:spPr>
+          <a:xfrm>
+            <a:off x="512766" y="868345"/>
+            <a:ext cx="6186608" cy="238150"/>
+          </a:xfrm>
+          <a:prstGeom prst="rect">
+            <a:avLst/>
+          </a:prstGeom>
+          <a:solidFill>
+            <a:srgbClr val="08276B"/>
+          </a:solidFill>
+        </p:spPr>
+        <p:txBody>
+          <a:bodyPr vert="horz" lIns="134422" tIns="67211" rIns="134422" bIns="67211" rtlCol="0" anchor="ctr"/>
+          <a:lstStyle/>
+          <a:p>
+            <a:pPr defTabSz="672130"/>
+            <a:r>
+              <a:rPr lang="en-US" sz="1544" dirty="0">
+                <a:solidFill>
+                  <a:schemeClr val="bg1"/>
+                </a:solidFill>
+                <a:latin typeface="Exo 2 Medium" panose="00000600000000000000" pitchFamily="50" charset="0"/>
+                <a:ea typeface="Simplon Oi Headline" charset="0"/>
+                <a:cs typeface="Simplon Oi Headline" charset="0"/>
+              </a:rPr>
+              <a:t>Progressos c/ responsáveis </a:t>
+            </a:r>
+          </a:p>
+        </p:txBody>
+      </p:sp>
+      <p:sp>
+        <p:nvSpPr>
+          <p:cNvPr id="30" name="Retângulo 29">
+            <a:extLst>
+              <a:ext uri="{FF2B5EF4-FFF2-40B4-BE49-F238E27FC236}">
+                <a16:creationId xmlns:a16="http://schemas.microsoft.com/office/drawing/2014/main" id="{D543C29D-67E1-4031-9D29-169B0DBC6EA2}"/>
+              </a:ext>
+            </a:extLst>
+          </p:cNvPr>
+          <p:cNvSpPr/>
+          <p:nvPr/>
+        </p:nvSpPr>
+        <p:spPr>
+          <a:xfrm>
+            <a:off x="6814576" y="868345"/>
+            <a:ext cx="6194715" cy="238150"/>
+          </a:xfrm>
+          <a:prstGeom prst="rect">
+            <a:avLst/>
+          </a:prstGeom>
+          <a:solidFill>
+            <a:srgbClr val="08276B"/>
+          </a:solidFill>
+        </p:spPr>
+        <p:txBody>
+          <a:bodyPr vert="horz" lIns="134422" tIns="67211" rIns="134422" bIns="67211" rtlCol="0" anchor="ctr"/>
+          <a:lstStyle/>
+          <a:p>
+            <a:pPr defTabSz="672130"/>
+            <a:r>
+              <a:rPr lang="pt-BR" sz="1544" dirty="0">
+                <a:solidFill>
+                  <a:schemeClr val="bg1"/>
+                </a:solidFill>
+                <a:latin typeface="Exo 2 Medium" panose="00000600000000000000" pitchFamily="50" charset="0"/>
+                <a:ea typeface="Simplon Oi Headline" charset="0"/>
+                <a:cs typeface="Simplon Oi Headline" charset="0"/>
+              </a:rPr>
+              <a:t>Pontos atenção/ Principais Riscos</a:t>
+            </a:r>
+          </a:p>
+        </p:txBody>
+      </p:sp>
+      <p:sp>
+        <p:nvSpPr>
+          <p:cNvPr id="31" name="Retângulo 30">
+            <a:extLst>
+              <a:ext uri="{FF2B5EF4-FFF2-40B4-BE49-F238E27FC236}">
+                <a16:creationId xmlns:a16="http://schemas.microsoft.com/office/drawing/2014/main" id="{DA8C0DE2-12B6-4997-B780-BE9D9F8E16D6}"/>
+              </a:ext>
+            </a:extLst>
+          </p:cNvPr>
+          <p:cNvSpPr/>
+          <p:nvPr/>
+        </p:nvSpPr>
+        <p:spPr>
+          <a:xfrm>
+            <a:off x="508267" y="4152347"/>
+            <a:ext cx="12505521" cy="238150"/>
+          </a:xfrm>
+          <a:prstGeom prst="rect">
+            <a:avLst/>
+          </a:prstGeom>
+          <a:solidFill>
+            <a:srgbClr val="08276B"/>
+          </a:solidFill>
+        </p:spPr>
+        <p:txBody>
+          <a:bodyPr vert="horz" lIns="134422" tIns="67211" rIns="134422" bIns="67211" rtlCol="0" anchor="ctr"/>
+          <a:lstStyle/>
+          <a:p>
+            <a:pPr defTabSz="672130"/>
+            <a:r>
+              <a:rPr lang="pt-BR" sz="1544" dirty="0">
+                <a:solidFill>
+                  <a:schemeClr val="bg1"/>
+                </a:solidFill>
+                <a:latin typeface="Exo 2 Medium" panose="00000600000000000000" pitchFamily="50" charset="0"/>
+                <a:ea typeface="Simplon Oi Headline" charset="0"/>
+                <a:cs typeface="Simplon Oi Headline" charset="0"/>
+              </a:rPr>
+              <a:t>Próximos Passos c/ responsáveis </a:t>
+            </a:r>
+          </a:p>
+        </p:txBody>
+      </p:sp>
+      <p:sp>
+        <p:nvSpPr>
+          <p:cNvPr id="32" name="Rectangle 37">
+            <a:extLst>
+              <a:ext uri="{FF2B5EF4-FFF2-40B4-BE49-F238E27FC236}">
+                <a16:creationId xmlns:a16="http://schemas.microsoft.com/office/drawing/2014/main" id="{224F3AF8-BD84-4D63-8F6E-083FA677F2DB}"/>
+              </a:ext>
+            </a:extLst>
+          </p:cNvPr>
+          <p:cNvSpPr/>
+          <p:nvPr/>
+        </p:nvSpPr>
+        <p:spPr>
+          <a:xfrm>
+            <a:off x="496766" y="1106495"/>
+            <a:ext cx="6186608" cy="2962168"/>
+          </a:xfrm>
+          <a:prstGeom prst="rect">
+            <a:avLst/>
+          </a:prstGeom>
+          <a:noFill/>
+          <a:ln w="12700">
+            <a:solidFill>
+              <a:schemeClr val="bg1">
+                <a:lumMod val="50000"/>
+              </a:schemeClr>
+            </a:solidFill>
+          </a:ln>
+        </p:spPr>
+        <p:style>
+          <a:lnRef idx="2">
+            <a:schemeClr val="accent4"/>
+          </a:lnRef>
+          <a:fillRef idx="1">
+            <a:schemeClr val="lt1"/>
+          </a:fillRef>
+          <a:effectRef idx="0">
+            <a:schemeClr val="accent4"/>
+          </a:effectRef>
+          <a:fontRef idx="minor">
+            <a:schemeClr val="dk1"/>
+          </a:fontRef>
+        </p:style>
+        <p:txBody>
+          <a:bodyPr tIns="105844" rtlCol="0" anchor="t"/>
+          <a:lstStyle/>
+          <a:p>
+            <a:pPr marL="0" lvl="1" defTabSz="672130"/>
+            <a:r>
+              <a:rPr lang="pt-BR" sz="1600" b="1" dirty="0">
+                <a:solidFill>
+                  <a:schemeClr val="tx1"/>
+                </a:solidFill>
+                <a:latin typeface="Exo 2 Medium" panose="00000600000000000000" pitchFamily="50" charset="0"/>
+                <a:cs typeface="Simplon BP Regular"/>
+              </a:rPr>
+              <a:t>Tela </a:t>
+            </a:r>
+            <a:r>
+              <a:rPr lang="pt-BR" sz="1600" b="1" dirty="0" err="1">
+                <a:solidFill>
+                  <a:schemeClr val="tx1"/>
+                </a:solidFill>
+                <a:latin typeface="Exo 2 Medium" panose="00000600000000000000" pitchFamily="50" charset="0"/>
+                <a:cs typeface="Simplon BP Regular"/>
+              </a:rPr>
+              <a:t>perfi</a:t>
+            </a:r>
+            <a:r>
+              <a:rPr lang="pt-BR" sz="1600" b="1" dirty="0">
+                <a:solidFill>
+                  <a:schemeClr val="tx1"/>
+                </a:solidFill>
+                <a:latin typeface="Exo 2 Medium" panose="00000600000000000000" pitchFamily="50" charset="0"/>
+                <a:cs typeface="Simplon BP Regular"/>
+              </a:rPr>
+              <a:t> e editar </a:t>
+            </a:r>
+            <a:r>
+              <a:rPr lang="pt-BR" sz="1600" b="1" dirty="0" err="1">
+                <a:solidFill>
+                  <a:schemeClr val="tx1"/>
+                </a:solidFill>
+                <a:latin typeface="Exo 2 Medium" panose="00000600000000000000" pitchFamily="50" charset="0"/>
+                <a:cs typeface="Simplon BP Regular"/>
+              </a:rPr>
+              <a:t>perfill</a:t>
+            </a:r>
+            <a:r>
+              <a:rPr lang="pt-BR" sz="1600" b="1" dirty="0">
+                <a:solidFill>
+                  <a:schemeClr val="tx1"/>
+                </a:solidFill>
+                <a:latin typeface="Exo 2 Medium" panose="00000600000000000000" pitchFamily="50" charset="0"/>
+                <a:cs typeface="Simplon BP Regular"/>
+              </a:rPr>
+              <a:t> </a:t>
+            </a:r>
+            <a:r>
+              <a:rPr lang="pt-BR" sz="1600" b="1" dirty="0" err="1">
+                <a:solidFill>
+                  <a:schemeClr val="tx1"/>
+                </a:solidFill>
+                <a:latin typeface="Exo 2 Medium" panose="00000600000000000000" pitchFamily="50" charset="0"/>
+                <a:cs typeface="Simplon BP Regular"/>
+              </a:rPr>
+              <a:t>codada</a:t>
+            </a:r>
+            <a:endParaRPr lang="pt-BR" sz="1600" b="1" dirty="0">
+              <a:solidFill>
+                <a:schemeClr val="tx1"/>
+              </a:solidFill>
+              <a:latin typeface="Exo 2 Medium" panose="00000600000000000000" pitchFamily="50" charset="0"/>
+              <a:cs typeface="Simplon BP Regular"/>
+            </a:endParaRPr>
+          </a:p>
+          <a:p>
+            <a:pPr marL="0" lvl="1" defTabSz="672130"/>
+            <a:r>
+              <a:rPr lang="pt-BR" sz="1600" dirty="0">
+                <a:solidFill>
+                  <a:schemeClr val="tx1"/>
+                </a:solidFill>
+                <a:latin typeface="Exo 2 Medium" panose="00000600000000000000" pitchFamily="50" charset="0"/>
+                <a:cs typeface="Simplon BP Regular"/>
+              </a:rPr>
+              <a:t>#João Oliveira</a:t>
+            </a:r>
+          </a:p>
+          <a:p>
+            <a:pPr fontAlgn="base">
+              <a:spcBef>
+                <a:spcPct val="0"/>
+              </a:spcBef>
+              <a:defRPr/>
+            </a:pPr>
+            <a:endParaRPr lang="pt-BR" sz="1323" b="1" dirty="0">
+              <a:solidFill>
+                <a:schemeClr val="tx1"/>
+              </a:solidFill>
+              <a:latin typeface="Exo 2 Medium" panose="00000600000000000000" pitchFamily="50" charset="0"/>
+              <a:cs typeface="Simplon BP Regular"/>
+            </a:endParaRPr>
+          </a:p>
+          <a:p>
+            <a:pPr fontAlgn="base">
+              <a:spcBef>
+                <a:spcPct val="0"/>
+              </a:spcBef>
+              <a:defRPr/>
+            </a:pPr>
+            <a:endParaRPr lang="pt-BR" sz="1323" b="1" dirty="0">
+              <a:solidFill>
+                <a:schemeClr val="tx1"/>
+              </a:solidFill>
+              <a:latin typeface="Exo 2 Medium" panose="00000600000000000000" pitchFamily="50" charset="0"/>
+              <a:cs typeface="Simplon BP Regular"/>
+            </a:endParaRPr>
+          </a:p>
+        </p:txBody>
+      </p:sp>
+      <p:sp>
+        <p:nvSpPr>
+          <p:cNvPr id="33" name="Rectangle 43">
+            <a:extLst>
+              <a:ext uri="{FF2B5EF4-FFF2-40B4-BE49-F238E27FC236}">
+                <a16:creationId xmlns:a16="http://schemas.microsoft.com/office/drawing/2014/main" id="{F0F9D098-FF4D-4A23-BBE2-370207E68022}"/>
+              </a:ext>
+            </a:extLst>
+          </p:cNvPr>
+          <p:cNvSpPr>
+            <a:spLocks/>
+          </p:cNvSpPr>
+          <p:nvPr/>
+        </p:nvSpPr>
+        <p:spPr>
+          <a:xfrm>
+            <a:off x="512766" y="4500711"/>
+            <a:ext cx="12496525" cy="2808978"/>
+          </a:xfrm>
+          <a:prstGeom prst="rect">
+            <a:avLst/>
+          </a:prstGeom>
+          <a:noFill/>
+          <a:ln w="12700">
+            <a:solidFill>
+              <a:schemeClr val="bg1">
+                <a:lumMod val="50000"/>
+              </a:schemeClr>
+            </a:solidFill>
+          </a:ln>
+        </p:spPr>
+        <p:style>
+          <a:lnRef idx="2">
+            <a:schemeClr val="accent4"/>
+          </a:lnRef>
+          <a:fillRef idx="1">
+            <a:schemeClr val="lt1"/>
+          </a:fillRef>
+          <a:effectRef idx="0">
+            <a:schemeClr val="accent4"/>
+          </a:effectRef>
+          <a:fontRef idx="minor">
+            <a:schemeClr val="dk1"/>
+          </a:fontRef>
+        </p:style>
+        <p:txBody>
+          <a:bodyPr wrap="square" tIns="105844" numCol="3" rtlCol="0" anchor="t"/>
+          <a:lstStyle/>
+          <a:p>
+            <a:pPr marL="0" lvl="1" defTabSz="672130"/>
+            <a:r>
+              <a:rPr lang="pt-BR" sz="1600" b="1" dirty="0">
+                <a:solidFill>
+                  <a:schemeClr val="tx1"/>
+                </a:solidFill>
+                <a:latin typeface="Exo 2 Medium" panose="00000600000000000000" pitchFamily="50" charset="0"/>
+                <a:cs typeface="Simplon BP Regular"/>
+              </a:rPr>
+              <a:t>LLD                                                                                                       </a:t>
+            </a:r>
+          </a:p>
+          <a:p>
+            <a:pPr marL="0" lvl="1" defTabSz="672130"/>
+            <a:r>
+              <a:rPr lang="pt-BR" sz="1600" dirty="0">
+                <a:solidFill>
+                  <a:schemeClr val="tx1"/>
+                </a:solidFill>
+                <a:latin typeface="Exo 2 Medium" panose="00000600000000000000" pitchFamily="50" charset="0"/>
+                <a:cs typeface="Simplon BP Regular"/>
+              </a:rPr>
+              <a:t>#Todo o grupo (para conhecimento geral)</a:t>
+            </a:r>
+          </a:p>
+          <a:p>
+            <a:pPr marL="0" lvl="1" defTabSz="672130"/>
+            <a:endParaRPr lang="pt-BR" sz="1600" dirty="0">
+              <a:solidFill>
+                <a:schemeClr val="tx1"/>
+              </a:solidFill>
+              <a:latin typeface="Exo 2 Medium" panose="00000600000000000000" pitchFamily="50" charset="0"/>
+              <a:cs typeface="Simplon BP Regular"/>
+            </a:endParaRPr>
+          </a:p>
+          <a:p>
+            <a:pPr marL="0" lvl="1" defTabSz="672130"/>
+            <a:r>
+              <a:rPr lang="pt-BR" sz="1600" b="1" dirty="0">
+                <a:solidFill>
+                  <a:schemeClr val="tx1"/>
+                </a:solidFill>
+                <a:latin typeface="Exo 2 Medium" panose="00000600000000000000" pitchFamily="50" charset="0"/>
+                <a:cs typeface="Simplon BP Regular"/>
+              </a:rPr>
+              <a:t>PPT com todas as informações                                                                                                    </a:t>
+            </a:r>
+          </a:p>
+          <a:p>
+            <a:pPr marL="0" lvl="1" defTabSz="672130"/>
+            <a:r>
+              <a:rPr lang="pt-BR" sz="1600" dirty="0">
+                <a:solidFill>
+                  <a:schemeClr val="tx1"/>
+                </a:solidFill>
+                <a:latin typeface="Exo 2 Medium" panose="00000600000000000000" pitchFamily="50" charset="0"/>
+                <a:cs typeface="Simplon BP Regular"/>
+              </a:rPr>
+              <a:t>#Vinícius Novais</a:t>
+            </a:r>
+          </a:p>
+          <a:p>
+            <a:pPr marL="0" lvl="1" defTabSz="672130"/>
+            <a:endParaRPr lang="pt-BR" sz="1600" dirty="0">
+              <a:solidFill>
+                <a:schemeClr val="tx1"/>
+              </a:solidFill>
+              <a:latin typeface="Exo 2 Medium" panose="00000600000000000000" pitchFamily="50" charset="0"/>
+              <a:cs typeface="Simplon BP Regular"/>
+            </a:endParaRPr>
+          </a:p>
+          <a:p>
+            <a:pPr marL="0" lvl="1" defTabSz="672130"/>
+            <a:endParaRPr lang="pt-BR" sz="1600" dirty="0">
+              <a:solidFill>
+                <a:schemeClr val="tx1"/>
+              </a:solidFill>
+              <a:latin typeface="Exo 2 Medium" panose="00000600000000000000" pitchFamily="50" charset="0"/>
+              <a:cs typeface="Simplon BP Regular"/>
+            </a:endParaRPr>
+          </a:p>
+          <a:p>
+            <a:pPr marL="0" lvl="1" defTabSz="672130"/>
+            <a:endParaRPr lang="pt-BR" sz="1600" dirty="0">
+              <a:solidFill>
+                <a:schemeClr val="tx1"/>
+              </a:solidFill>
+              <a:latin typeface="Exo 2 Medium" panose="00000600000000000000" pitchFamily="50" charset="0"/>
+              <a:cs typeface="Simplon BP Regular"/>
+            </a:endParaRPr>
+          </a:p>
+          <a:p>
+            <a:pPr marL="0" lvl="1" defTabSz="672130"/>
+            <a:endParaRPr lang="pt-BR" sz="1600" dirty="0">
+              <a:solidFill>
+                <a:schemeClr val="tx1"/>
+              </a:solidFill>
+              <a:latin typeface="Exo 2 Medium" panose="00000600000000000000" pitchFamily="50" charset="0"/>
+              <a:cs typeface="Simplon BP Regular"/>
+            </a:endParaRPr>
+          </a:p>
+          <a:p>
+            <a:pPr marL="0" lvl="1" defTabSz="672130"/>
+            <a:endParaRPr lang="pt-BR" sz="1600" b="1" dirty="0">
+              <a:solidFill>
+                <a:schemeClr val="tx1"/>
+              </a:solidFill>
+              <a:latin typeface="Exo 2 Medium" panose="00000600000000000000" pitchFamily="50" charset="0"/>
+              <a:cs typeface="Simplon BP Regular"/>
+            </a:endParaRPr>
+          </a:p>
+          <a:p>
+            <a:pPr marL="0" lvl="1" defTabSz="672130"/>
+            <a:endParaRPr lang="pt-BR" sz="1323" b="1" dirty="0">
+              <a:solidFill>
+                <a:schemeClr val="tx1"/>
+              </a:solidFill>
+              <a:latin typeface="Exo 2 Medium" panose="00000600000000000000" pitchFamily="50" charset="0"/>
+              <a:cs typeface="Simplon BP Regular"/>
+            </a:endParaRPr>
+          </a:p>
+          <a:p>
+            <a:pPr marL="0" lvl="1" defTabSz="672130"/>
+            <a:endParaRPr lang="pt-BR" sz="1323" b="1" dirty="0">
+              <a:solidFill>
+                <a:schemeClr val="tx1"/>
+              </a:solidFill>
+              <a:latin typeface="Exo 2 Medium" panose="00000600000000000000" pitchFamily="50" charset="0"/>
+              <a:cs typeface="Simplon BP Regular"/>
+            </a:endParaRPr>
+          </a:p>
+          <a:p>
+            <a:pPr marL="0" lvl="1" defTabSz="672130"/>
+            <a:endParaRPr lang="pt-BR" sz="1323" b="1" dirty="0">
+              <a:solidFill>
+                <a:schemeClr val="tx1"/>
+              </a:solidFill>
+              <a:latin typeface="Exo 2 Medium" panose="00000600000000000000" pitchFamily="50" charset="0"/>
+              <a:cs typeface="Simplon BP Regular"/>
+            </a:endParaRPr>
+          </a:p>
+          <a:p>
+            <a:pPr marL="0" lvl="1" defTabSz="672130"/>
+            <a:endParaRPr lang="pt-BR" sz="1600" dirty="0">
+              <a:solidFill>
+                <a:schemeClr val="tx1"/>
+              </a:solidFill>
+              <a:latin typeface="Exo 2 Medium" panose="00000600000000000000" pitchFamily="50" charset="0"/>
+              <a:cs typeface="Simplon BP Regular"/>
+            </a:endParaRPr>
+          </a:p>
+          <a:p>
+            <a:pPr marL="0" lvl="1" defTabSz="672130"/>
+            <a:endParaRPr lang="pt-BR" sz="1600" b="1" dirty="0">
+              <a:solidFill>
+                <a:schemeClr val="tx1"/>
+              </a:solidFill>
+              <a:latin typeface="Exo 2 Medium" panose="00000600000000000000" pitchFamily="50" charset="0"/>
+              <a:cs typeface="Simplon BP Regular"/>
+            </a:endParaRPr>
+          </a:p>
+          <a:p>
+            <a:pPr marL="0" lvl="1" defTabSz="672130"/>
+            <a:endParaRPr lang="pt-BR" sz="1323" b="1" dirty="0">
+              <a:solidFill>
+                <a:schemeClr val="tx1"/>
+              </a:solidFill>
+              <a:latin typeface="Exo 2 Medium" panose="00000600000000000000" pitchFamily="50" charset="0"/>
+              <a:cs typeface="Simplon BP Regular"/>
+            </a:endParaRPr>
+          </a:p>
+          <a:p>
+            <a:pPr marL="0" lvl="1" defTabSz="672130"/>
+            <a:endParaRPr lang="pt-BR" sz="1323" b="1" dirty="0">
+              <a:solidFill>
+                <a:schemeClr val="tx1"/>
+              </a:solidFill>
+              <a:latin typeface="Exo 2 Medium" panose="00000600000000000000" pitchFamily="50" charset="0"/>
+              <a:cs typeface="Simplon BP Regular"/>
+            </a:endParaRPr>
+          </a:p>
+          <a:p>
+            <a:pPr marL="0" lvl="1" defTabSz="672130"/>
+            <a:endParaRPr lang="pt-BR" sz="1323" b="1" dirty="0">
+              <a:solidFill>
+                <a:schemeClr val="tx1"/>
+              </a:solidFill>
+              <a:latin typeface="Exo 2 Medium" panose="00000600000000000000" pitchFamily="50" charset="0"/>
+              <a:cs typeface="Simplon BP Regular"/>
+            </a:endParaRPr>
+          </a:p>
+        </p:txBody>
+      </p:sp>
+      <p:sp>
+        <p:nvSpPr>
+          <p:cNvPr id="34" name="Oval 134">
+            <a:extLst>
+              <a:ext uri="{FF2B5EF4-FFF2-40B4-BE49-F238E27FC236}">
+                <a16:creationId xmlns:a16="http://schemas.microsoft.com/office/drawing/2014/main" id="{B57AA8A8-84FD-48DE-BA43-08D253C6F275}"/>
+              </a:ext>
+            </a:extLst>
+          </p:cNvPr>
+          <p:cNvSpPr>
+            <a:spLocks noChangeAspect="1"/>
+          </p:cNvSpPr>
+          <p:nvPr/>
+        </p:nvSpPr>
+        <p:spPr>
+          <a:xfrm>
+            <a:off x="9287916" y="297930"/>
+            <a:ext cx="211404" cy="211689"/>
+          </a:xfrm>
+          <a:prstGeom prst="ellipse">
+            <a:avLst/>
+          </a:prstGeom>
+          <a:solidFill>
+            <a:srgbClr val="1BCF13"/>
+          </a:solidFill>
+          <a:ln w="12700">
+            <a:solidFill>
+              <a:schemeClr val="accent3"/>
+            </a:solidFill>
+          </a:ln>
+        </p:spPr>
+        <p:style>
+          <a:lnRef idx="2">
+            <a:schemeClr val="accent1">
+              <a:shade val="50000"/>
+            </a:schemeClr>
+          </a:lnRef>
+          <a:fillRef idx="1">
+            <a:schemeClr val="accent1"/>
+          </a:fillRef>
+          <a:effectRef idx="0">
+            <a:schemeClr val="accent1"/>
+          </a:effectRef>
+          <a:fontRef idx="minor">
+            <a:schemeClr val="lt1"/>
+          </a:fontRef>
+        </p:style>
+        <p:txBody>
+          <a:bodyPr wrap="none" lIns="52922" tIns="52922" rIns="52922" rtlCol="0" anchor="ctr"/>
+          <a:lstStyle/>
+          <a:p>
+            <a:pPr algn="ctr" defTabSz="672130"/>
+            <a:endParaRPr lang="en-US" sz="1176" dirty="0">
+              <a:solidFill>
+                <a:srgbClr val="00B050"/>
+              </a:solidFill>
+              <a:latin typeface="Exo 2 Medium" panose="00000600000000000000" pitchFamily="50" charset="0"/>
+              <a:cs typeface="Simplon BP Regular"/>
+            </a:endParaRPr>
+          </a:p>
+        </p:txBody>
+      </p:sp>
+      <p:sp>
+        <p:nvSpPr>
+          <p:cNvPr id="35" name="Oval 120">
+            <a:extLst>
+              <a:ext uri="{FF2B5EF4-FFF2-40B4-BE49-F238E27FC236}">
+                <a16:creationId xmlns:a16="http://schemas.microsoft.com/office/drawing/2014/main" id="{DAAADCBD-ECD9-4B5D-A8E0-075FB6F9BED7}"/>
+              </a:ext>
+            </a:extLst>
+          </p:cNvPr>
+          <p:cNvSpPr>
+            <a:spLocks noChangeAspect="1"/>
+          </p:cNvSpPr>
+          <p:nvPr/>
+        </p:nvSpPr>
+        <p:spPr>
+          <a:xfrm>
+            <a:off x="10188056" y="324247"/>
+            <a:ext cx="211404" cy="211689"/>
+          </a:xfrm>
+          <a:prstGeom prst="ellipse">
+            <a:avLst/>
+          </a:prstGeom>
+          <a:solidFill>
+            <a:schemeClr val="accent4">
+              <a:lumMod val="25000"/>
+              <a:lumOff val="75000"/>
+            </a:schemeClr>
+          </a:solidFill>
+          <a:ln w="12700">
+            <a:solidFill>
+              <a:schemeClr val="accent3"/>
+            </a:solidFill>
+          </a:ln>
+        </p:spPr>
+        <p:style>
+          <a:lnRef idx="2">
+            <a:schemeClr val="accent1">
+              <a:shade val="50000"/>
+            </a:schemeClr>
+          </a:lnRef>
+          <a:fillRef idx="1">
+            <a:schemeClr val="accent1"/>
+          </a:fillRef>
+          <a:effectRef idx="0">
+            <a:schemeClr val="accent1"/>
+          </a:effectRef>
+          <a:fontRef idx="minor">
+            <a:schemeClr val="lt1"/>
+          </a:fontRef>
+        </p:style>
+        <p:txBody>
+          <a:bodyPr wrap="none" lIns="52922" tIns="52922" rIns="52922" rtlCol="0" anchor="ctr"/>
+          <a:lstStyle/>
+          <a:p>
+            <a:pPr algn="ctr" defTabSz="672130"/>
+            <a:endParaRPr lang="en-US" sz="1176" dirty="0">
+              <a:solidFill>
+                <a:srgbClr val="1BCF13"/>
+              </a:solidFill>
+              <a:latin typeface="Exo 2 Medium" panose="00000600000000000000" pitchFamily="50" charset="0"/>
+              <a:cs typeface="Simplon BP Regular"/>
+            </a:endParaRPr>
+          </a:p>
+        </p:txBody>
+      </p:sp>
+      <p:sp>
+        <p:nvSpPr>
+          <p:cNvPr id="36" name="Retângulo 35">
+            <a:extLst>
+              <a:ext uri="{FF2B5EF4-FFF2-40B4-BE49-F238E27FC236}">
+                <a16:creationId xmlns:a16="http://schemas.microsoft.com/office/drawing/2014/main" id="{A87B1CA7-18E0-459A-8B40-B30CC45C209A}"/>
+              </a:ext>
+            </a:extLst>
+          </p:cNvPr>
+          <p:cNvSpPr/>
+          <p:nvPr/>
+        </p:nvSpPr>
+        <p:spPr>
+          <a:xfrm>
+            <a:off x="8017619" y="209534"/>
+            <a:ext cx="4937689" cy="618769"/>
+          </a:xfrm>
+          <a:prstGeom prst="rect">
+            <a:avLst/>
+          </a:prstGeom>
+          <a:noFill/>
+          <a:ln w="6350">
+            <a:solidFill>
+              <a:schemeClr val="bg1">
+                <a:lumMod val="75000"/>
+              </a:schemeClr>
+            </a:solidFill>
+          </a:ln>
+        </p:spPr>
+        <p:style>
+          <a:lnRef idx="2">
+            <a:schemeClr val="accent1">
+              <a:shade val="50000"/>
+            </a:schemeClr>
+          </a:lnRef>
+          <a:fillRef idx="1">
+            <a:schemeClr val="accent1"/>
+          </a:fillRef>
+          <a:effectRef idx="0">
+            <a:schemeClr val="accent1"/>
+          </a:effectRef>
+          <a:fontRef idx="minor">
+            <a:schemeClr val="lt1"/>
+          </a:fontRef>
+        </p:style>
+        <p:txBody>
+          <a:bodyPr rtlCol="0" anchor="ctr"/>
+          <a:lstStyle/>
+          <a:p>
+            <a:pPr algn="ctr"/>
+            <a:endParaRPr lang="pt-BR">
+              <a:latin typeface="Exo 2 Medium" panose="00000600000000000000" pitchFamily="50" charset="0"/>
+            </a:endParaRPr>
+          </a:p>
+        </p:txBody>
+      </p:sp>
+      <p:sp>
+        <p:nvSpPr>
+          <p:cNvPr id="37" name="TextBox 138">
+            <a:extLst>
+              <a:ext uri="{FF2B5EF4-FFF2-40B4-BE49-F238E27FC236}">
+                <a16:creationId xmlns:a16="http://schemas.microsoft.com/office/drawing/2014/main" id="{41B46BEE-7CCD-459E-800A-B6E0E71F7FC7}"/>
+              </a:ext>
+            </a:extLst>
+          </p:cNvPr>
+          <p:cNvSpPr txBox="1"/>
+          <p:nvPr/>
+        </p:nvSpPr>
+        <p:spPr>
+          <a:xfrm>
+            <a:off x="9715810" y="51570"/>
+            <a:ext cx="1478088" cy="211688"/>
+          </a:xfrm>
+          <a:prstGeom prst="rect">
+            <a:avLst/>
+          </a:prstGeom>
+          <a:solidFill>
+            <a:schemeClr val="bg1"/>
+          </a:solidFill>
+          <a:ln w="12700">
+            <a:noFill/>
+          </a:ln>
+        </p:spPr>
+        <p:style>
+          <a:lnRef idx="2">
+            <a:schemeClr val="accent4"/>
+          </a:lnRef>
+          <a:fillRef idx="1">
+            <a:schemeClr val="lt1"/>
+          </a:fillRef>
+          <a:effectRef idx="0">
+            <a:schemeClr val="accent4"/>
+          </a:effectRef>
+          <a:fontRef idx="minor">
+            <a:schemeClr val="dk1"/>
+          </a:fontRef>
+        </p:style>
+        <p:txBody>
+          <a:bodyPr wrap="none" lIns="52922" tIns="52922" rIns="52922" bIns="0" rtlCol="0" anchor="b"/>
+          <a:lstStyle>
+            <a:defPPr>
+              <a:defRPr lang="en-US"/>
+            </a:defPPr>
+            <a:lvl1pPr algn="ctr">
+              <a:defRPr sz="1000" b="1">
+                <a:latin typeface="Simplon BP Regular"/>
+                <a:cs typeface="Simplon BP Regular"/>
+              </a:defRPr>
+            </a:lvl1pPr>
+            <a:lvl2pPr>
+              <a:defRPr>
+                <a:solidFill>
+                  <a:schemeClr val="dk1"/>
+                </a:solidFill>
+              </a:defRPr>
+            </a:lvl2pPr>
+            <a:lvl3pPr>
+              <a:defRPr>
+                <a:solidFill>
+                  <a:schemeClr val="dk1"/>
+                </a:solidFill>
+              </a:defRPr>
+            </a:lvl3pPr>
+            <a:lvl4pPr>
+              <a:defRPr>
+                <a:solidFill>
+                  <a:schemeClr val="dk1"/>
+                </a:solidFill>
+              </a:defRPr>
+            </a:lvl4pPr>
+            <a:lvl5pPr>
+              <a:defRPr>
+                <a:solidFill>
+                  <a:schemeClr val="dk1"/>
+                </a:solidFill>
+              </a:defRPr>
+            </a:lvl5pPr>
+            <a:lvl6pPr>
+              <a:defRPr>
+                <a:solidFill>
+                  <a:schemeClr val="dk1"/>
+                </a:solidFill>
+              </a:defRPr>
+            </a:lvl6pPr>
+            <a:lvl7pPr>
+              <a:defRPr>
+                <a:solidFill>
+                  <a:schemeClr val="dk1"/>
+                </a:solidFill>
+              </a:defRPr>
+            </a:lvl7pPr>
+            <a:lvl8pPr>
+              <a:defRPr>
+                <a:solidFill>
+                  <a:schemeClr val="dk1"/>
+                </a:solidFill>
+              </a:defRPr>
+            </a:lvl8pPr>
+            <a:lvl9pPr>
+              <a:defRPr>
+                <a:solidFill>
+                  <a:schemeClr val="dk1"/>
+                </a:solidFill>
+              </a:defRPr>
+            </a:lvl9pPr>
+          </a:lstStyle>
+          <a:p>
+            <a:pPr defTabSz="672130"/>
+            <a:r>
+              <a:rPr lang="en-US" sz="1176" dirty="0">
+                <a:solidFill>
+                  <a:srgbClr val="08276B"/>
+                </a:solidFill>
+                <a:latin typeface="Exo 2 Medium" panose="00000600000000000000" pitchFamily="50" charset="0"/>
+              </a:rPr>
+              <a:t>    </a:t>
+            </a:r>
+            <a:r>
+              <a:rPr lang="en-US" sz="1176" dirty="0" err="1">
+                <a:solidFill>
+                  <a:srgbClr val="08276B"/>
+                </a:solidFill>
+                <a:latin typeface="Exo 2 Medium" panose="00000600000000000000" pitchFamily="50" charset="0"/>
+              </a:rPr>
+              <a:t>Farol</a:t>
+            </a:r>
+            <a:r>
+              <a:rPr lang="en-US" sz="1176" dirty="0">
+                <a:solidFill>
+                  <a:srgbClr val="08276B"/>
+                </a:solidFill>
+                <a:latin typeface="Exo 2 Medium" panose="00000600000000000000" pitchFamily="50" charset="0"/>
+              </a:rPr>
+              <a:t> do </a:t>
+            </a:r>
+            <a:r>
+              <a:rPr lang="en-US" sz="1176" dirty="0" err="1">
+                <a:solidFill>
+                  <a:srgbClr val="08276B"/>
+                </a:solidFill>
+                <a:latin typeface="Exo 2 Medium" panose="00000600000000000000" pitchFamily="50" charset="0"/>
+              </a:rPr>
+              <a:t>Projeto</a:t>
+            </a:r>
+            <a:r>
+              <a:rPr lang="en-US" sz="1176" dirty="0">
+                <a:solidFill>
+                  <a:srgbClr val="08276B"/>
+                </a:solidFill>
+                <a:latin typeface="Exo 2 Medium" panose="00000600000000000000" pitchFamily="50" charset="0"/>
+              </a:rPr>
+              <a:t>   </a:t>
+            </a:r>
+          </a:p>
+        </p:txBody>
+      </p:sp>
+      <p:sp>
+        <p:nvSpPr>
+          <p:cNvPr id="38" name="Oval 134">
+            <a:extLst>
+              <a:ext uri="{FF2B5EF4-FFF2-40B4-BE49-F238E27FC236}">
+                <a16:creationId xmlns:a16="http://schemas.microsoft.com/office/drawing/2014/main" id="{AC71B70F-2DA1-4D18-9AC0-DCFDF0FE0D5C}"/>
+              </a:ext>
+            </a:extLst>
+          </p:cNvPr>
+          <p:cNvSpPr>
+            <a:spLocks noChangeAspect="1"/>
+          </p:cNvSpPr>
+          <p:nvPr/>
+        </p:nvSpPr>
+        <p:spPr>
+          <a:xfrm>
+            <a:off x="12166910" y="328582"/>
+            <a:ext cx="211404" cy="211689"/>
+          </a:xfrm>
+          <a:prstGeom prst="ellipse">
+            <a:avLst/>
+          </a:prstGeom>
+          <a:solidFill>
+            <a:srgbClr val="1BCF13"/>
+          </a:solidFill>
+          <a:ln w="12700">
+            <a:solidFill>
+              <a:schemeClr val="accent3"/>
+            </a:solidFill>
+          </a:ln>
+        </p:spPr>
+        <p:style>
+          <a:lnRef idx="2">
+            <a:schemeClr val="accent1">
+              <a:shade val="50000"/>
+            </a:schemeClr>
+          </a:lnRef>
+          <a:fillRef idx="1">
+            <a:schemeClr val="accent1"/>
+          </a:fillRef>
+          <a:effectRef idx="0">
+            <a:schemeClr val="accent1"/>
+          </a:effectRef>
+          <a:fontRef idx="minor">
+            <a:schemeClr val="lt1"/>
+          </a:fontRef>
+        </p:style>
+        <p:txBody>
+          <a:bodyPr wrap="none" lIns="52922" tIns="52922" rIns="52922" rtlCol="0" anchor="ctr"/>
+          <a:lstStyle/>
+          <a:p>
+            <a:pPr algn="ctr" defTabSz="672130"/>
+            <a:endParaRPr lang="en-US" sz="1176" dirty="0">
+              <a:solidFill>
+                <a:srgbClr val="FFC000"/>
+              </a:solidFill>
+              <a:latin typeface="Exo 2 Medium" panose="00000600000000000000" pitchFamily="50" charset="0"/>
+              <a:cs typeface="Simplon BP Regular"/>
+            </a:endParaRPr>
+          </a:p>
+        </p:txBody>
+      </p:sp>
+      <p:sp>
+        <p:nvSpPr>
+          <p:cNvPr id="4" name="TextBox 3">
+            <a:extLst>
+              <a:ext uri="{FF2B5EF4-FFF2-40B4-BE49-F238E27FC236}">
+                <a16:creationId xmlns:a16="http://schemas.microsoft.com/office/drawing/2014/main" id="{9F47C350-4CB5-466C-B2DC-CBD9ED7F64B2}"/>
+              </a:ext>
+            </a:extLst>
+          </p:cNvPr>
+          <p:cNvSpPr txBox="1"/>
+          <p:nvPr/>
+        </p:nvSpPr>
+        <p:spPr>
+          <a:xfrm>
+            <a:off x="6865491" y="1153210"/>
+            <a:ext cx="4553106" cy="338554"/>
+          </a:xfrm>
+          <a:prstGeom prst="rect">
+            <a:avLst/>
+          </a:prstGeom>
+          <a:noFill/>
+        </p:spPr>
+        <p:txBody>
+          <a:bodyPr wrap="none" rtlCol="0">
+            <a:spAutoFit/>
+          </a:bodyPr>
+          <a:lstStyle/>
+          <a:p>
+            <a:r>
+              <a:rPr lang="pt-BR" sz="1600" dirty="0">
+                <a:latin typeface="Exo 2 Medium" panose="00000600000000000000"/>
+              </a:rPr>
+              <a:t>Atenção ao prazo combinado para entrega das tasks.</a:t>
+            </a:r>
+          </a:p>
+        </p:txBody>
+      </p:sp>
+      <p:sp>
+        <p:nvSpPr>
+          <p:cNvPr id="43" name="TextBox 42">
+            <a:extLst>
+              <a:ext uri="{FF2B5EF4-FFF2-40B4-BE49-F238E27FC236}">
+                <a16:creationId xmlns:a16="http://schemas.microsoft.com/office/drawing/2014/main" id="{B00F4A3F-EDE2-489C-8C3A-91F9B7B75AAD}"/>
+              </a:ext>
+            </a:extLst>
+          </p:cNvPr>
+          <p:cNvSpPr txBox="1"/>
+          <p:nvPr/>
+        </p:nvSpPr>
+        <p:spPr>
+          <a:xfrm>
+            <a:off x="496766" y="1783310"/>
+            <a:ext cx="6734012" cy="584775"/>
+          </a:xfrm>
+          <a:prstGeom prst="rect">
+            <a:avLst/>
+          </a:prstGeom>
+          <a:noFill/>
+        </p:spPr>
+        <p:txBody>
+          <a:bodyPr wrap="square">
+            <a:spAutoFit/>
+          </a:bodyPr>
+          <a:lstStyle/>
+          <a:p>
+            <a:r>
+              <a:rPr lang="pt-BR" sz="1600" b="1" dirty="0">
+                <a:latin typeface="Exo 2 Medium" panose="00000600000000000000"/>
+              </a:rPr>
+              <a:t>Tela projetos </a:t>
+            </a:r>
+            <a:r>
+              <a:rPr lang="pt-BR" sz="1600" b="1" dirty="0" err="1">
+                <a:latin typeface="Exo 2 Medium" panose="00000600000000000000"/>
+              </a:rPr>
+              <a:t>codada</a:t>
+            </a:r>
+            <a:endParaRPr lang="pt-BR" sz="1600" b="1" dirty="0">
+              <a:latin typeface="Exo 2 Medium" panose="00000600000000000000"/>
+            </a:endParaRPr>
+          </a:p>
+          <a:p>
+            <a:r>
+              <a:rPr lang="pt-BR" sz="1600" dirty="0">
+                <a:latin typeface="Exo 2 Medium" panose="00000600000000000000"/>
+              </a:rPr>
+              <a:t>#Caio Elcio</a:t>
+            </a:r>
+          </a:p>
+        </p:txBody>
+      </p:sp>
+      <p:sp>
+        <p:nvSpPr>
+          <p:cNvPr id="40" name="TextBox 39">
+            <a:extLst>
+              <a:ext uri="{FF2B5EF4-FFF2-40B4-BE49-F238E27FC236}">
+                <a16:creationId xmlns:a16="http://schemas.microsoft.com/office/drawing/2014/main" id="{4B72F105-FFC8-4FEA-A709-130DB99E3B41}"/>
+              </a:ext>
+            </a:extLst>
+          </p:cNvPr>
+          <p:cNvSpPr txBox="1"/>
+          <p:nvPr/>
+        </p:nvSpPr>
+        <p:spPr>
+          <a:xfrm>
+            <a:off x="3659871" y="1908423"/>
+            <a:ext cx="6734012" cy="584775"/>
+          </a:xfrm>
+          <a:prstGeom prst="rect">
+            <a:avLst/>
+          </a:prstGeom>
+          <a:noFill/>
+        </p:spPr>
+        <p:txBody>
+          <a:bodyPr wrap="square">
+            <a:spAutoFit/>
+          </a:bodyPr>
+          <a:lstStyle/>
+          <a:p>
+            <a:r>
+              <a:rPr lang="pt-BR" sz="1600" b="1" dirty="0">
+                <a:latin typeface="Exo 2 Medium" panose="00000600000000000000"/>
+              </a:rPr>
+              <a:t>Tela planos codada (task atrasada)</a:t>
+            </a:r>
+          </a:p>
+          <a:p>
+            <a:r>
+              <a:rPr lang="pt-BR" sz="1600" dirty="0">
+                <a:latin typeface="Exo 2 Medium" panose="00000600000000000000"/>
+              </a:rPr>
+              <a:t>#Lucas Ferreira</a:t>
+            </a:r>
+          </a:p>
+        </p:txBody>
+      </p:sp>
+      <p:sp>
+        <p:nvSpPr>
+          <p:cNvPr id="39" name="TextBox 38">
+            <a:extLst>
+              <a:ext uri="{FF2B5EF4-FFF2-40B4-BE49-F238E27FC236}">
+                <a16:creationId xmlns:a16="http://schemas.microsoft.com/office/drawing/2014/main" id="{EB78EF16-BB72-4778-B7F6-94D832528375}"/>
+              </a:ext>
+            </a:extLst>
+          </p:cNvPr>
+          <p:cNvSpPr txBox="1"/>
+          <p:nvPr/>
+        </p:nvSpPr>
+        <p:spPr>
+          <a:xfrm>
+            <a:off x="3665448" y="1164256"/>
+            <a:ext cx="6734012" cy="584775"/>
+          </a:xfrm>
+          <a:prstGeom prst="rect">
+            <a:avLst/>
+          </a:prstGeom>
+          <a:noFill/>
+        </p:spPr>
+        <p:txBody>
+          <a:bodyPr wrap="square">
+            <a:spAutoFit/>
+          </a:bodyPr>
+          <a:lstStyle/>
+          <a:p>
+            <a:pPr marL="0" lvl="1" defTabSz="672130"/>
+            <a:r>
+              <a:rPr lang="pt-BR" sz="1600" b="1" dirty="0">
+                <a:solidFill>
+                  <a:schemeClr val="tx1"/>
+                </a:solidFill>
+                <a:latin typeface="Exo 2 Medium" panose="00000600000000000000" pitchFamily="50" charset="0"/>
+                <a:cs typeface="Simplon BP Regular"/>
+              </a:rPr>
+              <a:t>Tela feed codada (task atrasada)</a:t>
+            </a:r>
+          </a:p>
+          <a:p>
+            <a:pPr marL="0" lvl="1" defTabSz="672130"/>
+            <a:r>
+              <a:rPr lang="pt-BR" sz="1600" dirty="0">
+                <a:solidFill>
+                  <a:schemeClr val="tx1"/>
+                </a:solidFill>
+                <a:latin typeface="Exo 2 Medium" panose="00000600000000000000" pitchFamily="50" charset="0"/>
+                <a:cs typeface="Simplon BP Regular"/>
+              </a:rPr>
+              <a:t>#Lucas Felix</a:t>
+            </a:r>
+          </a:p>
+        </p:txBody>
+      </p:sp>
+      <p:sp>
+        <p:nvSpPr>
+          <p:cNvPr id="41" name="TextBox 40">
+            <a:extLst>
+              <a:ext uri="{FF2B5EF4-FFF2-40B4-BE49-F238E27FC236}">
+                <a16:creationId xmlns:a16="http://schemas.microsoft.com/office/drawing/2014/main" id="{793BD65D-A330-49DB-A661-F7C2F30C8E5B}"/>
+              </a:ext>
+            </a:extLst>
+          </p:cNvPr>
+          <p:cNvSpPr txBox="1"/>
+          <p:nvPr/>
+        </p:nvSpPr>
+        <p:spPr>
+          <a:xfrm>
+            <a:off x="6865491" y="1476375"/>
+            <a:ext cx="6734012" cy="338554"/>
+          </a:xfrm>
+          <a:prstGeom prst="rect">
+            <a:avLst/>
+          </a:prstGeom>
+          <a:noFill/>
+        </p:spPr>
+        <p:txBody>
+          <a:bodyPr wrap="square">
+            <a:spAutoFit/>
+          </a:bodyPr>
+          <a:lstStyle/>
+          <a:p>
+            <a:pPr marL="0" lvl="1" defTabSz="672130"/>
+            <a:r>
+              <a:rPr lang="pt-BR" sz="1600" dirty="0">
+                <a:solidFill>
+                  <a:schemeClr val="tx1"/>
+                </a:solidFill>
+                <a:latin typeface="Exo 2 Medium" panose="00000600000000000000" pitchFamily="50" charset="0"/>
+                <a:cs typeface="Simplon BP Regular"/>
+              </a:rPr>
+              <a:t>Conversar com o professor sobre o LLD</a:t>
+            </a:r>
+          </a:p>
+        </p:txBody>
+      </p:sp>
+      <p:sp>
+        <p:nvSpPr>
+          <p:cNvPr id="42" name="Oval 134">
+            <a:extLst>
+              <a:ext uri="{FF2B5EF4-FFF2-40B4-BE49-F238E27FC236}">
+                <a16:creationId xmlns:a16="http://schemas.microsoft.com/office/drawing/2014/main" id="{26845ED0-DB74-4B4E-8D20-A0A53F48BAAD}"/>
+              </a:ext>
+            </a:extLst>
+          </p:cNvPr>
+          <p:cNvSpPr>
+            <a:spLocks noChangeAspect="1"/>
+          </p:cNvSpPr>
+          <p:nvPr/>
+        </p:nvSpPr>
+        <p:spPr>
+          <a:xfrm>
+            <a:off x="8443555" y="252239"/>
+            <a:ext cx="211404" cy="211689"/>
+          </a:xfrm>
+          <a:prstGeom prst="ellipse">
+            <a:avLst/>
+          </a:prstGeom>
+          <a:solidFill>
+            <a:srgbClr val="1BCF13"/>
+          </a:solidFill>
+          <a:ln w="12700">
+            <a:solidFill>
+              <a:schemeClr val="accent3"/>
+            </a:solidFill>
+          </a:ln>
+        </p:spPr>
+        <p:style>
+          <a:lnRef idx="2">
+            <a:schemeClr val="accent1">
+              <a:shade val="50000"/>
+            </a:schemeClr>
+          </a:lnRef>
+          <a:fillRef idx="1">
+            <a:schemeClr val="accent1"/>
+          </a:fillRef>
+          <a:effectRef idx="0">
+            <a:schemeClr val="accent1"/>
+          </a:effectRef>
+          <a:fontRef idx="minor">
+            <a:schemeClr val="lt1"/>
+          </a:fontRef>
+        </p:style>
+        <p:txBody>
+          <a:bodyPr wrap="none" lIns="52922" tIns="52922" rIns="52922" rtlCol="0" anchor="ctr"/>
+          <a:lstStyle/>
+          <a:p>
+            <a:pPr algn="ctr" defTabSz="672130"/>
+            <a:endParaRPr lang="en-US" sz="1176" dirty="0">
+              <a:solidFill>
+                <a:srgbClr val="00B050"/>
+              </a:solidFill>
+              <a:latin typeface="Exo 2 Medium" panose="00000600000000000000" pitchFamily="50" charset="0"/>
+              <a:cs typeface="Simplon BP Regular"/>
+            </a:endParaRPr>
+          </a:p>
+        </p:txBody>
+      </p:sp>
+    </p:spTree>
+    <p:extLst>
+      <p:ext uri="{BB962C8B-B14F-4D97-AF65-F5344CB8AC3E}">
+        <p14:creationId xmlns:p14="http://schemas.microsoft.com/office/powerpoint/2010/main" val="1064413745"/>
       </p:ext>
     </p:extLst>
   </p:cSld>
@@ -28725,18 +30882,18 @@
 </file>
 
 <file path=customXml/item1.xml><?xml version="1.0" encoding="utf-8"?>
-<p:properties xmlns:p="http://schemas.microsoft.com/office/2006/metadata/properties" xmlns:xsi="http://www.w3.org/2001/XMLSchema-instance" xmlns:pc="http://schemas.microsoft.com/office/infopath/2007/PartnerControls">
-  <documentManagement/>
-</p:properties>
-</file>
-
-<file path=customXml/item2.xml><?xml version="1.0" encoding="utf-8"?>
 <?mso-contentType ?>
 <FormTemplates xmlns="http://schemas.microsoft.com/sharepoint/v3/contenttype/forms">
   <Display>DocumentLibraryForm</Display>
   <Edit>DocumentLibraryForm</Edit>
   <New>DocumentLibraryForm</New>
 </FormTemplates>
+</file>
+
+<file path=customXml/item2.xml><?xml version="1.0" encoding="utf-8"?>
+<p:properties xmlns:p="http://schemas.microsoft.com/office/2006/metadata/properties" xmlns:xsi="http://www.w3.org/2001/XMLSchema-instance" xmlns:pc="http://schemas.microsoft.com/office/infopath/2007/PartnerControls">
+  <documentManagement/>
+</p:properties>
 </file>
 
 <file path=customXml/item3.xml><?xml version="1.0" encoding="utf-8"?>
@@ -28854,6 +31011,14 @@
 </file>
 
 <file path=customXml/itemProps1.xml><?xml version="1.0" encoding="utf-8"?>
+<ds:datastoreItem xmlns:ds="http://schemas.openxmlformats.org/officeDocument/2006/customXml" ds:itemID="{E2481852-F24E-4532-AF30-C154D705D105}">
+  <ds:schemaRefs>
+    <ds:schemaRef ds:uri="http://schemas.microsoft.com/sharepoint/v3/contenttype/forms"/>
+  </ds:schemaRefs>
+</ds:datastoreItem>
+</file>
+
+<file path=customXml/itemProps2.xml><?xml version="1.0" encoding="utf-8"?>
 <ds:datastoreItem xmlns:ds="http://schemas.openxmlformats.org/officeDocument/2006/customXml" ds:itemID="{4B31267F-D399-4A8A-87F8-B75F56828412}">
   <ds:schemaRefs>
     <ds:schemaRef ds:uri="http://www.w3.org/XML/1998/namespace"/>
@@ -28866,14 +31031,6 @@
     <ds:schemaRef ds:uri="http://schemas.openxmlformats.org/package/2006/metadata/core-properties"/>
     <ds:schemaRef ds:uri="http://schemas.microsoft.com/office/2006/metadata/properties"/>
     <ds:schemaRef ds:uri="http://purl.org/dc/terms/"/>
-  </ds:schemaRefs>
-</ds:datastoreItem>
-</file>
-
-<file path=customXml/itemProps2.xml><?xml version="1.0" encoding="utf-8"?>
-<ds:datastoreItem xmlns:ds="http://schemas.openxmlformats.org/officeDocument/2006/customXml" ds:itemID="{E2481852-F24E-4532-AF30-C154D705D105}">
-  <ds:schemaRefs>
-    <ds:schemaRef ds:uri="http://schemas.microsoft.com/sharepoint/v3/contenttype/forms"/>
   </ds:schemaRefs>
 </ds:datastoreItem>
 </file>

--- a/Documentos/Status Report/StatusReport.pptx
+++ b/Documentos/Status Report/StatusReport.pptx
@@ -7,10 +7,10 @@
     <p:sldMasterId id="2147483665" r:id="rId6"/>
   </p:sldMasterIdLst>
   <p:notesMasterIdLst>
-    <p:notesMasterId r:id="rId12"/>
+    <p:notesMasterId r:id="rId13"/>
   </p:notesMasterIdLst>
   <p:handoutMasterIdLst>
-    <p:handoutMasterId r:id="rId13"/>
+    <p:handoutMasterId r:id="rId14"/>
   </p:handoutMasterIdLst>
   <p:sldIdLst>
     <p:sldId id="472" r:id="rId7"/>
@@ -18,6 +18,7 @@
     <p:sldId id="483" r:id="rId9"/>
     <p:sldId id="484" r:id="rId10"/>
     <p:sldId id="485" r:id="rId11"/>
+    <p:sldId id="486" r:id="rId12"/>
   </p:sldIdLst>
   <p:sldSz cx="13442950" cy="7561263"/>
   <p:notesSz cx="7104063" cy="10234613"/>
@@ -129,6 +130,7 @@
             <p14:sldId id="483"/>
             <p14:sldId id="484"/>
             <p14:sldId id="485"/>
+            <p14:sldId id="486"/>
           </p14:sldIdLst>
         </p14:section>
       </p14:sectionLst>
@@ -149,460 +151,6 @@
     </p:ext>
   </p:extLst>
 </p:presentation>
-</file>
-
-<file path=ppt/revisionInfo.xml><?xml version="1.0" encoding="utf-8"?>
-<p1510:revInfo xmlns:a="http://schemas.openxmlformats.org/drawingml/2006/main" xmlns:r="http://schemas.openxmlformats.org/officeDocument/2006/relationships" xmlns:p1510="http://schemas.microsoft.com/office/powerpoint/2015/10/main">
-  <p1510:revLst>
-    <p1510:client id="{F9C9C19C-987F-4522-8941-89CCA1CA217B}" v="7" dt="2022-03-03T23:15:36.460"/>
-  </p1510:revLst>
-</p1510:revInfo>
-</file>
-
-<file path=ppt/changesInfos/changesInfo1.xml><?xml version="1.0" encoding="utf-8"?>
-<pc:chgInfo xmlns:a="http://schemas.openxmlformats.org/drawingml/2006/main" xmlns:r="http://schemas.openxmlformats.org/officeDocument/2006/relationships" xmlns:ac="http://schemas.microsoft.com/office/drawing/2013/main/command" xmlns:pc="http://schemas.microsoft.com/office/powerpoint/2013/main/command">
-  <pc:docChgLst>
-    <pc:chgData name="Ferreira, Vinicius Novais" userId="cbb4d67d-f9b3-40c7-a629-1bdeb4d5c819" providerId="ADAL" clId="{F9C9C19C-987F-4522-8941-89CCA1CA217B}"/>
-    <pc:docChg chg="undo custSel addSld delSld modSld modSection">
-      <pc:chgData name="Ferreira, Vinicius Novais" userId="cbb4d67d-f9b3-40c7-a629-1bdeb4d5c819" providerId="ADAL" clId="{F9C9C19C-987F-4522-8941-89CCA1CA217B}" dt="2022-03-03T23:27:17.908" v="1910" actId="20577"/>
-      <pc:docMkLst>
-        <pc:docMk/>
-      </pc:docMkLst>
-      <pc:sldChg chg="del">
-        <pc:chgData name="Ferreira, Vinicius Novais" userId="cbb4d67d-f9b3-40c7-a629-1bdeb4d5c819" providerId="ADAL" clId="{F9C9C19C-987F-4522-8941-89CCA1CA217B}" dt="2022-02-15T13:49:32.436" v="1" actId="47"/>
-        <pc:sldMkLst>
-          <pc:docMk/>
-          <pc:sldMk cId="2966653505" sldId="256"/>
-        </pc:sldMkLst>
-      </pc:sldChg>
-      <pc:sldChg chg="del">
-        <pc:chgData name="Ferreira, Vinicius Novais" userId="cbb4d67d-f9b3-40c7-a629-1bdeb4d5c819" providerId="ADAL" clId="{F9C9C19C-987F-4522-8941-89CCA1CA217B}" dt="2022-02-15T13:49:34.944" v="4" actId="47"/>
-        <pc:sldMkLst>
-          <pc:docMk/>
-          <pc:sldMk cId="2008643402" sldId="471"/>
-        </pc:sldMkLst>
-      </pc:sldChg>
-      <pc:sldChg chg="addSp delSp modSp mod">
-        <pc:chgData name="Ferreira, Vinicius Novais" userId="cbb4d67d-f9b3-40c7-a629-1bdeb4d5c819" providerId="ADAL" clId="{F9C9C19C-987F-4522-8941-89CCA1CA217B}" dt="2022-02-15T13:50:03.204" v="14" actId="14100"/>
-        <pc:sldMkLst>
-          <pc:docMk/>
-          <pc:sldMk cId="3924471410" sldId="472"/>
-        </pc:sldMkLst>
-        <pc:picChg chg="del">
-          <ac:chgData name="Ferreira, Vinicius Novais" userId="cbb4d67d-f9b3-40c7-a629-1bdeb4d5c819" providerId="ADAL" clId="{F9C9C19C-987F-4522-8941-89CCA1CA217B}" dt="2022-02-15T13:49:53.352" v="12" actId="478"/>
-          <ac:picMkLst>
-            <pc:docMk/>
-            <pc:sldMk cId="3924471410" sldId="472"/>
-            <ac:picMk id="4" creationId="{E7CF29AE-5384-4F91-935A-99AC4B548DA6}"/>
-          </ac:picMkLst>
-        </pc:picChg>
-        <pc:picChg chg="del">
-          <ac:chgData name="Ferreira, Vinicius Novais" userId="cbb4d67d-f9b3-40c7-a629-1bdeb4d5c819" providerId="ADAL" clId="{F9C9C19C-987F-4522-8941-89CCA1CA217B}" dt="2022-02-15T13:49:52.240" v="11" actId="478"/>
-          <ac:picMkLst>
-            <pc:docMk/>
-            <pc:sldMk cId="3924471410" sldId="472"/>
-            <ac:picMk id="5" creationId="{DBAA3107-163B-43CA-ABD5-81E8E72D7EA4}"/>
-          </ac:picMkLst>
-        </pc:picChg>
-        <pc:picChg chg="add mod">
-          <ac:chgData name="Ferreira, Vinicius Novais" userId="cbb4d67d-f9b3-40c7-a629-1bdeb4d5c819" providerId="ADAL" clId="{F9C9C19C-987F-4522-8941-89CCA1CA217B}" dt="2022-02-15T13:50:03.204" v="14" actId="14100"/>
-          <ac:picMkLst>
-            <pc:docMk/>
-            <pc:sldMk cId="3924471410" sldId="472"/>
-            <ac:picMk id="6" creationId="{660F72DF-62FD-4973-BCC8-1902D3E1B8EA}"/>
-          </ac:picMkLst>
-        </pc:picChg>
-      </pc:sldChg>
-      <pc:sldChg chg="del">
-        <pc:chgData name="Ferreira, Vinicius Novais" userId="cbb4d67d-f9b3-40c7-a629-1bdeb4d5c819" providerId="ADAL" clId="{F9C9C19C-987F-4522-8941-89CCA1CA217B}" dt="2022-02-15T13:49:38.483" v="8" actId="47"/>
-        <pc:sldMkLst>
-          <pc:docMk/>
-          <pc:sldMk cId="2371291759" sldId="473"/>
-        </pc:sldMkLst>
-      </pc:sldChg>
-      <pc:sldChg chg="del">
-        <pc:chgData name="Ferreira, Vinicius Novais" userId="cbb4d67d-f9b3-40c7-a629-1bdeb4d5c819" providerId="ADAL" clId="{F9C9C19C-987F-4522-8941-89CCA1CA217B}" dt="2022-02-15T13:49:37.695" v="7" actId="47"/>
-        <pc:sldMkLst>
-          <pc:docMk/>
-          <pc:sldMk cId="1392474411" sldId="474"/>
-        </pc:sldMkLst>
-      </pc:sldChg>
-      <pc:sldChg chg="del">
-        <pc:chgData name="Ferreira, Vinicius Novais" userId="cbb4d67d-f9b3-40c7-a629-1bdeb4d5c819" providerId="ADAL" clId="{F9C9C19C-987F-4522-8941-89CCA1CA217B}" dt="2022-02-15T13:49:36.941" v="6" actId="47"/>
-        <pc:sldMkLst>
-          <pc:docMk/>
-          <pc:sldMk cId="3644213866" sldId="475"/>
-        </pc:sldMkLst>
-      </pc:sldChg>
-      <pc:sldChg chg="del">
-        <pc:chgData name="Ferreira, Vinicius Novais" userId="cbb4d67d-f9b3-40c7-a629-1bdeb4d5c819" providerId="ADAL" clId="{F9C9C19C-987F-4522-8941-89CCA1CA217B}" dt="2022-02-15T13:49:35.721" v="5" actId="47"/>
-        <pc:sldMkLst>
-          <pc:docMk/>
-          <pc:sldMk cId="1346474434" sldId="476"/>
-        </pc:sldMkLst>
-      </pc:sldChg>
-      <pc:sldChg chg="del">
-        <pc:chgData name="Ferreira, Vinicius Novais" userId="cbb4d67d-f9b3-40c7-a629-1bdeb4d5c819" providerId="ADAL" clId="{F9C9C19C-987F-4522-8941-89CCA1CA217B}" dt="2022-02-15T13:49:39.262" v="9" actId="47"/>
-        <pc:sldMkLst>
-          <pc:docMk/>
-          <pc:sldMk cId="3623469582" sldId="477"/>
-        </pc:sldMkLst>
-      </pc:sldChg>
-      <pc:sldChg chg="del">
-        <pc:chgData name="Ferreira, Vinicius Novais" userId="cbb4d67d-f9b3-40c7-a629-1bdeb4d5c819" providerId="ADAL" clId="{F9C9C19C-987F-4522-8941-89CCA1CA217B}" dt="2022-02-15T13:49:34.297" v="3" actId="47"/>
-        <pc:sldMkLst>
-          <pc:docMk/>
-          <pc:sldMk cId="4097448176" sldId="478"/>
-        </pc:sldMkLst>
-      </pc:sldChg>
-      <pc:sldChg chg="del">
-        <pc:chgData name="Ferreira, Vinicius Novais" userId="cbb4d67d-f9b3-40c7-a629-1bdeb4d5c819" providerId="ADAL" clId="{F9C9C19C-987F-4522-8941-89CCA1CA217B}" dt="2022-02-15T13:49:33.285" v="2" actId="47"/>
-        <pc:sldMkLst>
-          <pc:docMk/>
-          <pc:sldMk cId="573143720" sldId="479"/>
-        </pc:sldMkLst>
-      </pc:sldChg>
-      <pc:sldChg chg="del">
-        <pc:chgData name="Ferreira, Vinicius Novais" userId="cbb4d67d-f9b3-40c7-a629-1bdeb4d5c819" providerId="ADAL" clId="{F9C9C19C-987F-4522-8941-89CCA1CA217B}" dt="2022-02-15T13:49:31.164" v="0" actId="47"/>
-        <pc:sldMkLst>
-          <pc:docMk/>
-          <pc:sldMk cId="581679171" sldId="480"/>
-        </pc:sldMkLst>
-      </pc:sldChg>
-      <pc:sldChg chg="del">
-        <pc:chgData name="Ferreira, Vinicius Novais" userId="cbb4d67d-f9b3-40c7-a629-1bdeb4d5c819" providerId="ADAL" clId="{F9C9C19C-987F-4522-8941-89CCA1CA217B}" dt="2022-02-15T13:49:40.216" v="10" actId="47"/>
-        <pc:sldMkLst>
-          <pc:docMk/>
-          <pc:sldMk cId="431365772" sldId="481"/>
-        </pc:sldMkLst>
-      </pc:sldChg>
-      <pc:sldChg chg="addSp delSp modSp mod">
-        <pc:chgData name="Ferreira, Vinicius Novais" userId="cbb4d67d-f9b3-40c7-a629-1bdeb4d5c819" providerId="ADAL" clId="{F9C9C19C-987F-4522-8941-89CCA1CA217B}" dt="2022-02-22T12:09:46.673" v="1441" actId="1035"/>
-        <pc:sldMkLst>
-          <pc:docMk/>
-          <pc:sldMk cId="1871888551" sldId="482"/>
-        </pc:sldMkLst>
-        <pc:spChg chg="add mod">
-          <ac:chgData name="Ferreira, Vinicius Novais" userId="cbb4d67d-f9b3-40c7-a629-1bdeb4d5c819" providerId="ADAL" clId="{F9C9C19C-987F-4522-8941-89CCA1CA217B}" dt="2022-02-22T12:09:43.033" v="1436" actId="1036"/>
-          <ac:spMkLst>
-            <pc:docMk/>
-            <pc:sldMk cId="1871888551" sldId="482"/>
-            <ac:spMk id="2" creationId="{B60E53B6-5296-4D28-8BB7-4463C1D01063}"/>
-          </ac:spMkLst>
-        </pc:spChg>
-        <pc:spChg chg="add mod">
-          <ac:chgData name="Ferreira, Vinicius Novais" userId="cbb4d67d-f9b3-40c7-a629-1bdeb4d5c819" providerId="ADAL" clId="{F9C9C19C-987F-4522-8941-89CCA1CA217B}" dt="2022-02-15T14:05:18.728" v="824" actId="255"/>
-          <ac:spMkLst>
-            <pc:docMk/>
-            <pc:sldMk cId="1871888551" sldId="482"/>
-            <ac:spMk id="4" creationId="{9F47C350-4CB5-466C-B2DC-CBD9ED7F64B2}"/>
-          </ac:spMkLst>
-        </pc:spChg>
-        <pc:spChg chg="mod">
-          <ac:chgData name="Ferreira, Vinicius Novais" userId="cbb4d67d-f9b3-40c7-a629-1bdeb4d5c819" providerId="ADAL" clId="{F9C9C19C-987F-4522-8941-89CCA1CA217B}" dt="2022-02-15T13:50:36.374" v="24" actId="20577"/>
-          <ac:spMkLst>
-            <pc:docMk/>
-            <pc:sldMk cId="1871888551" sldId="482"/>
-            <ac:spMk id="21" creationId="{C488E075-24DD-4CAC-A846-48FBDF28D797}"/>
-          </ac:spMkLst>
-        </pc:spChg>
-        <pc:spChg chg="mod">
-          <ac:chgData name="Ferreira, Vinicius Novais" userId="cbb4d67d-f9b3-40c7-a629-1bdeb4d5c819" providerId="ADAL" clId="{F9C9C19C-987F-4522-8941-89CCA1CA217B}" dt="2022-02-15T14:06:42.270" v="907" actId="113"/>
-          <ac:spMkLst>
-            <pc:docMk/>
-            <pc:sldMk cId="1871888551" sldId="482"/>
-            <ac:spMk id="32" creationId="{224F3AF8-BD84-4D63-8F6E-083FA677F2DB}"/>
-          </ac:spMkLst>
-        </pc:spChg>
-        <pc:spChg chg="mod">
-          <ac:chgData name="Ferreira, Vinicius Novais" userId="cbb4d67d-f9b3-40c7-a629-1bdeb4d5c819" providerId="ADAL" clId="{F9C9C19C-987F-4522-8941-89CCA1CA217B}" dt="2022-02-15T14:06:50.852" v="910" actId="113"/>
-          <ac:spMkLst>
-            <pc:docMk/>
-            <pc:sldMk cId="1871888551" sldId="482"/>
-            <ac:spMk id="33" creationId="{F0F9D098-FF4D-4A23-BBE2-370207E68022}"/>
-          </ac:spMkLst>
-        </pc:spChg>
-        <pc:spChg chg="mod">
-          <ac:chgData name="Ferreira, Vinicius Novais" userId="cbb4d67d-f9b3-40c7-a629-1bdeb4d5c819" providerId="ADAL" clId="{F9C9C19C-987F-4522-8941-89CCA1CA217B}" dt="2022-02-15T13:51:13.018" v="26" actId="207"/>
-          <ac:spMkLst>
-            <pc:docMk/>
-            <pc:sldMk cId="1871888551" sldId="482"/>
-            <ac:spMk id="34" creationId="{B57AA8A8-84FD-48DE-BA43-08D253C6F275}"/>
-          </ac:spMkLst>
-        </pc:spChg>
-        <pc:spChg chg="mod">
-          <ac:chgData name="Ferreira, Vinicius Novais" userId="cbb4d67d-f9b3-40c7-a629-1bdeb4d5c819" providerId="ADAL" clId="{F9C9C19C-987F-4522-8941-89CCA1CA217B}" dt="2022-02-15T13:51:08.703" v="25" actId="207"/>
-          <ac:spMkLst>
-            <pc:docMk/>
-            <pc:sldMk cId="1871888551" sldId="482"/>
-            <ac:spMk id="35" creationId="{DAAADCBD-ECD9-4B5D-A8E0-075FB6F9BED7}"/>
-          </ac:spMkLst>
-        </pc:spChg>
-        <pc:spChg chg="add mod">
-          <ac:chgData name="Ferreira, Vinicius Novais" userId="cbb4d67d-f9b3-40c7-a629-1bdeb4d5c819" providerId="ADAL" clId="{F9C9C19C-987F-4522-8941-89CCA1CA217B}" dt="2022-02-15T14:07:27.410" v="916" actId="1035"/>
-          <ac:spMkLst>
-            <pc:docMk/>
-            <pc:sldMk cId="1871888551" sldId="482"/>
-            <ac:spMk id="39" creationId="{8ACE77DB-7A0A-4BC8-8D52-875743F65432}"/>
-          </ac:spMkLst>
-        </pc:spChg>
-        <pc:spChg chg="add del mod">
-          <ac:chgData name="Ferreira, Vinicius Novais" userId="cbb4d67d-f9b3-40c7-a629-1bdeb4d5c819" providerId="ADAL" clId="{F9C9C19C-987F-4522-8941-89CCA1CA217B}" dt="2022-02-22T11:48:27.481" v="1066"/>
-          <ac:spMkLst>
-            <pc:docMk/>
-            <pc:sldMk cId="1871888551" sldId="482"/>
-            <ac:spMk id="40" creationId="{462C09F0-1270-4C9F-9783-CC87F0AEC8FA}"/>
-          </ac:spMkLst>
-        </pc:spChg>
-        <pc:spChg chg="add mod">
-          <ac:chgData name="Ferreira, Vinicius Novais" userId="cbb4d67d-f9b3-40c7-a629-1bdeb4d5c819" providerId="ADAL" clId="{F9C9C19C-987F-4522-8941-89CCA1CA217B}" dt="2022-02-22T11:49:15.836" v="1081" actId="1035"/>
-          <ac:spMkLst>
-            <pc:docMk/>
-            <pc:sldMk cId="1871888551" sldId="482"/>
-            <ac:spMk id="41" creationId="{3A37FF42-F1FD-416E-AAD7-A80DC7672FC8}"/>
-          </ac:spMkLst>
-        </pc:spChg>
-        <pc:spChg chg="add del mod">
-          <ac:chgData name="Ferreira, Vinicius Novais" userId="cbb4d67d-f9b3-40c7-a629-1bdeb4d5c819" providerId="ADAL" clId="{F9C9C19C-987F-4522-8941-89CCA1CA217B}" dt="2022-02-22T12:04:32.497" v="1267" actId="478"/>
-          <ac:spMkLst>
-            <pc:docMk/>
-            <pc:sldMk cId="1871888551" sldId="482"/>
-            <ac:spMk id="42" creationId="{506D20DE-D195-4C2F-8029-333F25DFAC4A}"/>
-          </ac:spMkLst>
-        </pc:spChg>
-        <pc:spChg chg="add mod">
-          <ac:chgData name="Ferreira, Vinicius Novais" userId="cbb4d67d-f9b3-40c7-a629-1bdeb4d5c819" providerId="ADAL" clId="{F9C9C19C-987F-4522-8941-89CCA1CA217B}" dt="2022-02-22T12:09:46.673" v="1441" actId="1035"/>
-          <ac:spMkLst>
-            <pc:docMk/>
-            <pc:sldMk cId="1871888551" sldId="482"/>
-            <ac:spMk id="43" creationId="{53F8A22D-182B-4E44-94A4-AFA4B71FFD84}"/>
-          </ac:spMkLst>
-        </pc:spChg>
-      </pc:sldChg>
-      <pc:sldChg chg="addSp delSp modSp add mod">
-        <pc:chgData name="Ferreira, Vinicius Novais" userId="cbb4d67d-f9b3-40c7-a629-1bdeb4d5c819" providerId="ADAL" clId="{F9C9C19C-987F-4522-8941-89CCA1CA217B}" dt="2022-03-03T23:17:17.346" v="1727" actId="20577"/>
-        <pc:sldMkLst>
-          <pc:docMk/>
-          <pc:sldMk cId="3424229560" sldId="483"/>
-        </pc:sldMkLst>
-        <pc:spChg chg="del">
-          <ac:chgData name="Ferreira, Vinicius Novais" userId="cbb4d67d-f9b3-40c7-a629-1bdeb4d5c819" providerId="ADAL" clId="{F9C9C19C-987F-4522-8941-89CCA1CA217B}" dt="2022-02-22T11:50:59.822" v="1180" actId="478"/>
-          <ac:spMkLst>
-            <pc:docMk/>
-            <pc:sldMk cId="3424229560" sldId="483"/>
-            <ac:spMk id="2" creationId="{B60E53B6-5296-4D28-8BB7-4463C1D01063}"/>
-          </ac:spMkLst>
-        </pc:spChg>
-        <pc:spChg chg="mod">
-          <ac:chgData name="Ferreira, Vinicius Novais" userId="cbb4d67d-f9b3-40c7-a629-1bdeb4d5c819" providerId="ADAL" clId="{F9C9C19C-987F-4522-8941-89CCA1CA217B}" dt="2022-02-22T12:10:12.511" v="1444" actId="20577"/>
-          <ac:spMkLst>
-            <pc:docMk/>
-            <pc:sldMk cId="3424229560" sldId="483"/>
-            <ac:spMk id="21" creationId="{C488E075-24DD-4CAC-A846-48FBDF28D797}"/>
-          </ac:spMkLst>
-        </pc:spChg>
-        <pc:spChg chg="mod">
-          <ac:chgData name="Ferreira, Vinicius Novais" userId="cbb4d67d-f9b3-40c7-a629-1bdeb4d5c819" providerId="ADAL" clId="{F9C9C19C-987F-4522-8941-89CCA1CA217B}" dt="2022-03-03T23:15:40.861" v="1692" actId="20577"/>
-          <ac:spMkLst>
-            <pc:docMk/>
-            <pc:sldMk cId="3424229560" sldId="483"/>
-            <ac:spMk id="32" creationId="{224F3AF8-BD84-4D63-8F6E-083FA677F2DB}"/>
-          </ac:spMkLst>
-        </pc:spChg>
-        <pc:spChg chg="mod">
-          <ac:chgData name="Ferreira, Vinicius Novais" userId="cbb4d67d-f9b3-40c7-a629-1bdeb4d5c819" providerId="ADAL" clId="{F9C9C19C-987F-4522-8941-89CCA1CA217B}" dt="2022-03-03T23:17:17.346" v="1727" actId="20577"/>
-          <ac:spMkLst>
-            <pc:docMk/>
-            <pc:sldMk cId="3424229560" sldId="483"/>
-            <ac:spMk id="33" creationId="{F0F9D098-FF4D-4A23-BBE2-370207E68022}"/>
-          </ac:spMkLst>
-        </pc:spChg>
-        <pc:spChg chg="mod">
-          <ac:chgData name="Ferreira, Vinicius Novais" userId="cbb4d67d-f9b3-40c7-a629-1bdeb4d5c819" providerId="ADAL" clId="{F9C9C19C-987F-4522-8941-89CCA1CA217B}" dt="2022-02-22T12:04:14.441" v="1263" actId="20577"/>
-          <ac:spMkLst>
-            <pc:docMk/>
-            <pc:sldMk cId="3424229560" sldId="483"/>
-            <ac:spMk id="39" creationId="{8ACE77DB-7A0A-4BC8-8D52-875743F65432}"/>
-          </ac:spMkLst>
-        </pc:spChg>
-        <pc:spChg chg="del mod">
-          <ac:chgData name="Ferreira, Vinicius Novais" userId="cbb4d67d-f9b3-40c7-a629-1bdeb4d5c819" providerId="ADAL" clId="{F9C9C19C-987F-4522-8941-89CCA1CA217B}" dt="2022-02-22T11:51:03.762" v="1183"/>
-          <ac:spMkLst>
-            <pc:docMk/>
-            <pc:sldMk cId="3424229560" sldId="483"/>
-            <ac:spMk id="40" creationId="{462C09F0-1270-4C9F-9783-CC87F0AEC8FA}"/>
-          </ac:spMkLst>
-        </pc:spChg>
-        <pc:spChg chg="add mod">
-          <ac:chgData name="Ferreira, Vinicius Novais" userId="cbb4d67d-f9b3-40c7-a629-1bdeb4d5c819" providerId="ADAL" clId="{F9C9C19C-987F-4522-8941-89CCA1CA217B}" dt="2022-02-22T11:52:35.888" v="1250" actId="1035"/>
-          <ac:spMkLst>
-            <pc:docMk/>
-            <pc:sldMk cId="3424229560" sldId="483"/>
-            <ac:spMk id="41" creationId="{9F2435F4-D8E1-4B45-ACBE-3E11103411BA}"/>
-          </ac:spMkLst>
-        </pc:spChg>
-        <pc:spChg chg="add mod">
-          <ac:chgData name="Ferreira, Vinicius Novais" userId="cbb4d67d-f9b3-40c7-a629-1bdeb4d5c819" providerId="ADAL" clId="{F9C9C19C-987F-4522-8941-89CCA1CA217B}" dt="2022-02-22T11:52:30.214" v="1247" actId="1037"/>
-          <ac:spMkLst>
-            <pc:docMk/>
-            <pc:sldMk cId="3424229560" sldId="483"/>
-            <ac:spMk id="42" creationId="{A612A69C-3AD8-4157-B1D4-B831D3F14F61}"/>
-          </ac:spMkLst>
-        </pc:spChg>
-        <pc:spChg chg="add mod">
-          <ac:chgData name="Ferreira, Vinicius Novais" userId="cbb4d67d-f9b3-40c7-a629-1bdeb4d5c819" providerId="ADAL" clId="{F9C9C19C-987F-4522-8941-89CCA1CA217B}" dt="2022-02-22T12:07:07.039" v="1350" actId="1037"/>
-          <ac:spMkLst>
-            <pc:docMk/>
-            <pc:sldMk cId="3424229560" sldId="483"/>
-            <ac:spMk id="43" creationId="{B00F4A3F-EDE2-489C-8C3A-91F9B7B75AAD}"/>
-          </ac:spMkLst>
-        </pc:spChg>
-      </pc:sldChg>
-      <pc:sldChg chg="addSp delSp modSp add mod">
-        <pc:chgData name="Ferreira, Vinicius Novais" userId="cbb4d67d-f9b3-40c7-a629-1bdeb4d5c819" providerId="ADAL" clId="{F9C9C19C-987F-4522-8941-89CCA1CA217B}" dt="2022-03-03T23:27:17.908" v="1910" actId="20577"/>
-        <pc:sldMkLst>
-          <pc:docMk/>
-          <pc:sldMk cId="3664926626" sldId="484"/>
-        </pc:sldMkLst>
-        <pc:spChg chg="mod">
-          <ac:chgData name="Ferreira, Vinicius Novais" userId="cbb4d67d-f9b3-40c7-a629-1bdeb4d5c819" providerId="ADAL" clId="{F9C9C19C-987F-4522-8941-89CCA1CA217B}" dt="2022-03-03T23:10:46.947" v="1453" actId="20577"/>
-          <ac:spMkLst>
-            <pc:docMk/>
-            <pc:sldMk cId="3664926626" sldId="484"/>
-            <ac:spMk id="21" creationId="{C488E075-24DD-4CAC-A846-48FBDF28D797}"/>
-          </ac:spMkLst>
-        </pc:spChg>
-        <pc:spChg chg="mod">
-          <ac:chgData name="Ferreira, Vinicius Novais" userId="cbb4d67d-f9b3-40c7-a629-1bdeb4d5c819" providerId="ADAL" clId="{F9C9C19C-987F-4522-8941-89CCA1CA217B}" dt="2022-03-03T23:14:07.294" v="1611" actId="207"/>
-          <ac:spMkLst>
-            <pc:docMk/>
-            <pc:sldMk cId="3664926626" sldId="484"/>
-            <ac:spMk id="23" creationId="{D512B11E-A0D6-43B9-9FAB-A12852EB997C}"/>
-          </ac:spMkLst>
-        </pc:spChg>
-        <pc:spChg chg="mod">
-          <ac:chgData name="Ferreira, Vinicius Novais" userId="cbb4d67d-f9b3-40c7-a629-1bdeb4d5c819" providerId="ADAL" clId="{F9C9C19C-987F-4522-8941-89CCA1CA217B}" dt="2022-03-03T23:14:27.962" v="1613" actId="207"/>
-          <ac:spMkLst>
-            <pc:docMk/>
-            <pc:sldMk cId="3664926626" sldId="484"/>
-            <ac:spMk id="27" creationId="{E0659533-7794-44EF-87B8-DFFD796E8DCB}"/>
-          </ac:spMkLst>
-        </pc:spChg>
-        <pc:spChg chg="mod">
-          <ac:chgData name="Ferreira, Vinicius Novais" userId="cbb4d67d-f9b3-40c7-a629-1bdeb4d5c819" providerId="ADAL" clId="{F9C9C19C-987F-4522-8941-89CCA1CA217B}" dt="2022-03-03T23:25:58.138" v="1833" actId="21"/>
-          <ac:spMkLst>
-            <pc:docMk/>
-            <pc:sldMk cId="3664926626" sldId="484"/>
-            <ac:spMk id="32" creationId="{224F3AF8-BD84-4D63-8F6E-083FA677F2DB}"/>
-          </ac:spMkLst>
-        </pc:spChg>
-        <pc:spChg chg="mod">
-          <ac:chgData name="Ferreira, Vinicius Novais" userId="cbb4d67d-f9b3-40c7-a629-1bdeb4d5c819" providerId="ADAL" clId="{F9C9C19C-987F-4522-8941-89CCA1CA217B}" dt="2022-03-03T23:27:17.908" v="1910" actId="20577"/>
-          <ac:spMkLst>
-            <pc:docMk/>
-            <pc:sldMk cId="3664926626" sldId="484"/>
-            <ac:spMk id="33" creationId="{F0F9D098-FF4D-4A23-BBE2-370207E68022}"/>
-          </ac:spMkLst>
-        </pc:spChg>
-        <pc:spChg chg="mod">
-          <ac:chgData name="Ferreira, Vinicius Novais" userId="cbb4d67d-f9b3-40c7-a629-1bdeb4d5c819" providerId="ADAL" clId="{F9C9C19C-987F-4522-8941-89CCA1CA217B}" dt="2022-03-03T23:14:02.103" v="1609" actId="207"/>
-          <ac:spMkLst>
-            <pc:docMk/>
-            <pc:sldMk cId="3664926626" sldId="484"/>
-            <ac:spMk id="34" creationId="{B57AA8A8-84FD-48DE-BA43-08D253C6F275}"/>
-          </ac:spMkLst>
-        </pc:spChg>
-        <pc:spChg chg="mod">
-          <ac:chgData name="Ferreira, Vinicius Novais" userId="cbb4d67d-f9b3-40c7-a629-1bdeb4d5c819" providerId="ADAL" clId="{F9C9C19C-987F-4522-8941-89CCA1CA217B}" dt="2022-03-03T23:14:09.447" v="1612" actId="207"/>
-          <ac:spMkLst>
-            <pc:docMk/>
-            <pc:sldMk cId="3664926626" sldId="484"/>
-            <ac:spMk id="38" creationId="{AC71B70F-2DA1-4D18-9AC0-DCFDF0FE0D5C}"/>
-          </ac:spMkLst>
-        </pc:spChg>
-        <pc:spChg chg="del mod">
-          <ac:chgData name="Ferreira, Vinicius Novais" userId="cbb4d67d-f9b3-40c7-a629-1bdeb4d5c819" providerId="ADAL" clId="{F9C9C19C-987F-4522-8941-89CCA1CA217B}" dt="2022-03-03T23:13:19.809" v="1608"/>
-          <ac:spMkLst>
-            <pc:docMk/>
-            <pc:sldMk cId="3664926626" sldId="484"/>
-            <ac:spMk id="39" creationId="{8ACE77DB-7A0A-4BC8-8D52-875743F65432}"/>
-          </ac:spMkLst>
-        </pc:spChg>
-        <pc:spChg chg="add mod">
-          <ac:chgData name="Ferreira, Vinicius Novais" userId="cbb4d67d-f9b3-40c7-a629-1bdeb4d5c819" providerId="ADAL" clId="{F9C9C19C-987F-4522-8941-89CCA1CA217B}" dt="2022-03-03T23:23:52.920" v="1734" actId="1076"/>
-          <ac:spMkLst>
-            <pc:docMk/>
-            <pc:sldMk cId="3664926626" sldId="484"/>
-            <ac:spMk id="39" creationId="{EB78EF16-BB72-4778-B7F6-94D832528375}"/>
-          </ac:spMkLst>
-        </pc:spChg>
-        <pc:spChg chg="add mod">
-          <ac:chgData name="Ferreira, Vinicius Novais" userId="cbb4d67d-f9b3-40c7-a629-1bdeb4d5c819" providerId="ADAL" clId="{F9C9C19C-987F-4522-8941-89CCA1CA217B}" dt="2022-03-03T23:26:21.605" v="1847" actId="1035"/>
-          <ac:spMkLst>
-            <pc:docMk/>
-            <pc:sldMk cId="3664926626" sldId="484"/>
-            <ac:spMk id="40" creationId="{4B72F105-FFC8-4FEA-A709-130DB99E3B41}"/>
-          </ac:spMkLst>
-        </pc:spChg>
-        <pc:spChg chg="add mod">
-          <ac:chgData name="Ferreira, Vinicius Novais" userId="cbb4d67d-f9b3-40c7-a629-1bdeb4d5c819" providerId="ADAL" clId="{F9C9C19C-987F-4522-8941-89CCA1CA217B}" dt="2022-03-03T23:24:42.725" v="1800" actId="20577"/>
-          <ac:spMkLst>
-            <pc:docMk/>
-            <pc:sldMk cId="3664926626" sldId="484"/>
-            <ac:spMk id="41" creationId="{793BD65D-A330-49DB-A661-F7C2F30C8E5B}"/>
-          </ac:spMkLst>
-        </pc:spChg>
-        <pc:spChg chg="del mod">
-          <ac:chgData name="Ferreira, Vinicius Novais" userId="cbb4d67d-f9b3-40c7-a629-1bdeb4d5c819" providerId="ADAL" clId="{F9C9C19C-987F-4522-8941-89CCA1CA217B}" dt="2022-03-03T23:13:19.809" v="1606"/>
-          <ac:spMkLst>
-            <pc:docMk/>
-            <pc:sldMk cId="3664926626" sldId="484"/>
-            <ac:spMk id="41" creationId="{9F2435F4-D8E1-4B45-ACBE-3E11103411BA}"/>
-          </ac:spMkLst>
-        </pc:spChg>
-        <pc:spChg chg="del mod">
-          <ac:chgData name="Ferreira, Vinicius Novais" userId="cbb4d67d-f9b3-40c7-a629-1bdeb4d5c819" providerId="ADAL" clId="{F9C9C19C-987F-4522-8941-89CCA1CA217B}" dt="2022-03-03T23:13:19.808" v="1604"/>
-          <ac:spMkLst>
-            <pc:docMk/>
-            <pc:sldMk cId="3664926626" sldId="484"/>
-            <ac:spMk id="42" creationId="{A612A69C-3AD8-4157-B1D4-B831D3F14F61}"/>
-          </ac:spMkLst>
-        </pc:spChg>
-        <pc:spChg chg="add del">
-          <ac:chgData name="Ferreira, Vinicius Novais" userId="cbb4d67d-f9b3-40c7-a629-1bdeb4d5c819" providerId="ADAL" clId="{F9C9C19C-987F-4522-8941-89CCA1CA217B}" dt="2022-03-03T23:25:57.513" v="1832" actId="22"/>
-          <ac:spMkLst>
-            <pc:docMk/>
-            <pc:sldMk cId="3664926626" sldId="484"/>
-            <ac:spMk id="42" creationId="{E187149F-1B21-42F7-8FEF-69C427779431}"/>
-          </ac:spMkLst>
-        </pc:spChg>
-        <pc:spChg chg="mod">
-          <ac:chgData name="Ferreira, Vinicius Novais" userId="cbb4d67d-f9b3-40c7-a629-1bdeb4d5c819" providerId="ADAL" clId="{F9C9C19C-987F-4522-8941-89CCA1CA217B}" dt="2022-03-03T23:26:36.543" v="1864" actId="1036"/>
-          <ac:spMkLst>
-            <pc:docMk/>
-            <pc:sldMk cId="3664926626" sldId="484"/>
-            <ac:spMk id="43" creationId="{B00F4A3F-EDE2-489C-8C3A-91F9B7B75AAD}"/>
-          </ac:spMkLst>
-        </pc:spChg>
-      </pc:sldChg>
-      <pc:sldMasterChg chg="delSldLayout">
-        <pc:chgData name="Ferreira, Vinicius Novais" userId="cbb4d67d-f9b3-40c7-a629-1bdeb4d5c819" providerId="ADAL" clId="{F9C9C19C-987F-4522-8941-89CCA1CA217B}" dt="2022-02-15T13:49:32.436" v="1" actId="47"/>
-        <pc:sldMasterMkLst>
-          <pc:docMk/>
-          <pc:sldMasterMk cId="0" sldId="2147483656"/>
-        </pc:sldMasterMkLst>
-        <pc:sldLayoutChg chg="del">
-          <pc:chgData name="Ferreira, Vinicius Novais" userId="cbb4d67d-f9b3-40c7-a629-1bdeb4d5c819" providerId="ADAL" clId="{F9C9C19C-987F-4522-8941-89CCA1CA217B}" dt="2022-02-15T13:49:32.436" v="1" actId="47"/>
-          <pc:sldLayoutMkLst>
-            <pc:docMk/>
-            <pc:sldMasterMk cId="0" sldId="2147483656"/>
-            <pc:sldLayoutMk cId="87114978" sldId="2147483668"/>
-          </pc:sldLayoutMkLst>
-        </pc:sldLayoutChg>
-      </pc:sldMasterChg>
-    </pc:docChg>
-  </pc:docChgLst>
-</pc:chgInfo>
 </file>
 
 <file path=ppt/handoutMasters/handoutMaster1.xml><?xml version="1.0" encoding="utf-8"?>
@@ -688,7 +236,7 @@
             <a:fld id="{C3CD65D1-5C11-455D-9F9A-0E035F00A0DA}" type="datetimeFigureOut">
               <a:rPr lang="pt-BR" smtClean="0"/>
               <a:pPr/>
-              <a:t>08/03/2022</a:t>
+              <a:t>14/03/2022</a:t>
             </a:fld>
             <a:endParaRPr lang="pt-BR"/>
           </a:p>
@@ -755,7 +303,7 @@
             <a:fld id="{CA8E3B7C-E4AE-4E9E-8479-7C668141D483}" type="slidenum">
               <a:rPr lang="pt-BR" smtClean="0"/>
               <a:pPr/>
-              <a:t>‹nº›</a:t>
+              <a:t>‹#›</a:t>
             </a:fld>
             <a:endParaRPr lang="pt-BR"/>
           </a:p>
@@ -856,7 +404,7 @@
             <a:fld id="{A05DA3EF-18EA-43DE-B1BB-402A3C558822}" type="datetimeFigureOut">
               <a:rPr lang="pt-BR" smtClean="0"/>
               <a:pPr/>
-              <a:t>08/03/2022</a:t>
+              <a:t>14/03/2022</a:t>
             </a:fld>
             <a:endParaRPr lang="pt-BR"/>
           </a:p>
@@ -1017,7 +565,7 @@
             <a:fld id="{75B3645A-D0AE-4F6E-A17E-E0036A9041AF}" type="slidenum">
               <a:rPr lang="pt-BR" smtClean="0"/>
               <a:pPr/>
-              <a:t>‹nº›</a:t>
+              <a:t>‹#›</a:t>
             </a:fld>
             <a:endParaRPr lang="pt-BR"/>
           </a:p>
@@ -4544,7 +4092,7 @@
               <a:pPr>
                 <a:defRPr/>
               </a:pPr>
-              <a:t>‹nº›</a:t>
+              <a:t>‹#›</a:t>
             </a:fld>
             <a:endParaRPr lang="pt-BR" sz="700" dirty="0"/>
           </a:p>
@@ -18853,7 +18401,7 @@
                 </a:solidFill>
               </a:rPr>
               <a:pPr/>
-              <a:t>‹nº›</a:t>
+              <a:t>‹#›</a:t>
             </a:fld>
             <a:endParaRPr lang="pt-BR" dirty="0">
               <a:solidFill>
@@ -19368,7 +18916,7 @@
               <a:pPr>
                 <a:defRPr/>
               </a:pPr>
-              <a:t>‹nº›</a:t>
+              <a:t>‹#›</a:t>
             </a:fld>
             <a:endParaRPr lang="pt-BR" sz="700" dirty="0"/>
           </a:p>
@@ -28107,7 +27655,7 @@
         </p:nvSpPr>
         <p:spPr>
           <a:xfrm>
-            <a:off x="8126053" y="576471"/>
+            <a:off x="8089627" y="576471"/>
             <a:ext cx="899678" cy="179824"/>
           </a:xfrm>
           <a:prstGeom prst="rect">
@@ -28746,68 +28294,6 @@
             <a:endParaRPr lang="pt-BR" sz="1323" b="1" dirty="0">
               <a:solidFill>
                 <a:schemeClr val="tx1"/>
-              </a:solidFill>
-              <a:latin typeface="Exo 2 Medium" panose="00000600000000000000" pitchFamily="50" charset="0"/>
-              <a:cs typeface="Simplon BP Regular"/>
-            </a:endParaRPr>
-          </a:p>
-        </p:txBody>
-      </p:sp>
-      <p:sp>
-        <p:nvSpPr>
-          <p:cNvPr id="34" name="Oval 134">
-            <a:extLst>
-              <a:ext uri="{FF2B5EF4-FFF2-40B4-BE49-F238E27FC236}">
-                <a16:creationId xmlns:a16="http://schemas.microsoft.com/office/drawing/2014/main" id="{B57AA8A8-84FD-48DE-BA43-08D253C6F275}"/>
-              </a:ext>
-            </a:extLst>
-          </p:cNvPr>
-          <p:cNvSpPr>
-            <a:spLocks noChangeAspect="1"/>
-          </p:cNvSpPr>
-          <p:nvPr/>
-        </p:nvSpPr>
-        <p:spPr>
-          <a:xfrm>
-            <a:off x="9287916" y="297930"/>
-            <a:ext cx="211404" cy="211689"/>
-          </a:xfrm>
-          <a:prstGeom prst="ellipse">
-            <a:avLst/>
-          </a:prstGeom>
-          <a:solidFill>
-            <a:srgbClr val="1BCF13"/>
-          </a:solidFill>
-          <a:ln w="12700">
-            <a:solidFill>
-              <a:schemeClr val="accent3"/>
-            </a:solidFill>
-          </a:ln>
-        </p:spPr>
-        <p:style>
-          <a:lnRef idx="2">
-            <a:schemeClr val="accent1">
-              <a:shade val="50000"/>
-            </a:schemeClr>
-          </a:lnRef>
-          <a:fillRef idx="1">
-            <a:schemeClr val="accent1"/>
-          </a:fillRef>
-          <a:effectRef idx="0">
-            <a:schemeClr val="accent1"/>
-          </a:effectRef>
-          <a:fontRef idx="minor">
-            <a:schemeClr val="lt1"/>
-          </a:fontRef>
-        </p:style>
-        <p:txBody>
-          <a:bodyPr wrap="none" lIns="52922" tIns="52922" rIns="52922" rtlCol="0" anchor="ctr"/>
-          <a:lstStyle/>
-          <a:p>
-            <a:pPr algn="ctr" defTabSz="672130"/>
-            <a:endParaRPr lang="en-US" sz="1176" dirty="0">
-              <a:solidFill>
-                <a:srgbClr val="00B050"/>
               </a:solidFill>
               <a:latin typeface="Exo 2 Medium" panose="00000600000000000000" pitchFamily="50" charset="0"/>
               <a:cs typeface="Simplon BP Regular"/>
@@ -29393,10 +28879,10 @@
       </p:sp>
       <p:sp>
         <p:nvSpPr>
-          <p:cNvPr id="42" name="Oval 134">
+          <p:cNvPr id="44" name="Oval 134">
             <a:extLst>
               <a:ext uri="{FF2B5EF4-FFF2-40B4-BE49-F238E27FC236}">
-                <a16:creationId xmlns:a16="http://schemas.microsoft.com/office/drawing/2014/main" id="{26845ED0-DB74-4B4E-8D20-A0A53F48BAAD}"/>
+                <a16:creationId xmlns:a16="http://schemas.microsoft.com/office/drawing/2014/main" id="{F940F8E5-2AB6-48D5-9038-8BE73DF03A7C}"/>
               </a:ext>
             </a:extLst>
           </p:cNvPr>
@@ -29407,7 +28893,7 @@
         </p:nvSpPr>
         <p:spPr>
           <a:xfrm>
-            <a:off x="8443555" y="252239"/>
+            <a:off x="9241755" y="297930"/>
             <a:ext cx="211404" cy="211689"/>
           </a:xfrm>
           <a:prstGeom prst="ellipse">
@@ -29457,6 +28943,1981 @@
     <p:extLst>
       <p:ext uri="{BB962C8B-B14F-4D97-AF65-F5344CB8AC3E}">
         <p14:creationId xmlns:p14="http://schemas.microsoft.com/office/powerpoint/2010/main" val="1064413745"/>
+      </p:ext>
+    </p:extLst>
+  </p:cSld>
+  <p:clrMapOvr>
+    <a:masterClrMapping/>
+  </p:clrMapOvr>
+</p:sld>
+</file>
+
+<file path=ppt/slides/slide6.xml><?xml version="1.0" encoding="utf-8"?>
+<p:sld xmlns:a="http://schemas.openxmlformats.org/drawingml/2006/main" xmlns:r="http://schemas.openxmlformats.org/officeDocument/2006/relationships" xmlns:p="http://schemas.openxmlformats.org/presentationml/2006/main">
+  <p:cSld>
+    <p:spTree>
+      <p:nvGrpSpPr>
+        <p:cNvPr id="1" name=""/>
+        <p:cNvGrpSpPr/>
+        <p:nvPr/>
+      </p:nvGrpSpPr>
+      <p:grpSpPr>
+        <a:xfrm>
+          <a:off x="0" y="0"/>
+          <a:ext cx="0" cy="0"/>
+          <a:chOff x="0" y="0"/>
+          <a:chExt cx="0" cy="0"/>
+        </a:xfrm>
+      </p:grpSpPr>
+      <p:sp>
+        <p:nvSpPr>
+          <p:cNvPr id="3" name="Espaço Reservado para Número de Slide 2">
+            <a:extLst>
+              <a:ext uri="{FF2B5EF4-FFF2-40B4-BE49-F238E27FC236}">
+                <a16:creationId xmlns:a16="http://schemas.microsoft.com/office/drawing/2014/main" id="{25E66A94-914F-497A-A098-71B8A170A7DE}"/>
+              </a:ext>
+            </a:extLst>
+          </p:cNvPr>
+          <p:cNvSpPr>
+            <a:spLocks noGrp="1"/>
+          </p:cNvSpPr>
+          <p:nvPr>
+            <p:ph type="sldNum" sz="quarter" idx="4"/>
+          </p:nvPr>
+        </p:nvSpPr>
+        <p:spPr/>
+        <p:txBody>
+          <a:bodyPr/>
+          <a:lstStyle/>
+          <a:p>
+            <a:fld id="{74850952-3374-434C-8FC6-DE28F8CD25B0}" type="slidenum">
+              <a:rPr lang="pt-BR" smtClean="0">
+                <a:solidFill>
+                  <a:prstClr val="black">
+                    <a:tint val="75000"/>
+                  </a:prstClr>
+                </a:solidFill>
+              </a:rPr>
+              <a:pPr/>
+              <a:t>6</a:t>
+            </a:fld>
+            <a:endParaRPr lang="pt-BR" dirty="0">
+              <a:solidFill>
+                <a:prstClr val="black">
+                  <a:tint val="75000"/>
+                </a:prstClr>
+              </a:solidFill>
+            </a:endParaRPr>
+          </a:p>
+        </p:txBody>
+      </p:sp>
+      <p:sp>
+        <p:nvSpPr>
+          <p:cNvPr id="20" name="Rectangle 42">
+            <a:extLst>
+              <a:ext uri="{FF2B5EF4-FFF2-40B4-BE49-F238E27FC236}">
+                <a16:creationId xmlns:a16="http://schemas.microsoft.com/office/drawing/2014/main" id="{D56D5B31-1798-4A73-939D-5495975295D4}"/>
+              </a:ext>
+            </a:extLst>
+          </p:cNvPr>
+          <p:cNvSpPr/>
+          <p:nvPr/>
+        </p:nvSpPr>
+        <p:spPr>
+          <a:xfrm>
+            <a:off x="6804884" y="1106495"/>
+            <a:ext cx="6204408" cy="2962168"/>
+          </a:xfrm>
+          <a:prstGeom prst="rect">
+            <a:avLst/>
+          </a:prstGeom>
+          <a:noFill/>
+          <a:ln w="12700">
+            <a:solidFill>
+              <a:schemeClr val="bg1">
+                <a:lumMod val="50000"/>
+              </a:schemeClr>
+            </a:solidFill>
+          </a:ln>
+        </p:spPr>
+        <p:style>
+          <a:lnRef idx="2">
+            <a:schemeClr val="accent4"/>
+          </a:lnRef>
+          <a:fillRef idx="1">
+            <a:schemeClr val="lt1"/>
+          </a:fillRef>
+          <a:effectRef idx="0">
+            <a:schemeClr val="accent4"/>
+          </a:effectRef>
+          <a:fontRef idx="minor">
+            <a:schemeClr val="dk1"/>
+          </a:fontRef>
+        </p:style>
+        <p:txBody>
+          <a:bodyPr tIns="105844" rtlCol="0" anchor="t"/>
+          <a:lstStyle/>
+          <a:p>
+            <a:pPr defTabSz="672130">
+              <a:spcAft>
+                <a:spcPts val="882"/>
+              </a:spcAft>
+            </a:pPr>
+            <a:endParaRPr lang="pt-BR" sz="1470" dirty="0">
+              <a:solidFill>
+                <a:schemeClr val="tx1"/>
+              </a:solidFill>
+              <a:latin typeface="Exo 2 Medium" panose="00000600000000000000" pitchFamily="50" charset="0"/>
+              <a:cs typeface="Simplon BP Regular"/>
+            </a:endParaRPr>
+          </a:p>
+        </p:txBody>
+      </p:sp>
+      <p:sp>
+        <p:nvSpPr>
+          <p:cNvPr id="21" name="Title 2">
+            <a:extLst>
+              <a:ext uri="{FF2B5EF4-FFF2-40B4-BE49-F238E27FC236}">
+                <a16:creationId xmlns:a16="http://schemas.microsoft.com/office/drawing/2014/main" id="{C488E075-24DD-4CAC-A846-48FBDF28D797}"/>
+              </a:ext>
+            </a:extLst>
+          </p:cNvPr>
+          <p:cNvSpPr>
+            <a:spLocks noGrp="1"/>
+          </p:cNvSpPr>
+          <p:nvPr>
+            <p:ph type="title"/>
+          </p:nvPr>
+        </p:nvSpPr>
+        <p:spPr>
+          <a:xfrm>
+            <a:off x="469692" y="185232"/>
+            <a:ext cx="12098020" cy="800352"/>
+          </a:xfrm>
+        </p:spPr>
+        <p:txBody>
+          <a:bodyPr vert="horz" wrap="square" lIns="105844" tIns="0" rIns="105844" bIns="0" numCol="1" anchor="t" anchorCtr="0" compatLnSpc="1">
+            <a:prstTxWarp prst="textNoShape">
+              <a:avLst/>
+            </a:prstTxWarp>
+            <a:noAutofit/>
+          </a:bodyPr>
+          <a:lstStyle/>
+          <a:p>
+            <a:pPr algn="l">
+              <a:spcAft>
+                <a:spcPts val="882"/>
+              </a:spcAft>
+            </a:pPr>
+            <a:r>
+              <a:rPr lang="en-US" sz="2646" dirty="0">
+                <a:solidFill>
+                  <a:srgbClr val="08276B"/>
+                </a:solidFill>
+                <a:latin typeface="Exo 2 Medium" panose="00000600000000000000" pitchFamily="50" charset="0"/>
+                <a:cs typeface="Simplon Oi Headline"/>
+              </a:rPr>
+              <a:t>SEMANA 5 – 15/03/2022</a:t>
+            </a:r>
+          </a:p>
+        </p:txBody>
+      </p:sp>
+      <p:sp>
+        <p:nvSpPr>
+          <p:cNvPr id="22" name="TextBox 118">
+            <a:extLst>
+              <a:ext uri="{FF2B5EF4-FFF2-40B4-BE49-F238E27FC236}">
+                <a16:creationId xmlns:a16="http://schemas.microsoft.com/office/drawing/2014/main" id="{BD7B98C2-C566-441C-A8E5-BA505B2CA31F}"/>
+              </a:ext>
+            </a:extLst>
+          </p:cNvPr>
+          <p:cNvSpPr txBox="1"/>
+          <p:nvPr/>
+        </p:nvSpPr>
+        <p:spPr>
+          <a:xfrm>
+            <a:off x="11822773" y="576471"/>
+            <a:ext cx="899678" cy="179824"/>
+          </a:xfrm>
+          <a:prstGeom prst="rect">
+            <a:avLst/>
+          </a:prstGeom>
+          <a:noFill/>
+          <a:ln w="12700">
+            <a:noFill/>
+          </a:ln>
+        </p:spPr>
+        <p:style>
+          <a:lnRef idx="2">
+            <a:schemeClr val="accent4"/>
+          </a:lnRef>
+          <a:fillRef idx="1">
+            <a:schemeClr val="lt1"/>
+          </a:fillRef>
+          <a:effectRef idx="0">
+            <a:schemeClr val="accent4"/>
+          </a:effectRef>
+          <a:fontRef idx="minor">
+            <a:schemeClr val="dk1"/>
+          </a:fontRef>
+        </p:style>
+        <p:txBody>
+          <a:bodyPr wrap="none" lIns="52922" tIns="52922" rIns="52922" bIns="0" rtlCol="0" anchor="b"/>
+          <a:lstStyle>
+            <a:defPPr>
+              <a:defRPr lang="en-US"/>
+            </a:defPPr>
+            <a:lvl1pPr algn="ctr">
+              <a:defRPr sz="1000" b="1">
+                <a:latin typeface="Simplon BP Regular"/>
+                <a:cs typeface="Simplon BP Regular"/>
+              </a:defRPr>
+            </a:lvl1pPr>
+            <a:lvl2pPr>
+              <a:defRPr>
+                <a:solidFill>
+                  <a:schemeClr val="dk1"/>
+                </a:solidFill>
+              </a:defRPr>
+            </a:lvl2pPr>
+            <a:lvl3pPr>
+              <a:defRPr>
+                <a:solidFill>
+                  <a:schemeClr val="dk1"/>
+                </a:solidFill>
+              </a:defRPr>
+            </a:lvl3pPr>
+            <a:lvl4pPr>
+              <a:defRPr>
+                <a:solidFill>
+                  <a:schemeClr val="dk1"/>
+                </a:solidFill>
+              </a:defRPr>
+            </a:lvl4pPr>
+            <a:lvl5pPr>
+              <a:defRPr>
+                <a:solidFill>
+                  <a:schemeClr val="dk1"/>
+                </a:solidFill>
+              </a:defRPr>
+            </a:lvl5pPr>
+            <a:lvl6pPr>
+              <a:defRPr>
+                <a:solidFill>
+                  <a:schemeClr val="dk1"/>
+                </a:solidFill>
+              </a:defRPr>
+            </a:lvl6pPr>
+            <a:lvl7pPr>
+              <a:defRPr>
+                <a:solidFill>
+                  <a:schemeClr val="dk1"/>
+                </a:solidFill>
+              </a:defRPr>
+            </a:lvl7pPr>
+            <a:lvl8pPr>
+              <a:defRPr>
+                <a:solidFill>
+                  <a:schemeClr val="dk1"/>
+                </a:solidFill>
+              </a:defRPr>
+            </a:lvl8pPr>
+            <a:lvl9pPr>
+              <a:defRPr>
+                <a:solidFill>
+                  <a:schemeClr val="dk1"/>
+                </a:solidFill>
+              </a:defRPr>
+            </a:lvl9pPr>
+          </a:lstStyle>
+          <a:p>
+            <a:pPr defTabSz="672130"/>
+            <a:r>
+              <a:rPr lang="pt-BR" sz="1176" b="0" dirty="0">
+                <a:solidFill>
+                  <a:prstClr val="black"/>
+                </a:solidFill>
+                <a:latin typeface="Exo 2 Medium" panose="00000600000000000000" pitchFamily="50" charset="0"/>
+              </a:rPr>
+              <a:t>Negócios</a:t>
+            </a:r>
+          </a:p>
+        </p:txBody>
+      </p:sp>
+      <p:sp>
+        <p:nvSpPr>
+          <p:cNvPr id="23" name="Oval 120">
+            <a:extLst>
+              <a:ext uri="{FF2B5EF4-FFF2-40B4-BE49-F238E27FC236}">
+                <a16:creationId xmlns:a16="http://schemas.microsoft.com/office/drawing/2014/main" id="{D512B11E-A0D6-43B9-9FAB-A12852EB997C}"/>
+              </a:ext>
+            </a:extLst>
+          </p:cNvPr>
+          <p:cNvSpPr>
+            <a:spLocks noChangeAspect="1"/>
+          </p:cNvSpPr>
+          <p:nvPr/>
+        </p:nvSpPr>
+        <p:spPr>
+          <a:xfrm>
+            <a:off x="11193898" y="324247"/>
+            <a:ext cx="211404" cy="211689"/>
+          </a:xfrm>
+          <a:prstGeom prst="ellipse">
+            <a:avLst/>
+          </a:prstGeom>
+          <a:solidFill>
+            <a:srgbClr val="1BCF13"/>
+          </a:solidFill>
+          <a:ln w="12700">
+            <a:solidFill>
+              <a:schemeClr val="accent3"/>
+            </a:solidFill>
+          </a:ln>
+        </p:spPr>
+        <p:style>
+          <a:lnRef idx="2">
+            <a:schemeClr val="accent1">
+              <a:shade val="50000"/>
+            </a:schemeClr>
+          </a:lnRef>
+          <a:fillRef idx="1">
+            <a:schemeClr val="accent1"/>
+          </a:fillRef>
+          <a:effectRef idx="0">
+            <a:schemeClr val="accent1"/>
+          </a:effectRef>
+          <a:fontRef idx="minor">
+            <a:schemeClr val="lt1"/>
+          </a:fontRef>
+        </p:style>
+        <p:txBody>
+          <a:bodyPr wrap="none" lIns="52922" tIns="52922" rIns="52922" rtlCol="0" anchor="ctr"/>
+          <a:lstStyle/>
+          <a:p>
+            <a:pPr algn="ctr" defTabSz="672130"/>
+            <a:endParaRPr lang="en-US" sz="1176" dirty="0">
+              <a:solidFill>
+                <a:srgbClr val="1BCF13"/>
+              </a:solidFill>
+              <a:latin typeface="Exo 2 Medium" panose="00000600000000000000" pitchFamily="50" charset="0"/>
+              <a:cs typeface="Simplon BP Regular"/>
+            </a:endParaRPr>
+          </a:p>
+        </p:txBody>
+      </p:sp>
+      <p:sp>
+        <p:nvSpPr>
+          <p:cNvPr id="24" name="TextBox 123">
+            <a:extLst>
+              <a:ext uri="{FF2B5EF4-FFF2-40B4-BE49-F238E27FC236}">
+                <a16:creationId xmlns:a16="http://schemas.microsoft.com/office/drawing/2014/main" id="{DF2A6510-AF00-4432-92E4-F9CD9E5F17D8}"/>
+              </a:ext>
+            </a:extLst>
+          </p:cNvPr>
+          <p:cNvSpPr txBox="1"/>
+          <p:nvPr/>
+        </p:nvSpPr>
+        <p:spPr>
+          <a:xfrm>
+            <a:off x="10852497" y="576471"/>
+            <a:ext cx="899678" cy="179824"/>
+          </a:xfrm>
+          <a:prstGeom prst="rect">
+            <a:avLst/>
+          </a:prstGeom>
+          <a:noFill/>
+          <a:ln w="12700">
+            <a:noFill/>
+          </a:ln>
+        </p:spPr>
+        <p:style>
+          <a:lnRef idx="2">
+            <a:schemeClr val="accent4"/>
+          </a:lnRef>
+          <a:fillRef idx="1">
+            <a:schemeClr val="lt1"/>
+          </a:fillRef>
+          <a:effectRef idx="0">
+            <a:schemeClr val="accent4"/>
+          </a:effectRef>
+          <a:fontRef idx="minor">
+            <a:schemeClr val="dk1"/>
+          </a:fontRef>
+        </p:style>
+        <p:txBody>
+          <a:bodyPr wrap="none" lIns="52922" tIns="52922" rIns="52922" bIns="0" rtlCol="0" anchor="b"/>
+          <a:lstStyle>
+            <a:defPPr>
+              <a:defRPr lang="en-US"/>
+            </a:defPPr>
+            <a:lvl1pPr algn="ctr">
+              <a:defRPr sz="1000" b="1">
+                <a:latin typeface="Simplon BP Regular"/>
+                <a:cs typeface="Simplon BP Regular"/>
+              </a:defRPr>
+            </a:lvl1pPr>
+            <a:lvl2pPr>
+              <a:defRPr>
+                <a:solidFill>
+                  <a:schemeClr val="dk1"/>
+                </a:solidFill>
+              </a:defRPr>
+            </a:lvl2pPr>
+            <a:lvl3pPr>
+              <a:defRPr>
+                <a:solidFill>
+                  <a:schemeClr val="dk1"/>
+                </a:solidFill>
+              </a:defRPr>
+            </a:lvl3pPr>
+            <a:lvl4pPr>
+              <a:defRPr>
+                <a:solidFill>
+                  <a:schemeClr val="dk1"/>
+                </a:solidFill>
+              </a:defRPr>
+            </a:lvl4pPr>
+            <a:lvl5pPr>
+              <a:defRPr>
+                <a:solidFill>
+                  <a:schemeClr val="dk1"/>
+                </a:solidFill>
+              </a:defRPr>
+            </a:lvl5pPr>
+            <a:lvl6pPr>
+              <a:defRPr>
+                <a:solidFill>
+                  <a:schemeClr val="dk1"/>
+                </a:solidFill>
+              </a:defRPr>
+            </a:lvl6pPr>
+            <a:lvl7pPr>
+              <a:defRPr>
+                <a:solidFill>
+                  <a:schemeClr val="dk1"/>
+                </a:solidFill>
+              </a:defRPr>
+            </a:lvl7pPr>
+            <a:lvl8pPr>
+              <a:defRPr>
+                <a:solidFill>
+                  <a:schemeClr val="dk1"/>
+                </a:solidFill>
+              </a:defRPr>
+            </a:lvl8pPr>
+            <a:lvl9pPr>
+              <a:defRPr>
+                <a:solidFill>
+                  <a:schemeClr val="dk1"/>
+                </a:solidFill>
+              </a:defRPr>
+            </a:lvl9pPr>
+          </a:lstStyle>
+          <a:p>
+            <a:pPr defTabSz="672130"/>
+            <a:r>
+              <a:rPr lang="pt-BR" sz="1176" b="0" dirty="0">
+                <a:solidFill>
+                  <a:prstClr val="black"/>
+                </a:solidFill>
+                <a:latin typeface="Exo 2 Medium" panose="00000600000000000000" pitchFamily="50" charset="0"/>
+              </a:rPr>
+              <a:t>Plataforma</a:t>
+            </a:r>
+          </a:p>
+        </p:txBody>
+      </p:sp>
+      <p:sp>
+        <p:nvSpPr>
+          <p:cNvPr id="25" name="TextBox 128">
+            <a:extLst>
+              <a:ext uri="{FF2B5EF4-FFF2-40B4-BE49-F238E27FC236}">
+                <a16:creationId xmlns:a16="http://schemas.microsoft.com/office/drawing/2014/main" id="{983CE74D-5B8F-4DD1-8C18-E4BE116FF1DC}"/>
+              </a:ext>
+            </a:extLst>
+          </p:cNvPr>
+          <p:cNvSpPr txBox="1"/>
+          <p:nvPr/>
+        </p:nvSpPr>
+        <p:spPr>
+          <a:xfrm>
+            <a:off x="9854245" y="576471"/>
+            <a:ext cx="899678" cy="179824"/>
+          </a:xfrm>
+          <a:prstGeom prst="rect">
+            <a:avLst/>
+          </a:prstGeom>
+          <a:noFill/>
+          <a:ln w="12700">
+            <a:noFill/>
+          </a:ln>
+        </p:spPr>
+        <p:style>
+          <a:lnRef idx="2">
+            <a:schemeClr val="accent4"/>
+          </a:lnRef>
+          <a:fillRef idx="1">
+            <a:schemeClr val="lt1"/>
+          </a:fillRef>
+          <a:effectRef idx="0">
+            <a:schemeClr val="accent4"/>
+          </a:effectRef>
+          <a:fontRef idx="minor">
+            <a:schemeClr val="dk1"/>
+          </a:fontRef>
+        </p:style>
+        <p:txBody>
+          <a:bodyPr wrap="none" lIns="52922" tIns="52922" rIns="52922" bIns="0" rtlCol="0" anchor="b"/>
+          <a:lstStyle>
+            <a:defPPr>
+              <a:defRPr lang="en-US"/>
+            </a:defPPr>
+            <a:lvl1pPr algn="ctr">
+              <a:defRPr sz="1000" b="1">
+                <a:latin typeface="Simplon BP Regular"/>
+                <a:cs typeface="Simplon BP Regular"/>
+              </a:defRPr>
+            </a:lvl1pPr>
+            <a:lvl2pPr>
+              <a:defRPr>
+                <a:solidFill>
+                  <a:schemeClr val="dk1"/>
+                </a:solidFill>
+              </a:defRPr>
+            </a:lvl2pPr>
+            <a:lvl3pPr>
+              <a:defRPr>
+                <a:solidFill>
+                  <a:schemeClr val="dk1"/>
+                </a:solidFill>
+              </a:defRPr>
+            </a:lvl3pPr>
+            <a:lvl4pPr>
+              <a:defRPr>
+                <a:solidFill>
+                  <a:schemeClr val="dk1"/>
+                </a:solidFill>
+              </a:defRPr>
+            </a:lvl4pPr>
+            <a:lvl5pPr>
+              <a:defRPr>
+                <a:solidFill>
+                  <a:schemeClr val="dk1"/>
+                </a:solidFill>
+              </a:defRPr>
+            </a:lvl5pPr>
+            <a:lvl6pPr>
+              <a:defRPr>
+                <a:solidFill>
+                  <a:schemeClr val="dk1"/>
+                </a:solidFill>
+              </a:defRPr>
+            </a:lvl6pPr>
+            <a:lvl7pPr>
+              <a:defRPr>
+                <a:solidFill>
+                  <a:schemeClr val="dk1"/>
+                </a:solidFill>
+              </a:defRPr>
+            </a:lvl7pPr>
+            <a:lvl8pPr>
+              <a:defRPr>
+                <a:solidFill>
+                  <a:schemeClr val="dk1"/>
+                </a:solidFill>
+              </a:defRPr>
+            </a:lvl8pPr>
+            <a:lvl9pPr>
+              <a:defRPr>
+                <a:solidFill>
+                  <a:schemeClr val="dk1"/>
+                </a:solidFill>
+              </a:defRPr>
+            </a:lvl9pPr>
+          </a:lstStyle>
+          <a:p>
+            <a:pPr defTabSz="672130"/>
+            <a:r>
+              <a:rPr lang="pt-BR" sz="1176" b="0" dirty="0">
+                <a:solidFill>
+                  <a:prstClr val="black"/>
+                </a:solidFill>
+                <a:latin typeface="Exo 2 Medium" panose="00000600000000000000" pitchFamily="50" charset="0"/>
+              </a:rPr>
+              <a:t>Back</a:t>
+            </a:r>
+          </a:p>
+        </p:txBody>
+      </p:sp>
+      <p:sp>
+        <p:nvSpPr>
+          <p:cNvPr id="26" name="TextBox 133">
+            <a:extLst>
+              <a:ext uri="{FF2B5EF4-FFF2-40B4-BE49-F238E27FC236}">
+                <a16:creationId xmlns:a16="http://schemas.microsoft.com/office/drawing/2014/main" id="{FE1215A2-D778-4D77-9417-6C32B4E10829}"/>
+              </a:ext>
+            </a:extLst>
+          </p:cNvPr>
+          <p:cNvSpPr txBox="1"/>
+          <p:nvPr/>
+        </p:nvSpPr>
+        <p:spPr>
+          <a:xfrm>
+            <a:off x="8888645" y="576471"/>
+            <a:ext cx="899678" cy="179824"/>
+          </a:xfrm>
+          <a:prstGeom prst="rect">
+            <a:avLst/>
+          </a:prstGeom>
+          <a:noFill/>
+          <a:ln w="12700">
+            <a:noFill/>
+          </a:ln>
+        </p:spPr>
+        <p:style>
+          <a:lnRef idx="2">
+            <a:schemeClr val="accent4"/>
+          </a:lnRef>
+          <a:fillRef idx="1">
+            <a:schemeClr val="lt1"/>
+          </a:fillRef>
+          <a:effectRef idx="0">
+            <a:schemeClr val="accent4"/>
+          </a:effectRef>
+          <a:fontRef idx="minor">
+            <a:schemeClr val="dk1"/>
+          </a:fontRef>
+        </p:style>
+        <p:txBody>
+          <a:bodyPr wrap="none" lIns="52922" tIns="52922" rIns="52922" bIns="0" rtlCol="0" anchor="b"/>
+          <a:lstStyle>
+            <a:defPPr>
+              <a:defRPr lang="en-US"/>
+            </a:defPPr>
+            <a:lvl1pPr algn="ctr">
+              <a:defRPr sz="1000" b="1">
+                <a:latin typeface="Simplon BP Regular"/>
+                <a:cs typeface="Simplon BP Regular"/>
+              </a:defRPr>
+            </a:lvl1pPr>
+            <a:lvl2pPr>
+              <a:defRPr>
+                <a:solidFill>
+                  <a:schemeClr val="dk1"/>
+                </a:solidFill>
+              </a:defRPr>
+            </a:lvl2pPr>
+            <a:lvl3pPr>
+              <a:defRPr>
+                <a:solidFill>
+                  <a:schemeClr val="dk1"/>
+                </a:solidFill>
+              </a:defRPr>
+            </a:lvl3pPr>
+            <a:lvl4pPr>
+              <a:defRPr>
+                <a:solidFill>
+                  <a:schemeClr val="dk1"/>
+                </a:solidFill>
+              </a:defRPr>
+            </a:lvl4pPr>
+            <a:lvl5pPr>
+              <a:defRPr>
+                <a:solidFill>
+                  <a:schemeClr val="dk1"/>
+                </a:solidFill>
+              </a:defRPr>
+            </a:lvl5pPr>
+            <a:lvl6pPr>
+              <a:defRPr>
+                <a:solidFill>
+                  <a:schemeClr val="dk1"/>
+                </a:solidFill>
+              </a:defRPr>
+            </a:lvl6pPr>
+            <a:lvl7pPr>
+              <a:defRPr>
+                <a:solidFill>
+                  <a:schemeClr val="dk1"/>
+                </a:solidFill>
+              </a:defRPr>
+            </a:lvl7pPr>
+            <a:lvl8pPr>
+              <a:defRPr>
+                <a:solidFill>
+                  <a:schemeClr val="dk1"/>
+                </a:solidFill>
+              </a:defRPr>
+            </a:lvl8pPr>
+            <a:lvl9pPr>
+              <a:defRPr>
+                <a:solidFill>
+                  <a:schemeClr val="dk1"/>
+                </a:solidFill>
+              </a:defRPr>
+            </a:lvl9pPr>
+          </a:lstStyle>
+          <a:p>
+            <a:pPr defTabSz="672130"/>
+            <a:r>
+              <a:rPr lang="pt-BR" sz="1176" b="0" dirty="0">
+                <a:solidFill>
+                  <a:prstClr val="black"/>
+                </a:solidFill>
+                <a:latin typeface="Exo 2 Medium" panose="00000600000000000000" pitchFamily="50" charset="0"/>
+              </a:rPr>
+              <a:t>Front</a:t>
+            </a:r>
+          </a:p>
+        </p:txBody>
+      </p:sp>
+      <p:sp>
+        <p:nvSpPr>
+          <p:cNvPr id="27" name="Oval 134">
+            <a:extLst>
+              <a:ext uri="{FF2B5EF4-FFF2-40B4-BE49-F238E27FC236}">
+                <a16:creationId xmlns:a16="http://schemas.microsoft.com/office/drawing/2014/main" id="{E0659533-7794-44EF-87B8-DFFD796E8DCB}"/>
+              </a:ext>
+            </a:extLst>
+          </p:cNvPr>
+          <p:cNvSpPr>
+            <a:spLocks noChangeAspect="1"/>
+          </p:cNvSpPr>
+          <p:nvPr/>
+        </p:nvSpPr>
+        <p:spPr>
+          <a:xfrm>
+            <a:off x="8443555" y="297930"/>
+            <a:ext cx="211404" cy="211689"/>
+          </a:xfrm>
+          <a:prstGeom prst="ellipse">
+            <a:avLst/>
+          </a:prstGeom>
+          <a:solidFill>
+            <a:srgbClr val="1BCF13"/>
+          </a:solidFill>
+          <a:ln w="12700">
+            <a:solidFill>
+              <a:schemeClr val="accent3"/>
+            </a:solidFill>
+          </a:ln>
+        </p:spPr>
+        <p:style>
+          <a:lnRef idx="2">
+            <a:schemeClr val="accent1">
+              <a:shade val="50000"/>
+            </a:schemeClr>
+          </a:lnRef>
+          <a:fillRef idx="1">
+            <a:schemeClr val="accent1"/>
+          </a:fillRef>
+          <a:effectRef idx="0">
+            <a:schemeClr val="accent1"/>
+          </a:effectRef>
+          <a:fontRef idx="minor">
+            <a:schemeClr val="lt1"/>
+          </a:fontRef>
+        </p:style>
+        <p:txBody>
+          <a:bodyPr wrap="none" lIns="52922" tIns="52922" rIns="52922" rtlCol="0" anchor="ctr"/>
+          <a:lstStyle/>
+          <a:p>
+            <a:pPr algn="ctr" defTabSz="672130"/>
+            <a:endParaRPr lang="en-US" sz="1176" dirty="0">
+              <a:solidFill>
+                <a:srgbClr val="FFC000"/>
+              </a:solidFill>
+              <a:latin typeface="Exo 2 Medium" panose="00000600000000000000" pitchFamily="50" charset="0"/>
+              <a:cs typeface="Simplon BP Regular"/>
+            </a:endParaRPr>
+          </a:p>
+        </p:txBody>
+      </p:sp>
+      <p:sp>
+        <p:nvSpPr>
+          <p:cNvPr id="28" name="TextBox 138">
+            <a:extLst>
+              <a:ext uri="{FF2B5EF4-FFF2-40B4-BE49-F238E27FC236}">
+                <a16:creationId xmlns:a16="http://schemas.microsoft.com/office/drawing/2014/main" id="{CFC76C64-835E-4901-A393-78B96741EBC6}"/>
+              </a:ext>
+            </a:extLst>
+          </p:cNvPr>
+          <p:cNvSpPr txBox="1"/>
+          <p:nvPr/>
+        </p:nvSpPr>
+        <p:spPr>
+          <a:xfrm>
+            <a:off x="8089627" y="576471"/>
+            <a:ext cx="899678" cy="179824"/>
+          </a:xfrm>
+          <a:prstGeom prst="rect">
+            <a:avLst/>
+          </a:prstGeom>
+          <a:noFill/>
+          <a:ln w="12700">
+            <a:noFill/>
+          </a:ln>
+        </p:spPr>
+        <p:style>
+          <a:lnRef idx="2">
+            <a:schemeClr val="accent4"/>
+          </a:lnRef>
+          <a:fillRef idx="1">
+            <a:schemeClr val="lt1"/>
+          </a:fillRef>
+          <a:effectRef idx="0">
+            <a:schemeClr val="accent4"/>
+          </a:effectRef>
+          <a:fontRef idx="minor">
+            <a:schemeClr val="dk1"/>
+          </a:fontRef>
+        </p:style>
+        <p:txBody>
+          <a:bodyPr wrap="none" lIns="52922" tIns="52922" rIns="52922" bIns="0" rtlCol="0" anchor="b"/>
+          <a:lstStyle>
+            <a:defPPr>
+              <a:defRPr lang="en-US"/>
+            </a:defPPr>
+            <a:lvl1pPr algn="ctr">
+              <a:defRPr sz="1000" b="1">
+                <a:latin typeface="Simplon BP Regular"/>
+                <a:cs typeface="Simplon BP Regular"/>
+              </a:defRPr>
+            </a:lvl1pPr>
+            <a:lvl2pPr>
+              <a:defRPr>
+                <a:solidFill>
+                  <a:schemeClr val="dk1"/>
+                </a:solidFill>
+              </a:defRPr>
+            </a:lvl2pPr>
+            <a:lvl3pPr>
+              <a:defRPr>
+                <a:solidFill>
+                  <a:schemeClr val="dk1"/>
+                </a:solidFill>
+              </a:defRPr>
+            </a:lvl3pPr>
+            <a:lvl4pPr>
+              <a:defRPr>
+                <a:solidFill>
+                  <a:schemeClr val="dk1"/>
+                </a:solidFill>
+              </a:defRPr>
+            </a:lvl4pPr>
+            <a:lvl5pPr>
+              <a:defRPr>
+                <a:solidFill>
+                  <a:schemeClr val="dk1"/>
+                </a:solidFill>
+              </a:defRPr>
+            </a:lvl5pPr>
+            <a:lvl6pPr>
+              <a:defRPr>
+                <a:solidFill>
+                  <a:schemeClr val="dk1"/>
+                </a:solidFill>
+              </a:defRPr>
+            </a:lvl6pPr>
+            <a:lvl7pPr>
+              <a:defRPr>
+                <a:solidFill>
+                  <a:schemeClr val="dk1"/>
+                </a:solidFill>
+              </a:defRPr>
+            </a:lvl7pPr>
+            <a:lvl8pPr>
+              <a:defRPr>
+                <a:solidFill>
+                  <a:schemeClr val="dk1"/>
+                </a:solidFill>
+              </a:defRPr>
+            </a:lvl8pPr>
+            <a:lvl9pPr>
+              <a:defRPr>
+                <a:solidFill>
+                  <a:schemeClr val="dk1"/>
+                </a:solidFill>
+              </a:defRPr>
+            </a:lvl9pPr>
+          </a:lstStyle>
+          <a:p>
+            <a:pPr defTabSz="672130"/>
+            <a:r>
+              <a:rPr lang="en-US" sz="1176" b="0" dirty="0" err="1">
+                <a:solidFill>
+                  <a:prstClr val="black"/>
+                </a:solidFill>
+                <a:latin typeface="Exo 2 Medium" panose="00000600000000000000" pitchFamily="50" charset="0"/>
+              </a:rPr>
+              <a:t>Equipe</a:t>
+            </a:r>
+            <a:endParaRPr lang="en-US" sz="1176" b="0" dirty="0">
+              <a:solidFill>
+                <a:prstClr val="black"/>
+              </a:solidFill>
+              <a:latin typeface="Exo 2 Medium" panose="00000600000000000000" pitchFamily="50" charset="0"/>
+            </a:endParaRPr>
+          </a:p>
+        </p:txBody>
+      </p:sp>
+      <p:sp>
+        <p:nvSpPr>
+          <p:cNvPr id="29" name="Retângulo 28">
+            <a:extLst>
+              <a:ext uri="{FF2B5EF4-FFF2-40B4-BE49-F238E27FC236}">
+                <a16:creationId xmlns:a16="http://schemas.microsoft.com/office/drawing/2014/main" id="{1E43F633-0A68-4D0F-AC0D-375E22F80328}"/>
+              </a:ext>
+            </a:extLst>
+          </p:cNvPr>
+          <p:cNvSpPr/>
+          <p:nvPr/>
+        </p:nvSpPr>
+        <p:spPr>
+          <a:xfrm>
+            <a:off x="512766" y="868345"/>
+            <a:ext cx="6186608" cy="238150"/>
+          </a:xfrm>
+          <a:prstGeom prst="rect">
+            <a:avLst/>
+          </a:prstGeom>
+          <a:solidFill>
+            <a:srgbClr val="08276B"/>
+          </a:solidFill>
+        </p:spPr>
+        <p:txBody>
+          <a:bodyPr vert="horz" lIns="134422" tIns="67211" rIns="134422" bIns="67211" rtlCol="0" anchor="ctr"/>
+          <a:lstStyle/>
+          <a:p>
+            <a:pPr defTabSz="672130"/>
+            <a:r>
+              <a:rPr lang="en-US" sz="1544" dirty="0">
+                <a:solidFill>
+                  <a:schemeClr val="bg1"/>
+                </a:solidFill>
+                <a:latin typeface="Exo 2 Medium" panose="00000600000000000000" pitchFamily="50" charset="0"/>
+                <a:ea typeface="Simplon Oi Headline" charset="0"/>
+                <a:cs typeface="Simplon Oi Headline" charset="0"/>
+              </a:rPr>
+              <a:t>Progressos c/ responsáveis </a:t>
+            </a:r>
+          </a:p>
+        </p:txBody>
+      </p:sp>
+      <p:sp>
+        <p:nvSpPr>
+          <p:cNvPr id="30" name="Retângulo 29">
+            <a:extLst>
+              <a:ext uri="{FF2B5EF4-FFF2-40B4-BE49-F238E27FC236}">
+                <a16:creationId xmlns:a16="http://schemas.microsoft.com/office/drawing/2014/main" id="{D543C29D-67E1-4031-9D29-169B0DBC6EA2}"/>
+              </a:ext>
+            </a:extLst>
+          </p:cNvPr>
+          <p:cNvSpPr/>
+          <p:nvPr/>
+        </p:nvSpPr>
+        <p:spPr>
+          <a:xfrm>
+            <a:off x="6814576" y="868345"/>
+            <a:ext cx="6194715" cy="238150"/>
+          </a:xfrm>
+          <a:prstGeom prst="rect">
+            <a:avLst/>
+          </a:prstGeom>
+          <a:solidFill>
+            <a:srgbClr val="08276B"/>
+          </a:solidFill>
+        </p:spPr>
+        <p:txBody>
+          <a:bodyPr vert="horz" lIns="134422" tIns="67211" rIns="134422" bIns="67211" rtlCol="0" anchor="ctr"/>
+          <a:lstStyle/>
+          <a:p>
+            <a:pPr defTabSz="672130"/>
+            <a:r>
+              <a:rPr lang="pt-BR" sz="1544" dirty="0">
+                <a:solidFill>
+                  <a:schemeClr val="bg1"/>
+                </a:solidFill>
+                <a:latin typeface="Exo 2 Medium" panose="00000600000000000000" pitchFamily="50" charset="0"/>
+                <a:ea typeface="Simplon Oi Headline" charset="0"/>
+                <a:cs typeface="Simplon Oi Headline" charset="0"/>
+              </a:rPr>
+              <a:t>Pontos atenção/ Principais Riscos</a:t>
+            </a:r>
+          </a:p>
+        </p:txBody>
+      </p:sp>
+      <p:sp>
+        <p:nvSpPr>
+          <p:cNvPr id="31" name="Retângulo 30">
+            <a:extLst>
+              <a:ext uri="{FF2B5EF4-FFF2-40B4-BE49-F238E27FC236}">
+                <a16:creationId xmlns:a16="http://schemas.microsoft.com/office/drawing/2014/main" id="{DA8C0DE2-12B6-4997-B780-BE9D9F8E16D6}"/>
+              </a:ext>
+            </a:extLst>
+          </p:cNvPr>
+          <p:cNvSpPr/>
+          <p:nvPr/>
+        </p:nvSpPr>
+        <p:spPr>
+          <a:xfrm>
+            <a:off x="508267" y="4152347"/>
+            <a:ext cx="12505521" cy="238150"/>
+          </a:xfrm>
+          <a:prstGeom prst="rect">
+            <a:avLst/>
+          </a:prstGeom>
+          <a:solidFill>
+            <a:srgbClr val="08276B"/>
+          </a:solidFill>
+        </p:spPr>
+        <p:txBody>
+          <a:bodyPr vert="horz" lIns="134422" tIns="67211" rIns="134422" bIns="67211" rtlCol="0" anchor="ctr"/>
+          <a:lstStyle/>
+          <a:p>
+            <a:pPr defTabSz="672130"/>
+            <a:r>
+              <a:rPr lang="pt-BR" sz="1544" dirty="0">
+                <a:solidFill>
+                  <a:schemeClr val="bg1"/>
+                </a:solidFill>
+                <a:latin typeface="Exo 2 Medium" panose="00000600000000000000" pitchFamily="50" charset="0"/>
+                <a:ea typeface="Simplon Oi Headline" charset="0"/>
+                <a:cs typeface="Simplon Oi Headline" charset="0"/>
+              </a:rPr>
+              <a:t>Próximos Passos c/ responsáveis </a:t>
+            </a:r>
+          </a:p>
+        </p:txBody>
+      </p:sp>
+      <p:sp>
+        <p:nvSpPr>
+          <p:cNvPr id="32" name="Rectangle 37">
+            <a:extLst>
+              <a:ext uri="{FF2B5EF4-FFF2-40B4-BE49-F238E27FC236}">
+                <a16:creationId xmlns:a16="http://schemas.microsoft.com/office/drawing/2014/main" id="{224F3AF8-BD84-4D63-8F6E-083FA677F2DB}"/>
+              </a:ext>
+            </a:extLst>
+          </p:cNvPr>
+          <p:cNvSpPr/>
+          <p:nvPr/>
+        </p:nvSpPr>
+        <p:spPr>
+          <a:xfrm>
+            <a:off x="496766" y="1106495"/>
+            <a:ext cx="6186608" cy="2962168"/>
+          </a:xfrm>
+          <a:prstGeom prst="rect">
+            <a:avLst/>
+          </a:prstGeom>
+          <a:noFill/>
+          <a:ln w="12700">
+            <a:solidFill>
+              <a:schemeClr val="bg1">
+                <a:lumMod val="50000"/>
+              </a:schemeClr>
+            </a:solidFill>
+          </a:ln>
+        </p:spPr>
+        <p:style>
+          <a:lnRef idx="2">
+            <a:schemeClr val="accent4"/>
+          </a:lnRef>
+          <a:fillRef idx="1">
+            <a:schemeClr val="lt1"/>
+          </a:fillRef>
+          <a:effectRef idx="0">
+            <a:schemeClr val="accent4"/>
+          </a:effectRef>
+          <a:fontRef idx="minor">
+            <a:schemeClr val="dk1"/>
+          </a:fontRef>
+        </p:style>
+        <p:txBody>
+          <a:bodyPr tIns="105844" rtlCol="0" anchor="t"/>
+          <a:lstStyle/>
+          <a:p>
+            <a:pPr fontAlgn="base">
+              <a:spcBef>
+                <a:spcPct val="0"/>
+              </a:spcBef>
+              <a:defRPr/>
+            </a:pPr>
+            <a:endParaRPr lang="pt-BR" sz="1323" b="1" dirty="0">
+              <a:solidFill>
+                <a:schemeClr val="tx1"/>
+              </a:solidFill>
+              <a:latin typeface="Exo 2 Medium" panose="00000600000000000000" pitchFamily="50" charset="0"/>
+              <a:cs typeface="Simplon BP Regular"/>
+            </a:endParaRPr>
+          </a:p>
+          <a:p>
+            <a:pPr fontAlgn="base">
+              <a:spcBef>
+                <a:spcPct val="0"/>
+              </a:spcBef>
+              <a:defRPr/>
+            </a:pPr>
+            <a:endParaRPr lang="pt-BR" sz="1323" b="1" dirty="0">
+              <a:solidFill>
+                <a:schemeClr val="tx1"/>
+              </a:solidFill>
+              <a:latin typeface="Exo 2 Medium" panose="00000600000000000000" pitchFamily="50" charset="0"/>
+              <a:cs typeface="Simplon BP Regular"/>
+            </a:endParaRPr>
+          </a:p>
+        </p:txBody>
+      </p:sp>
+      <p:sp>
+        <p:nvSpPr>
+          <p:cNvPr id="33" name="Rectangle 43">
+            <a:extLst>
+              <a:ext uri="{FF2B5EF4-FFF2-40B4-BE49-F238E27FC236}">
+                <a16:creationId xmlns:a16="http://schemas.microsoft.com/office/drawing/2014/main" id="{F0F9D098-FF4D-4A23-BBE2-370207E68022}"/>
+              </a:ext>
+            </a:extLst>
+          </p:cNvPr>
+          <p:cNvSpPr>
+            <a:spLocks/>
+          </p:cNvSpPr>
+          <p:nvPr/>
+        </p:nvSpPr>
+        <p:spPr>
+          <a:xfrm>
+            <a:off x="512766" y="4500711"/>
+            <a:ext cx="12496525" cy="2808978"/>
+          </a:xfrm>
+          <a:prstGeom prst="rect">
+            <a:avLst/>
+          </a:prstGeom>
+          <a:noFill/>
+          <a:ln w="12700">
+            <a:solidFill>
+              <a:schemeClr val="bg1">
+                <a:lumMod val="50000"/>
+              </a:schemeClr>
+            </a:solidFill>
+          </a:ln>
+        </p:spPr>
+        <p:style>
+          <a:lnRef idx="2">
+            <a:schemeClr val="accent4"/>
+          </a:lnRef>
+          <a:fillRef idx="1">
+            <a:schemeClr val="lt1"/>
+          </a:fillRef>
+          <a:effectRef idx="0">
+            <a:schemeClr val="accent4"/>
+          </a:effectRef>
+          <a:fontRef idx="minor">
+            <a:schemeClr val="dk1"/>
+          </a:fontRef>
+        </p:style>
+        <p:txBody>
+          <a:bodyPr wrap="square" tIns="105844" numCol="3" rtlCol="0" anchor="t"/>
+          <a:lstStyle/>
+          <a:p>
+            <a:pPr marL="0" lvl="1" defTabSz="672130"/>
+            <a:r>
+              <a:rPr lang="pt-BR" sz="1600" b="1" dirty="0">
+                <a:solidFill>
+                  <a:schemeClr val="tx1"/>
+                </a:solidFill>
+                <a:latin typeface="Exo 2 Medium" panose="00000600000000000000" pitchFamily="50" charset="0"/>
+                <a:cs typeface="Simplon BP Regular"/>
+              </a:rPr>
+              <a:t>Desenvolver o Menu para navegação no APP</a:t>
+            </a:r>
+          </a:p>
+          <a:p>
+            <a:pPr marL="0" lvl="1" defTabSz="672130"/>
+            <a:r>
+              <a:rPr lang="pt-BR" sz="1600" dirty="0">
+                <a:solidFill>
+                  <a:schemeClr val="tx1"/>
+                </a:solidFill>
+                <a:latin typeface="Exo 2 Medium" panose="00000600000000000000" pitchFamily="50" charset="0"/>
+                <a:cs typeface="Simplon BP Regular"/>
+              </a:rPr>
+              <a:t>#Vinícius Novais</a:t>
+            </a:r>
+          </a:p>
+          <a:p>
+            <a:pPr marL="0" lvl="1" defTabSz="672130"/>
+            <a:endParaRPr lang="pt-BR" sz="1600" dirty="0">
+              <a:solidFill>
+                <a:schemeClr val="tx1"/>
+              </a:solidFill>
+              <a:latin typeface="Exo 2 Medium" panose="00000600000000000000" pitchFamily="50" charset="0"/>
+              <a:cs typeface="Simplon BP Regular"/>
+            </a:endParaRPr>
+          </a:p>
+          <a:p>
+            <a:pPr marL="0" lvl="1" defTabSz="672130"/>
+            <a:r>
+              <a:rPr lang="pt-BR" sz="1600" b="1" dirty="0">
+                <a:solidFill>
+                  <a:schemeClr val="tx1"/>
+                </a:solidFill>
+                <a:latin typeface="Exo 2 Medium" panose="00000600000000000000" pitchFamily="50" charset="0"/>
+                <a:cs typeface="Simplon BP Regular"/>
+              </a:rPr>
+              <a:t>Navegação entre as telas</a:t>
+            </a:r>
+          </a:p>
+          <a:p>
+            <a:pPr marL="0" lvl="1" defTabSz="672130"/>
+            <a:r>
+              <a:rPr lang="pt-BR" sz="1600" dirty="0">
+                <a:solidFill>
+                  <a:schemeClr val="tx1"/>
+                </a:solidFill>
+                <a:latin typeface="Exo 2 Medium" panose="00000600000000000000" pitchFamily="50" charset="0"/>
+                <a:cs typeface="Simplon BP Regular"/>
+              </a:rPr>
+              <a:t>#Mauricio Santana</a:t>
+            </a:r>
+          </a:p>
+          <a:p>
+            <a:pPr marL="0" lvl="1" defTabSz="672130"/>
+            <a:endParaRPr lang="pt-BR" sz="1600" dirty="0">
+              <a:solidFill>
+                <a:schemeClr val="tx1"/>
+              </a:solidFill>
+              <a:latin typeface="Exo 2 Medium" panose="00000600000000000000" pitchFamily="50" charset="0"/>
+              <a:cs typeface="Simplon BP Regular"/>
+            </a:endParaRPr>
+          </a:p>
+          <a:p>
+            <a:pPr marL="0" lvl="1" defTabSz="672130"/>
+            <a:endParaRPr lang="pt-BR" sz="1600" dirty="0">
+              <a:solidFill>
+                <a:schemeClr val="tx1"/>
+              </a:solidFill>
+              <a:latin typeface="Exo 2 Medium" panose="00000600000000000000" pitchFamily="50" charset="0"/>
+              <a:cs typeface="Simplon BP Regular"/>
+            </a:endParaRPr>
+          </a:p>
+          <a:p>
+            <a:pPr marL="0" lvl="1" defTabSz="672130"/>
+            <a:endParaRPr lang="pt-BR" sz="1600" dirty="0">
+              <a:solidFill>
+                <a:schemeClr val="tx1"/>
+              </a:solidFill>
+              <a:latin typeface="Exo 2 Medium" panose="00000600000000000000" pitchFamily="50" charset="0"/>
+              <a:cs typeface="Simplon BP Regular"/>
+            </a:endParaRPr>
+          </a:p>
+          <a:p>
+            <a:pPr marL="0" lvl="1" defTabSz="672130"/>
+            <a:endParaRPr lang="pt-BR" sz="1600" dirty="0">
+              <a:solidFill>
+                <a:schemeClr val="tx1"/>
+              </a:solidFill>
+              <a:latin typeface="Exo 2 Medium" panose="00000600000000000000" pitchFamily="50" charset="0"/>
+              <a:cs typeface="Simplon BP Regular"/>
+            </a:endParaRPr>
+          </a:p>
+          <a:p>
+            <a:pPr marL="0" lvl="1" defTabSz="672130"/>
+            <a:endParaRPr lang="pt-BR" sz="1600" dirty="0">
+              <a:solidFill>
+                <a:schemeClr val="tx1"/>
+              </a:solidFill>
+              <a:latin typeface="Exo 2 Medium" panose="00000600000000000000" pitchFamily="50" charset="0"/>
+              <a:cs typeface="Simplon BP Regular"/>
+            </a:endParaRPr>
+          </a:p>
+          <a:p>
+            <a:pPr marL="0" lvl="1" defTabSz="672130"/>
+            <a:endParaRPr lang="pt-BR" sz="1600" b="1" dirty="0">
+              <a:solidFill>
+                <a:schemeClr val="tx1"/>
+              </a:solidFill>
+              <a:latin typeface="Exo 2 Medium" panose="00000600000000000000" pitchFamily="50" charset="0"/>
+              <a:cs typeface="Simplon BP Regular"/>
+            </a:endParaRPr>
+          </a:p>
+          <a:p>
+            <a:pPr marL="0" lvl="1" defTabSz="672130"/>
+            <a:endParaRPr lang="pt-BR" sz="1323" b="1" dirty="0">
+              <a:solidFill>
+                <a:schemeClr val="tx1"/>
+              </a:solidFill>
+              <a:latin typeface="Exo 2 Medium" panose="00000600000000000000" pitchFamily="50" charset="0"/>
+              <a:cs typeface="Simplon BP Regular"/>
+            </a:endParaRPr>
+          </a:p>
+          <a:p>
+            <a:pPr marL="0" lvl="1" defTabSz="672130"/>
+            <a:endParaRPr lang="pt-BR" sz="1323" b="1" dirty="0">
+              <a:solidFill>
+                <a:schemeClr val="tx1"/>
+              </a:solidFill>
+              <a:latin typeface="Exo 2 Medium" panose="00000600000000000000" pitchFamily="50" charset="0"/>
+              <a:cs typeface="Simplon BP Regular"/>
+            </a:endParaRPr>
+          </a:p>
+          <a:p>
+            <a:pPr marL="0" lvl="1" defTabSz="672130"/>
+            <a:endParaRPr lang="pt-BR" sz="1323" b="1" dirty="0">
+              <a:solidFill>
+                <a:schemeClr val="tx1"/>
+              </a:solidFill>
+              <a:latin typeface="Exo 2 Medium" panose="00000600000000000000" pitchFamily="50" charset="0"/>
+              <a:cs typeface="Simplon BP Regular"/>
+            </a:endParaRPr>
+          </a:p>
+          <a:p>
+            <a:pPr marL="0" lvl="1" defTabSz="672130"/>
+            <a:endParaRPr lang="pt-BR" sz="1600" dirty="0">
+              <a:solidFill>
+                <a:schemeClr val="tx1"/>
+              </a:solidFill>
+              <a:latin typeface="Exo 2 Medium" panose="00000600000000000000" pitchFamily="50" charset="0"/>
+              <a:cs typeface="Simplon BP Regular"/>
+            </a:endParaRPr>
+          </a:p>
+          <a:p>
+            <a:pPr marL="0" lvl="1" defTabSz="672130"/>
+            <a:endParaRPr lang="pt-BR" sz="1600" b="1" dirty="0">
+              <a:solidFill>
+                <a:schemeClr val="tx1"/>
+              </a:solidFill>
+              <a:latin typeface="Exo 2 Medium" panose="00000600000000000000" pitchFamily="50" charset="0"/>
+              <a:cs typeface="Simplon BP Regular"/>
+            </a:endParaRPr>
+          </a:p>
+          <a:p>
+            <a:pPr marL="0" lvl="1" defTabSz="672130"/>
+            <a:endParaRPr lang="pt-BR" sz="1323" b="1" dirty="0">
+              <a:solidFill>
+                <a:schemeClr val="tx1"/>
+              </a:solidFill>
+              <a:latin typeface="Exo 2 Medium" panose="00000600000000000000" pitchFamily="50" charset="0"/>
+              <a:cs typeface="Simplon BP Regular"/>
+            </a:endParaRPr>
+          </a:p>
+          <a:p>
+            <a:pPr marL="0" lvl="1" defTabSz="672130"/>
+            <a:endParaRPr lang="pt-BR" sz="1323" b="1" dirty="0">
+              <a:solidFill>
+                <a:schemeClr val="tx1"/>
+              </a:solidFill>
+              <a:latin typeface="Exo 2 Medium" panose="00000600000000000000" pitchFamily="50" charset="0"/>
+              <a:cs typeface="Simplon BP Regular"/>
+            </a:endParaRPr>
+          </a:p>
+          <a:p>
+            <a:pPr marL="0" lvl="1" defTabSz="672130"/>
+            <a:endParaRPr lang="pt-BR" sz="1323" b="1" dirty="0">
+              <a:solidFill>
+                <a:schemeClr val="tx1"/>
+              </a:solidFill>
+              <a:latin typeface="Exo 2 Medium" panose="00000600000000000000" pitchFamily="50" charset="0"/>
+              <a:cs typeface="Simplon BP Regular"/>
+            </a:endParaRPr>
+          </a:p>
+        </p:txBody>
+      </p:sp>
+      <p:sp>
+        <p:nvSpPr>
+          <p:cNvPr id="34" name="Oval 134">
+            <a:extLst>
+              <a:ext uri="{FF2B5EF4-FFF2-40B4-BE49-F238E27FC236}">
+                <a16:creationId xmlns:a16="http://schemas.microsoft.com/office/drawing/2014/main" id="{B57AA8A8-84FD-48DE-BA43-08D253C6F275}"/>
+              </a:ext>
+            </a:extLst>
+          </p:cNvPr>
+          <p:cNvSpPr>
+            <a:spLocks noChangeAspect="1"/>
+          </p:cNvSpPr>
+          <p:nvPr/>
+        </p:nvSpPr>
+        <p:spPr>
+          <a:xfrm>
+            <a:off x="9241755" y="297930"/>
+            <a:ext cx="211404" cy="211689"/>
+          </a:xfrm>
+          <a:prstGeom prst="ellipse">
+            <a:avLst/>
+          </a:prstGeom>
+          <a:solidFill>
+            <a:srgbClr val="1BCF13"/>
+          </a:solidFill>
+          <a:ln w="12700">
+            <a:solidFill>
+              <a:schemeClr val="accent3"/>
+            </a:solidFill>
+          </a:ln>
+        </p:spPr>
+        <p:style>
+          <a:lnRef idx="2">
+            <a:schemeClr val="accent1">
+              <a:shade val="50000"/>
+            </a:schemeClr>
+          </a:lnRef>
+          <a:fillRef idx="1">
+            <a:schemeClr val="accent1"/>
+          </a:fillRef>
+          <a:effectRef idx="0">
+            <a:schemeClr val="accent1"/>
+          </a:effectRef>
+          <a:fontRef idx="minor">
+            <a:schemeClr val="lt1"/>
+          </a:fontRef>
+        </p:style>
+        <p:txBody>
+          <a:bodyPr wrap="none" lIns="52922" tIns="52922" rIns="52922" rtlCol="0" anchor="ctr"/>
+          <a:lstStyle/>
+          <a:p>
+            <a:pPr algn="ctr" defTabSz="672130"/>
+            <a:endParaRPr lang="en-US" sz="1176" dirty="0">
+              <a:solidFill>
+                <a:srgbClr val="00B050"/>
+              </a:solidFill>
+              <a:latin typeface="Exo 2 Medium" panose="00000600000000000000" pitchFamily="50" charset="0"/>
+              <a:cs typeface="Simplon BP Regular"/>
+            </a:endParaRPr>
+          </a:p>
+        </p:txBody>
+      </p:sp>
+      <p:sp>
+        <p:nvSpPr>
+          <p:cNvPr id="35" name="Oval 120">
+            <a:extLst>
+              <a:ext uri="{FF2B5EF4-FFF2-40B4-BE49-F238E27FC236}">
+                <a16:creationId xmlns:a16="http://schemas.microsoft.com/office/drawing/2014/main" id="{DAAADCBD-ECD9-4B5D-A8E0-075FB6F9BED7}"/>
+              </a:ext>
+            </a:extLst>
+          </p:cNvPr>
+          <p:cNvSpPr>
+            <a:spLocks noChangeAspect="1"/>
+          </p:cNvSpPr>
+          <p:nvPr/>
+        </p:nvSpPr>
+        <p:spPr>
+          <a:xfrm>
+            <a:off x="10188056" y="324247"/>
+            <a:ext cx="211404" cy="211689"/>
+          </a:xfrm>
+          <a:prstGeom prst="ellipse">
+            <a:avLst/>
+          </a:prstGeom>
+          <a:solidFill>
+            <a:schemeClr val="accent4">
+              <a:lumMod val="25000"/>
+              <a:lumOff val="75000"/>
+            </a:schemeClr>
+          </a:solidFill>
+          <a:ln w="12700">
+            <a:solidFill>
+              <a:schemeClr val="accent3"/>
+            </a:solidFill>
+          </a:ln>
+        </p:spPr>
+        <p:style>
+          <a:lnRef idx="2">
+            <a:schemeClr val="accent1">
+              <a:shade val="50000"/>
+            </a:schemeClr>
+          </a:lnRef>
+          <a:fillRef idx="1">
+            <a:schemeClr val="accent1"/>
+          </a:fillRef>
+          <a:effectRef idx="0">
+            <a:schemeClr val="accent1"/>
+          </a:effectRef>
+          <a:fontRef idx="minor">
+            <a:schemeClr val="lt1"/>
+          </a:fontRef>
+        </p:style>
+        <p:txBody>
+          <a:bodyPr wrap="none" lIns="52922" tIns="52922" rIns="52922" rtlCol="0" anchor="ctr"/>
+          <a:lstStyle/>
+          <a:p>
+            <a:pPr algn="ctr" defTabSz="672130"/>
+            <a:endParaRPr lang="en-US" sz="1176" dirty="0">
+              <a:solidFill>
+                <a:srgbClr val="1BCF13"/>
+              </a:solidFill>
+              <a:latin typeface="Exo 2 Medium" panose="00000600000000000000" pitchFamily="50" charset="0"/>
+              <a:cs typeface="Simplon BP Regular"/>
+            </a:endParaRPr>
+          </a:p>
+        </p:txBody>
+      </p:sp>
+      <p:sp>
+        <p:nvSpPr>
+          <p:cNvPr id="36" name="Retângulo 35">
+            <a:extLst>
+              <a:ext uri="{FF2B5EF4-FFF2-40B4-BE49-F238E27FC236}">
+                <a16:creationId xmlns:a16="http://schemas.microsoft.com/office/drawing/2014/main" id="{A87B1CA7-18E0-459A-8B40-B30CC45C209A}"/>
+              </a:ext>
+            </a:extLst>
+          </p:cNvPr>
+          <p:cNvSpPr/>
+          <p:nvPr/>
+        </p:nvSpPr>
+        <p:spPr>
+          <a:xfrm>
+            <a:off x="8017619" y="209534"/>
+            <a:ext cx="4937689" cy="618769"/>
+          </a:xfrm>
+          <a:prstGeom prst="rect">
+            <a:avLst/>
+          </a:prstGeom>
+          <a:noFill/>
+          <a:ln w="6350">
+            <a:solidFill>
+              <a:schemeClr val="bg1">
+                <a:lumMod val="75000"/>
+              </a:schemeClr>
+            </a:solidFill>
+          </a:ln>
+        </p:spPr>
+        <p:style>
+          <a:lnRef idx="2">
+            <a:schemeClr val="accent1">
+              <a:shade val="50000"/>
+            </a:schemeClr>
+          </a:lnRef>
+          <a:fillRef idx="1">
+            <a:schemeClr val="accent1"/>
+          </a:fillRef>
+          <a:effectRef idx="0">
+            <a:schemeClr val="accent1"/>
+          </a:effectRef>
+          <a:fontRef idx="minor">
+            <a:schemeClr val="lt1"/>
+          </a:fontRef>
+        </p:style>
+        <p:txBody>
+          <a:bodyPr rtlCol="0" anchor="ctr"/>
+          <a:lstStyle/>
+          <a:p>
+            <a:pPr algn="ctr"/>
+            <a:endParaRPr lang="pt-BR">
+              <a:latin typeface="Exo 2 Medium" panose="00000600000000000000" pitchFamily="50" charset="0"/>
+            </a:endParaRPr>
+          </a:p>
+        </p:txBody>
+      </p:sp>
+      <p:sp>
+        <p:nvSpPr>
+          <p:cNvPr id="37" name="TextBox 138">
+            <a:extLst>
+              <a:ext uri="{FF2B5EF4-FFF2-40B4-BE49-F238E27FC236}">
+                <a16:creationId xmlns:a16="http://schemas.microsoft.com/office/drawing/2014/main" id="{41B46BEE-7CCD-459E-800A-B6E0E71F7FC7}"/>
+              </a:ext>
+            </a:extLst>
+          </p:cNvPr>
+          <p:cNvSpPr txBox="1"/>
+          <p:nvPr/>
+        </p:nvSpPr>
+        <p:spPr>
+          <a:xfrm>
+            <a:off x="9715810" y="51570"/>
+            <a:ext cx="1478088" cy="211688"/>
+          </a:xfrm>
+          <a:prstGeom prst="rect">
+            <a:avLst/>
+          </a:prstGeom>
+          <a:solidFill>
+            <a:schemeClr val="bg1"/>
+          </a:solidFill>
+          <a:ln w="12700">
+            <a:noFill/>
+          </a:ln>
+        </p:spPr>
+        <p:style>
+          <a:lnRef idx="2">
+            <a:schemeClr val="accent4"/>
+          </a:lnRef>
+          <a:fillRef idx="1">
+            <a:schemeClr val="lt1"/>
+          </a:fillRef>
+          <a:effectRef idx="0">
+            <a:schemeClr val="accent4"/>
+          </a:effectRef>
+          <a:fontRef idx="minor">
+            <a:schemeClr val="dk1"/>
+          </a:fontRef>
+        </p:style>
+        <p:txBody>
+          <a:bodyPr wrap="none" lIns="52922" tIns="52922" rIns="52922" bIns="0" rtlCol="0" anchor="b"/>
+          <a:lstStyle>
+            <a:defPPr>
+              <a:defRPr lang="en-US"/>
+            </a:defPPr>
+            <a:lvl1pPr algn="ctr">
+              <a:defRPr sz="1000" b="1">
+                <a:latin typeface="Simplon BP Regular"/>
+                <a:cs typeface="Simplon BP Regular"/>
+              </a:defRPr>
+            </a:lvl1pPr>
+            <a:lvl2pPr>
+              <a:defRPr>
+                <a:solidFill>
+                  <a:schemeClr val="dk1"/>
+                </a:solidFill>
+              </a:defRPr>
+            </a:lvl2pPr>
+            <a:lvl3pPr>
+              <a:defRPr>
+                <a:solidFill>
+                  <a:schemeClr val="dk1"/>
+                </a:solidFill>
+              </a:defRPr>
+            </a:lvl3pPr>
+            <a:lvl4pPr>
+              <a:defRPr>
+                <a:solidFill>
+                  <a:schemeClr val="dk1"/>
+                </a:solidFill>
+              </a:defRPr>
+            </a:lvl4pPr>
+            <a:lvl5pPr>
+              <a:defRPr>
+                <a:solidFill>
+                  <a:schemeClr val="dk1"/>
+                </a:solidFill>
+              </a:defRPr>
+            </a:lvl5pPr>
+            <a:lvl6pPr>
+              <a:defRPr>
+                <a:solidFill>
+                  <a:schemeClr val="dk1"/>
+                </a:solidFill>
+              </a:defRPr>
+            </a:lvl6pPr>
+            <a:lvl7pPr>
+              <a:defRPr>
+                <a:solidFill>
+                  <a:schemeClr val="dk1"/>
+                </a:solidFill>
+              </a:defRPr>
+            </a:lvl7pPr>
+            <a:lvl8pPr>
+              <a:defRPr>
+                <a:solidFill>
+                  <a:schemeClr val="dk1"/>
+                </a:solidFill>
+              </a:defRPr>
+            </a:lvl8pPr>
+            <a:lvl9pPr>
+              <a:defRPr>
+                <a:solidFill>
+                  <a:schemeClr val="dk1"/>
+                </a:solidFill>
+              </a:defRPr>
+            </a:lvl9pPr>
+          </a:lstStyle>
+          <a:p>
+            <a:pPr defTabSz="672130"/>
+            <a:r>
+              <a:rPr lang="en-US" sz="1176" dirty="0">
+                <a:solidFill>
+                  <a:srgbClr val="08276B"/>
+                </a:solidFill>
+                <a:latin typeface="Exo 2 Medium" panose="00000600000000000000" pitchFamily="50" charset="0"/>
+              </a:rPr>
+              <a:t>    </a:t>
+            </a:r>
+            <a:r>
+              <a:rPr lang="en-US" sz="1176" dirty="0" err="1">
+                <a:solidFill>
+                  <a:srgbClr val="08276B"/>
+                </a:solidFill>
+                <a:latin typeface="Exo 2 Medium" panose="00000600000000000000" pitchFamily="50" charset="0"/>
+              </a:rPr>
+              <a:t>Farol</a:t>
+            </a:r>
+            <a:r>
+              <a:rPr lang="en-US" sz="1176" dirty="0">
+                <a:solidFill>
+                  <a:srgbClr val="08276B"/>
+                </a:solidFill>
+                <a:latin typeface="Exo 2 Medium" panose="00000600000000000000" pitchFamily="50" charset="0"/>
+              </a:rPr>
+              <a:t> do </a:t>
+            </a:r>
+            <a:r>
+              <a:rPr lang="en-US" sz="1176" dirty="0" err="1">
+                <a:solidFill>
+                  <a:srgbClr val="08276B"/>
+                </a:solidFill>
+                <a:latin typeface="Exo 2 Medium" panose="00000600000000000000" pitchFamily="50" charset="0"/>
+              </a:rPr>
+              <a:t>Projeto</a:t>
+            </a:r>
+            <a:r>
+              <a:rPr lang="en-US" sz="1176" dirty="0">
+                <a:solidFill>
+                  <a:srgbClr val="08276B"/>
+                </a:solidFill>
+                <a:latin typeface="Exo 2 Medium" panose="00000600000000000000" pitchFamily="50" charset="0"/>
+              </a:rPr>
+              <a:t>   </a:t>
+            </a:r>
+          </a:p>
+        </p:txBody>
+      </p:sp>
+      <p:sp>
+        <p:nvSpPr>
+          <p:cNvPr id="38" name="Oval 134">
+            <a:extLst>
+              <a:ext uri="{FF2B5EF4-FFF2-40B4-BE49-F238E27FC236}">
+                <a16:creationId xmlns:a16="http://schemas.microsoft.com/office/drawing/2014/main" id="{AC71B70F-2DA1-4D18-9AC0-DCFDF0FE0D5C}"/>
+              </a:ext>
+            </a:extLst>
+          </p:cNvPr>
+          <p:cNvSpPr>
+            <a:spLocks noChangeAspect="1"/>
+          </p:cNvSpPr>
+          <p:nvPr/>
+        </p:nvSpPr>
+        <p:spPr>
+          <a:xfrm>
+            <a:off x="12166910" y="328582"/>
+            <a:ext cx="211404" cy="211689"/>
+          </a:xfrm>
+          <a:prstGeom prst="ellipse">
+            <a:avLst/>
+          </a:prstGeom>
+          <a:solidFill>
+            <a:srgbClr val="1BCF13"/>
+          </a:solidFill>
+          <a:ln w="12700">
+            <a:solidFill>
+              <a:schemeClr val="accent3"/>
+            </a:solidFill>
+          </a:ln>
+        </p:spPr>
+        <p:style>
+          <a:lnRef idx="2">
+            <a:schemeClr val="accent1">
+              <a:shade val="50000"/>
+            </a:schemeClr>
+          </a:lnRef>
+          <a:fillRef idx="1">
+            <a:schemeClr val="accent1"/>
+          </a:fillRef>
+          <a:effectRef idx="0">
+            <a:schemeClr val="accent1"/>
+          </a:effectRef>
+          <a:fontRef idx="minor">
+            <a:schemeClr val="lt1"/>
+          </a:fontRef>
+        </p:style>
+        <p:txBody>
+          <a:bodyPr wrap="none" lIns="52922" tIns="52922" rIns="52922" rtlCol="0" anchor="ctr"/>
+          <a:lstStyle/>
+          <a:p>
+            <a:pPr algn="ctr" defTabSz="672130"/>
+            <a:endParaRPr lang="en-US" sz="1176" dirty="0">
+              <a:solidFill>
+                <a:srgbClr val="FFC000"/>
+              </a:solidFill>
+              <a:latin typeface="Exo 2 Medium" panose="00000600000000000000" pitchFamily="50" charset="0"/>
+              <a:cs typeface="Simplon BP Regular"/>
+            </a:endParaRPr>
+          </a:p>
+        </p:txBody>
+      </p:sp>
+      <p:sp>
+        <p:nvSpPr>
+          <p:cNvPr id="43" name="TextBox 42">
+            <a:extLst>
+              <a:ext uri="{FF2B5EF4-FFF2-40B4-BE49-F238E27FC236}">
+                <a16:creationId xmlns:a16="http://schemas.microsoft.com/office/drawing/2014/main" id="{B00F4A3F-EDE2-489C-8C3A-91F9B7B75AAD}"/>
+              </a:ext>
+            </a:extLst>
+          </p:cNvPr>
+          <p:cNvSpPr txBox="1"/>
+          <p:nvPr/>
+        </p:nvSpPr>
+        <p:spPr>
+          <a:xfrm>
+            <a:off x="548929" y="1216709"/>
+            <a:ext cx="6734012" cy="584775"/>
+          </a:xfrm>
+          <a:prstGeom prst="rect">
+            <a:avLst/>
+          </a:prstGeom>
+          <a:noFill/>
+        </p:spPr>
+        <p:txBody>
+          <a:bodyPr wrap="square">
+            <a:spAutoFit/>
+          </a:bodyPr>
+          <a:lstStyle/>
+          <a:p>
+            <a:r>
+              <a:rPr lang="pt-BR" sz="1600" b="1" dirty="0">
+                <a:latin typeface="Exo 2 Medium" panose="00000600000000000000"/>
+              </a:rPr>
+              <a:t>Tela projetos </a:t>
+            </a:r>
+            <a:r>
+              <a:rPr lang="pt-BR" sz="1600" b="1" dirty="0" err="1">
+                <a:latin typeface="Exo 2 Medium" panose="00000600000000000000"/>
+              </a:rPr>
+              <a:t>codada</a:t>
+            </a:r>
+            <a:endParaRPr lang="pt-BR" sz="1600" b="1" dirty="0">
+              <a:latin typeface="Exo 2 Medium" panose="00000600000000000000"/>
+            </a:endParaRPr>
+          </a:p>
+          <a:p>
+            <a:r>
+              <a:rPr lang="pt-BR" sz="1600" dirty="0">
+                <a:latin typeface="Exo 2 Medium" panose="00000600000000000000"/>
+              </a:rPr>
+              <a:t>#Mauricio Santana</a:t>
+            </a:r>
+          </a:p>
+        </p:txBody>
+      </p:sp>
+      <p:sp>
+        <p:nvSpPr>
+          <p:cNvPr id="39" name="TextBox 38">
+            <a:extLst>
+              <a:ext uri="{FF2B5EF4-FFF2-40B4-BE49-F238E27FC236}">
+                <a16:creationId xmlns:a16="http://schemas.microsoft.com/office/drawing/2014/main" id="{EB78EF16-BB72-4778-B7F6-94D832528375}"/>
+              </a:ext>
+            </a:extLst>
+          </p:cNvPr>
+          <p:cNvSpPr txBox="1"/>
+          <p:nvPr/>
+        </p:nvSpPr>
+        <p:spPr>
+          <a:xfrm>
+            <a:off x="548929" y="1853349"/>
+            <a:ext cx="6734012" cy="2308324"/>
+          </a:xfrm>
+          <a:prstGeom prst="rect">
+            <a:avLst/>
+          </a:prstGeom>
+          <a:noFill/>
+        </p:spPr>
+        <p:txBody>
+          <a:bodyPr wrap="square">
+            <a:spAutoFit/>
+          </a:bodyPr>
+          <a:lstStyle/>
+          <a:p>
+            <a:pPr marL="0" lvl="1" defTabSz="672130"/>
+            <a:r>
+              <a:rPr lang="pt-BR" sz="1600" b="1" dirty="0">
+                <a:solidFill>
+                  <a:schemeClr val="tx1"/>
+                </a:solidFill>
+                <a:latin typeface="Exo 2 Medium" panose="00000600000000000000" pitchFamily="50" charset="0"/>
+                <a:cs typeface="Simplon BP Regular"/>
+              </a:rPr>
+              <a:t>Tela feed codada</a:t>
+            </a:r>
+          </a:p>
+          <a:p>
+            <a:pPr marL="0" lvl="1" defTabSz="672130"/>
+            <a:r>
+              <a:rPr lang="pt-BR" sz="1600" dirty="0">
+                <a:solidFill>
+                  <a:schemeClr val="tx1"/>
+                </a:solidFill>
+                <a:latin typeface="Exo 2 Medium" panose="00000600000000000000" pitchFamily="50" charset="0"/>
+                <a:cs typeface="Simplon BP Regular"/>
+              </a:rPr>
+              <a:t>#Lucas Felix</a:t>
+            </a:r>
+          </a:p>
+          <a:p>
+            <a:pPr marL="0" lvl="1" defTabSz="672130"/>
+            <a:endParaRPr lang="pt-BR" sz="1600" dirty="0">
+              <a:latin typeface="Exo 2 Medium" panose="00000600000000000000" pitchFamily="50" charset="0"/>
+              <a:cs typeface="Simplon BP Regular"/>
+            </a:endParaRPr>
+          </a:p>
+          <a:p>
+            <a:pPr marL="0" lvl="1" defTabSz="672130"/>
+            <a:r>
+              <a:rPr lang="pt-BR" sz="1600" b="1" dirty="0">
+                <a:solidFill>
+                  <a:schemeClr val="tx1"/>
+                </a:solidFill>
+                <a:latin typeface="Exo 2 Medium" panose="00000600000000000000" pitchFamily="50" charset="0"/>
+                <a:cs typeface="Simplon BP Regular"/>
+              </a:rPr>
+              <a:t>LLD                                                                                                       </a:t>
+            </a:r>
+          </a:p>
+          <a:p>
+            <a:pPr marL="0" lvl="1" defTabSz="672130"/>
+            <a:r>
+              <a:rPr lang="pt-BR" sz="1600" dirty="0">
+                <a:solidFill>
+                  <a:schemeClr val="tx1"/>
+                </a:solidFill>
+                <a:latin typeface="Exo 2 Medium" panose="00000600000000000000" pitchFamily="50" charset="0"/>
+                <a:cs typeface="Simplon BP Regular"/>
+              </a:rPr>
+              <a:t>#Todo o grupo (para conhecimento geral)</a:t>
+            </a:r>
+          </a:p>
+          <a:p>
+            <a:pPr marL="0" lvl="1" defTabSz="672130"/>
+            <a:endParaRPr lang="pt-BR" sz="1600" dirty="0">
+              <a:solidFill>
+                <a:schemeClr val="tx1"/>
+              </a:solidFill>
+              <a:latin typeface="Exo 2 Medium" panose="00000600000000000000" pitchFamily="50" charset="0"/>
+              <a:cs typeface="Simplon BP Regular"/>
+            </a:endParaRPr>
+          </a:p>
+          <a:p>
+            <a:pPr marL="0" lvl="1" defTabSz="672130"/>
+            <a:r>
+              <a:rPr lang="pt-BR" sz="1600" b="1" dirty="0">
+                <a:solidFill>
+                  <a:schemeClr val="tx1"/>
+                </a:solidFill>
+                <a:latin typeface="Exo 2 Medium" panose="00000600000000000000" pitchFamily="50" charset="0"/>
+                <a:cs typeface="Simplon BP Regular"/>
+              </a:rPr>
+              <a:t>PPT com todas as informações                                                                                                    </a:t>
+            </a:r>
+          </a:p>
+          <a:p>
+            <a:pPr marL="0" lvl="1" defTabSz="672130"/>
+            <a:r>
+              <a:rPr lang="pt-BR" sz="1600" dirty="0">
+                <a:solidFill>
+                  <a:schemeClr val="tx1"/>
+                </a:solidFill>
+                <a:latin typeface="Exo 2 Medium" panose="00000600000000000000" pitchFamily="50" charset="0"/>
+                <a:cs typeface="Simplon BP Regular"/>
+              </a:rPr>
+              <a:t>#Caio Elcio</a:t>
+            </a:r>
+          </a:p>
+          <a:p>
+            <a:pPr marL="0" lvl="1" defTabSz="672130"/>
+            <a:endParaRPr lang="pt-BR" sz="1600" dirty="0">
+              <a:solidFill>
+                <a:schemeClr val="tx1"/>
+              </a:solidFill>
+              <a:latin typeface="Exo 2 Medium" panose="00000600000000000000" pitchFamily="50" charset="0"/>
+              <a:cs typeface="Simplon BP Regular"/>
+            </a:endParaRPr>
+          </a:p>
+        </p:txBody>
+      </p:sp>
+    </p:spTree>
+    <p:extLst>
+      <p:ext uri="{BB962C8B-B14F-4D97-AF65-F5344CB8AC3E}">
+        <p14:creationId xmlns:p14="http://schemas.microsoft.com/office/powerpoint/2010/main" val="1124117727"/>
       </p:ext>
     </p:extLst>
   </p:cSld>
